--- a/demo/latest.pptx
+++ b/demo/latest.pptx
@@ -5375,8 +5375,8 @@
           </a:graphicData>
         </a:graphic>
       </p:graphicFrame>
-      <mc:AlternateContent xmlns:mc="http://schemas.openxmlformats.org/markup-compatibility/2006">
-        <mc:Choice xmlns:a14="http://schemas.microsoft.com/office/drawing/2010/main" Requires="a14">
+      <mc:AlternateContent xmlns:mc="http://schemas.openxmlformats.org/markup-compatibility/2006" xmlns:a14="http://schemas.microsoft.com/office/drawing/2010/main">
+        <mc:Choice Requires="a14">
           <p:sp>
             <p:nvSpPr>
               <p:cNvPr id="3" name="文本框 2">
@@ -5635,7 +5635,7 @@
             </p:txBody>
           </p:sp>
         </mc:Choice>
-        <mc:Fallback>
+        <mc:Fallback xmlns="">
           <p:sp>
             <p:nvSpPr>
               <p:cNvPr id="3" name="文本框 2">
@@ -5710,8 +5710,8 @@
           <a:chExt cx="0" cy="0"/>
         </a:xfrm>
       </p:grpSpPr>
-      <mc:AlternateContent xmlns:mc="http://schemas.openxmlformats.org/markup-compatibility/2006">
-        <mc:Choice xmlns:a14="http://schemas.microsoft.com/office/drawing/2010/main" Requires="a14">
+      <mc:AlternateContent xmlns:mc="http://schemas.openxmlformats.org/markup-compatibility/2006" xmlns:a14="http://schemas.microsoft.com/office/drawing/2010/main">
+        <mc:Choice Requires="a14">
           <p:sp>
             <p:nvSpPr>
               <p:cNvPr id="4" name="文本框 3">
@@ -5970,7 +5970,7 @@
             </p:txBody>
           </p:sp>
         </mc:Choice>
-        <mc:Fallback>
+        <mc:Fallback xmlns="">
           <p:sp>
             <p:nvSpPr>
               <p:cNvPr id="4" name="文本框 3">
@@ -6035,8 +6035,8 @@
             <a:chExt cx="2847686" cy="3576583"/>
           </a:xfrm>
         </p:grpSpPr>
-        <mc:AlternateContent xmlns:mc="http://schemas.openxmlformats.org/markup-compatibility/2006">
-          <mc:Choice xmlns:a14="http://schemas.microsoft.com/office/drawing/2010/main" Requires="a14">
+        <mc:AlternateContent xmlns:mc="http://schemas.openxmlformats.org/markup-compatibility/2006" xmlns:a14="http://schemas.microsoft.com/office/drawing/2010/main">
+          <mc:Choice Requires="a14">
             <p:sp>
               <p:nvSpPr>
                 <p:cNvPr id="5" name="文本框 4">
@@ -6131,7 +6131,7 @@
               </p:txBody>
             </p:sp>
           </mc:Choice>
-          <mc:Fallback>
+          <mc:Fallback xmlns="">
             <p:sp>
               <p:nvSpPr>
                 <p:cNvPr id="5" name="文本框 4">
@@ -6176,8 +6176,8 @@
             </p:sp>
           </mc:Fallback>
         </mc:AlternateContent>
-        <mc:AlternateContent xmlns:mc="http://schemas.openxmlformats.org/markup-compatibility/2006">
-          <mc:Choice xmlns:a14="http://schemas.microsoft.com/office/drawing/2010/main" Requires="a14">
+        <mc:AlternateContent xmlns:mc="http://schemas.openxmlformats.org/markup-compatibility/2006" xmlns:a14="http://schemas.microsoft.com/office/drawing/2010/main">
+          <mc:Choice Requires="a14">
             <p:sp>
               <p:nvSpPr>
                 <p:cNvPr id="6" name="文本框 5">
@@ -6272,7 +6272,7 @@
               </p:txBody>
             </p:sp>
           </mc:Choice>
-          <mc:Fallback>
+          <mc:Fallback xmlns="">
             <p:sp>
               <p:nvSpPr>
                 <p:cNvPr id="6" name="文本框 5">
@@ -6317,8 +6317,8 @@
             </p:sp>
           </mc:Fallback>
         </mc:AlternateContent>
-        <mc:AlternateContent xmlns:mc="http://schemas.openxmlformats.org/markup-compatibility/2006">
-          <mc:Choice xmlns:a14="http://schemas.microsoft.com/office/drawing/2010/main" Requires="a14">
+        <mc:AlternateContent xmlns:mc="http://schemas.openxmlformats.org/markup-compatibility/2006" xmlns:a14="http://schemas.microsoft.com/office/drawing/2010/main">
+          <mc:Choice Requires="a14">
             <p:sp>
               <p:nvSpPr>
                 <p:cNvPr id="7" name="文本框 6">
@@ -6399,7 +6399,7 @@
               </p:txBody>
             </p:sp>
           </mc:Choice>
-          <mc:Fallback>
+          <mc:Fallback xmlns="">
             <p:sp>
               <p:nvSpPr>
                 <p:cNvPr id="7" name="文本框 6">
@@ -6444,8 +6444,8 @@
             </p:sp>
           </mc:Fallback>
         </mc:AlternateContent>
-        <mc:AlternateContent xmlns:mc="http://schemas.openxmlformats.org/markup-compatibility/2006">
-          <mc:Choice xmlns:a14="http://schemas.microsoft.com/office/drawing/2010/main" Requires="a14">
+        <mc:AlternateContent xmlns:mc="http://schemas.openxmlformats.org/markup-compatibility/2006" xmlns:a14="http://schemas.microsoft.com/office/drawing/2010/main">
+          <mc:Choice Requires="a14">
             <p:sp>
               <p:nvSpPr>
                 <p:cNvPr id="8" name="文本框 7">
@@ -6540,7 +6540,7 @@
               </p:txBody>
             </p:sp>
           </mc:Choice>
-          <mc:Fallback>
+          <mc:Fallback xmlns="">
             <p:sp>
               <p:nvSpPr>
                 <p:cNvPr id="8" name="文本框 7">
@@ -17456,8 +17456,8 @@
           <a:chExt cx="0" cy="0"/>
         </a:xfrm>
       </p:grpSpPr>
-      <mc:AlternateContent xmlns:mc="http://schemas.openxmlformats.org/markup-compatibility/2006">
-        <mc:Choice xmlns:a14="http://schemas.microsoft.com/office/drawing/2010/main" Requires="a14">
+      <mc:AlternateContent xmlns:mc="http://schemas.openxmlformats.org/markup-compatibility/2006" xmlns:a14="http://schemas.microsoft.com/office/drawing/2010/main">
+        <mc:Choice Requires="a14">
           <p:sp>
             <p:nvSpPr>
               <p:cNvPr id="2" name="文本框 1">
@@ -17865,14 +17865,7 @@
                             <a:latin typeface="Cambria Math" panose="02040503050406030204" pitchFamily="18" charset="0"/>
                             <a:cs typeface="Calibri" panose="020F0502020204030204" pitchFamily="34" charset="0"/>
                           </a:rPr>
-                          <m:t>𝒔</m:t>
-                        </m:r>
-                        <m:r>
-                          <a:rPr lang="en-US" altLang="zh-CN" sz="2000" b="1" i="1">
-                            <a:latin typeface="Cambria Math" panose="02040503050406030204" pitchFamily="18" charset="0"/>
-                            <a:cs typeface="Calibri" panose="020F0502020204030204" pitchFamily="34" charset="0"/>
-                          </a:rPr>
-                          <m:t>𝒓𝒄</m:t>
+                          <m:t>𝒔𝒓𝒄</m:t>
                         </m:r>
                         <m:r>
                           <a:rPr lang="en-US" altLang="zh-CN" sz="2000" b="1" i="1">
@@ -18165,7 +18158,7 @@
             </p:txBody>
           </p:sp>
         </mc:Choice>
-        <mc:Fallback>
+        <mc:Fallback xmlns="">
           <p:sp>
             <p:nvSpPr>
               <p:cNvPr id="2" name="文本框 1">
@@ -20173,8 +20166,8 @@
               <a:p>
                 <a:r>
                   <a:rPr lang="en-US" altLang="zh-CN">
-                    <a:latin typeface="Calibri" panose="020F0502020204030204" pitchFamily="34" charset="0"/>
-                    <a:cs typeface="Calibri" panose="020F0502020204030204" pitchFamily="34" charset="0"/>
+                    <a:latin typeface="Times New Roman" panose="02020603050405020304" pitchFamily="18" charset="0"/>
+                    <a:cs typeface="Times New Roman" panose="02020603050405020304" pitchFamily="18" charset="0"/>
                   </a:rPr>
                   <a:t>src_ctr_usa_v0:</a:t>
                 </a:r>
@@ -20187,39 +20180,28 @@
                 <a14:m>
                   <m:oMath xmlns:m="http://schemas.openxmlformats.org/officeDocument/2006/math">
                     <m:r>
-                      <a:rPr lang="zh-CN" altLang="en-US" i="1" smtClean="0">
+                      <a:rPr lang="zh-CN" altLang="en-US" b="1" i="0" smtClean="0">
                         <a:latin typeface="Cambria Math" panose="02040503050406030204" pitchFamily="18" charset="0"/>
                         <a:cs typeface="Calibri" panose="020F0502020204030204" pitchFamily="34" charset="0"/>
                       </a:rPr>
-                      <m:t>𝜆</m:t>
+                      <m:t>𝛌</m:t>
                     </m:r>
                     <m:r>
-                      <a:rPr lang="en-US" altLang="zh-CN" i="1" smtClean="0">
+                      <a:rPr lang="en-US" altLang="zh-CN" b="1" i="0" smtClean="0">
                         <a:latin typeface="Cambria Math" panose="02040503050406030204" pitchFamily="18" charset="0"/>
                         <a:cs typeface="Calibri" panose="020F0502020204030204" pitchFamily="34" charset="0"/>
                       </a:rPr>
-                      <m:t>=0.</m:t>
-                    </m:r>
-                    <m:r>
-                      <a:rPr lang="en-US" altLang="zh-CN" b="0" i="1" smtClean="0">
-                        <a:latin typeface="Cambria Math" panose="02040503050406030204" pitchFamily="18" charset="0"/>
-                        <a:cs typeface="Calibri" panose="020F0502020204030204" pitchFamily="34" charset="0"/>
-                      </a:rPr>
-                      <m:t>0</m:t>
-                    </m:r>
-                    <m:r>
-                      <a:rPr lang="en-US" altLang="zh-CN" i="1" smtClean="0">
-                        <a:latin typeface="Cambria Math" panose="02040503050406030204" pitchFamily="18" charset="0"/>
-                        <a:cs typeface="Calibri" panose="020F0502020204030204" pitchFamily="34" charset="0"/>
-                      </a:rPr>
-                      <m:t>1</m:t>
+                      <m:t> </m:t>
                     </m:r>
                   </m:oMath>
                 </a14:m>
-                <a:endParaRPr lang="en-US" altLang="zh-CN">
-                  <a:latin typeface="Calibri" panose="020F0502020204030204" pitchFamily="34" charset="0"/>
-                  <a:cs typeface="Calibri" panose="020F0502020204030204" pitchFamily="34" charset="0"/>
-                </a:endParaRPr>
+                <a:r>
+                  <a:rPr lang="en-US" altLang="zh-CN" b="1">
+                    <a:latin typeface="Times New Roman" panose="02020603050405020304" pitchFamily="18" charset="0"/>
+                    <a:cs typeface="Times New Roman" panose="02020603050405020304" pitchFamily="18" charset="0"/>
+                  </a:rPr>
+                  <a:t>= 0.01</a:t>
+                </a:r>
               </a:p>
               <a:p>
                 <a:pPr marL="285750" indent="-285750">
@@ -20228,8 +20210,8 @@
                 </a:pPr>
                 <a:r>
                   <a:rPr lang="en-US" altLang="zh-CN">
-                    <a:latin typeface="Calibri" panose="020F0502020204030204" pitchFamily="34" charset="0"/>
-                    <a:cs typeface="Calibri" panose="020F0502020204030204" pitchFamily="34" charset="0"/>
+                    <a:latin typeface="Times New Roman" panose="02020603050405020304" pitchFamily="18" charset="0"/>
+                    <a:cs typeface="Times New Roman" panose="02020603050405020304" pitchFamily="18" charset="0"/>
                   </a:rPr>
                   <a:t>#pts = 1024, # groups = 1</a:t>
                 </a:r>
@@ -20241,8 +20223,8 @@
                 </a:pPr>
                 <a:r>
                   <a:rPr lang="en-US" altLang="zh-CN">
-                    <a:latin typeface="Calibri" panose="020F0502020204030204" pitchFamily="34" charset="0"/>
-                    <a:cs typeface="Calibri" panose="020F0502020204030204" pitchFamily="34" charset="0"/>
+                    <a:latin typeface="Times New Roman" panose="02020603050405020304" pitchFamily="18" charset="0"/>
+                    <a:cs typeface="Times New Roman" panose="02020603050405020304" pitchFamily="18" charset="0"/>
                   </a:rPr>
                   <a:t>batch_size=8</a:t>
                 </a:r>
@@ -20255,14 +20237,14 @@
                 <a14:m>
                   <m:oMath xmlns:m="http://schemas.openxmlformats.org/officeDocument/2006/math">
                     <m:r>
-                      <a:rPr lang="en-US" altLang="zh-CN" b="0" i="1" smtClean="0">
+                      <a:rPr lang="en-US" altLang="zh-CN" i="1" smtClean="0">
                         <a:latin typeface="Cambria Math" panose="02040503050406030204" pitchFamily="18" charset="0"/>
                         <a:cs typeface="Calibri" panose="020F0502020204030204" pitchFamily="34" charset="0"/>
                       </a:rPr>
                       <m:t>𝐿</m:t>
                     </m:r>
                     <m:r>
-                      <a:rPr lang="en-US" altLang="zh-CN" b="0" i="1" smtClean="0">
+                      <a:rPr lang="en-US" altLang="zh-CN" i="1" smtClean="0">
                         <a:latin typeface="Cambria Math" panose="02040503050406030204" pitchFamily="18" charset="0"/>
                         <a:cs typeface="Calibri" panose="020F0502020204030204" pitchFamily="34" charset="0"/>
                       </a:rPr>
@@ -20271,7 +20253,7 @@
                     <m:sSub>
                       <m:sSubPr>
                         <m:ctrlPr>
-                          <a:rPr lang="en-US" altLang="zh-CN" b="0" i="1" smtClean="0">
+                          <a:rPr lang="en-US" altLang="zh-CN" i="1" smtClean="0">
                             <a:latin typeface="Cambria Math" panose="02040503050406030204" pitchFamily="18" charset="0"/>
                             <a:cs typeface="Calibri" panose="020F0502020204030204" pitchFamily="34" charset="0"/>
                           </a:rPr>
@@ -20279,7 +20261,7 @@
                       </m:sSubPr>
                       <m:e>
                         <m:r>
-                          <a:rPr lang="en-US" altLang="zh-CN" b="0" i="1" smtClean="0">
+                          <a:rPr lang="en-US" altLang="zh-CN" i="1" smtClean="0">
                             <a:latin typeface="Cambria Math" panose="02040503050406030204" pitchFamily="18" charset="0"/>
                             <a:cs typeface="Calibri" panose="020F0502020204030204" pitchFamily="34" charset="0"/>
                           </a:rPr>
@@ -20288,7 +20270,7 @@
                       </m:e>
                       <m:sub>
                         <m:r>
-                          <a:rPr lang="en-US" altLang="zh-CN" b="0" i="1" smtClean="0">
+                          <a:rPr lang="en-US" altLang="zh-CN" i="1" smtClean="0">
                             <a:latin typeface="Cambria Math" panose="02040503050406030204" pitchFamily="18" charset="0"/>
                             <a:cs typeface="Calibri" panose="020F0502020204030204" pitchFamily="34" charset="0"/>
                           </a:rPr>
@@ -20297,42 +20279,35 @@
                       </m:sub>
                     </m:sSub>
                     <m:r>
-                      <a:rPr lang="en-US" altLang="zh-CN" i="1">
+                      <a:rPr lang="en-US" altLang="zh-CN" i="1" smtClean="0">
                         <a:latin typeface="Cambria Math" panose="02040503050406030204" pitchFamily="18" charset="0"/>
                         <a:cs typeface="Calibri" panose="020F0502020204030204" pitchFamily="34" charset="0"/>
                       </a:rPr>
-                      <m:t>+</m:t>
+                      <m:t>+ </m:t>
                     </m:r>
                     <m:r>
-                      <a:rPr lang="en-US" altLang="zh-CN" b="0" i="1" smtClean="0">
+                      <a:rPr lang="zh-CN" altLang="en-US" i="1" smtClean="0">
+                        <a:latin typeface="Cambria Math" panose="02040503050406030204" pitchFamily="18" charset="0"/>
+                        <a:cs typeface="Calibri" panose="020F0502020204030204" pitchFamily="34" charset="0"/>
+                      </a:rPr>
+                      <m:t>𝜆</m:t>
+                    </m:r>
+                    <m:r>
+                      <a:rPr lang="en-US" altLang="zh-CN" i="1" smtClean="0">
                         <a:latin typeface="Cambria Math" panose="02040503050406030204" pitchFamily="18" charset="0"/>
                         <a:cs typeface="Calibri" panose="020F0502020204030204" pitchFamily="34" charset="0"/>
                       </a:rPr>
                       <m:t> </m:t>
                     </m:r>
                     <m:r>
-                      <a:rPr lang="zh-CN" altLang="en-US" b="0" i="1" smtClean="0">
-                        <a:latin typeface="Cambria Math" panose="02040503050406030204" pitchFamily="18" charset="0"/>
-                        <a:cs typeface="Calibri" panose="020F0502020204030204" pitchFamily="34" charset="0"/>
-                      </a:rPr>
-                      <m:t>𝜆</m:t>
-                    </m:r>
-                    <m:r>
-                      <a:rPr lang="en-US" altLang="zh-CN" b="0" i="1" smtClean="0">
-                        <a:latin typeface="Cambria Math" panose="02040503050406030204" pitchFamily="18" charset="0"/>
-                        <a:cs typeface="Calibri" panose="020F0502020204030204" pitchFamily="34" charset="0"/>
-                      </a:rPr>
-                      <m:t> </m:t>
-                    </m:r>
-                    <m:r>
-                      <a:rPr lang="zh-CN" altLang="en-US" i="1">
+                      <a:rPr lang="zh-CN" altLang="en-US" i="1" smtClean="0">
                         <a:latin typeface="Cambria Math" panose="02040503050406030204" pitchFamily="18" charset="0"/>
                         <a:cs typeface="Calibri" panose="020F0502020204030204" pitchFamily="34" charset="0"/>
                       </a:rPr>
                       <m:t>∗</m:t>
                     </m:r>
                     <m:r>
-                      <a:rPr lang="en-US" altLang="zh-CN" b="0" i="1" smtClean="0">
+                      <a:rPr lang="en-US" altLang="zh-CN" i="1" smtClean="0">
                         <a:latin typeface="Cambria Math" panose="02040503050406030204" pitchFamily="18" charset="0"/>
                         <a:cs typeface="Calibri" panose="020F0502020204030204" pitchFamily="34" charset="0"/>
                       </a:rPr>
@@ -20349,7 +20324,7 @@
                       </m:sSubPr>
                       <m:e>
                         <m:r>
-                          <a:rPr lang="en-US" altLang="zh-CN" i="1">
+                          <a:rPr lang="en-US" altLang="zh-CN" i="1" smtClean="0">
                             <a:latin typeface="Cambria Math" panose="02040503050406030204" pitchFamily="18" charset="0"/>
                             <a:cs typeface="Calibri" panose="020F0502020204030204" pitchFamily="34" charset="0"/>
                           </a:rPr>
@@ -20358,28 +20333,21 @@
                       </m:e>
                       <m:sub>
                         <m:r>
-                          <a:rPr lang="en-US" altLang="zh-CN" i="1">
+                          <a:rPr lang="en-US" altLang="zh-CN" i="1" smtClean="0">
                             <a:latin typeface="Cambria Math" panose="02040503050406030204" pitchFamily="18" charset="0"/>
                             <a:cs typeface="Calibri" panose="020F0502020204030204" pitchFamily="34" charset="0"/>
                           </a:rPr>
-                          <m:t>𝑠</m:t>
+                          <m:t>𝑠𝑟𝑐</m:t>
                         </m:r>
                         <m:r>
-                          <a:rPr lang="en-US" altLang="zh-CN" b="0" i="1" smtClean="0">
-                            <a:latin typeface="Cambria Math" panose="02040503050406030204" pitchFamily="18" charset="0"/>
-                            <a:cs typeface="Calibri" panose="020F0502020204030204" pitchFamily="34" charset="0"/>
-                          </a:rPr>
-                          <m:t>𝑟𝑐</m:t>
-                        </m:r>
-                        <m:r>
-                          <a:rPr lang="en-US" altLang="zh-CN" b="0" i="1" smtClean="0">
+                          <a:rPr lang="en-US" altLang="zh-CN" i="1" smtClean="0">
                             <a:latin typeface="Cambria Math" panose="02040503050406030204" pitchFamily="18" charset="0"/>
                             <a:cs typeface="Calibri" panose="020F0502020204030204" pitchFamily="34" charset="0"/>
                           </a:rPr>
                           <m:t>_</m:t>
                         </m:r>
                         <m:r>
-                          <a:rPr lang="en-US" altLang="zh-CN" b="0" i="1" smtClean="0">
+                          <a:rPr lang="en-US" altLang="zh-CN" i="1" smtClean="0">
                             <a:latin typeface="Cambria Math" panose="02040503050406030204" pitchFamily="18" charset="0"/>
                             <a:cs typeface="Calibri" panose="020F0502020204030204" pitchFamily="34" charset="0"/>
                           </a:rPr>
@@ -20390,8 +20358,8 @@
                   </m:oMath>
                 </a14:m>
                 <a:endParaRPr lang="en-US" altLang="zh-CN">
-                  <a:latin typeface="Calibri" panose="020F0502020204030204" pitchFamily="34" charset="0"/>
-                  <a:cs typeface="Calibri" panose="020F0502020204030204" pitchFamily="34" charset="0"/>
+                  <a:latin typeface="Times New Roman" panose="02020603050405020304" pitchFamily="18" charset="0"/>
+                  <a:cs typeface="Times New Roman" panose="02020603050405020304" pitchFamily="18" charset="0"/>
                 </a:endParaRPr>
               </a:p>
             </p:txBody>
@@ -20564,8 +20532,8 @@
               <a:p>
                 <a:r>
                   <a:rPr lang="en-US" altLang="zh-CN">
-                    <a:latin typeface="Calibri" panose="020F0502020204030204" pitchFamily="34" charset="0"/>
-                    <a:cs typeface="Calibri" panose="020F0502020204030204" pitchFamily="34" charset="0"/>
+                    <a:latin typeface="Times New Roman" panose="02020603050405020304" pitchFamily="18" charset="0"/>
+                    <a:cs typeface="Times New Roman" panose="02020603050405020304" pitchFamily="18" charset="0"/>
                   </a:rPr>
                   <a:t>src_ctr_usa_v1:</a:t>
                 </a:r>
@@ -20578,24 +20546,34 @@
                 <a14:m>
                   <m:oMath xmlns:m="http://schemas.openxmlformats.org/officeDocument/2006/math">
                     <m:r>
-                      <a:rPr lang="zh-CN" altLang="en-US" i="1" smtClean="0">
+                      <a:rPr lang="zh-CN" altLang="en-US" b="1">
                         <a:latin typeface="Cambria Math" panose="02040503050406030204" pitchFamily="18" charset="0"/>
                         <a:cs typeface="Calibri" panose="020F0502020204030204" pitchFamily="34" charset="0"/>
                       </a:rPr>
-                      <m:t>𝜆</m:t>
+                      <m:t>𝛌</m:t>
                     </m:r>
                     <m:r>
-                      <a:rPr lang="en-US" altLang="zh-CN" i="1" smtClean="0">
+                      <a:rPr lang="en-US" altLang="zh-CN" b="1">
                         <a:latin typeface="Cambria Math" panose="02040503050406030204" pitchFamily="18" charset="0"/>
                         <a:cs typeface="Calibri" panose="020F0502020204030204" pitchFamily="34" charset="0"/>
                       </a:rPr>
-                      <m:t>=0.1</m:t>
+                      <m:t> </m:t>
+                    </m:r>
+                    <m:r>
+                      <m:rPr>
+                        <m:nor/>
+                      </m:rPr>
+                      <a:rPr lang="en-US" altLang="zh-CN" b="1">
+                        <a:latin typeface="Times New Roman" panose="02020603050405020304" pitchFamily="18" charset="0"/>
+                        <a:cs typeface="Times New Roman" panose="02020603050405020304" pitchFamily="18" charset="0"/>
+                      </a:rPr>
+                      <m:t>= 0.1</m:t>
                     </m:r>
                   </m:oMath>
                 </a14:m>
-                <a:endParaRPr lang="en-US" altLang="zh-CN">
-                  <a:latin typeface="Calibri" panose="020F0502020204030204" pitchFamily="34" charset="0"/>
-                  <a:cs typeface="Calibri" panose="020F0502020204030204" pitchFamily="34" charset="0"/>
+                <a:endParaRPr lang="en-US" altLang="zh-CN" b="1">
+                  <a:latin typeface="Times New Roman" panose="02020603050405020304" pitchFamily="18" charset="0"/>
+                  <a:cs typeface="Times New Roman" panose="02020603050405020304" pitchFamily="18" charset="0"/>
                 </a:endParaRPr>
               </a:p>
               <a:p>
@@ -20605,8 +20583,8 @@
                 </a:pPr>
                 <a:r>
                   <a:rPr lang="en-US" altLang="zh-CN">
-                    <a:latin typeface="Calibri" panose="020F0502020204030204" pitchFamily="34" charset="0"/>
-                    <a:cs typeface="Calibri" panose="020F0502020204030204" pitchFamily="34" charset="0"/>
+                    <a:latin typeface="Times New Roman" panose="02020603050405020304" pitchFamily="18" charset="0"/>
+                    <a:cs typeface="Times New Roman" panose="02020603050405020304" pitchFamily="18" charset="0"/>
                   </a:rPr>
                   <a:t>#pts = 1024, # groups = 1</a:t>
                 </a:r>
@@ -20618,8 +20596,8 @@
                 </a:pPr>
                 <a:r>
                   <a:rPr lang="en-US" altLang="zh-CN">
-                    <a:latin typeface="Calibri" panose="020F0502020204030204" pitchFamily="34" charset="0"/>
-                    <a:cs typeface="Calibri" panose="020F0502020204030204" pitchFamily="34" charset="0"/>
+                    <a:latin typeface="Times New Roman" panose="02020603050405020304" pitchFamily="18" charset="0"/>
+                    <a:cs typeface="Times New Roman" panose="02020603050405020304" pitchFamily="18" charset="0"/>
                   </a:rPr>
                   <a:t>batch_size=8</a:t>
                 </a:r>
@@ -20767,8 +20745,8 @@
                   </m:oMath>
                 </a14:m>
                 <a:endParaRPr lang="en-US" altLang="zh-CN">
-                  <a:latin typeface="Calibri" panose="020F0502020204030204" pitchFamily="34" charset="0"/>
-                  <a:cs typeface="Calibri" panose="020F0502020204030204" pitchFamily="34" charset="0"/>
+                  <a:latin typeface="Times New Roman" panose="02020603050405020304" pitchFamily="18" charset="0"/>
+                  <a:cs typeface="Times New Roman" panose="02020603050405020304" pitchFamily="18" charset="0"/>
                 </a:endParaRPr>
               </a:p>
             </p:txBody>
@@ -20941,8 +20919,8 @@
               <a:p>
                 <a:r>
                   <a:rPr lang="en-US" altLang="zh-CN">
-                    <a:latin typeface="Calibri" panose="020F0502020204030204" pitchFamily="34" charset="0"/>
-                    <a:cs typeface="Calibri" panose="020F0502020204030204" pitchFamily="34" charset="0"/>
+                    <a:latin typeface="Times New Roman" panose="02020603050405020304" pitchFamily="18" charset="0"/>
+                    <a:cs typeface="Times New Roman" panose="02020603050405020304" pitchFamily="18" charset="0"/>
                   </a:rPr>
                   <a:t>src_ctr_usa_v2:</a:t>
                 </a:r>
@@ -20955,31 +20933,44 @@
                 <a14:m>
                   <m:oMath xmlns:m="http://schemas.openxmlformats.org/officeDocument/2006/math">
                     <m:r>
-                      <a:rPr lang="zh-CN" altLang="en-US" i="1" smtClean="0">
+                      <a:rPr lang="zh-CN" altLang="en-US" b="1">
                         <a:latin typeface="Cambria Math" panose="02040503050406030204" pitchFamily="18" charset="0"/>
                         <a:cs typeface="Calibri" panose="020F0502020204030204" pitchFamily="34" charset="0"/>
                       </a:rPr>
-                      <m:t>𝜆</m:t>
+                      <m:t>𝛌</m:t>
                     </m:r>
                     <m:r>
-                      <a:rPr lang="en-US" altLang="zh-CN" i="1" smtClean="0">
+                      <a:rPr lang="en-US" altLang="zh-CN" b="1">
                         <a:latin typeface="Cambria Math" panose="02040503050406030204" pitchFamily="18" charset="0"/>
                         <a:cs typeface="Calibri" panose="020F0502020204030204" pitchFamily="34" charset="0"/>
                       </a:rPr>
-                      <m:t>=0.</m:t>
+                      <m:t> </m:t>
                     </m:r>
                     <m:r>
-                      <a:rPr lang="en-US" altLang="zh-CN" b="0" i="1" smtClean="0">
-                        <a:latin typeface="Cambria Math" panose="02040503050406030204" pitchFamily="18" charset="0"/>
-                        <a:cs typeface="Calibri" panose="020F0502020204030204" pitchFamily="34" charset="0"/>
+                      <m:rPr>
+                        <m:nor/>
+                      </m:rPr>
+                      <a:rPr lang="en-US" altLang="zh-CN" b="1">
+                        <a:latin typeface="Times New Roman" panose="02020603050405020304" pitchFamily="18" charset="0"/>
+                        <a:cs typeface="Times New Roman" panose="02020603050405020304" pitchFamily="18" charset="0"/>
+                      </a:rPr>
+                      <m:t>= 0.</m:t>
+                    </m:r>
+                    <m:r>
+                      <m:rPr>
+                        <m:nor/>
+                      </m:rPr>
+                      <a:rPr lang="en-US" altLang="zh-CN" b="1" i="0" smtClean="0">
+                        <a:latin typeface="Times New Roman" panose="02020603050405020304" pitchFamily="18" charset="0"/>
+                        <a:cs typeface="Times New Roman" panose="02020603050405020304" pitchFamily="18" charset="0"/>
                       </a:rPr>
                       <m:t>5</m:t>
                     </m:r>
                   </m:oMath>
                 </a14:m>
-                <a:endParaRPr lang="en-US" altLang="zh-CN">
-                  <a:latin typeface="Calibri" panose="020F0502020204030204" pitchFamily="34" charset="0"/>
-                  <a:cs typeface="Calibri" panose="020F0502020204030204" pitchFamily="34" charset="0"/>
+                <a:endParaRPr lang="en-US" altLang="zh-CN" b="1">
+                  <a:latin typeface="Times New Roman" panose="02020603050405020304" pitchFamily="18" charset="0"/>
+                  <a:cs typeface="Times New Roman" panose="02020603050405020304" pitchFamily="18" charset="0"/>
                 </a:endParaRPr>
               </a:p>
               <a:p>
@@ -20989,8 +20980,8 @@
                 </a:pPr>
                 <a:r>
                   <a:rPr lang="en-US" altLang="zh-CN">
-                    <a:latin typeface="Calibri" panose="020F0502020204030204" pitchFamily="34" charset="0"/>
-                    <a:cs typeface="Calibri" panose="020F0502020204030204" pitchFamily="34" charset="0"/>
+                    <a:latin typeface="Times New Roman" panose="02020603050405020304" pitchFamily="18" charset="0"/>
+                    <a:cs typeface="Times New Roman" panose="02020603050405020304" pitchFamily="18" charset="0"/>
                   </a:rPr>
                   <a:t>#pts = 1024, # groups = 1</a:t>
                 </a:r>
@@ -21002,8 +20993,8 @@
                 </a:pPr>
                 <a:r>
                   <a:rPr lang="en-US" altLang="zh-CN">
-                    <a:latin typeface="Calibri" panose="020F0502020204030204" pitchFamily="34" charset="0"/>
-                    <a:cs typeface="Calibri" panose="020F0502020204030204" pitchFamily="34" charset="0"/>
+                    <a:latin typeface="Times New Roman" panose="02020603050405020304" pitchFamily="18" charset="0"/>
+                    <a:cs typeface="Times New Roman" panose="02020603050405020304" pitchFamily="18" charset="0"/>
                   </a:rPr>
                   <a:t>batch_size=8</a:t>
                 </a:r>
@@ -21151,8 +21142,8 @@
                   </m:oMath>
                 </a14:m>
                 <a:endParaRPr lang="en-US" altLang="zh-CN">
-                  <a:latin typeface="Calibri" panose="020F0502020204030204" pitchFamily="34" charset="0"/>
-                  <a:cs typeface="Calibri" panose="020F0502020204030204" pitchFamily="34" charset="0"/>
+                  <a:latin typeface="Times New Roman" panose="02020603050405020304" pitchFamily="18" charset="0"/>
+                  <a:cs typeface="Times New Roman" panose="02020603050405020304" pitchFamily="18" charset="0"/>
                 </a:endParaRPr>
               </a:p>
             </p:txBody>
@@ -21248,7 +21239,7 @@
         <p:spPr>
           <a:xfrm>
             <a:off x="417251" y="346229"/>
-            <a:ext cx="4110421" cy="1323439"/>
+            <a:ext cx="2621230" cy="1323439"/>
           </a:xfrm>
           <a:prstGeom prst="rect">
             <a:avLst/>
@@ -21279,7 +21270,7 @@
                 <a:latin typeface="Times New Roman" panose="02020603050405020304" pitchFamily="18" charset="0"/>
                 <a:cs typeface="Times New Roman" panose="02020603050405020304" pitchFamily="18" charset="0"/>
               </a:rPr>
-              <a:t>contrast_usa_v3, contrast_usa_v4</a:t>
+              <a:t>contrast_usa_v3/v4</a:t>
             </a:r>
           </a:p>
           <a:p>

--- a/demo/latest.pptx
+++ b/demo/latest.pptx
@@ -8,23 +8,28 @@
     <p:sldId id="377" r:id="rId2"/>
     <p:sldId id="371" r:id="rId3"/>
     <p:sldId id="374" r:id="rId4"/>
-    <p:sldId id="369" r:id="rId5"/>
-    <p:sldId id="366" r:id="rId6"/>
-    <p:sldId id="370" r:id="rId7"/>
-    <p:sldId id="372" r:id="rId8"/>
-    <p:sldId id="373" r:id="rId9"/>
-    <p:sldId id="367" r:id="rId10"/>
-    <p:sldId id="360" r:id="rId11"/>
-    <p:sldId id="364" r:id="rId12"/>
-    <p:sldId id="365" r:id="rId13"/>
-    <p:sldId id="362" r:id="rId14"/>
-    <p:sldId id="361" r:id="rId15"/>
-    <p:sldId id="350" r:id="rId16"/>
-    <p:sldId id="351" r:id="rId17"/>
-    <p:sldId id="353" r:id="rId18"/>
-    <p:sldId id="356" r:id="rId19"/>
-    <p:sldId id="349" r:id="rId20"/>
-    <p:sldId id="348" r:id="rId21"/>
+    <p:sldId id="382" r:id="rId5"/>
+    <p:sldId id="369" r:id="rId6"/>
+    <p:sldId id="366" r:id="rId7"/>
+    <p:sldId id="370" r:id="rId8"/>
+    <p:sldId id="372" r:id="rId9"/>
+    <p:sldId id="373" r:id="rId10"/>
+    <p:sldId id="378" r:id="rId11"/>
+    <p:sldId id="379" r:id="rId12"/>
+    <p:sldId id="380" r:id="rId13"/>
+    <p:sldId id="381" r:id="rId14"/>
+    <p:sldId id="367" r:id="rId15"/>
+    <p:sldId id="360" r:id="rId16"/>
+    <p:sldId id="364" r:id="rId17"/>
+    <p:sldId id="365" r:id="rId18"/>
+    <p:sldId id="362" r:id="rId19"/>
+    <p:sldId id="361" r:id="rId20"/>
+    <p:sldId id="350" r:id="rId21"/>
+    <p:sldId id="351" r:id="rId22"/>
+    <p:sldId id="353" r:id="rId23"/>
+    <p:sldId id="356" r:id="rId24"/>
+    <p:sldId id="349" r:id="rId25"/>
+    <p:sldId id="348" r:id="rId26"/>
   </p:sldIdLst>
   <p:sldSz cx="12192000" cy="6858000"/>
   <p:notesSz cx="6858000" cy="9144000"/>
@@ -290,7 +295,7 @@
           <a:p>
             <a:fld id="{F66AF9F7-1E16-4864-A104-0B9CCBB64DB7}" type="datetimeFigureOut">
               <a:rPr lang="zh-CN" altLang="en-US" smtClean="0"/>
-              <a:t>2021/3/25</a:t>
+              <a:t>2021/3/28</a:t>
             </a:fld>
             <a:endParaRPr lang="zh-CN" altLang="en-US"/>
           </a:p>
@@ -488,7 +493,7 @@
           <a:p>
             <a:fld id="{F66AF9F7-1E16-4864-A104-0B9CCBB64DB7}" type="datetimeFigureOut">
               <a:rPr lang="zh-CN" altLang="en-US" smtClean="0"/>
-              <a:t>2021/3/25</a:t>
+              <a:t>2021/3/28</a:t>
             </a:fld>
             <a:endParaRPr lang="zh-CN" altLang="en-US"/>
           </a:p>
@@ -696,7 +701,7 @@
           <a:p>
             <a:fld id="{F66AF9F7-1E16-4864-A104-0B9CCBB64DB7}" type="datetimeFigureOut">
               <a:rPr lang="zh-CN" altLang="en-US" smtClean="0"/>
-              <a:t>2021/3/25</a:t>
+              <a:t>2021/3/28</a:t>
             </a:fld>
             <a:endParaRPr lang="zh-CN" altLang="en-US"/>
           </a:p>
@@ -894,7 +899,7 @@
           <a:p>
             <a:fld id="{F66AF9F7-1E16-4864-A104-0B9CCBB64DB7}" type="datetimeFigureOut">
               <a:rPr lang="zh-CN" altLang="en-US" smtClean="0"/>
-              <a:t>2021/3/25</a:t>
+              <a:t>2021/3/28</a:t>
             </a:fld>
             <a:endParaRPr lang="zh-CN" altLang="en-US"/>
           </a:p>
@@ -1169,7 +1174,7 @@
           <a:p>
             <a:fld id="{F66AF9F7-1E16-4864-A104-0B9CCBB64DB7}" type="datetimeFigureOut">
               <a:rPr lang="zh-CN" altLang="en-US" smtClean="0"/>
-              <a:t>2021/3/25</a:t>
+              <a:t>2021/3/28</a:t>
             </a:fld>
             <a:endParaRPr lang="zh-CN" altLang="en-US"/>
           </a:p>
@@ -1434,7 +1439,7 @@
           <a:p>
             <a:fld id="{F66AF9F7-1E16-4864-A104-0B9CCBB64DB7}" type="datetimeFigureOut">
               <a:rPr lang="zh-CN" altLang="en-US" smtClean="0"/>
-              <a:t>2021/3/25</a:t>
+              <a:t>2021/3/28</a:t>
             </a:fld>
             <a:endParaRPr lang="zh-CN" altLang="en-US"/>
           </a:p>
@@ -1846,7 +1851,7 @@
           <a:p>
             <a:fld id="{F66AF9F7-1E16-4864-A104-0B9CCBB64DB7}" type="datetimeFigureOut">
               <a:rPr lang="zh-CN" altLang="en-US" smtClean="0"/>
-              <a:t>2021/3/25</a:t>
+              <a:t>2021/3/28</a:t>
             </a:fld>
             <a:endParaRPr lang="zh-CN" altLang="en-US"/>
           </a:p>
@@ -1987,7 +1992,7 @@
           <a:p>
             <a:fld id="{F66AF9F7-1E16-4864-A104-0B9CCBB64DB7}" type="datetimeFigureOut">
               <a:rPr lang="zh-CN" altLang="en-US" smtClean="0"/>
-              <a:t>2021/3/25</a:t>
+              <a:t>2021/3/28</a:t>
             </a:fld>
             <a:endParaRPr lang="zh-CN" altLang="en-US"/>
           </a:p>
@@ -2100,7 +2105,7 @@
           <a:p>
             <a:fld id="{F66AF9F7-1E16-4864-A104-0B9CCBB64DB7}" type="datetimeFigureOut">
               <a:rPr lang="zh-CN" altLang="en-US" smtClean="0"/>
-              <a:t>2021/3/25</a:t>
+              <a:t>2021/3/28</a:t>
             </a:fld>
             <a:endParaRPr lang="zh-CN" altLang="en-US"/>
           </a:p>
@@ -2411,7 +2416,7 @@
           <a:p>
             <a:fld id="{F66AF9F7-1E16-4864-A104-0B9CCBB64DB7}" type="datetimeFigureOut">
               <a:rPr lang="zh-CN" altLang="en-US" smtClean="0"/>
-              <a:t>2021/3/25</a:t>
+              <a:t>2021/3/28</a:t>
             </a:fld>
             <a:endParaRPr lang="zh-CN" altLang="en-US"/>
           </a:p>
@@ -2699,7 +2704,7 @@
           <a:p>
             <a:fld id="{F66AF9F7-1E16-4864-A104-0B9CCBB64DB7}" type="datetimeFigureOut">
               <a:rPr lang="zh-CN" altLang="en-US" smtClean="0"/>
-              <a:t>2021/3/25</a:t>
+              <a:t>2021/3/28</a:t>
             </a:fld>
             <a:endParaRPr lang="zh-CN" altLang="en-US"/>
           </a:p>
@@ -2940,7 +2945,7 @@
           <a:p>
             <a:fld id="{F66AF9F7-1E16-4864-A104-0B9CCBB64DB7}" type="datetimeFigureOut">
               <a:rPr lang="zh-CN" altLang="en-US" smtClean="0"/>
-              <a:t>2021/3/25</a:t>
+              <a:t>2021/3/28</a:t>
             </a:fld>
             <a:endParaRPr lang="zh-CN" altLang="en-US"/>
           </a:p>
@@ -3387,6 +3392,1128 @@
           <a:chExt cx="0" cy="0"/>
         </a:xfrm>
       </p:grpSpPr>
+      <p:pic>
+        <p:nvPicPr>
+          <p:cNvPr id="9" name="图片 8">
+            <a:extLst>
+              <a:ext uri="{FF2B5EF4-FFF2-40B4-BE49-F238E27FC236}">
+                <a16:creationId xmlns:a16="http://schemas.microsoft.com/office/drawing/2014/main" id="{5DF0048F-061E-406D-BE68-C6613DCA3A2E}"/>
+              </a:ext>
+            </a:extLst>
+          </p:cNvPr>
+          <p:cNvPicPr>
+            <a:picLocks noChangeAspect="1"/>
+          </p:cNvPicPr>
+          <p:nvPr/>
+        </p:nvPicPr>
+        <p:blipFill>
+          <a:blip r:embed="rId2"/>
+          <a:stretch>
+            <a:fillRect/>
+          </a:stretch>
+        </p:blipFill>
+        <p:spPr>
+          <a:xfrm>
+            <a:off x="218567" y="3450999"/>
+            <a:ext cx="4396552" cy="3429000"/>
+          </a:xfrm>
+          <a:prstGeom prst="rect">
+            <a:avLst/>
+          </a:prstGeom>
+        </p:spPr>
+      </p:pic>
+      <p:pic>
+        <p:nvPicPr>
+          <p:cNvPr id="5" name="图片 4">
+            <a:extLst>
+              <a:ext uri="{FF2B5EF4-FFF2-40B4-BE49-F238E27FC236}">
+                <a16:creationId xmlns:a16="http://schemas.microsoft.com/office/drawing/2014/main" id="{578D81AA-4571-45D6-8EF4-D6149545A8DA}"/>
+              </a:ext>
+            </a:extLst>
+          </p:cNvPr>
+          <p:cNvPicPr>
+            <a:picLocks noChangeAspect="1"/>
+          </p:cNvPicPr>
+          <p:nvPr/>
+        </p:nvPicPr>
+        <p:blipFill>
+          <a:blip r:embed="rId3"/>
+          <a:stretch>
+            <a:fillRect/>
+          </a:stretch>
+        </p:blipFill>
+        <p:spPr>
+          <a:xfrm>
+            <a:off x="218567" y="-1"/>
+            <a:ext cx="4559362" cy="3533313"/>
+          </a:xfrm>
+          <a:prstGeom prst="rect">
+            <a:avLst/>
+          </a:prstGeom>
+        </p:spPr>
+      </p:pic>
+      <mc:AlternateContent xmlns:mc="http://schemas.openxmlformats.org/markup-compatibility/2006">
+        <mc:Choice xmlns:a14="http://schemas.microsoft.com/office/drawing/2010/main" Requires="a14">
+          <p:sp>
+            <p:nvSpPr>
+              <p:cNvPr id="10" name="文本框 9">
+                <a:extLst>
+                  <a:ext uri="{FF2B5EF4-FFF2-40B4-BE49-F238E27FC236}">
+                    <a16:creationId xmlns:a16="http://schemas.microsoft.com/office/drawing/2014/main" id="{7146F7E3-79EC-457A-935D-D1F42CBCC987}"/>
+                  </a:ext>
+                </a:extLst>
+              </p:cNvPr>
+              <p:cNvSpPr txBox="1"/>
+              <p:nvPr/>
+            </p:nvSpPr>
+            <p:spPr>
+              <a:xfrm>
+                <a:off x="6096000" y="3558154"/>
+                <a:ext cx="3270895" cy="1499898"/>
+              </a:xfrm>
+              <a:prstGeom prst="rect">
+                <a:avLst/>
+              </a:prstGeom>
+              <a:noFill/>
+            </p:spPr>
+            <p:txBody>
+              <a:bodyPr wrap="none" rtlCol="0">
+                <a:spAutoFit/>
+              </a:bodyPr>
+              <a:lstStyle/>
+              <a:p>
+                <a:r>
+                  <a:rPr lang="en-US" altLang="zh-CN">
+                    <a:latin typeface="Times New Roman" panose="02020603050405020304" pitchFamily="18" charset="0"/>
+                    <a:cs typeface="Times New Roman" panose="02020603050405020304" pitchFamily="18" charset="0"/>
+                  </a:rPr>
+                  <a:t>src_ctr_usa_v3:</a:t>
+                </a:r>
+              </a:p>
+              <a:p>
+                <a:pPr marL="285750" indent="-285750">
+                  <a:buFont typeface="Arial" panose="020B0604020202020204" pitchFamily="34" charset="0"/>
+                  <a:buChar char="•"/>
+                </a:pPr>
+                <a14:m>
+                  <m:oMath xmlns:m="http://schemas.openxmlformats.org/officeDocument/2006/math">
+                    <m:r>
+                      <a:rPr lang="zh-CN" altLang="en-US" b="1">
+                        <a:latin typeface="Cambria Math" panose="02040503050406030204" pitchFamily="18" charset="0"/>
+                        <a:cs typeface="Calibri" panose="020F0502020204030204" pitchFamily="34" charset="0"/>
+                      </a:rPr>
+                      <m:t>𝛌</m:t>
+                    </m:r>
+                    <m:r>
+                      <a:rPr lang="en-US" altLang="zh-CN" b="1">
+                        <a:latin typeface="Cambria Math" panose="02040503050406030204" pitchFamily="18" charset="0"/>
+                        <a:cs typeface="Calibri" panose="020F0502020204030204" pitchFamily="34" charset="0"/>
+                      </a:rPr>
+                      <m:t> </m:t>
+                    </m:r>
+                    <m:r>
+                      <m:rPr>
+                        <m:nor/>
+                      </m:rPr>
+                      <a:rPr lang="en-US" altLang="zh-CN" b="1">
+                        <a:latin typeface="Times New Roman" panose="02020603050405020304" pitchFamily="18" charset="0"/>
+                        <a:cs typeface="Times New Roman" panose="02020603050405020304" pitchFamily="18" charset="0"/>
+                      </a:rPr>
+                      <m:t>= 0.</m:t>
+                    </m:r>
+                    <m:r>
+                      <m:rPr>
+                        <m:nor/>
+                      </m:rPr>
+                      <a:rPr lang="en-US" altLang="zh-CN" b="1" i="0" smtClean="0">
+                        <a:latin typeface="Times New Roman" panose="02020603050405020304" pitchFamily="18" charset="0"/>
+                        <a:cs typeface="Times New Roman" panose="02020603050405020304" pitchFamily="18" charset="0"/>
+                      </a:rPr>
+                      <m:t>3</m:t>
+                    </m:r>
+                  </m:oMath>
+                </a14:m>
+                <a:endParaRPr lang="en-US" altLang="zh-CN" b="1">
+                  <a:latin typeface="Times New Roman" panose="02020603050405020304" pitchFamily="18" charset="0"/>
+                  <a:cs typeface="Times New Roman" panose="02020603050405020304" pitchFamily="18" charset="0"/>
+                </a:endParaRPr>
+              </a:p>
+              <a:p>
+                <a:pPr marL="285750" indent="-285750">
+                  <a:buFont typeface="Arial" panose="020B0604020202020204" pitchFamily="34" charset="0"/>
+                  <a:buChar char="•"/>
+                </a:pPr>
+                <a:r>
+                  <a:rPr lang="en-US" altLang="zh-CN">
+                    <a:latin typeface="Times New Roman" panose="02020603050405020304" pitchFamily="18" charset="0"/>
+                    <a:cs typeface="Times New Roman" panose="02020603050405020304" pitchFamily="18" charset="0"/>
+                  </a:rPr>
+                  <a:t>#pts = 1024, # groups = 1</a:t>
+                </a:r>
+              </a:p>
+              <a:p>
+                <a:pPr marL="285750" indent="-285750">
+                  <a:buFont typeface="Arial" panose="020B0604020202020204" pitchFamily="34" charset="0"/>
+                  <a:buChar char="•"/>
+                </a:pPr>
+                <a:r>
+                  <a:rPr lang="en-US" altLang="zh-CN">
+                    <a:latin typeface="Times New Roman" panose="02020603050405020304" pitchFamily="18" charset="0"/>
+                    <a:cs typeface="Times New Roman" panose="02020603050405020304" pitchFamily="18" charset="0"/>
+                  </a:rPr>
+                  <a:t>batch_size=8</a:t>
+                </a:r>
+              </a:p>
+              <a:p>
+                <a:pPr marL="285750" indent="-285750">
+                  <a:buFont typeface="Arial" panose="020B0604020202020204" pitchFamily="34" charset="0"/>
+                  <a:buChar char="•"/>
+                </a:pPr>
+                <a14:m>
+                  <m:oMath xmlns:m="http://schemas.openxmlformats.org/officeDocument/2006/math">
+                    <m:r>
+                      <a:rPr lang="en-US" altLang="zh-CN" b="0" i="1" smtClean="0">
+                        <a:latin typeface="Cambria Math" panose="02040503050406030204" pitchFamily="18" charset="0"/>
+                        <a:cs typeface="Calibri" panose="020F0502020204030204" pitchFamily="34" charset="0"/>
+                      </a:rPr>
+                      <m:t>𝐿</m:t>
+                    </m:r>
+                    <m:r>
+                      <a:rPr lang="en-US" altLang="zh-CN" b="0" i="1" smtClean="0">
+                        <a:latin typeface="Cambria Math" panose="02040503050406030204" pitchFamily="18" charset="0"/>
+                        <a:cs typeface="Calibri" panose="020F0502020204030204" pitchFamily="34" charset="0"/>
+                      </a:rPr>
+                      <m:t>=</m:t>
+                    </m:r>
+                    <m:sSub>
+                      <m:sSubPr>
+                        <m:ctrlPr>
+                          <a:rPr lang="en-US" altLang="zh-CN" b="0" i="1" smtClean="0">
+                            <a:latin typeface="Cambria Math" panose="02040503050406030204" pitchFamily="18" charset="0"/>
+                            <a:cs typeface="Calibri" panose="020F0502020204030204" pitchFamily="34" charset="0"/>
+                          </a:rPr>
+                        </m:ctrlPr>
+                      </m:sSubPr>
+                      <m:e>
+                        <m:r>
+                          <a:rPr lang="en-US" altLang="zh-CN" b="0" i="1" smtClean="0">
+                            <a:latin typeface="Cambria Math" panose="02040503050406030204" pitchFamily="18" charset="0"/>
+                            <a:cs typeface="Calibri" panose="020F0502020204030204" pitchFamily="34" charset="0"/>
+                          </a:rPr>
+                          <m:t>𝐿</m:t>
+                        </m:r>
+                      </m:e>
+                      <m:sub>
+                        <m:r>
+                          <a:rPr lang="en-US" altLang="zh-CN" b="0" i="1" smtClean="0">
+                            <a:latin typeface="Cambria Math" panose="02040503050406030204" pitchFamily="18" charset="0"/>
+                            <a:cs typeface="Calibri" panose="020F0502020204030204" pitchFamily="34" charset="0"/>
+                          </a:rPr>
+                          <m:t>𝑠𝑒𝑔</m:t>
+                        </m:r>
+                      </m:sub>
+                    </m:sSub>
+                    <m:r>
+                      <a:rPr lang="en-US" altLang="zh-CN" i="1">
+                        <a:latin typeface="Cambria Math" panose="02040503050406030204" pitchFamily="18" charset="0"/>
+                        <a:cs typeface="Calibri" panose="020F0502020204030204" pitchFamily="34" charset="0"/>
+                      </a:rPr>
+                      <m:t>+</m:t>
+                    </m:r>
+                    <m:r>
+                      <a:rPr lang="en-US" altLang="zh-CN" b="0" i="1" smtClean="0">
+                        <a:latin typeface="Cambria Math" panose="02040503050406030204" pitchFamily="18" charset="0"/>
+                        <a:cs typeface="Calibri" panose="020F0502020204030204" pitchFamily="34" charset="0"/>
+                      </a:rPr>
+                      <m:t> </m:t>
+                    </m:r>
+                    <m:r>
+                      <a:rPr lang="zh-CN" altLang="en-US" b="0" i="1" smtClean="0">
+                        <a:latin typeface="Cambria Math" panose="02040503050406030204" pitchFamily="18" charset="0"/>
+                        <a:cs typeface="Calibri" panose="020F0502020204030204" pitchFamily="34" charset="0"/>
+                      </a:rPr>
+                      <m:t>𝜆</m:t>
+                    </m:r>
+                    <m:r>
+                      <a:rPr lang="en-US" altLang="zh-CN" b="0" i="1" smtClean="0">
+                        <a:latin typeface="Cambria Math" panose="02040503050406030204" pitchFamily="18" charset="0"/>
+                        <a:cs typeface="Calibri" panose="020F0502020204030204" pitchFamily="34" charset="0"/>
+                      </a:rPr>
+                      <m:t> </m:t>
+                    </m:r>
+                    <m:r>
+                      <a:rPr lang="zh-CN" altLang="en-US" i="1">
+                        <a:latin typeface="Cambria Math" panose="02040503050406030204" pitchFamily="18" charset="0"/>
+                        <a:cs typeface="Calibri" panose="020F0502020204030204" pitchFamily="34" charset="0"/>
+                      </a:rPr>
+                      <m:t>∗</m:t>
+                    </m:r>
+                    <m:r>
+                      <a:rPr lang="en-US" altLang="zh-CN" b="0" i="1" smtClean="0">
+                        <a:latin typeface="Cambria Math" panose="02040503050406030204" pitchFamily="18" charset="0"/>
+                        <a:cs typeface="Calibri" panose="020F0502020204030204" pitchFamily="34" charset="0"/>
+                      </a:rPr>
+                      <m:t> </m:t>
+                    </m:r>
+                    <m:sSub>
+                      <m:sSubPr>
+                        <m:ctrlPr>
+                          <a:rPr lang="en-US" altLang="zh-CN" i="1">
+                            <a:latin typeface="Cambria Math" panose="02040503050406030204" pitchFamily="18" charset="0"/>
+                            <a:cs typeface="Calibri" panose="020F0502020204030204" pitchFamily="34" charset="0"/>
+                          </a:rPr>
+                        </m:ctrlPr>
+                      </m:sSubPr>
+                      <m:e>
+                        <m:r>
+                          <a:rPr lang="en-US" altLang="zh-CN" i="1">
+                            <a:latin typeface="Cambria Math" panose="02040503050406030204" pitchFamily="18" charset="0"/>
+                            <a:cs typeface="Calibri" panose="020F0502020204030204" pitchFamily="34" charset="0"/>
+                          </a:rPr>
+                          <m:t>𝐿</m:t>
+                        </m:r>
+                      </m:e>
+                      <m:sub>
+                        <m:r>
+                          <a:rPr lang="en-US" altLang="zh-CN" i="1">
+                            <a:latin typeface="Cambria Math" panose="02040503050406030204" pitchFamily="18" charset="0"/>
+                            <a:cs typeface="Calibri" panose="020F0502020204030204" pitchFamily="34" charset="0"/>
+                          </a:rPr>
+                          <m:t>𝑠</m:t>
+                        </m:r>
+                        <m:r>
+                          <a:rPr lang="en-US" altLang="zh-CN" b="0" i="1" smtClean="0">
+                            <a:latin typeface="Cambria Math" panose="02040503050406030204" pitchFamily="18" charset="0"/>
+                            <a:cs typeface="Calibri" panose="020F0502020204030204" pitchFamily="34" charset="0"/>
+                          </a:rPr>
+                          <m:t>𝑟𝑐</m:t>
+                        </m:r>
+                        <m:r>
+                          <a:rPr lang="en-US" altLang="zh-CN" b="0" i="1" smtClean="0">
+                            <a:latin typeface="Cambria Math" panose="02040503050406030204" pitchFamily="18" charset="0"/>
+                            <a:cs typeface="Calibri" panose="020F0502020204030204" pitchFamily="34" charset="0"/>
+                          </a:rPr>
+                          <m:t>_</m:t>
+                        </m:r>
+                        <m:r>
+                          <a:rPr lang="en-US" altLang="zh-CN" b="0" i="1" smtClean="0">
+                            <a:latin typeface="Cambria Math" panose="02040503050406030204" pitchFamily="18" charset="0"/>
+                            <a:cs typeface="Calibri" panose="020F0502020204030204" pitchFamily="34" charset="0"/>
+                          </a:rPr>
+                          <m:t>𝑐𝑜𝑛𝑡𝑟𝑎𝑠𝑡</m:t>
+                        </m:r>
+                      </m:sub>
+                    </m:sSub>
+                  </m:oMath>
+                </a14:m>
+                <a:endParaRPr lang="en-US" altLang="zh-CN">
+                  <a:latin typeface="Times New Roman" panose="02020603050405020304" pitchFamily="18" charset="0"/>
+                  <a:cs typeface="Times New Roman" panose="02020603050405020304" pitchFamily="18" charset="0"/>
+                </a:endParaRPr>
+              </a:p>
+            </p:txBody>
+          </p:sp>
+        </mc:Choice>
+        <mc:Fallback>
+          <p:sp>
+            <p:nvSpPr>
+              <p:cNvPr id="10" name="文本框 9">
+                <a:extLst>
+                  <a:ext uri="{FF2B5EF4-FFF2-40B4-BE49-F238E27FC236}">
+                    <a16:creationId xmlns:a16="http://schemas.microsoft.com/office/drawing/2014/main" id="{7146F7E3-79EC-457A-935D-D1F42CBCC987}"/>
+                  </a:ext>
+                </a:extLst>
+              </p:cNvPr>
+              <p:cNvSpPr txBox="1">
+                <a:spLocks noRot="1" noChangeAspect="1" noMove="1" noResize="1" noEditPoints="1" noAdjustHandles="1" noChangeArrowheads="1" noChangeShapeType="1" noTextEdit="1"/>
+              </p:cNvSpPr>
+              <p:nvPr/>
+            </p:nvSpPr>
+            <p:spPr>
+              <a:xfrm>
+                <a:off x="6096000" y="3558154"/>
+                <a:ext cx="3270895" cy="1499898"/>
+              </a:xfrm>
+              <a:prstGeom prst="rect">
+                <a:avLst/>
+              </a:prstGeom>
+              <a:blipFill>
+                <a:blip r:embed="rId4"/>
+                <a:stretch>
+                  <a:fillRect l="-1490" t="-2439" b="-2846"/>
+                </a:stretch>
+              </a:blipFill>
+            </p:spPr>
+            <p:txBody>
+              <a:bodyPr/>
+              <a:lstStyle/>
+              <a:p>
+                <a:r>
+                  <a:rPr lang="zh-CN" altLang="en-US">
+                    <a:noFill/>
+                  </a:rPr>
+                  <a:t> </a:t>
+                </a:r>
+              </a:p>
+            </p:txBody>
+          </p:sp>
+        </mc:Fallback>
+      </mc:AlternateContent>
+    </p:spTree>
+    <p:extLst>
+      <p:ext uri="{BB962C8B-B14F-4D97-AF65-F5344CB8AC3E}">
+        <p14:creationId xmlns:p14="http://schemas.microsoft.com/office/powerpoint/2010/main" val="595799598"/>
+      </p:ext>
+    </p:extLst>
+  </p:cSld>
+  <p:clrMapOvr>
+    <a:masterClrMapping/>
+  </p:clrMapOvr>
+</p:sld>
+</file>
+
+<file path=ppt/slides/slide11.xml><?xml version="1.0" encoding="utf-8"?>
+<p:sld xmlns:a="http://schemas.openxmlformats.org/drawingml/2006/main" xmlns:r="http://schemas.openxmlformats.org/officeDocument/2006/relationships" xmlns:p="http://schemas.openxmlformats.org/presentationml/2006/main">
+  <p:cSld>
+    <p:spTree>
+      <p:nvGrpSpPr>
+        <p:cNvPr id="1" name=""/>
+        <p:cNvGrpSpPr/>
+        <p:nvPr/>
+      </p:nvGrpSpPr>
+      <p:grpSpPr>
+        <a:xfrm>
+          <a:off x="0" y="0"/>
+          <a:ext cx="0" cy="0"/>
+          <a:chOff x="0" y="0"/>
+          <a:chExt cx="0" cy="0"/>
+        </a:xfrm>
+      </p:grpSpPr>
+      <p:pic>
+        <p:nvPicPr>
+          <p:cNvPr id="5" name="图片 4">
+            <a:extLst>
+              <a:ext uri="{FF2B5EF4-FFF2-40B4-BE49-F238E27FC236}">
+                <a16:creationId xmlns:a16="http://schemas.microsoft.com/office/drawing/2014/main" id="{7C553F80-018A-4B87-9124-106F54E4496A}"/>
+              </a:ext>
+            </a:extLst>
+          </p:cNvPr>
+          <p:cNvPicPr>
+            <a:picLocks noChangeAspect="1"/>
+          </p:cNvPicPr>
+          <p:nvPr/>
+        </p:nvPicPr>
+        <p:blipFill>
+          <a:blip r:embed="rId2"/>
+          <a:stretch>
+            <a:fillRect/>
+          </a:stretch>
+        </p:blipFill>
+        <p:spPr>
+          <a:xfrm>
+            <a:off x="211622" y="3558154"/>
+            <a:ext cx="4250863" cy="3306227"/>
+          </a:xfrm>
+          <a:prstGeom prst="rect">
+            <a:avLst/>
+          </a:prstGeom>
+        </p:spPr>
+      </p:pic>
+      <mc:AlternateContent xmlns:mc="http://schemas.openxmlformats.org/markup-compatibility/2006">
+        <mc:Choice xmlns:a14="http://schemas.microsoft.com/office/drawing/2010/main" Requires="a14">
+          <p:sp>
+            <p:nvSpPr>
+              <p:cNvPr id="8" name="文本框 7">
+                <a:extLst>
+                  <a:ext uri="{FF2B5EF4-FFF2-40B4-BE49-F238E27FC236}">
+                    <a16:creationId xmlns:a16="http://schemas.microsoft.com/office/drawing/2014/main" id="{686E4B67-7716-4D7C-971D-8CD73617CD5E}"/>
+                  </a:ext>
+                </a:extLst>
+              </p:cNvPr>
+              <p:cNvSpPr txBox="1"/>
+              <p:nvPr/>
+            </p:nvSpPr>
+            <p:spPr>
+              <a:xfrm>
+                <a:off x="6096000" y="3558154"/>
+                <a:ext cx="3270895" cy="1499898"/>
+              </a:xfrm>
+              <a:prstGeom prst="rect">
+                <a:avLst/>
+              </a:prstGeom>
+              <a:noFill/>
+            </p:spPr>
+            <p:txBody>
+              <a:bodyPr wrap="none" rtlCol="0">
+                <a:spAutoFit/>
+              </a:bodyPr>
+              <a:lstStyle/>
+              <a:p>
+                <a:r>
+                  <a:rPr lang="en-US" altLang="zh-CN">
+                    <a:latin typeface="Times New Roman" panose="02020603050405020304" pitchFamily="18" charset="0"/>
+                    <a:cs typeface="Times New Roman" panose="02020603050405020304" pitchFamily="18" charset="0"/>
+                  </a:rPr>
+                  <a:t>src_ctr_usa_v4:</a:t>
+                </a:r>
+              </a:p>
+              <a:p>
+                <a:pPr marL="285750" indent="-285750">
+                  <a:buFont typeface="Arial" panose="020B0604020202020204" pitchFamily="34" charset="0"/>
+                  <a:buChar char="•"/>
+                </a:pPr>
+                <a14:m>
+                  <m:oMath xmlns:m="http://schemas.openxmlformats.org/officeDocument/2006/math">
+                    <m:r>
+                      <a:rPr lang="zh-CN" altLang="en-US" b="1">
+                        <a:latin typeface="Cambria Math" panose="02040503050406030204" pitchFamily="18" charset="0"/>
+                        <a:cs typeface="Calibri" panose="020F0502020204030204" pitchFamily="34" charset="0"/>
+                      </a:rPr>
+                      <m:t>𝛌</m:t>
+                    </m:r>
+                    <m:r>
+                      <a:rPr lang="en-US" altLang="zh-CN" b="1">
+                        <a:latin typeface="Cambria Math" panose="02040503050406030204" pitchFamily="18" charset="0"/>
+                        <a:cs typeface="Calibri" panose="020F0502020204030204" pitchFamily="34" charset="0"/>
+                      </a:rPr>
+                      <m:t> </m:t>
+                    </m:r>
+                    <m:r>
+                      <m:rPr>
+                        <m:nor/>
+                      </m:rPr>
+                      <a:rPr lang="en-US" altLang="zh-CN" b="1">
+                        <a:latin typeface="Times New Roman" panose="02020603050405020304" pitchFamily="18" charset="0"/>
+                        <a:cs typeface="Times New Roman" panose="02020603050405020304" pitchFamily="18" charset="0"/>
+                      </a:rPr>
+                      <m:t>= </m:t>
+                    </m:r>
+                    <m:r>
+                      <m:rPr>
+                        <m:nor/>
+                      </m:rPr>
+                      <a:rPr lang="en-US" altLang="zh-CN" b="1" i="0" smtClean="0">
+                        <a:latin typeface="Times New Roman" panose="02020603050405020304" pitchFamily="18" charset="0"/>
+                        <a:cs typeface="Times New Roman" panose="02020603050405020304" pitchFamily="18" charset="0"/>
+                      </a:rPr>
+                      <m:t>1.0</m:t>
+                    </m:r>
+                  </m:oMath>
+                </a14:m>
+                <a:endParaRPr lang="en-US" altLang="zh-CN" b="1">
+                  <a:latin typeface="Times New Roman" panose="02020603050405020304" pitchFamily="18" charset="0"/>
+                  <a:cs typeface="Times New Roman" panose="02020603050405020304" pitchFamily="18" charset="0"/>
+                </a:endParaRPr>
+              </a:p>
+              <a:p>
+                <a:pPr marL="285750" indent="-285750">
+                  <a:buFont typeface="Arial" panose="020B0604020202020204" pitchFamily="34" charset="0"/>
+                  <a:buChar char="•"/>
+                </a:pPr>
+                <a:r>
+                  <a:rPr lang="en-US" altLang="zh-CN">
+                    <a:latin typeface="Times New Roman" panose="02020603050405020304" pitchFamily="18" charset="0"/>
+                    <a:cs typeface="Times New Roman" panose="02020603050405020304" pitchFamily="18" charset="0"/>
+                  </a:rPr>
+                  <a:t>#pts = 1024, # groups = 1</a:t>
+                </a:r>
+              </a:p>
+              <a:p>
+                <a:pPr marL="285750" indent="-285750">
+                  <a:buFont typeface="Arial" panose="020B0604020202020204" pitchFamily="34" charset="0"/>
+                  <a:buChar char="•"/>
+                </a:pPr>
+                <a:r>
+                  <a:rPr lang="en-US" altLang="zh-CN">
+                    <a:latin typeface="Times New Roman" panose="02020603050405020304" pitchFamily="18" charset="0"/>
+                    <a:cs typeface="Times New Roman" panose="02020603050405020304" pitchFamily="18" charset="0"/>
+                  </a:rPr>
+                  <a:t>batch_size=8</a:t>
+                </a:r>
+              </a:p>
+              <a:p>
+                <a:pPr marL="285750" indent="-285750">
+                  <a:buFont typeface="Arial" panose="020B0604020202020204" pitchFamily="34" charset="0"/>
+                  <a:buChar char="•"/>
+                </a:pPr>
+                <a14:m>
+                  <m:oMath xmlns:m="http://schemas.openxmlformats.org/officeDocument/2006/math">
+                    <m:r>
+                      <a:rPr lang="en-US" altLang="zh-CN" b="0" i="1" smtClean="0">
+                        <a:latin typeface="Cambria Math" panose="02040503050406030204" pitchFamily="18" charset="0"/>
+                        <a:cs typeface="Calibri" panose="020F0502020204030204" pitchFamily="34" charset="0"/>
+                      </a:rPr>
+                      <m:t>𝐿</m:t>
+                    </m:r>
+                    <m:r>
+                      <a:rPr lang="en-US" altLang="zh-CN" b="0" i="1" smtClean="0">
+                        <a:latin typeface="Cambria Math" panose="02040503050406030204" pitchFamily="18" charset="0"/>
+                        <a:cs typeface="Calibri" panose="020F0502020204030204" pitchFamily="34" charset="0"/>
+                      </a:rPr>
+                      <m:t>=</m:t>
+                    </m:r>
+                    <m:sSub>
+                      <m:sSubPr>
+                        <m:ctrlPr>
+                          <a:rPr lang="en-US" altLang="zh-CN" b="0" i="1" smtClean="0">
+                            <a:latin typeface="Cambria Math" panose="02040503050406030204" pitchFamily="18" charset="0"/>
+                            <a:cs typeface="Calibri" panose="020F0502020204030204" pitchFamily="34" charset="0"/>
+                          </a:rPr>
+                        </m:ctrlPr>
+                      </m:sSubPr>
+                      <m:e>
+                        <m:r>
+                          <a:rPr lang="en-US" altLang="zh-CN" b="0" i="1" smtClean="0">
+                            <a:latin typeface="Cambria Math" panose="02040503050406030204" pitchFamily="18" charset="0"/>
+                            <a:cs typeface="Calibri" panose="020F0502020204030204" pitchFamily="34" charset="0"/>
+                          </a:rPr>
+                          <m:t>𝐿</m:t>
+                        </m:r>
+                      </m:e>
+                      <m:sub>
+                        <m:r>
+                          <a:rPr lang="en-US" altLang="zh-CN" b="0" i="1" smtClean="0">
+                            <a:latin typeface="Cambria Math" panose="02040503050406030204" pitchFamily="18" charset="0"/>
+                            <a:cs typeface="Calibri" panose="020F0502020204030204" pitchFamily="34" charset="0"/>
+                          </a:rPr>
+                          <m:t>𝑠𝑒𝑔</m:t>
+                        </m:r>
+                      </m:sub>
+                    </m:sSub>
+                    <m:r>
+                      <a:rPr lang="en-US" altLang="zh-CN" i="1">
+                        <a:latin typeface="Cambria Math" panose="02040503050406030204" pitchFamily="18" charset="0"/>
+                        <a:cs typeface="Calibri" panose="020F0502020204030204" pitchFamily="34" charset="0"/>
+                      </a:rPr>
+                      <m:t>+</m:t>
+                    </m:r>
+                    <m:r>
+                      <a:rPr lang="en-US" altLang="zh-CN" b="0" i="1" smtClean="0">
+                        <a:latin typeface="Cambria Math" panose="02040503050406030204" pitchFamily="18" charset="0"/>
+                        <a:cs typeface="Calibri" panose="020F0502020204030204" pitchFamily="34" charset="0"/>
+                      </a:rPr>
+                      <m:t> </m:t>
+                    </m:r>
+                    <m:r>
+                      <a:rPr lang="zh-CN" altLang="en-US" b="0" i="1" smtClean="0">
+                        <a:latin typeface="Cambria Math" panose="02040503050406030204" pitchFamily="18" charset="0"/>
+                        <a:cs typeface="Calibri" panose="020F0502020204030204" pitchFamily="34" charset="0"/>
+                      </a:rPr>
+                      <m:t>𝜆</m:t>
+                    </m:r>
+                    <m:r>
+                      <a:rPr lang="en-US" altLang="zh-CN" b="0" i="1" smtClean="0">
+                        <a:latin typeface="Cambria Math" panose="02040503050406030204" pitchFamily="18" charset="0"/>
+                        <a:cs typeface="Calibri" panose="020F0502020204030204" pitchFamily="34" charset="0"/>
+                      </a:rPr>
+                      <m:t> </m:t>
+                    </m:r>
+                    <m:r>
+                      <a:rPr lang="zh-CN" altLang="en-US" i="1">
+                        <a:latin typeface="Cambria Math" panose="02040503050406030204" pitchFamily="18" charset="0"/>
+                        <a:cs typeface="Calibri" panose="020F0502020204030204" pitchFamily="34" charset="0"/>
+                      </a:rPr>
+                      <m:t>∗</m:t>
+                    </m:r>
+                    <m:r>
+                      <a:rPr lang="en-US" altLang="zh-CN" b="0" i="1" smtClean="0">
+                        <a:latin typeface="Cambria Math" panose="02040503050406030204" pitchFamily="18" charset="0"/>
+                        <a:cs typeface="Calibri" panose="020F0502020204030204" pitchFamily="34" charset="0"/>
+                      </a:rPr>
+                      <m:t> </m:t>
+                    </m:r>
+                    <m:sSub>
+                      <m:sSubPr>
+                        <m:ctrlPr>
+                          <a:rPr lang="en-US" altLang="zh-CN" i="1">
+                            <a:latin typeface="Cambria Math" panose="02040503050406030204" pitchFamily="18" charset="0"/>
+                            <a:cs typeface="Calibri" panose="020F0502020204030204" pitchFamily="34" charset="0"/>
+                          </a:rPr>
+                        </m:ctrlPr>
+                      </m:sSubPr>
+                      <m:e>
+                        <m:r>
+                          <a:rPr lang="en-US" altLang="zh-CN" i="1">
+                            <a:latin typeface="Cambria Math" panose="02040503050406030204" pitchFamily="18" charset="0"/>
+                            <a:cs typeface="Calibri" panose="020F0502020204030204" pitchFamily="34" charset="0"/>
+                          </a:rPr>
+                          <m:t>𝐿</m:t>
+                        </m:r>
+                      </m:e>
+                      <m:sub>
+                        <m:r>
+                          <a:rPr lang="en-US" altLang="zh-CN" i="1">
+                            <a:latin typeface="Cambria Math" panose="02040503050406030204" pitchFamily="18" charset="0"/>
+                            <a:cs typeface="Calibri" panose="020F0502020204030204" pitchFamily="34" charset="0"/>
+                          </a:rPr>
+                          <m:t>𝑠</m:t>
+                        </m:r>
+                        <m:r>
+                          <a:rPr lang="en-US" altLang="zh-CN" b="0" i="1" smtClean="0">
+                            <a:latin typeface="Cambria Math" panose="02040503050406030204" pitchFamily="18" charset="0"/>
+                            <a:cs typeface="Calibri" panose="020F0502020204030204" pitchFamily="34" charset="0"/>
+                          </a:rPr>
+                          <m:t>𝑟𝑐</m:t>
+                        </m:r>
+                        <m:r>
+                          <a:rPr lang="en-US" altLang="zh-CN" b="0" i="1" smtClean="0">
+                            <a:latin typeface="Cambria Math" panose="02040503050406030204" pitchFamily="18" charset="0"/>
+                            <a:cs typeface="Calibri" panose="020F0502020204030204" pitchFamily="34" charset="0"/>
+                          </a:rPr>
+                          <m:t>_</m:t>
+                        </m:r>
+                        <m:r>
+                          <a:rPr lang="en-US" altLang="zh-CN" b="0" i="1" smtClean="0">
+                            <a:latin typeface="Cambria Math" panose="02040503050406030204" pitchFamily="18" charset="0"/>
+                            <a:cs typeface="Calibri" panose="020F0502020204030204" pitchFamily="34" charset="0"/>
+                          </a:rPr>
+                          <m:t>𝑐𝑜𝑛𝑡𝑟𝑎𝑠𝑡</m:t>
+                        </m:r>
+                      </m:sub>
+                    </m:sSub>
+                  </m:oMath>
+                </a14:m>
+                <a:endParaRPr lang="en-US" altLang="zh-CN">
+                  <a:latin typeface="Times New Roman" panose="02020603050405020304" pitchFamily="18" charset="0"/>
+                  <a:cs typeface="Times New Roman" panose="02020603050405020304" pitchFamily="18" charset="0"/>
+                </a:endParaRPr>
+              </a:p>
+            </p:txBody>
+          </p:sp>
+        </mc:Choice>
+        <mc:Fallback>
+          <p:sp>
+            <p:nvSpPr>
+              <p:cNvPr id="8" name="文本框 7">
+                <a:extLst>
+                  <a:ext uri="{FF2B5EF4-FFF2-40B4-BE49-F238E27FC236}">
+                    <a16:creationId xmlns:a16="http://schemas.microsoft.com/office/drawing/2014/main" id="{686E4B67-7716-4D7C-971D-8CD73617CD5E}"/>
+                  </a:ext>
+                </a:extLst>
+              </p:cNvPr>
+              <p:cNvSpPr txBox="1">
+                <a:spLocks noRot="1" noChangeAspect="1" noMove="1" noResize="1" noEditPoints="1" noAdjustHandles="1" noChangeArrowheads="1" noChangeShapeType="1" noTextEdit="1"/>
+              </p:cNvSpPr>
+              <p:nvPr/>
+            </p:nvSpPr>
+            <p:spPr>
+              <a:xfrm>
+                <a:off x="6096000" y="3558154"/>
+                <a:ext cx="3270895" cy="1499898"/>
+              </a:xfrm>
+              <a:prstGeom prst="rect">
+                <a:avLst/>
+              </a:prstGeom>
+              <a:blipFill>
+                <a:blip r:embed="rId3"/>
+                <a:stretch>
+                  <a:fillRect l="-1490" t="-2439" b="-2846"/>
+                </a:stretch>
+              </a:blipFill>
+            </p:spPr>
+            <p:txBody>
+              <a:bodyPr/>
+              <a:lstStyle/>
+              <a:p>
+                <a:r>
+                  <a:rPr lang="zh-CN" altLang="en-US">
+                    <a:noFill/>
+                  </a:rPr>
+                  <a:t> </a:t>
+                </a:r>
+              </a:p>
+            </p:txBody>
+          </p:sp>
+        </mc:Fallback>
+      </mc:AlternateContent>
+      <p:pic>
+        <p:nvPicPr>
+          <p:cNvPr id="10" name="图片 9">
+            <a:extLst>
+              <a:ext uri="{FF2B5EF4-FFF2-40B4-BE49-F238E27FC236}">
+                <a16:creationId xmlns:a16="http://schemas.microsoft.com/office/drawing/2014/main" id="{84FD8513-D8D7-45A8-A0C9-4C08364B9407}"/>
+              </a:ext>
+            </a:extLst>
+          </p:cNvPr>
+          <p:cNvPicPr>
+            <a:picLocks noChangeAspect="1"/>
+          </p:cNvPicPr>
+          <p:nvPr/>
+        </p:nvPicPr>
+        <p:blipFill>
+          <a:blip r:embed="rId4"/>
+          <a:stretch>
+            <a:fillRect/>
+          </a:stretch>
+        </p:blipFill>
+        <p:spPr>
+          <a:xfrm>
+            <a:off x="157927" y="117539"/>
+            <a:ext cx="4304558" cy="3440615"/>
+          </a:xfrm>
+          <a:prstGeom prst="rect">
+            <a:avLst/>
+          </a:prstGeom>
+        </p:spPr>
+      </p:pic>
+    </p:spTree>
+    <p:extLst>
+      <p:ext uri="{BB962C8B-B14F-4D97-AF65-F5344CB8AC3E}">
+        <p14:creationId xmlns:p14="http://schemas.microsoft.com/office/powerpoint/2010/main" val="737588859"/>
+      </p:ext>
+    </p:extLst>
+  </p:cSld>
+  <p:clrMapOvr>
+    <a:masterClrMapping/>
+  </p:clrMapOvr>
+</p:sld>
+</file>
+
+<file path=ppt/slides/slide12.xml><?xml version="1.0" encoding="utf-8"?>
+<p:sld xmlns:a="http://schemas.openxmlformats.org/drawingml/2006/main" xmlns:r="http://schemas.openxmlformats.org/officeDocument/2006/relationships" xmlns:p="http://schemas.openxmlformats.org/presentationml/2006/main">
+  <p:cSld>
+    <p:spTree>
+      <p:nvGrpSpPr>
+        <p:cNvPr id="1" name=""/>
+        <p:cNvGrpSpPr/>
+        <p:nvPr/>
+      </p:nvGrpSpPr>
+      <p:grpSpPr>
+        <a:xfrm>
+          <a:off x="0" y="0"/>
+          <a:ext cx="0" cy="0"/>
+          <a:chOff x="0" y="0"/>
+          <a:chExt cx="0" cy="0"/>
+        </a:xfrm>
+      </p:grpSpPr>
+      <p:pic>
+        <p:nvPicPr>
+          <p:cNvPr id="5" name="图片 4">
+            <a:extLst>
+              <a:ext uri="{FF2B5EF4-FFF2-40B4-BE49-F238E27FC236}">
+                <a16:creationId xmlns:a16="http://schemas.microsoft.com/office/drawing/2014/main" id="{CC293B38-4862-4093-835B-9DD9B8FE6E50}"/>
+              </a:ext>
+            </a:extLst>
+          </p:cNvPr>
+          <p:cNvPicPr>
+            <a:picLocks noChangeAspect="1"/>
+          </p:cNvPicPr>
+          <p:nvPr/>
+        </p:nvPicPr>
+        <p:blipFill>
+          <a:blip r:embed="rId2"/>
+          <a:stretch>
+            <a:fillRect/>
+          </a:stretch>
+        </p:blipFill>
+        <p:spPr>
+          <a:xfrm>
+            <a:off x="106578" y="0"/>
+            <a:ext cx="5267325" cy="4295775"/>
+          </a:xfrm>
+          <a:prstGeom prst="rect">
+            <a:avLst/>
+          </a:prstGeom>
+        </p:spPr>
+      </p:pic>
+    </p:spTree>
+    <p:extLst>
+      <p:ext uri="{BB962C8B-B14F-4D97-AF65-F5344CB8AC3E}">
+        <p14:creationId xmlns:p14="http://schemas.microsoft.com/office/powerpoint/2010/main" val="1068200326"/>
+      </p:ext>
+    </p:extLst>
+  </p:cSld>
+  <p:clrMapOvr>
+    <a:masterClrMapping/>
+  </p:clrMapOvr>
+</p:sld>
+</file>
+
+<file path=ppt/slides/slide13.xml><?xml version="1.0" encoding="utf-8"?>
+<p:sld xmlns:a="http://schemas.openxmlformats.org/drawingml/2006/main" xmlns:r="http://schemas.openxmlformats.org/officeDocument/2006/relationships" xmlns:p="http://schemas.openxmlformats.org/presentationml/2006/main">
+  <p:cSld>
+    <p:spTree>
+      <p:nvGrpSpPr>
+        <p:cNvPr id="1" name=""/>
+        <p:cNvGrpSpPr/>
+        <p:nvPr/>
+      </p:nvGrpSpPr>
+      <p:grpSpPr>
+        <a:xfrm>
+          <a:off x="0" y="0"/>
+          <a:ext cx="0" cy="0"/>
+          <a:chOff x="0" y="0"/>
+          <a:chExt cx="0" cy="0"/>
+        </a:xfrm>
+      </p:grpSpPr>
+      <p:pic>
+        <p:nvPicPr>
+          <p:cNvPr id="5" name="图片 4">
+            <a:extLst>
+              <a:ext uri="{FF2B5EF4-FFF2-40B4-BE49-F238E27FC236}">
+                <a16:creationId xmlns:a16="http://schemas.microsoft.com/office/drawing/2014/main" id="{00D803EC-790A-4052-A34F-36535D17FF37}"/>
+              </a:ext>
+            </a:extLst>
+          </p:cNvPr>
+          <p:cNvPicPr>
+            <a:picLocks noChangeAspect="1"/>
+          </p:cNvPicPr>
+          <p:nvPr/>
+        </p:nvPicPr>
+        <p:blipFill>
+          <a:blip r:embed="rId2"/>
+          <a:stretch>
+            <a:fillRect/>
+          </a:stretch>
+        </p:blipFill>
+        <p:spPr>
+          <a:xfrm>
+            <a:off x="125212" y="0"/>
+            <a:ext cx="5372100" cy="4314825"/>
+          </a:xfrm>
+          <a:prstGeom prst="rect">
+            <a:avLst/>
+          </a:prstGeom>
+        </p:spPr>
+      </p:pic>
+      <p:sp>
+        <p:nvSpPr>
+          <p:cNvPr id="6" name="文本框 5">
+            <a:extLst>
+              <a:ext uri="{FF2B5EF4-FFF2-40B4-BE49-F238E27FC236}">
+                <a16:creationId xmlns:a16="http://schemas.microsoft.com/office/drawing/2014/main" id="{C11A44A0-0831-4A07-BE35-715F564634EF}"/>
+              </a:ext>
+            </a:extLst>
+          </p:cNvPr>
+          <p:cNvSpPr txBox="1"/>
+          <p:nvPr/>
+        </p:nvSpPr>
+        <p:spPr>
+          <a:xfrm>
+            <a:off x="5497312" y="1690084"/>
+            <a:ext cx="3313728" cy="584775"/>
+          </a:xfrm>
+          <a:prstGeom prst="rect">
+            <a:avLst/>
+          </a:prstGeom>
+          <a:noFill/>
+          <a:ln>
+            <a:solidFill>
+              <a:schemeClr val="tx1"/>
+            </a:solidFill>
+          </a:ln>
+        </p:spPr>
+        <p:txBody>
+          <a:bodyPr wrap="none" rtlCol="0">
+            <a:spAutoFit/>
+          </a:bodyPr>
+          <a:lstStyle/>
+          <a:p>
+            <a:r>
+              <a:rPr lang="en-US" altLang="zh-CN" sz="1600">
+                <a:latin typeface="Times New Roman" panose="02020603050405020304" pitchFamily="18" charset="0"/>
+                <a:cs typeface="Times New Roman" panose="02020603050405020304" pitchFamily="18" charset="0"/>
+              </a:rPr>
+              <a:t>tgt_contrast_loss &amp; src_contrast_loss </a:t>
+            </a:r>
+          </a:p>
+          <a:p>
+            <a:r>
+              <a:rPr lang="en-US" altLang="zh-CN" sz="1600">
+                <a:latin typeface="Times New Roman" panose="02020603050405020304" pitchFamily="18" charset="0"/>
+                <a:cs typeface="Times New Roman" panose="02020603050405020304" pitchFamily="18" charset="0"/>
+              </a:rPr>
+              <a:t>nearly </a:t>
+            </a:r>
+            <a:r>
+              <a:rPr lang="en-US" altLang="zh-CN" sz="1600" b="1">
+                <a:latin typeface="Times New Roman" panose="02020603050405020304" pitchFamily="18" charset="0"/>
+                <a:cs typeface="Times New Roman" panose="02020603050405020304" pitchFamily="18" charset="0"/>
+              </a:rPr>
+              <a:t>coincide</a:t>
+            </a:r>
+            <a:endParaRPr lang="zh-CN" altLang="en-US" sz="1600" b="1">
+              <a:latin typeface="Times New Roman" panose="02020603050405020304" pitchFamily="18" charset="0"/>
+              <a:cs typeface="Times New Roman" panose="02020603050405020304" pitchFamily="18" charset="0"/>
+            </a:endParaRPr>
+          </a:p>
+        </p:txBody>
+      </p:sp>
+      <p:cxnSp>
+        <p:nvCxnSpPr>
+          <p:cNvPr id="7" name="直接箭头连接符 6">
+            <a:extLst>
+              <a:ext uri="{FF2B5EF4-FFF2-40B4-BE49-F238E27FC236}">
+                <a16:creationId xmlns:a16="http://schemas.microsoft.com/office/drawing/2014/main" id="{94CCBD9C-802F-4F03-B8D7-5D156542B344}"/>
+              </a:ext>
+            </a:extLst>
+          </p:cNvPr>
+          <p:cNvCxnSpPr>
+            <a:cxnSpLocks/>
+          </p:cNvCxnSpPr>
+          <p:nvPr/>
+        </p:nvCxnSpPr>
+        <p:spPr>
+          <a:xfrm flipH="1">
+            <a:off x="4349478" y="2274859"/>
+            <a:ext cx="1147834" cy="406582"/>
+          </a:xfrm>
+          <a:prstGeom prst="straightConnector1">
+            <a:avLst/>
+          </a:prstGeom>
+          <a:ln>
+            <a:tailEnd type="triangle"/>
+          </a:ln>
+        </p:spPr>
+        <p:style>
+          <a:lnRef idx="1">
+            <a:schemeClr val="accent1"/>
+          </a:lnRef>
+          <a:fillRef idx="0">
+            <a:schemeClr val="accent1"/>
+          </a:fillRef>
+          <a:effectRef idx="0">
+            <a:schemeClr val="accent1"/>
+          </a:effectRef>
+          <a:fontRef idx="minor">
+            <a:schemeClr val="tx1"/>
+          </a:fontRef>
+        </p:style>
+      </p:cxnSp>
+    </p:spTree>
+    <p:extLst>
+      <p:ext uri="{BB962C8B-B14F-4D97-AF65-F5344CB8AC3E}">
+        <p14:creationId xmlns:p14="http://schemas.microsoft.com/office/powerpoint/2010/main" val="1919947060"/>
+      </p:ext>
+    </p:extLst>
+  </p:cSld>
+  <p:clrMapOvr>
+    <a:masterClrMapping/>
+  </p:clrMapOvr>
+</p:sld>
+</file>
+
+<file path=ppt/slides/slide14.xml><?xml version="1.0" encoding="utf-8"?>
+<p:sld xmlns:a="http://schemas.openxmlformats.org/drawingml/2006/main" xmlns:r="http://schemas.openxmlformats.org/officeDocument/2006/relationships" xmlns:p="http://schemas.openxmlformats.org/presentationml/2006/main">
+  <p:cSld>
+    <p:spTree>
+      <p:nvGrpSpPr>
+        <p:cNvPr id="1" name=""/>
+        <p:cNvGrpSpPr/>
+        <p:nvPr/>
+      </p:nvGrpSpPr>
+      <p:grpSpPr>
+        <a:xfrm>
+          <a:off x="0" y="0"/>
+          <a:ext cx="0" cy="0"/>
+          <a:chOff x="0" y="0"/>
+          <a:chExt cx="0" cy="0"/>
+        </a:xfrm>
+      </p:grpSpPr>
+      <p:sp>
+        <p:nvSpPr>
+          <p:cNvPr id="2" name="文本框 1">
+            <a:extLst>
+              <a:ext uri="{FF2B5EF4-FFF2-40B4-BE49-F238E27FC236}">
+                <a16:creationId xmlns:a16="http://schemas.microsoft.com/office/drawing/2014/main" id="{6FE2EDB8-F1A8-4963-B475-1939129D1C70}"/>
+              </a:ext>
+            </a:extLst>
+          </p:cNvPr>
+          <p:cNvSpPr txBox="1"/>
+          <p:nvPr/>
+        </p:nvSpPr>
+        <p:spPr>
+          <a:xfrm>
+            <a:off x="417251" y="346229"/>
+            <a:ext cx="2621230" cy="1323439"/>
+          </a:xfrm>
+          <a:prstGeom prst="rect">
+            <a:avLst/>
+          </a:prstGeom>
+          <a:noFill/>
+        </p:spPr>
+        <p:txBody>
+          <a:bodyPr wrap="none" rtlCol="0">
+            <a:spAutoFit/>
+          </a:bodyPr>
+          <a:lstStyle/>
+          <a:p>
+            <a:r>
+              <a:rPr lang="en-US" altLang="zh-CN" sz="2000" b="1">
+                <a:latin typeface="Times New Roman" panose="02020603050405020304" pitchFamily="18" charset="0"/>
+                <a:cs typeface="Times New Roman" panose="02020603050405020304" pitchFamily="18" charset="0"/>
+              </a:rPr>
+              <a:t>03/24/2021</a:t>
+            </a:r>
+          </a:p>
+          <a:p>
+            <a:pPr marL="342900" indent="-342900">
+              <a:buFont typeface="Arial" panose="020B0604020202020204" pitchFamily="34" charset="0"/>
+              <a:buChar char="•"/>
+            </a:pPr>
+            <a:r>
+              <a:rPr lang="en-US" altLang="zh-CN" sz="2000">
+                <a:latin typeface="Times New Roman" panose="02020603050405020304" pitchFamily="18" charset="0"/>
+                <a:cs typeface="Times New Roman" panose="02020603050405020304" pitchFamily="18" charset="0"/>
+              </a:rPr>
+              <a:t>contrast_usa_v3/v4</a:t>
+            </a:r>
+          </a:p>
+          <a:p>
+            <a:pPr marL="342900" indent="-342900">
+              <a:buFont typeface="Arial" panose="020B0604020202020204" pitchFamily="34" charset="0"/>
+              <a:buChar char="•"/>
+            </a:pPr>
+            <a:r>
+              <a:rPr lang="en-US" altLang="zh-CN" sz="2000">
+                <a:latin typeface="Times New Roman" panose="02020603050405020304" pitchFamily="18" charset="0"/>
+                <a:cs typeface="Times New Roman" panose="02020603050405020304" pitchFamily="18" charset="0"/>
+              </a:rPr>
+              <a:t>src_contrast_usa_v0</a:t>
+            </a:r>
+          </a:p>
+          <a:p>
+            <a:pPr marL="342900" indent="-342900">
+              <a:buFont typeface="Arial" panose="020B0604020202020204" pitchFamily="34" charset="0"/>
+              <a:buChar char="•"/>
+            </a:pPr>
+            <a:endParaRPr lang="zh-CN" altLang="en-US" sz="2000">
+              <a:latin typeface="Times New Roman" panose="02020603050405020304" pitchFamily="18" charset="0"/>
+              <a:cs typeface="Times New Roman" panose="02020603050405020304" pitchFamily="18" charset="0"/>
+            </a:endParaRPr>
+          </a:p>
+        </p:txBody>
+      </p:sp>
+    </p:spTree>
+    <p:extLst>
+      <p:ext uri="{BB962C8B-B14F-4D97-AF65-F5344CB8AC3E}">
+        <p14:creationId xmlns:p14="http://schemas.microsoft.com/office/powerpoint/2010/main" val="4089163060"/>
+      </p:ext>
+    </p:extLst>
+  </p:cSld>
+  <p:clrMapOvr>
+    <a:masterClrMapping/>
+  </p:clrMapOvr>
+</p:sld>
+</file>
+
+<file path=ppt/slides/slide15.xml><?xml version="1.0" encoding="utf-8"?>
+<p:sld xmlns:a="http://schemas.openxmlformats.org/drawingml/2006/main" xmlns:r="http://schemas.openxmlformats.org/officeDocument/2006/relationships" xmlns:p="http://schemas.openxmlformats.org/presentationml/2006/main">
+  <p:cSld>
+    <p:spTree>
+      <p:nvGrpSpPr>
+        <p:cNvPr id="1" name=""/>
+        <p:cNvGrpSpPr/>
+        <p:nvPr/>
+      </p:nvGrpSpPr>
+      <p:grpSpPr>
+        <a:xfrm>
+          <a:off x="0" y="0"/>
+          <a:ext cx="0" cy="0"/>
+          <a:chOff x="0" y="0"/>
+          <a:chExt cx="0" cy="0"/>
+        </a:xfrm>
+      </p:grpSpPr>
       <p:sp>
         <p:nvSpPr>
           <p:cNvPr id="4" name="文本框 3">
@@ -3468,7 +4595,7 @@
 </p:sld>
 </file>
 
-<file path=ppt/slides/slide11.xml><?xml version="1.0" encoding="utf-8"?>
+<file path=ppt/slides/slide16.xml><?xml version="1.0" encoding="utf-8"?>
 <p:sld xmlns:a="http://schemas.openxmlformats.org/drawingml/2006/main" xmlns:r="http://schemas.openxmlformats.org/officeDocument/2006/relationships" xmlns:p="http://schemas.openxmlformats.org/presentationml/2006/main">
   <p:cSld>
     <p:spTree>
@@ -5693,7 +6820,7 @@
 </p:sld>
 </file>
 
-<file path=ppt/slides/slide12.xml><?xml version="1.0" encoding="utf-8"?>
+<file path=ppt/slides/slide17.xml><?xml version="1.0" encoding="utf-8"?>
 <p:sld xmlns:a="http://schemas.openxmlformats.org/drawingml/2006/main" xmlns:r="http://schemas.openxmlformats.org/officeDocument/2006/relationships" xmlns:p="http://schemas.openxmlformats.org/presentationml/2006/main">
   <p:cSld>
     <p:spTree>
@@ -6675,7 +7802,7 @@
 </p:sld>
 </file>
 
-<file path=ppt/slides/slide13.xml><?xml version="1.0" encoding="utf-8"?>
+<file path=ppt/slides/slide18.xml><?xml version="1.0" encoding="utf-8"?>
 <p:sld xmlns:a="http://schemas.openxmlformats.org/drawingml/2006/main" xmlns:r="http://schemas.openxmlformats.org/officeDocument/2006/relationships" xmlns:p="http://schemas.openxmlformats.org/presentationml/2006/main">
   <p:cSld>
     <p:spTree>
@@ -7958,7 +9085,7 @@
 </p:sld>
 </file>
 
-<file path=ppt/slides/slide14.xml><?xml version="1.0" encoding="utf-8"?>
+<file path=ppt/slides/slide19.xml><?xml version="1.0" encoding="utf-8"?>
 <p:sld xmlns:a="http://schemas.openxmlformats.org/drawingml/2006/main" xmlns:r="http://schemas.openxmlformats.org/officeDocument/2006/relationships" xmlns:p="http://schemas.openxmlformats.org/presentationml/2006/main">
   <p:cSld>
     <p:spTree>
@@ -8508,7 +9635,609 @@
 </p:sld>
 </file>
 
-<file path=ppt/slides/slide15.xml><?xml version="1.0" encoding="utf-8"?>
+<file path=ppt/slides/slide2.xml><?xml version="1.0" encoding="utf-8"?>
+<p:sld xmlns:a="http://schemas.openxmlformats.org/drawingml/2006/main" xmlns:r="http://schemas.openxmlformats.org/officeDocument/2006/relationships" xmlns:p="http://schemas.openxmlformats.org/presentationml/2006/main">
+  <p:cSld>
+    <p:spTree>
+      <p:nvGrpSpPr>
+        <p:cNvPr id="1" name=""/>
+        <p:cNvGrpSpPr/>
+        <p:nvPr/>
+      </p:nvGrpSpPr>
+      <p:grpSpPr>
+        <a:xfrm>
+          <a:off x="0" y="0"/>
+          <a:ext cx="0" cy="0"/>
+          <a:chOff x="0" y="0"/>
+          <a:chExt cx="0" cy="0"/>
+        </a:xfrm>
+      </p:grpSpPr>
+      <p:pic>
+        <p:nvPicPr>
+          <p:cNvPr id="4" name="图片 3">
+            <a:extLst>
+              <a:ext uri="{FF2B5EF4-FFF2-40B4-BE49-F238E27FC236}">
+                <a16:creationId xmlns:a16="http://schemas.microsoft.com/office/drawing/2014/main" id="{423A3080-5106-4B97-A7D1-DD6B0AC9E149}"/>
+              </a:ext>
+            </a:extLst>
+          </p:cNvPr>
+          <p:cNvPicPr>
+            <a:picLocks noChangeAspect="1"/>
+          </p:cNvPicPr>
+          <p:nvPr/>
+        </p:nvPicPr>
+        <p:blipFill>
+          <a:blip r:embed="rId2"/>
+          <a:stretch>
+            <a:fillRect/>
+          </a:stretch>
+        </p:blipFill>
+        <p:spPr>
+          <a:xfrm>
+            <a:off x="479044" y="4648539"/>
+            <a:ext cx="5122765" cy="1783820"/>
+          </a:xfrm>
+          <a:prstGeom prst="rect">
+            <a:avLst/>
+          </a:prstGeom>
+        </p:spPr>
+      </p:pic>
+      <p:grpSp>
+        <p:nvGrpSpPr>
+          <p:cNvPr id="5" name="组合 4">
+            <a:extLst>
+              <a:ext uri="{FF2B5EF4-FFF2-40B4-BE49-F238E27FC236}">
+                <a16:creationId xmlns:a16="http://schemas.microsoft.com/office/drawing/2014/main" id="{C3457D04-60D5-412F-B224-843E0474AFEE}"/>
+              </a:ext>
+            </a:extLst>
+          </p:cNvPr>
+          <p:cNvGrpSpPr/>
+          <p:nvPr/>
+        </p:nvGrpSpPr>
+        <p:grpSpPr>
+          <a:xfrm>
+            <a:off x="719091" y="3695331"/>
+            <a:ext cx="4882718" cy="858344"/>
+            <a:chOff x="861134" y="4598633"/>
+            <a:chExt cx="4882718" cy="858344"/>
+          </a:xfrm>
+        </p:grpSpPr>
+        <p:sp>
+          <p:nvSpPr>
+            <p:cNvPr id="6" name="矩形 5">
+              <a:extLst>
+                <a:ext uri="{FF2B5EF4-FFF2-40B4-BE49-F238E27FC236}">
+                  <a16:creationId xmlns:a16="http://schemas.microsoft.com/office/drawing/2014/main" id="{42D14DEE-CC74-48FD-9E8D-B6D1912F6E6A}"/>
+                </a:ext>
+              </a:extLst>
+            </p:cNvPr>
+            <p:cNvSpPr/>
+            <p:nvPr/>
+          </p:nvSpPr>
+          <p:spPr>
+            <a:xfrm>
+              <a:off x="861134" y="4598633"/>
+              <a:ext cx="2095130" cy="381740"/>
+            </a:xfrm>
+            <a:prstGeom prst="rect">
+              <a:avLst/>
+            </a:prstGeom>
+            <a:solidFill>
+              <a:schemeClr val="accent5">
+                <a:lumMod val="60000"/>
+                <a:lumOff val="40000"/>
+              </a:schemeClr>
+            </a:solidFill>
+            <a:ln w="19050">
+              <a:solidFill>
+                <a:schemeClr val="tx1"/>
+              </a:solidFill>
+            </a:ln>
+          </p:spPr>
+          <p:style>
+            <a:lnRef idx="2">
+              <a:schemeClr val="accent1">
+                <a:shade val="50000"/>
+              </a:schemeClr>
+            </a:lnRef>
+            <a:fillRef idx="1">
+              <a:schemeClr val="accent1"/>
+            </a:fillRef>
+            <a:effectRef idx="0">
+              <a:schemeClr val="accent1"/>
+            </a:effectRef>
+            <a:fontRef idx="minor">
+              <a:schemeClr val="lt1"/>
+            </a:fontRef>
+          </p:style>
+          <p:txBody>
+            <a:bodyPr rtlCol="0" anchor="ctr"/>
+            <a:lstStyle/>
+            <a:p>
+              <a:pPr algn="ctr"/>
+              <a:r>
+                <a:rPr lang="en-US" altLang="zh-CN">
+                  <a:solidFill>
+                    <a:schemeClr val="tx1"/>
+                  </a:solidFill>
+                  <a:latin typeface="Times New Roman" panose="02020603050405020304" pitchFamily="18" charset="0"/>
+                  <a:cs typeface="Times New Roman" panose="02020603050405020304" pitchFamily="18" charset="0"/>
+                </a:rPr>
+                <a:t>Source_train</a:t>
+              </a:r>
+              <a:endParaRPr lang="zh-CN" altLang="en-US">
+                <a:solidFill>
+                  <a:schemeClr val="tx1"/>
+                </a:solidFill>
+                <a:latin typeface="Times New Roman" panose="02020603050405020304" pitchFamily="18" charset="0"/>
+                <a:cs typeface="Times New Roman" panose="02020603050405020304" pitchFamily="18" charset="0"/>
+              </a:endParaRPr>
+            </a:p>
+          </p:txBody>
+        </p:sp>
+        <p:sp>
+          <p:nvSpPr>
+            <p:cNvPr id="7" name="矩形 6">
+              <a:extLst>
+                <a:ext uri="{FF2B5EF4-FFF2-40B4-BE49-F238E27FC236}">
+                  <a16:creationId xmlns:a16="http://schemas.microsoft.com/office/drawing/2014/main" id="{DF4EB53A-1E0C-4BCE-A7F6-0F5515CA55FF}"/>
+                </a:ext>
+              </a:extLst>
+            </p:cNvPr>
+            <p:cNvSpPr/>
+            <p:nvPr/>
+          </p:nvSpPr>
+          <p:spPr>
+            <a:xfrm>
+              <a:off x="861134" y="5075237"/>
+              <a:ext cx="2095130" cy="381740"/>
+            </a:xfrm>
+            <a:prstGeom prst="rect">
+              <a:avLst/>
+            </a:prstGeom>
+            <a:solidFill>
+              <a:schemeClr val="accent6">
+                <a:lumMod val="60000"/>
+                <a:lumOff val="40000"/>
+              </a:schemeClr>
+            </a:solidFill>
+            <a:ln w="19050">
+              <a:solidFill>
+                <a:schemeClr val="tx1"/>
+              </a:solidFill>
+            </a:ln>
+          </p:spPr>
+          <p:style>
+            <a:lnRef idx="2">
+              <a:schemeClr val="accent1">
+                <a:shade val="50000"/>
+              </a:schemeClr>
+            </a:lnRef>
+            <a:fillRef idx="1">
+              <a:schemeClr val="accent1"/>
+            </a:fillRef>
+            <a:effectRef idx="0">
+              <a:schemeClr val="accent1"/>
+            </a:effectRef>
+            <a:fontRef idx="minor">
+              <a:schemeClr val="lt1"/>
+            </a:fontRef>
+          </p:style>
+          <p:txBody>
+            <a:bodyPr rtlCol="0" anchor="ctr"/>
+            <a:lstStyle/>
+            <a:p>
+              <a:pPr algn="ctr"/>
+              <a:r>
+                <a:rPr lang="en-US" altLang="zh-CN">
+                  <a:solidFill>
+                    <a:schemeClr val="tx1"/>
+                  </a:solidFill>
+                  <a:latin typeface="Times New Roman" panose="02020603050405020304" pitchFamily="18" charset="0"/>
+                  <a:cs typeface="Times New Roman" panose="02020603050405020304" pitchFamily="18" charset="0"/>
+                </a:rPr>
+                <a:t>Target_train</a:t>
+              </a:r>
+              <a:endParaRPr lang="zh-CN" altLang="en-US">
+                <a:solidFill>
+                  <a:schemeClr val="tx1"/>
+                </a:solidFill>
+                <a:latin typeface="Times New Roman" panose="02020603050405020304" pitchFamily="18" charset="0"/>
+                <a:cs typeface="Times New Roman" panose="02020603050405020304" pitchFamily="18" charset="0"/>
+              </a:endParaRPr>
+            </a:p>
+          </p:txBody>
+        </p:sp>
+        <p:sp>
+          <p:nvSpPr>
+            <p:cNvPr id="8" name="矩形 7">
+              <a:extLst>
+                <a:ext uri="{FF2B5EF4-FFF2-40B4-BE49-F238E27FC236}">
+                  <a16:creationId xmlns:a16="http://schemas.microsoft.com/office/drawing/2014/main" id="{BE6EFC1C-7834-40BC-AB5A-6FD305D6B00E}"/>
+                </a:ext>
+              </a:extLst>
+            </p:cNvPr>
+            <p:cNvSpPr/>
+            <p:nvPr/>
+          </p:nvSpPr>
+          <p:spPr>
+            <a:xfrm>
+              <a:off x="3028765" y="4598633"/>
+              <a:ext cx="1321293" cy="381740"/>
+            </a:xfrm>
+            <a:prstGeom prst="rect">
+              <a:avLst/>
+            </a:prstGeom>
+            <a:solidFill>
+              <a:schemeClr val="accent5">
+                <a:lumMod val="60000"/>
+                <a:lumOff val="40000"/>
+              </a:schemeClr>
+            </a:solidFill>
+            <a:ln w="19050">
+              <a:solidFill>
+                <a:schemeClr val="tx1"/>
+              </a:solidFill>
+            </a:ln>
+          </p:spPr>
+          <p:style>
+            <a:lnRef idx="2">
+              <a:schemeClr val="accent1">
+                <a:shade val="50000"/>
+              </a:schemeClr>
+            </a:lnRef>
+            <a:fillRef idx="1">
+              <a:schemeClr val="accent1"/>
+            </a:fillRef>
+            <a:effectRef idx="0">
+              <a:schemeClr val="accent1"/>
+            </a:effectRef>
+            <a:fontRef idx="minor">
+              <a:schemeClr val="lt1"/>
+            </a:fontRef>
+          </p:style>
+          <p:txBody>
+            <a:bodyPr rtlCol="0" anchor="ctr"/>
+            <a:lstStyle/>
+            <a:p>
+              <a:pPr algn="ctr"/>
+              <a:r>
+                <a:rPr lang="en-US" altLang="zh-CN">
+                  <a:solidFill>
+                    <a:schemeClr val="tx1"/>
+                  </a:solidFill>
+                  <a:latin typeface="Times New Roman" panose="02020603050405020304" pitchFamily="18" charset="0"/>
+                  <a:cs typeface="Times New Roman" panose="02020603050405020304" pitchFamily="18" charset="0"/>
+                </a:rPr>
+                <a:t>Source_test</a:t>
+              </a:r>
+              <a:endParaRPr lang="zh-CN" altLang="en-US">
+                <a:solidFill>
+                  <a:schemeClr val="tx1"/>
+                </a:solidFill>
+                <a:latin typeface="Times New Roman" panose="02020603050405020304" pitchFamily="18" charset="0"/>
+                <a:cs typeface="Times New Roman" panose="02020603050405020304" pitchFamily="18" charset="0"/>
+              </a:endParaRPr>
+            </a:p>
+          </p:txBody>
+        </p:sp>
+        <p:sp>
+          <p:nvSpPr>
+            <p:cNvPr id="9" name="矩形 8">
+              <a:extLst>
+                <a:ext uri="{FF2B5EF4-FFF2-40B4-BE49-F238E27FC236}">
+                  <a16:creationId xmlns:a16="http://schemas.microsoft.com/office/drawing/2014/main" id="{FBFF66E9-DD32-4BAD-B1FC-9818A6345D02}"/>
+                </a:ext>
+              </a:extLst>
+            </p:cNvPr>
+            <p:cNvSpPr/>
+            <p:nvPr/>
+          </p:nvSpPr>
+          <p:spPr>
+            <a:xfrm>
+              <a:off x="3028765" y="5075237"/>
+              <a:ext cx="1321293" cy="381740"/>
+            </a:xfrm>
+            <a:prstGeom prst="rect">
+              <a:avLst/>
+            </a:prstGeom>
+            <a:solidFill>
+              <a:schemeClr val="accent6">
+                <a:lumMod val="60000"/>
+                <a:lumOff val="40000"/>
+              </a:schemeClr>
+            </a:solidFill>
+            <a:ln w="19050">
+              <a:solidFill>
+                <a:schemeClr val="tx1"/>
+              </a:solidFill>
+            </a:ln>
+          </p:spPr>
+          <p:style>
+            <a:lnRef idx="2">
+              <a:schemeClr val="accent1">
+                <a:shade val="50000"/>
+              </a:schemeClr>
+            </a:lnRef>
+            <a:fillRef idx="1">
+              <a:schemeClr val="accent1"/>
+            </a:fillRef>
+            <a:effectRef idx="0">
+              <a:schemeClr val="accent1"/>
+            </a:effectRef>
+            <a:fontRef idx="minor">
+              <a:schemeClr val="lt1"/>
+            </a:fontRef>
+          </p:style>
+          <p:txBody>
+            <a:bodyPr rtlCol="0" anchor="ctr"/>
+            <a:lstStyle/>
+            <a:p>
+              <a:pPr algn="ctr"/>
+              <a:r>
+                <a:rPr lang="en-US" altLang="zh-CN">
+                  <a:solidFill>
+                    <a:schemeClr val="tx1"/>
+                  </a:solidFill>
+                  <a:latin typeface="Times New Roman" panose="02020603050405020304" pitchFamily="18" charset="0"/>
+                  <a:cs typeface="Times New Roman" panose="02020603050405020304" pitchFamily="18" charset="0"/>
+                </a:rPr>
+                <a:t>Target_test</a:t>
+              </a:r>
+              <a:endParaRPr lang="zh-CN" altLang="en-US">
+                <a:solidFill>
+                  <a:schemeClr val="tx1"/>
+                </a:solidFill>
+                <a:latin typeface="Times New Roman" panose="02020603050405020304" pitchFamily="18" charset="0"/>
+                <a:cs typeface="Times New Roman" panose="02020603050405020304" pitchFamily="18" charset="0"/>
+              </a:endParaRPr>
+            </a:p>
+          </p:txBody>
+        </p:sp>
+        <p:sp>
+          <p:nvSpPr>
+            <p:cNvPr id="10" name="矩形 9">
+              <a:extLst>
+                <a:ext uri="{FF2B5EF4-FFF2-40B4-BE49-F238E27FC236}">
+                  <a16:creationId xmlns:a16="http://schemas.microsoft.com/office/drawing/2014/main" id="{83920BAE-9DB9-4F77-8D3B-4E7FB9D47D39}"/>
+                </a:ext>
+              </a:extLst>
+            </p:cNvPr>
+            <p:cNvSpPr/>
+            <p:nvPr/>
+          </p:nvSpPr>
+          <p:spPr>
+            <a:xfrm>
+              <a:off x="4422559" y="5075237"/>
+              <a:ext cx="1321293" cy="381740"/>
+            </a:xfrm>
+            <a:prstGeom prst="rect">
+              <a:avLst/>
+            </a:prstGeom>
+            <a:solidFill>
+              <a:schemeClr val="accent6">
+                <a:lumMod val="60000"/>
+                <a:lumOff val="40000"/>
+              </a:schemeClr>
+            </a:solidFill>
+            <a:ln w="19050">
+              <a:solidFill>
+                <a:schemeClr val="tx1"/>
+              </a:solidFill>
+            </a:ln>
+          </p:spPr>
+          <p:style>
+            <a:lnRef idx="2">
+              <a:schemeClr val="accent1">
+                <a:shade val="50000"/>
+              </a:schemeClr>
+            </a:lnRef>
+            <a:fillRef idx="1">
+              <a:schemeClr val="accent1"/>
+            </a:fillRef>
+            <a:effectRef idx="0">
+              <a:schemeClr val="accent1"/>
+            </a:effectRef>
+            <a:fontRef idx="minor">
+              <a:schemeClr val="lt1"/>
+            </a:fontRef>
+          </p:style>
+          <p:txBody>
+            <a:bodyPr rtlCol="0" anchor="ctr"/>
+            <a:lstStyle/>
+            <a:p>
+              <a:pPr algn="ctr"/>
+              <a:r>
+                <a:rPr lang="en-US" altLang="zh-CN">
+                  <a:solidFill>
+                    <a:schemeClr val="tx1"/>
+                  </a:solidFill>
+                  <a:latin typeface="Times New Roman" panose="02020603050405020304" pitchFamily="18" charset="0"/>
+                  <a:cs typeface="Times New Roman" panose="02020603050405020304" pitchFamily="18" charset="0"/>
+                </a:rPr>
+                <a:t>Target_val</a:t>
+              </a:r>
+              <a:endParaRPr lang="zh-CN" altLang="en-US">
+                <a:solidFill>
+                  <a:schemeClr val="tx1"/>
+                </a:solidFill>
+                <a:latin typeface="Times New Roman" panose="02020603050405020304" pitchFamily="18" charset="0"/>
+                <a:cs typeface="Times New Roman" panose="02020603050405020304" pitchFamily="18" charset="0"/>
+              </a:endParaRPr>
+            </a:p>
+          </p:txBody>
+        </p:sp>
+      </p:grpSp>
+      <p:sp>
+        <p:nvSpPr>
+          <p:cNvPr id="11" name="文本框 10">
+            <a:extLst>
+              <a:ext uri="{FF2B5EF4-FFF2-40B4-BE49-F238E27FC236}">
+                <a16:creationId xmlns:a16="http://schemas.microsoft.com/office/drawing/2014/main" id="{503FFE9E-B8D1-4EF8-92CE-C6438BFB3FCE}"/>
+              </a:ext>
+            </a:extLst>
+          </p:cNvPr>
+          <p:cNvSpPr txBox="1"/>
+          <p:nvPr/>
+        </p:nvSpPr>
+        <p:spPr>
+          <a:xfrm>
+            <a:off x="279851" y="347393"/>
+            <a:ext cx="8315097" cy="3170099"/>
+          </a:xfrm>
+          <a:prstGeom prst="rect">
+            <a:avLst/>
+          </a:prstGeom>
+          <a:noFill/>
+        </p:spPr>
+        <p:txBody>
+          <a:bodyPr wrap="none" rtlCol="0">
+            <a:spAutoFit/>
+          </a:bodyPr>
+          <a:lstStyle/>
+          <a:p>
+            <a:r>
+              <a:rPr lang="en-US" altLang="zh-CN" sz="2000" b="1">
+                <a:latin typeface="Times New Roman" panose="02020603050405020304" pitchFamily="18" charset="0"/>
+                <a:cs typeface="Times New Roman" panose="02020603050405020304" pitchFamily="18" charset="0"/>
+              </a:rPr>
+              <a:t>Nuscenes Dataset Domain Splits</a:t>
+            </a:r>
+          </a:p>
+          <a:p>
+            <a:pPr marL="342900" indent="-342900">
+              <a:buFont typeface="Arial" panose="020B0604020202020204" pitchFamily="34" charset="0"/>
+              <a:buChar char="•"/>
+            </a:pPr>
+            <a:r>
+              <a:rPr lang="en-US" altLang="zh-CN">
+                <a:latin typeface="Times New Roman" panose="02020603050405020304" pitchFamily="18" charset="0"/>
+                <a:cs typeface="Times New Roman" panose="02020603050405020304" pitchFamily="18" charset="0"/>
+              </a:rPr>
+              <a:t>Two Source-Target pairs</a:t>
+            </a:r>
+          </a:p>
+          <a:p>
+            <a:pPr marL="800100" lvl="1" indent="-342900">
+              <a:buFont typeface="Arial" panose="020B0604020202020204" pitchFamily="34" charset="0"/>
+              <a:buChar char="•"/>
+            </a:pPr>
+            <a:r>
+              <a:rPr lang="en-US" altLang="zh-CN">
+                <a:latin typeface="Times New Roman" panose="02020603050405020304" pitchFamily="18" charset="0"/>
+                <a:cs typeface="Times New Roman" panose="02020603050405020304" pitchFamily="18" charset="0"/>
+              </a:rPr>
+              <a:t>(Usa, Singapore) &amp; (Day, Night)</a:t>
+            </a:r>
+          </a:p>
+          <a:p>
+            <a:pPr marL="342900" indent="-342900">
+              <a:buFont typeface="Arial" panose="020B0604020202020204" pitchFamily="34" charset="0"/>
+              <a:buChar char="•"/>
+            </a:pPr>
+            <a:r>
+              <a:rPr lang="en-US" altLang="zh-CN">
+                <a:latin typeface="Times New Roman" panose="02020603050405020304" pitchFamily="18" charset="0"/>
+                <a:cs typeface="Times New Roman" panose="02020603050405020304" pitchFamily="18" charset="0"/>
+              </a:rPr>
+              <a:t>Two splits on source</a:t>
+            </a:r>
+          </a:p>
+          <a:p>
+            <a:pPr marL="800100" lvl="1" indent="-342900">
+              <a:buFont typeface="Arial" panose="020B0604020202020204" pitchFamily="34" charset="0"/>
+              <a:buChar char="•"/>
+            </a:pPr>
+            <a:r>
+              <a:rPr lang="en-US" altLang="zh-CN">
+                <a:latin typeface="Times New Roman" panose="02020603050405020304" pitchFamily="18" charset="0"/>
+                <a:cs typeface="Times New Roman" panose="02020603050405020304" pitchFamily="18" charset="0"/>
+              </a:rPr>
+              <a:t>Source_train &amp; Source_test</a:t>
+            </a:r>
+          </a:p>
+          <a:p>
+            <a:pPr marL="342900" indent="-342900">
+              <a:buFont typeface="Arial" panose="020B0604020202020204" pitchFamily="34" charset="0"/>
+              <a:buChar char="•"/>
+            </a:pPr>
+            <a:r>
+              <a:rPr lang="en-US" altLang="zh-CN">
+                <a:latin typeface="Times New Roman" panose="02020603050405020304" pitchFamily="18" charset="0"/>
+                <a:cs typeface="Times New Roman" panose="02020603050405020304" pitchFamily="18" charset="0"/>
+              </a:rPr>
+              <a:t>Three splits on target</a:t>
+            </a:r>
+          </a:p>
+          <a:p>
+            <a:pPr marL="800100" lvl="1" indent="-342900">
+              <a:buFont typeface="Arial" panose="020B0604020202020204" pitchFamily="34" charset="0"/>
+              <a:buChar char="•"/>
+            </a:pPr>
+            <a:r>
+              <a:rPr lang="en-US" altLang="zh-CN">
+                <a:latin typeface="Times New Roman" panose="02020603050405020304" pitchFamily="18" charset="0"/>
+                <a:cs typeface="Times New Roman" panose="02020603050405020304" pitchFamily="18" charset="0"/>
+              </a:rPr>
+              <a:t>Target_train, Target_test &amp; Target_val</a:t>
+            </a:r>
+          </a:p>
+          <a:p>
+            <a:pPr marL="342900" indent="-342900">
+              <a:buFont typeface="Arial" panose="020B0604020202020204" pitchFamily="34" charset="0"/>
+              <a:buChar char="•"/>
+            </a:pPr>
+            <a:r>
+              <a:rPr lang="en-US" altLang="zh-CN">
+                <a:solidFill>
+                  <a:srgbClr val="FF0000"/>
+                </a:solidFill>
+                <a:latin typeface="Times New Roman" panose="02020603050405020304" pitchFamily="18" charset="0"/>
+                <a:cs typeface="Times New Roman" panose="02020603050405020304" pitchFamily="18" charset="0"/>
+              </a:rPr>
+              <a:t>All of the experiments (results shown in tables) up to now are carried on these splits!</a:t>
+            </a:r>
+          </a:p>
+          <a:p>
+            <a:pPr marL="342900" indent="-342900">
+              <a:buFont typeface="Arial" panose="020B0604020202020204" pitchFamily="34" charset="0"/>
+              <a:buChar char="•"/>
+            </a:pPr>
+            <a:endParaRPr lang="en-US" altLang="zh-CN">
+              <a:latin typeface="Times New Roman" panose="02020603050405020304" pitchFamily="18" charset="0"/>
+              <a:cs typeface="Times New Roman" panose="02020603050405020304" pitchFamily="18" charset="0"/>
+            </a:endParaRPr>
+          </a:p>
+          <a:p>
+            <a:pPr lvl="1"/>
+            <a:endParaRPr lang="en-US" altLang="zh-CN">
+              <a:latin typeface="Times New Roman" panose="02020603050405020304" pitchFamily="18" charset="0"/>
+              <a:cs typeface="Times New Roman" panose="02020603050405020304" pitchFamily="18" charset="0"/>
+            </a:endParaRPr>
+          </a:p>
+          <a:p>
+            <a:pPr lvl="1"/>
+            <a:endParaRPr lang="en-US" altLang="zh-CN">
+              <a:latin typeface="Times New Roman" panose="02020603050405020304" pitchFamily="18" charset="0"/>
+              <a:cs typeface="Times New Roman" panose="02020603050405020304" pitchFamily="18" charset="0"/>
+            </a:endParaRPr>
+          </a:p>
+        </p:txBody>
+      </p:sp>
+    </p:spTree>
+    <p:extLst>
+      <p:ext uri="{BB962C8B-B14F-4D97-AF65-F5344CB8AC3E}">
+        <p14:creationId xmlns:p14="http://schemas.microsoft.com/office/powerpoint/2010/main" val="171116346"/>
+      </p:ext>
+    </p:extLst>
+  </p:cSld>
+  <p:clrMapOvr>
+    <a:masterClrMapping/>
+  </p:clrMapOvr>
+</p:sld>
+</file>
+
+<file path=ppt/slides/slide20.xml><?xml version="1.0" encoding="utf-8"?>
 <p:sld xmlns:a="http://schemas.openxmlformats.org/drawingml/2006/main" xmlns:r="http://schemas.openxmlformats.org/officeDocument/2006/relationships" xmlns:p="http://schemas.openxmlformats.org/presentationml/2006/main">
   <p:cSld>
     <p:spTree>
@@ -8606,7 +10335,7 @@
 </p:sld>
 </file>
 
-<file path=ppt/slides/slide16.xml><?xml version="1.0" encoding="utf-8"?>
+<file path=ppt/slides/slide21.xml><?xml version="1.0" encoding="utf-8"?>
 <p:sld xmlns:a="http://schemas.openxmlformats.org/drawingml/2006/main" xmlns:r="http://schemas.openxmlformats.org/officeDocument/2006/relationships" xmlns:p="http://schemas.openxmlformats.org/presentationml/2006/main">
   <p:cSld>
     <p:spTree>
@@ -9862,7 +11591,7 @@
 </p:sld>
 </file>
 
-<file path=ppt/slides/slide17.xml><?xml version="1.0" encoding="utf-8"?>
+<file path=ppt/slides/slide22.xml><?xml version="1.0" encoding="utf-8"?>
 <p:sld xmlns:a="http://schemas.openxmlformats.org/drawingml/2006/main" xmlns:r="http://schemas.openxmlformats.org/officeDocument/2006/relationships" xmlns:p="http://schemas.openxmlformats.org/presentationml/2006/main">
   <p:cSld>
     <p:spTree>
@@ -10412,7 +12141,7 @@
 </p:sld>
 </file>
 
-<file path=ppt/slides/slide18.xml><?xml version="1.0" encoding="utf-8"?>
+<file path=ppt/slides/slide23.xml><?xml version="1.0" encoding="utf-8"?>
 <p:sld xmlns:a="http://schemas.openxmlformats.org/drawingml/2006/main" xmlns:r="http://schemas.openxmlformats.org/officeDocument/2006/relationships" xmlns:p="http://schemas.openxmlformats.org/presentationml/2006/main">
   <p:cSld>
     <p:spTree>
@@ -10539,7 +12268,7 @@
 </p:sld>
 </file>
 
-<file path=ppt/slides/slide19.xml><?xml version="1.0" encoding="utf-8"?>
+<file path=ppt/slides/slide24.xml><?xml version="1.0" encoding="utf-8"?>
 <p:sld xmlns:a="http://schemas.openxmlformats.org/drawingml/2006/main" xmlns:r="http://schemas.openxmlformats.org/officeDocument/2006/relationships" xmlns:p="http://schemas.openxmlformats.org/presentationml/2006/main">
   <p:cSld>
     <p:spTree>
@@ -13327,609 +15056,7 @@
 </p:sld>
 </file>
 
-<file path=ppt/slides/slide2.xml><?xml version="1.0" encoding="utf-8"?>
-<p:sld xmlns:a="http://schemas.openxmlformats.org/drawingml/2006/main" xmlns:r="http://schemas.openxmlformats.org/officeDocument/2006/relationships" xmlns:p="http://schemas.openxmlformats.org/presentationml/2006/main">
-  <p:cSld>
-    <p:spTree>
-      <p:nvGrpSpPr>
-        <p:cNvPr id="1" name=""/>
-        <p:cNvGrpSpPr/>
-        <p:nvPr/>
-      </p:nvGrpSpPr>
-      <p:grpSpPr>
-        <a:xfrm>
-          <a:off x="0" y="0"/>
-          <a:ext cx="0" cy="0"/>
-          <a:chOff x="0" y="0"/>
-          <a:chExt cx="0" cy="0"/>
-        </a:xfrm>
-      </p:grpSpPr>
-      <p:pic>
-        <p:nvPicPr>
-          <p:cNvPr id="4" name="图片 3">
-            <a:extLst>
-              <a:ext uri="{FF2B5EF4-FFF2-40B4-BE49-F238E27FC236}">
-                <a16:creationId xmlns:a16="http://schemas.microsoft.com/office/drawing/2014/main" id="{423A3080-5106-4B97-A7D1-DD6B0AC9E149}"/>
-              </a:ext>
-            </a:extLst>
-          </p:cNvPr>
-          <p:cNvPicPr>
-            <a:picLocks noChangeAspect="1"/>
-          </p:cNvPicPr>
-          <p:nvPr/>
-        </p:nvPicPr>
-        <p:blipFill>
-          <a:blip r:embed="rId2"/>
-          <a:stretch>
-            <a:fillRect/>
-          </a:stretch>
-        </p:blipFill>
-        <p:spPr>
-          <a:xfrm>
-            <a:off x="479044" y="4648539"/>
-            <a:ext cx="5122765" cy="1783820"/>
-          </a:xfrm>
-          <a:prstGeom prst="rect">
-            <a:avLst/>
-          </a:prstGeom>
-        </p:spPr>
-      </p:pic>
-      <p:grpSp>
-        <p:nvGrpSpPr>
-          <p:cNvPr id="5" name="组合 4">
-            <a:extLst>
-              <a:ext uri="{FF2B5EF4-FFF2-40B4-BE49-F238E27FC236}">
-                <a16:creationId xmlns:a16="http://schemas.microsoft.com/office/drawing/2014/main" id="{C3457D04-60D5-412F-B224-843E0474AFEE}"/>
-              </a:ext>
-            </a:extLst>
-          </p:cNvPr>
-          <p:cNvGrpSpPr/>
-          <p:nvPr/>
-        </p:nvGrpSpPr>
-        <p:grpSpPr>
-          <a:xfrm>
-            <a:off x="719091" y="3695331"/>
-            <a:ext cx="4882718" cy="858344"/>
-            <a:chOff x="861134" y="4598633"/>
-            <a:chExt cx="4882718" cy="858344"/>
-          </a:xfrm>
-        </p:grpSpPr>
-        <p:sp>
-          <p:nvSpPr>
-            <p:cNvPr id="6" name="矩形 5">
-              <a:extLst>
-                <a:ext uri="{FF2B5EF4-FFF2-40B4-BE49-F238E27FC236}">
-                  <a16:creationId xmlns:a16="http://schemas.microsoft.com/office/drawing/2014/main" id="{42D14DEE-CC74-48FD-9E8D-B6D1912F6E6A}"/>
-                </a:ext>
-              </a:extLst>
-            </p:cNvPr>
-            <p:cNvSpPr/>
-            <p:nvPr/>
-          </p:nvSpPr>
-          <p:spPr>
-            <a:xfrm>
-              <a:off x="861134" y="4598633"/>
-              <a:ext cx="2095130" cy="381740"/>
-            </a:xfrm>
-            <a:prstGeom prst="rect">
-              <a:avLst/>
-            </a:prstGeom>
-            <a:solidFill>
-              <a:schemeClr val="accent5">
-                <a:lumMod val="60000"/>
-                <a:lumOff val="40000"/>
-              </a:schemeClr>
-            </a:solidFill>
-            <a:ln w="19050">
-              <a:solidFill>
-                <a:schemeClr val="tx1"/>
-              </a:solidFill>
-            </a:ln>
-          </p:spPr>
-          <p:style>
-            <a:lnRef idx="2">
-              <a:schemeClr val="accent1">
-                <a:shade val="50000"/>
-              </a:schemeClr>
-            </a:lnRef>
-            <a:fillRef idx="1">
-              <a:schemeClr val="accent1"/>
-            </a:fillRef>
-            <a:effectRef idx="0">
-              <a:schemeClr val="accent1"/>
-            </a:effectRef>
-            <a:fontRef idx="minor">
-              <a:schemeClr val="lt1"/>
-            </a:fontRef>
-          </p:style>
-          <p:txBody>
-            <a:bodyPr rtlCol="0" anchor="ctr"/>
-            <a:lstStyle/>
-            <a:p>
-              <a:pPr algn="ctr"/>
-              <a:r>
-                <a:rPr lang="en-US" altLang="zh-CN">
-                  <a:solidFill>
-                    <a:schemeClr val="tx1"/>
-                  </a:solidFill>
-                  <a:latin typeface="Times New Roman" panose="02020603050405020304" pitchFamily="18" charset="0"/>
-                  <a:cs typeface="Times New Roman" panose="02020603050405020304" pitchFamily="18" charset="0"/>
-                </a:rPr>
-                <a:t>Source_train</a:t>
-              </a:r>
-              <a:endParaRPr lang="zh-CN" altLang="en-US">
-                <a:solidFill>
-                  <a:schemeClr val="tx1"/>
-                </a:solidFill>
-                <a:latin typeface="Times New Roman" panose="02020603050405020304" pitchFamily="18" charset="0"/>
-                <a:cs typeface="Times New Roman" panose="02020603050405020304" pitchFamily="18" charset="0"/>
-              </a:endParaRPr>
-            </a:p>
-          </p:txBody>
-        </p:sp>
-        <p:sp>
-          <p:nvSpPr>
-            <p:cNvPr id="7" name="矩形 6">
-              <a:extLst>
-                <a:ext uri="{FF2B5EF4-FFF2-40B4-BE49-F238E27FC236}">
-                  <a16:creationId xmlns:a16="http://schemas.microsoft.com/office/drawing/2014/main" id="{DF4EB53A-1E0C-4BCE-A7F6-0F5515CA55FF}"/>
-                </a:ext>
-              </a:extLst>
-            </p:cNvPr>
-            <p:cNvSpPr/>
-            <p:nvPr/>
-          </p:nvSpPr>
-          <p:spPr>
-            <a:xfrm>
-              <a:off x="861134" y="5075237"/>
-              <a:ext cx="2095130" cy="381740"/>
-            </a:xfrm>
-            <a:prstGeom prst="rect">
-              <a:avLst/>
-            </a:prstGeom>
-            <a:solidFill>
-              <a:schemeClr val="accent6">
-                <a:lumMod val="60000"/>
-                <a:lumOff val="40000"/>
-              </a:schemeClr>
-            </a:solidFill>
-            <a:ln w="19050">
-              <a:solidFill>
-                <a:schemeClr val="tx1"/>
-              </a:solidFill>
-            </a:ln>
-          </p:spPr>
-          <p:style>
-            <a:lnRef idx="2">
-              <a:schemeClr val="accent1">
-                <a:shade val="50000"/>
-              </a:schemeClr>
-            </a:lnRef>
-            <a:fillRef idx="1">
-              <a:schemeClr val="accent1"/>
-            </a:fillRef>
-            <a:effectRef idx="0">
-              <a:schemeClr val="accent1"/>
-            </a:effectRef>
-            <a:fontRef idx="minor">
-              <a:schemeClr val="lt1"/>
-            </a:fontRef>
-          </p:style>
-          <p:txBody>
-            <a:bodyPr rtlCol="0" anchor="ctr"/>
-            <a:lstStyle/>
-            <a:p>
-              <a:pPr algn="ctr"/>
-              <a:r>
-                <a:rPr lang="en-US" altLang="zh-CN">
-                  <a:solidFill>
-                    <a:schemeClr val="tx1"/>
-                  </a:solidFill>
-                  <a:latin typeface="Times New Roman" panose="02020603050405020304" pitchFamily="18" charset="0"/>
-                  <a:cs typeface="Times New Roman" panose="02020603050405020304" pitchFamily="18" charset="0"/>
-                </a:rPr>
-                <a:t>Target_train</a:t>
-              </a:r>
-              <a:endParaRPr lang="zh-CN" altLang="en-US">
-                <a:solidFill>
-                  <a:schemeClr val="tx1"/>
-                </a:solidFill>
-                <a:latin typeface="Times New Roman" panose="02020603050405020304" pitchFamily="18" charset="0"/>
-                <a:cs typeface="Times New Roman" panose="02020603050405020304" pitchFamily="18" charset="0"/>
-              </a:endParaRPr>
-            </a:p>
-          </p:txBody>
-        </p:sp>
-        <p:sp>
-          <p:nvSpPr>
-            <p:cNvPr id="8" name="矩形 7">
-              <a:extLst>
-                <a:ext uri="{FF2B5EF4-FFF2-40B4-BE49-F238E27FC236}">
-                  <a16:creationId xmlns:a16="http://schemas.microsoft.com/office/drawing/2014/main" id="{BE6EFC1C-7834-40BC-AB5A-6FD305D6B00E}"/>
-                </a:ext>
-              </a:extLst>
-            </p:cNvPr>
-            <p:cNvSpPr/>
-            <p:nvPr/>
-          </p:nvSpPr>
-          <p:spPr>
-            <a:xfrm>
-              <a:off x="3028765" y="4598633"/>
-              <a:ext cx="1321293" cy="381740"/>
-            </a:xfrm>
-            <a:prstGeom prst="rect">
-              <a:avLst/>
-            </a:prstGeom>
-            <a:solidFill>
-              <a:schemeClr val="accent5">
-                <a:lumMod val="60000"/>
-                <a:lumOff val="40000"/>
-              </a:schemeClr>
-            </a:solidFill>
-            <a:ln w="19050">
-              <a:solidFill>
-                <a:schemeClr val="tx1"/>
-              </a:solidFill>
-            </a:ln>
-          </p:spPr>
-          <p:style>
-            <a:lnRef idx="2">
-              <a:schemeClr val="accent1">
-                <a:shade val="50000"/>
-              </a:schemeClr>
-            </a:lnRef>
-            <a:fillRef idx="1">
-              <a:schemeClr val="accent1"/>
-            </a:fillRef>
-            <a:effectRef idx="0">
-              <a:schemeClr val="accent1"/>
-            </a:effectRef>
-            <a:fontRef idx="minor">
-              <a:schemeClr val="lt1"/>
-            </a:fontRef>
-          </p:style>
-          <p:txBody>
-            <a:bodyPr rtlCol="0" anchor="ctr"/>
-            <a:lstStyle/>
-            <a:p>
-              <a:pPr algn="ctr"/>
-              <a:r>
-                <a:rPr lang="en-US" altLang="zh-CN">
-                  <a:solidFill>
-                    <a:schemeClr val="tx1"/>
-                  </a:solidFill>
-                  <a:latin typeface="Times New Roman" panose="02020603050405020304" pitchFamily="18" charset="0"/>
-                  <a:cs typeface="Times New Roman" panose="02020603050405020304" pitchFamily="18" charset="0"/>
-                </a:rPr>
-                <a:t>Source_test</a:t>
-              </a:r>
-              <a:endParaRPr lang="zh-CN" altLang="en-US">
-                <a:solidFill>
-                  <a:schemeClr val="tx1"/>
-                </a:solidFill>
-                <a:latin typeface="Times New Roman" panose="02020603050405020304" pitchFamily="18" charset="0"/>
-                <a:cs typeface="Times New Roman" panose="02020603050405020304" pitchFamily="18" charset="0"/>
-              </a:endParaRPr>
-            </a:p>
-          </p:txBody>
-        </p:sp>
-        <p:sp>
-          <p:nvSpPr>
-            <p:cNvPr id="9" name="矩形 8">
-              <a:extLst>
-                <a:ext uri="{FF2B5EF4-FFF2-40B4-BE49-F238E27FC236}">
-                  <a16:creationId xmlns:a16="http://schemas.microsoft.com/office/drawing/2014/main" id="{FBFF66E9-DD32-4BAD-B1FC-9818A6345D02}"/>
-                </a:ext>
-              </a:extLst>
-            </p:cNvPr>
-            <p:cNvSpPr/>
-            <p:nvPr/>
-          </p:nvSpPr>
-          <p:spPr>
-            <a:xfrm>
-              <a:off x="3028765" y="5075237"/>
-              <a:ext cx="1321293" cy="381740"/>
-            </a:xfrm>
-            <a:prstGeom prst="rect">
-              <a:avLst/>
-            </a:prstGeom>
-            <a:solidFill>
-              <a:schemeClr val="accent6">
-                <a:lumMod val="60000"/>
-                <a:lumOff val="40000"/>
-              </a:schemeClr>
-            </a:solidFill>
-            <a:ln w="19050">
-              <a:solidFill>
-                <a:schemeClr val="tx1"/>
-              </a:solidFill>
-            </a:ln>
-          </p:spPr>
-          <p:style>
-            <a:lnRef idx="2">
-              <a:schemeClr val="accent1">
-                <a:shade val="50000"/>
-              </a:schemeClr>
-            </a:lnRef>
-            <a:fillRef idx="1">
-              <a:schemeClr val="accent1"/>
-            </a:fillRef>
-            <a:effectRef idx="0">
-              <a:schemeClr val="accent1"/>
-            </a:effectRef>
-            <a:fontRef idx="minor">
-              <a:schemeClr val="lt1"/>
-            </a:fontRef>
-          </p:style>
-          <p:txBody>
-            <a:bodyPr rtlCol="0" anchor="ctr"/>
-            <a:lstStyle/>
-            <a:p>
-              <a:pPr algn="ctr"/>
-              <a:r>
-                <a:rPr lang="en-US" altLang="zh-CN">
-                  <a:solidFill>
-                    <a:schemeClr val="tx1"/>
-                  </a:solidFill>
-                  <a:latin typeface="Times New Roman" panose="02020603050405020304" pitchFamily="18" charset="0"/>
-                  <a:cs typeface="Times New Roman" panose="02020603050405020304" pitchFamily="18" charset="0"/>
-                </a:rPr>
-                <a:t>Target_test</a:t>
-              </a:r>
-              <a:endParaRPr lang="zh-CN" altLang="en-US">
-                <a:solidFill>
-                  <a:schemeClr val="tx1"/>
-                </a:solidFill>
-                <a:latin typeface="Times New Roman" panose="02020603050405020304" pitchFamily="18" charset="0"/>
-                <a:cs typeface="Times New Roman" panose="02020603050405020304" pitchFamily="18" charset="0"/>
-              </a:endParaRPr>
-            </a:p>
-          </p:txBody>
-        </p:sp>
-        <p:sp>
-          <p:nvSpPr>
-            <p:cNvPr id="10" name="矩形 9">
-              <a:extLst>
-                <a:ext uri="{FF2B5EF4-FFF2-40B4-BE49-F238E27FC236}">
-                  <a16:creationId xmlns:a16="http://schemas.microsoft.com/office/drawing/2014/main" id="{83920BAE-9DB9-4F77-8D3B-4E7FB9D47D39}"/>
-                </a:ext>
-              </a:extLst>
-            </p:cNvPr>
-            <p:cNvSpPr/>
-            <p:nvPr/>
-          </p:nvSpPr>
-          <p:spPr>
-            <a:xfrm>
-              <a:off x="4422559" y="5075237"/>
-              <a:ext cx="1321293" cy="381740"/>
-            </a:xfrm>
-            <a:prstGeom prst="rect">
-              <a:avLst/>
-            </a:prstGeom>
-            <a:solidFill>
-              <a:schemeClr val="accent6">
-                <a:lumMod val="60000"/>
-                <a:lumOff val="40000"/>
-              </a:schemeClr>
-            </a:solidFill>
-            <a:ln w="19050">
-              <a:solidFill>
-                <a:schemeClr val="tx1"/>
-              </a:solidFill>
-            </a:ln>
-          </p:spPr>
-          <p:style>
-            <a:lnRef idx="2">
-              <a:schemeClr val="accent1">
-                <a:shade val="50000"/>
-              </a:schemeClr>
-            </a:lnRef>
-            <a:fillRef idx="1">
-              <a:schemeClr val="accent1"/>
-            </a:fillRef>
-            <a:effectRef idx="0">
-              <a:schemeClr val="accent1"/>
-            </a:effectRef>
-            <a:fontRef idx="minor">
-              <a:schemeClr val="lt1"/>
-            </a:fontRef>
-          </p:style>
-          <p:txBody>
-            <a:bodyPr rtlCol="0" anchor="ctr"/>
-            <a:lstStyle/>
-            <a:p>
-              <a:pPr algn="ctr"/>
-              <a:r>
-                <a:rPr lang="en-US" altLang="zh-CN">
-                  <a:solidFill>
-                    <a:schemeClr val="tx1"/>
-                  </a:solidFill>
-                  <a:latin typeface="Times New Roman" panose="02020603050405020304" pitchFamily="18" charset="0"/>
-                  <a:cs typeface="Times New Roman" panose="02020603050405020304" pitchFamily="18" charset="0"/>
-                </a:rPr>
-                <a:t>Target_val</a:t>
-              </a:r>
-              <a:endParaRPr lang="zh-CN" altLang="en-US">
-                <a:solidFill>
-                  <a:schemeClr val="tx1"/>
-                </a:solidFill>
-                <a:latin typeface="Times New Roman" panose="02020603050405020304" pitchFamily="18" charset="0"/>
-                <a:cs typeface="Times New Roman" panose="02020603050405020304" pitchFamily="18" charset="0"/>
-              </a:endParaRPr>
-            </a:p>
-          </p:txBody>
-        </p:sp>
-      </p:grpSp>
-      <p:sp>
-        <p:nvSpPr>
-          <p:cNvPr id="11" name="文本框 10">
-            <a:extLst>
-              <a:ext uri="{FF2B5EF4-FFF2-40B4-BE49-F238E27FC236}">
-                <a16:creationId xmlns:a16="http://schemas.microsoft.com/office/drawing/2014/main" id="{503FFE9E-B8D1-4EF8-92CE-C6438BFB3FCE}"/>
-              </a:ext>
-            </a:extLst>
-          </p:cNvPr>
-          <p:cNvSpPr txBox="1"/>
-          <p:nvPr/>
-        </p:nvSpPr>
-        <p:spPr>
-          <a:xfrm>
-            <a:off x="279851" y="347393"/>
-            <a:ext cx="8315097" cy="3170099"/>
-          </a:xfrm>
-          <a:prstGeom prst="rect">
-            <a:avLst/>
-          </a:prstGeom>
-          <a:noFill/>
-        </p:spPr>
-        <p:txBody>
-          <a:bodyPr wrap="none" rtlCol="0">
-            <a:spAutoFit/>
-          </a:bodyPr>
-          <a:lstStyle/>
-          <a:p>
-            <a:r>
-              <a:rPr lang="en-US" altLang="zh-CN" sz="2000" b="1">
-                <a:latin typeface="Times New Roman" panose="02020603050405020304" pitchFamily="18" charset="0"/>
-                <a:cs typeface="Times New Roman" panose="02020603050405020304" pitchFamily="18" charset="0"/>
-              </a:rPr>
-              <a:t>Nuscenes Dataset Domain Splits</a:t>
-            </a:r>
-          </a:p>
-          <a:p>
-            <a:pPr marL="342900" indent="-342900">
-              <a:buFont typeface="Arial" panose="020B0604020202020204" pitchFamily="34" charset="0"/>
-              <a:buChar char="•"/>
-            </a:pPr>
-            <a:r>
-              <a:rPr lang="en-US" altLang="zh-CN">
-                <a:latin typeface="Times New Roman" panose="02020603050405020304" pitchFamily="18" charset="0"/>
-                <a:cs typeface="Times New Roman" panose="02020603050405020304" pitchFamily="18" charset="0"/>
-              </a:rPr>
-              <a:t>Two Source-Target pairs</a:t>
-            </a:r>
-          </a:p>
-          <a:p>
-            <a:pPr marL="800100" lvl="1" indent="-342900">
-              <a:buFont typeface="Arial" panose="020B0604020202020204" pitchFamily="34" charset="0"/>
-              <a:buChar char="•"/>
-            </a:pPr>
-            <a:r>
-              <a:rPr lang="en-US" altLang="zh-CN">
-                <a:latin typeface="Times New Roman" panose="02020603050405020304" pitchFamily="18" charset="0"/>
-                <a:cs typeface="Times New Roman" panose="02020603050405020304" pitchFamily="18" charset="0"/>
-              </a:rPr>
-              <a:t>(Usa, Singapore) &amp; (Day, Night)</a:t>
-            </a:r>
-          </a:p>
-          <a:p>
-            <a:pPr marL="342900" indent="-342900">
-              <a:buFont typeface="Arial" panose="020B0604020202020204" pitchFamily="34" charset="0"/>
-              <a:buChar char="•"/>
-            </a:pPr>
-            <a:r>
-              <a:rPr lang="en-US" altLang="zh-CN">
-                <a:latin typeface="Times New Roman" panose="02020603050405020304" pitchFamily="18" charset="0"/>
-                <a:cs typeface="Times New Roman" panose="02020603050405020304" pitchFamily="18" charset="0"/>
-              </a:rPr>
-              <a:t>Two splits on source</a:t>
-            </a:r>
-          </a:p>
-          <a:p>
-            <a:pPr marL="800100" lvl="1" indent="-342900">
-              <a:buFont typeface="Arial" panose="020B0604020202020204" pitchFamily="34" charset="0"/>
-              <a:buChar char="•"/>
-            </a:pPr>
-            <a:r>
-              <a:rPr lang="en-US" altLang="zh-CN">
-                <a:latin typeface="Times New Roman" panose="02020603050405020304" pitchFamily="18" charset="0"/>
-                <a:cs typeface="Times New Roman" panose="02020603050405020304" pitchFamily="18" charset="0"/>
-              </a:rPr>
-              <a:t>Source_train &amp; Source_test</a:t>
-            </a:r>
-          </a:p>
-          <a:p>
-            <a:pPr marL="342900" indent="-342900">
-              <a:buFont typeface="Arial" panose="020B0604020202020204" pitchFamily="34" charset="0"/>
-              <a:buChar char="•"/>
-            </a:pPr>
-            <a:r>
-              <a:rPr lang="en-US" altLang="zh-CN">
-                <a:latin typeface="Times New Roman" panose="02020603050405020304" pitchFamily="18" charset="0"/>
-                <a:cs typeface="Times New Roman" panose="02020603050405020304" pitchFamily="18" charset="0"/>
-              </a:rPr>
-              <a:t>Three splits on target</a:t>
-            </a:r>
-          </a:p>
-          <a:p>
-            <a:pPr marL="800100" lvl="1" indent="-342900">
-              <a:buFont typeface="Arial" panose="020B0604020202020204" pitchFamily="34" charset="0"/>
-              <a:buChar char="•"/>
-            </a:pPr>
-            <a:r>
-              <a:rPr lang="en-US" altLang="zh-CN">
-                <a:latin typeface="Times New Roman" panose="02020603050405020304" pitchFamily="18" charset="0"/>
-                <a:cs typeface="Times New Roman" panose="02020603050405020304" pitchFamily="18" charset="0"/>
-              </a:rPr>
-              <a:t>Target_train, Target_test &amp; Target_val</a:t>
-            </a:r>
-          </a:p>
-          <a:p>
-            <a:pPr marL="342900" indent="-342900">
-              <a:buFont typeface="Arial" panose="020B0604020202020204" pitchFamily="34" charset="0"/>
-              <a:buChar char="•"/>
-            </a:pPr>
-            <a:r>
-              <a:rPr lang="en-US" altLang="zh-CN">
-                <a:solidFill>
-                  <a:srgbClr val="FF0000"/>
-                </a:solidFill>
-                <a:latin typeface="Times New Roman" panose="02020603050405020304" pitchFamily="18" charset="0"/>
-                <a:cs typeface="Times New Roman" panose="02020603050405020304" pitchFamily="18" charset="0"/>
-              </a:rPr>
-              <a:t>All of the experiments (results shown in tables) up to now are carried on these splits!</a:t>
-            </a:r>
-          </a:p>
-          <a:p>
-            <a:pPr marL="342900" indent="-342900">
-              <a:buFont typeface="Arial" panose="020B0604020202020204" pitchFamily="34" charset="0"/>
-              <a:buChar char="•"/>
-            </a:pPr>
-            <a:endParaRPr lang="en-US" altLang="zh-CN">
-              <a:latin typeface="Times New Roman" panose="02020603050405020304" pitchFamily="18" charset="0"/>
-              <a:cs typeface="Times New Roman" panose="02020603050405020304" pitchFamily="18" charset="0"/>
-            </a:endParaRPr>
-          </a:p>
-          <a:p>
-            <a:pPr lvl="1"/>
-            <a:endParaRPr lang="en-US" altLang="zh-CN">
-              <a:latin typeface="Times New Roman" panose="02020603050405020304" pitchFamily="18" charset="0"/>
-              <a:cs typeface="Times New Roman" panose="02020603050405020304" pitchFamily="18" charset="0"/>
-            </a:endParaRPr>
-          </a:p>
-          <a:p>
-            <a:pPr lvl="1"/>
-            <a:endParaRPr lang="en-US" altLang="zh-CN">
-              <a:latin typeface="Times New Roman" panose="02020603050405020304" pitchFamily="18" charset="0"/>
-              <a:cs typeface="Times New Roman" panose="02020603050405020304" pitchFamily="18" charset="0"/>
-            </a:endParaRPr>
-          </a:p>
-        </p:txBody>
-      </p:sp>
-    </p:spTree>
-    <p:extLst>
-      <p:ext uri="{BB962C8B-B14F-4D97-AF65-F5344CB8AC3E}">
-        <p14:creationId xmlns:p14="http://schemas.microsoft.com/office/powerpoint/2010/main" val="171116346"/>
-      </p:ext>
-    </p:extLst>
-  </p:cSld>
-  <p:clrMapOvr>
-    <a:masterClrMapping/>
-  </p:clrMapOvr>
-</p:sld>
-</file>
-
-<file path=ppt/slides/slide20.xml><?xml version="1.0" encoding="utf-8"?>
+<file path=ppt/slides/slide25.xml><?xml version="1.0" encoding="utf-8"?>
 <p:sld xmlns:a="http://schemas.openxmlformats.org/drawingml/2006/main" xmlns:r="http://schemas.openxmlformats.org/officeDocument/2006/relationships" xmlns:p="http://schemas.openxmlformats.org/presentationml/2006/main">
   <p:cSld>
     <p:spTree>
@@ -18248,6 +19375,97 @@
         <p:spPr>
           <a:xfrm>
             <a:off x="417251" y="346229"/>
+            <a:ext cx="2408032" cy="1015663"/>
+          </a:xfrm>
+          <a:prstGeom prst="rect">
+            <a:avLst/>
+          </a:prstGeom>
+          <a:noFill/>
+        </p:spPr>
+        <p:txBody>
+          <a:bodyPr wrap="none" rtlCol="0">
+            <a:spAutoFit/>
+          </a:bodyPr>
+          <a:lstStyle/>
+          <a:p>
+            <a:r>
+              <a:rPr lang="en-US" altLang="zh-CN" sz="2000" b="1">
+                <a:latin typeface="Times New Roman" panose="02020603050405020304" pitchFamily="18" charset="0"/>
+                <a:cs typeface="Times New Roman" panose="02020603050405020304" pitchFamily="18" charset="0"/>
+              </a:rPr>
+              <a:t>03/28/2021</a:t>
+            </a:r>
+          </a:p>
+          <a:p>
+            <a:pPr marL="342900" indent="-342900">
+              <a:buFont typeface="Arial" panose="020B0604020202020204" pitchFamily="34" charset="0"/>
+              <a:buChar char="•"/>
+            </a:pPr>
+            <a:r>
+              <a:rPr lang="en-US" altLang="zh-CN" sz="2000">
+                <a:latin typeface="Times New Roman" panose="02020603050405020304" pitchFamily="18" charset="0"/>
+                <a:cs typeface="Times New Roman" panose="02020603050405020304" pitchFamily="18" charset="0"/>
+              </a:rPr>
+              <a:t>src_ctr_usa_v3/v4</a:t>
+            </a:r>
+          </a:p>
+          <a:p>
+            <a:pPr marL="342900" indent="-342900">
+              <a:buFont typeface="Arial" panose="020B0604020202020204" pitchFamily="34" charset="0"/>
+              <a:buChar char="•"/>
+            </a:pPr>
+            <a:endParaRPr lang="zh-CN" altLang="en-US" sz="2000">
+              <a:latin typeface="Times New Roman" panose="02020603050405020304" pitchFamily="18" charset="0"/>
+              <a:cs typeface="Times New Roman" panose="02020603050405020304" pitchFamily="18" charset="0"/>
+            </a:endParaRPr>
+          </a:p>
+        </p:txBody>
+      </p:sp>
+    </p:spTree>
+    <p:extLst>
+      <p:ext uri="{BB962C8B-B14F-4D97-AF65-F5344CB8AC3E}">
+        <p14:creationId xmlns:p14="http://schemas.microsoft.com/office/powerpoint/2010/main" val="2841077441"/>
+      </p:ext>
+    </p:extLst>
+  </p:cSld>
+  <p:clrMapOvr>
+    <a:masterClrMapping/>
+  </p:clrMapOvr>
+</p:sld>
+</file>
+
+<file path=ppt/slides/slide5.xml><?xml version="1.0" encoding="utf-8"?>
+<p:sld xmlns:a="http://schemas.openxmlformats.org/drawingml/2006/main" xmlns:r="http://schemas.openxmlformats.org/officeDocument/2006/relationships" xmlns:p="http://schemas.openxmlformats.org/presentationml/2006/main">
+  <p:cSld>
+    <p:spTree>
+      <p:nvGrpSpPr>
+        <p:cNvPr id="1" name=""/>
+        <p:cNvGrpSpPr/>
+        <p:nvPr/>
+      </p:nvGrpSpPr>
+      <p:grpSpPr>
+        <a:xfrm>
+          <a:off x="0" y="0"/>
+          <a:ext cx="0" cy="0"/>
+          <a:chOff x="0" y="0"/>
+          <a:chExt cx="0" cy="0"/>
+        </a:xfrm>
+      </p:grpSpPr>
+      <p:sp>
+        <p:nvSpPr>
+          <p:cNvPr id="2" name="文本框 1">
+            <a:extLst>
+              <a:ext uri="{FF2B5EF4-FFF2-40B4-BE49-F238E27FC236}">
+                <a16:creationId xmlns:a16="http://schemas.microsoft.com/office/drawing/2014/main" id="{6FE2EDB8-F1A8-4963-B475-1939129D1C70}"/>
+              </a:ext>
+            </a:extLst>
+          </p:cNvPr>
+          <p:cNvSpPr txBox="1"/>
+          <p:nvPr/>
+        </p:nvSpPr>
+        <p:spPr>
+          <a:xfrm>
+            <a:off x="417251" y="346229"/>
             <a:ext cx="4169731" cy="1323439"/>
           </a:xfrm>
           <a:prstGeom prst="rect">
@@ -18320,7 +19538,7 @@
 </p:sld>
 </file>
 
-<file path=ppt/slides/slide5.xml><?xml version="1.0" encoding="utf-8"?>
+<file path=ppt/slides/slide6.xml><?xml version="1.0" encoding="utf-8"?>
 <p:sld xmlns:a="http://schemas.openxmlformats.org/drawingml/2006/main" xmlns:r="http://schemas.openxmlformats.org/officeDocument/2006/relationships" xmlns:p="http://schemas.openxmlformats.org/presentationml/2006/main">
   <p:cSld>
     <p:spTree>
@@ -18352,14 +19570,14 @@
           <p:nvPr>
             <p:extLst>
               <p:ext uri="{D42A27DB-BD31-4B8C-83A1-F6EECF244321}">
-                <p14:modId xmlns:p14="http://schemas.microsoft.com/office/powerpoint/2010/main" val="3616980877"/>
+                <p14:modId xmlns:p14="http://schemas.microsoft.com/office/powerpoint/2010/main" val="2024699369"/>
               </p:ext>
             </p:extLst>
           </p:nvPr>
         </p:nvGraphicFramePr>
         <p:xfrm>
           <a:off x="461640" y="566337"/>
-          <a:ext cx="5255579" cy="3502743"/>
+          <a:ext cx="5255579" cy="4244423"/>
         </p:xfrm>
         <a:graphic>
           <a:graphicData uri="http://schemas.openxmlformats.org/drawingml/2006/table">
@@ -19479,6 +20697,418 @@
                           <a:cs typeface="Times New Roman" panose="02020603050405020304" pitchFamily="18" charset="0"/>
                           <a:hlinkClick r:id="rId5" action="ppaction://hlinksldjump"/>
                         </a:rPr>
+                        <a:t>src_ctr_usa_v3</a:t>
+                      </a:r>
+                      <a:endParaRPr lang="zh-CN" altLang="en-US">
+                        <a:latin typeface="Times New Roman" panose="02020603050405020304" pitchFamily="18" charset="0"/>
+                        <a:cs typeface="Times New Roman" panose="02020603050405020304" pitchFamily="18" charset="0"/>
+                      </a:endParaRPr>
+                    </a:p>
+                  </a:txBody>
+                  <a:tcPr>
+                    <a:lnL w="12700" cap="flat" cmpd="sng" algn="ctr">
+                      <a:solidFill>
+                        <a:schemeClr val="tx1"/>
+                      </a:solidFill>
+                      <a:prstDash val="solid"/>
+                      <a:round/>
+                      <a:headEnd type="none" w="med" len="med"/>
+                      <a:tailEnd type="none" w="med" len="med"/>
+                    </a:lnL>
+                    <a:lnR w="12700" cap="flat" cmpd="sng" algn="ctr">
+                      <a:solidFill>
+                        <a:schemeClr val="tx1"/>
+                      </a:solidFill>
+                      <a:prstDash val="solid"/>
+                      <a:round/>
+                      <a:headEnd type="none" w="med" len="med"/>
+                      <a:tailEnd type="none" w="med" len="med"/>
+                    </a:lnR>
+                    <a:lnT w="12700" cap="flat" cmpd="sng" algn="ctr">
+                      <a:solidFill>
+                        <a:schemeClr val="tx1"/>
+                      </a:solidFill>
+                      <a:prstDash val="solid"/>
+                      <a:round/>
+                      <a:headEnd type="none" w="med" len="med"/>
+                      <a:tailEnd type="none" w="med" len="med"/>
+                    </a:lnT>
+                    <a:lnB w="12700" cap="flat" cmpd="sng" algn="ctr">
+                      <a:solidFill>
+                        <a:schemeClr val="tx1"/>
+                      </a:solidFill>
+                      <a:prstDash val="solid"/>
+                      <a:round/>
+                      <a:headEnd type="none" w="med" len="med"/>
+                      <a:tailEnd type="none" w="med" len="med"/>
+                    </a:lnB>
+                    <a:lnTlToBr w="12700" cmpd="sng">
+                      <a:noFill/>
+                      <a:prstDash val="solid"/>
+                    </a:lnTlToBr>
+                    <a:lnBlToTr w="12700" cmpd="sng">
+                      <a:noFill/>
+                      <a:prstDash val="solid"/>
+                    </a:lnBlToTr>
+                  </a:tcPr>
+                </a:tc>
+                <a:tc>
+                  <a:txBody>
+                    <a:bodyPr/>
+                    <a:lstStyle/>
+                    <a:p>
+                      <a:pPr algn="ctr"/>
+                      <a:r>
+                        <a:rPr lang="en-US" altLang="zh-CN">
+                          <a:latin typeface="Times New Roman" panose="02020603050405020304" pitchFamily="18" charset="0"/>
+                          <a:cs typeface="Times New Roman" panose="02020603050405020304" pitchFamily="18" charset="0"/>
+                        </a:rPr>
+                        <a:t>66.44</a:t>
+                      </a:r>
+                      <a:endParaRPr lang="zh-CN" altLang="en-US">
+                        <a:latin typeface="Times New Roman" panose="02020603050405020304" pitchFamily="18" charset="0"/>
+                        <a:cs typeface="Times New Roman" panose="02020603050405020304" pitchFamily="18" charset="0"/>
+                      </a:endParaRPr>
+                    </a:p>
+                  </a:txBody>
+                  <a:tcPr>
+                    <a:lnL w="12700" cap="flat" cmpd="sng" algn="ctr">
+                      <a:solidFill>
+                        <a:schemeClr val="tx1"/>
+                      </a:solidFill>
+                      <a:prstDash val="solid"/>
+                      <a:round/>
+                      <a:headEnd type="none" w="med" len="med"/>
+                      <a:tailEnd type="none" w="med" len="med"/>
+                    </a:lnL>
+                    <a:lnR w="12700" cap="flat" cmpd="sng" algn="ctr">
+                      <a:solidFill>
+                        <a:schemeClr val="tx1"/>
+                      </a:solidFill>
+                      <a:prstDash val="solid"/>
+                      <a:round/>
+                      <a:headEnd type="none" w="med" len="med"/>
+                      <a:tailEnd type="none" w="med" len="med"/>
+                    </a:lnR>
+                    <a:lnT w="12700" cap="flat" cmpd="sng" algn="ctr">
+                      <a:solidFill>
+                        <a:schemeClr val="tx1"/>
+                      </a:solidFill>
+                      <a:prstDash val="solid"/>
+                      <a:round/>
+                      <a:headEnd type="none" w="med" len="med"/>
+                      <a:tailEnd type="none" w="med" len="med"/>
+                    </a:lnT>
+                    <a:lnB w="12700" cap="flat" cmpd="sng" algn="ctr">
+                      <a:solidFill>
+                        <a:schemeClr val="tx1"/>
+                      </a:solidFill>
+                      <a:prstDash val="solid"/>
+                      <a:round/>
+                      <a:headEnd type="none" w="med" len="med"/>
+                      <a:tailEnd type="none" w="med" len="med"/>
+                    </a:lnB>
+                    <a:lnTlToBr w="12700" cmpd="sng">
+                      <a:noFill/>
+                      <a:prstDash val="solid"/>
+                    </a:lnTlToBr>
+                    <a:lnBlToTr w="12700" cmpd="sng">
+                      <a:noFill/>
+                      <a:prstDash val="solid"/>
+                    </a:lnBlToTr>
+                  </a:tcPr>
+                </a:tc>
+                <a:tc>
+                  <a:txBody>
+                    <a:bodyPr/>
+                    <a:lstStyle/>
+                    <a:p>
+                      <a:pPr algn="ctr"/>
+                      <a:r>
+                        <a:rPr lang="en-US" altLang="zh-CN">
+                          <a:latin typeface="Times New Roman" panose="02020603050405020304" pitchFamily="18" charset="0"/>
+                          <a:cs typeface="Times New Roman" panose="02020603050405020304" pitchFamily="18" charset="0"/>
+                        </a:rPr>
+                        <a:t>54.68</a:t>
+                      </a:r>
+                      <a:endParaRPr lang="zh-CN" altLang="en-US">
+                        <a:latin typeface="Times New Roman" panose="02020603050405020304" pitchFamily="18" charset="0"/>
+                        <a:cs typeface="Times New Roman" panose="02020603050405020304" pitchFamily="18" charset="0"/>
+                      </a:endParaRPr>
+                    </a:p>
+                  </a:txBody>
+                  <a:tcPr>
+                    <a:lnL w="12700" cap="flat" cmpd="sng" algn="ctr">
+                      <a:solidFill>
+                        <a:schemeClr val="tx1"/>
+                      </a:solidFill>
+                      <a:prstDash val="solid"/>
+                      <a:round/>
+                      <a:headEnd type="none" w="med" len="med"/>
+                      <a:tailEnd type="none" w="med" len="med"/>
+                    </a:lnL>
+                    <a:lnR w="12700" cap="flat" cmpd="sng" algn="ctr">
+                      <a:solidFill>
+                        <a:schemeClr val="tx1"/>
+                      </a:solidFill>
+                      <a:prstDash val="solid"/>
+                      <a:round/>
+                      <a:headEnd type="none" w="med" len="med"/>
+                      <a:tailEnd type="none" w="med" len="med"/>
+                    </a:lnR>
+                    <a:lnT w="12700" cap="flat" cmpd="sng" algn="ctr">
+                      <a:solidFill>
+                        <a:schemeClr val="tx1"/>
+                      </a:solidFill>
+                      <a:prstDash val="solid"/>
+                      <a:round/>
+                      <a:headEnd type="none" w="med" len="med"/>
+                      <a:tailEnd type="none" w="med" len="med"/>
+                    </a:lnT>
+                    <a:lnB w="12700" cap="flat" cmpd="sng" algn="ctr">
+                      <a:solidFill>
+                        <a:schemeClr val="tx1"/>
+                      </a:solidFill>
+                      <a:prstDash val="solid"/>
+                      <a:round/>
+                      <a:headEnd type="none" w="med" len="med"/>
+                      <a:tailEnd type="none" w="med" len="med"/>
+                    </a:lnB>
+                    <a:lnTlToBr w="12700" cmpd="sng">
+                      <a:noFill/>
+                      <a:prstDash val="solid"/>
+                    </a:lnTlToBr>
+                    <a:lnBlToTr w="12700" cmpd="sng">
+                      <a:noFill/>
+                      <a:prstDash val="solid"/>
+                    </a:lnBlToTr>
+                  </a:tcPr>
+                </a:tc>
+                <a:extLst>
+                  <a:ext uri="{0D108BD9-81ED-4DB2-BD59-A6C34878D82A}">
+                    <a16:rowId xmlns:a16="http://schemas.microsoft.com/office/drawing/2014/main" val="1329429579"/>
+                  </a:ext>
+                </a:extLst>
+              </a:tr>
+              <a:tr h="370840">
+                <a:tc>
+                  <a:txBody>
+                    <a:bodyPr/>
+                    <a:lstStyle/>
+                    <a:p>
+                      <a:pPr algn="ctr"/>
+                      <a:r>
+                        <a:rPr lang="en-US" altLang="zh-CN">
+                          <a:latin typeface="Times New Roman" panose="02020603050405020304" pitchFamily="18" charset="0"/>
+                          <a:cs typeface="Times New Roman" panose="02020603050405020304" pitchFamily="18" charset="0"/>
+                          <a:hlinkClick r:id="rId6" action="ppaction://hlinksldjump"/>
+                        </a:rPr>
+                        <a:t>src_ctr_usa_v4</a:t>
+                      </a:r>
+                      <a:endParaRPr lang="zh-CN" altLang="en-US">
+                        <a:latin typeface="Times New Roman" panose="02020603050405020304" pitchFamily="18" charset="0"/>
+                        <a:cs typeface="Times New Roman" panose="02020603050405020304" pitchFamily="18" charset="0"/>
+                      </a:endParaRPr>
+                    </a:p>
+                  </a:txBody>
+                  <a:tcPr>
+                    <a:lnL w="12700" cap="flat" cmpd="sng" algn="ctr">
+                      <a:solidFill>
+                        <a:schemeClr val="tx1"/>
+                      </a:solidFill>
+                      <a:prstDash val="solid"/>
+                      <a:round/>
+                      <a:headEnd type="none" w="med" len="med"/>
+                      <a:tailEnd type="none" w="med" len="med"/>
+                    </a:lnL>
+                    <a:lnR w="12700" cap="flat" cmpd="sng" algn="ctr">
+                      <a:solidFill>
+                        <a:schemeClr val="tx1"/>
+                      </a:solidFill>
+                      <a:prstDash val="solid"/>
+                      <a:round/>
+                      <a:headEnd type="none" w="med" len="med"/>
+                      <a:tailEnd type="none" w="med" len="med"/>
+                    </a:lnR>
+                    <a:lnT w="12700" cap="flat" cmpd="sng" algn="ctr">
+                      <a:solidFill>
+                        <a:schemeClr val="tx1"/>
+                      </a:solidFill>
+                      <a:prstDash val="solid"/>
+                      <a:round/>
+                      <a:headEnd type="none" w="med" len="med"/>
+                      <a:tailEnd type="none" w="med" len="med"/>
+                    </a:lnT>
+                    <a:lnB w="12700" cap="flat" cmpd="sng" algn="ctr">
+                      <a:solidFill>
+                        <a:schemeClr val="tx1"/>
+                      </a:solidFill>
+                      <a:prstDash val="solid"/>
+                      <a:round/>
+                      <a:headEnd type="none" w="med" len="med"/>
+                      <a:tailEnd type="none" w="med" len="med"/>
+                    </a:lnB>
+                    <a:lnTlToBr w="12700" cmpd="sng">
+                      <a:noFill/>
+                      <a:prstDash val="solid"/>
+                    </a:lnTlToBr>
+                    <a:lnBlToTr w="12700" cmpd="sng">
+                      <a:noFill/>
+                      <a:prstDash val="solid"/>
+                    </a:lnBlToTr>
+                  </a:tcPr>
+                </a:tc>
+                <a:tc>
+                  <a:txBody>
+                    <a:bodyPr/>
+                    <a:lstStyle/>
+                    <a:p>
+                      <a:pPr algn="ctr"/>
+                      <a:r>
+                        <a:rPr lang="en-US" altLang="zh-CN">
+                          <a:latin typeface="Times New Roman" panose="02020603050405020304" pitchFamily="18" charset="0"/>
+                          <a:cs typeface="Times New Roman" panose="02020603050405020304" pitchFamily="18" charset="0"/>
+                        </a:rPr>
+                        <a:t>63.66</a:t>
+                      </a:r>
+                      <a:endParaRPr lang="zh-CN" altLang="en-US">
+                        <a:latin typeface="Times New Roman" panose="02020603050405020304" pitchFamily="18" charset="0"/>
+                        <a:cs typeface="Times New Roman" panose="02020603050405020304" pitchFamily="18" charset="0"/>
+                      </a:endParaRPr>
+                    </a:p>
+                  </a:txBody>
+                  <a:tcPr>
+                    <a:lnL w="12700" cap="flat" cmpd="sng" algn="ctr">
+                      <a:solidFill>
+                        <a:schemeClr val="tx1"/>
+                      </a:solidFill>
+                      <a:prstDash val="solid"/>
+                      <a:round/>
+                      <a:headEnd type="none" w="med" len="med"/>
+                      <a:tailEnd type="none" w="med" len="med"/>
+                    </a:lnL>
+                    <a:lnR w="12700" cap="flat" cmpd="sng" algn="ctr">
+                      <a:solidFill>
+                        <a:schemeClr val="tx1"/>
+                      </a:solidFill>
+                      <a:prstDash val="solid"/>
+                      <a:round/>
+                      <a:headEnd type="none" w="med" len="med"/>
+                      <a:tailEnd type="none" w="med" len="med"/>
+                    </a:lnR>
+                    <a:lnT w="12700" cap="flat" cmpd="sng" algn="ctr">
+                      <a:solidFill>
+                        <a:schemeClr val="tx1"/>
+                      </a:solidFill>
+                      <a:prstDash val="solid"/>
+                      <a:round/>
+                      <a:headEnd type="none" w="med" len="med"/>
+                      <a:tailEnd type="none" w="med" len="med"/>
+                    </a:lnT>
+                    <a:lnB w="12700" cap="flat" cmpd="sng" algn="ctr">
+                      <a:solidFill>
+                        <a:schemeClr val="tx1"/>
+                      </a:solidFill>
+                      <a:prstDash val="solid"/>
+                      <a:round/>
+                      <a:headEnd type="none" w="med" len="med"/>
+                      <a:tailEnd type="none" w="med" len="med"/>
+                    </a:lnB>
+                    <a:lnTlToBr w="12700" cmpd="sng">
+                      <a:noFill/>
+                      <a:prstDash val="solid"/>
+                    </a:lnTlToBr>
+                    <a:lnBlToTr w="12700" cmpd="sng">
+                      <a:noFill/>
+                      <a:prstDash val="solid"/>
+                    </a:lnBlToTr>
+                  </a:tcPr>
+                </a:tc>
+                <a:tc>
+                  <a:txBody>
+                    <a:bodyPr/>
+                    <a:lstStyle/>
+                    <a:p>
+                      <a:pPr algn="ctr"/>
+                      <a:r>
+                        <a:rPr lang="en-US" altLang="zh-CN">
+                          <a:latin typeface="Times New Roman" panose="02020603050405020304" pitchFamily="18" charset="0"/>
+                          <a:cs typeface="Times New Roman" panose="02020603050405020304" pitchFamily="18" charset="0"/>
+                        </a:rPr>
+                        <a:t>52.85</a:t>
+                      </a:r>
+                      <a:endParaRPr lang="zh-CN" altLang="en-US">
+                        <a:latin typeface="Times New Roman" panose="02020603050405020304" pitchFamily="18" charset="0"/>
+                        <a:cs typeface="Times New Roman" panose="02020603050405020304" pitchFamily="18" charset="0"/>
+                      </a:endParaRPr>
+                    </a:p>
+                  </a:txBody>
+                  <a:tcPr>
+                    <a:lnL w="12700" cap="flat" cmpd="sng" algn="ctr">
+                      <a:solidFill>
+                        <a:schemeClr val="tx1"/>
+                      </a:solidFill>
+                      <a:prstDash val="solid"/>
+                      <a:round/>
+                      <a:headEnd type="none" w="med" len="med"/>
+                      <a:tailEnd type="none" w="med" len="med"/>
+                    </a:lnL>
+                    <a:lnR w="12700" cap="flat" cmpd="sng" algn="ctr">
+                      <a:solidFill>
+                        <a:schemeClr val="tx1"/>
+                      </a:solidFill>
+                      <a:prstDash val="solid"/>
+                      <a:round/>
+                      <a:headEnd type="none" w="med" len="med"/>
+                      <a:tailEnd type="none" w="med" len="med"/>
+                    </a:lnR>
+                    <a:lnT w="12700" cap="flat" cmpd="sng" algn="ctr">
+                      <a:solidFill>
+                        <a:schemeClr val="tx1"/>
+                      </a:solidFill>
+                      <a:prstDash val="solid"/>
+                      <a:round/>
+                      <a:headEnd type="none" w="med" len="med"/>
+                      <a:tailEnd type="none" w="med" len="med"/>
+                    </a:lnT>
+                    <a:lnB w="12700" cap="flat" cmpd="sng" algn="ctr">
+                      <a:solidFill>
+                        <a:schemeClr val="tx1"/>
+                      </a:solidFill>
+                      <a:prstDash val="solid"/>
+                      <a:round/>
+                      <a:headEnd type="none" w="med" len="med"/>
+                      <a:tailEnd type="none" w="med" len="med"/>
+                    </a:lnB>
+                    <a:lnTlToBr w="12700" cmpd="sng">
+                      <a:noFill/>
+                      <a:prstDash val="solid"/>
+                    </a:lnTlToBr>
+                    <a:lnBlToTr w="12700" cmpd="sng">
+                      <a:noFill/>
+                      <a:prstDash val="solid"/>
+                    </a:lnBlToTr>
+                  </a:tcPr>
+                </a:tc>
+                <a:extLst>
+                  <a:ext uri="{0D108BD9-81ED-4DB2-BD59-A6C34878D82A}">
+                    <a16:rowId xmlns:a16="http://schemas.microsoft.com/office/drawing/2014/main" val="1766422369"/>
+                  </a:ext>
+                </a:extLst>
+              </a:tr>
+              <a:tr h="370840">
+                <a:tc>
+                  <a:txBody>
+                    <a:bodyPr/>
+                    <a:lstStyle/>
+                    <a:p>
+                      <a:pPr algn="ctr"/>
+                      <a:r>
+                        <a:rPr lang="en-US" altLang="zh-CN">
+                          <a:latin typeface="Times New Roman" panose="02020603050405020304" pitchFamily="18" charset="0"/>
+                          <a:cs typeface="Times New Roman" panose="02020603050405020304" pitchFamily="18" charset="0"/>
+                          <a:hlinkClick r:id="rId7" action="ppaction://hlinksldjump"/>
+                        </a:rPr>
                         <a:t>baseline_usa_v1</a:t>
                       </a:r>
                       <a:endParaRPr lang="zh-CN" altLang="en-US">
@@ -20057,7 +21687,7 @@
 </p:sld>
 </file>
 
-<file path=ppt/slides/slide6.xml><?xml version="1.0" encoding="utf-8"?>
+<file path=ppt/slides/slide7.xml><?xml version="1.0" encoding="utf-8"?>
 <p:sld xmlns:a="http://schemas.openxmlformats.org/drawingml/2006/main" xmlns:r="http://schemas.openxmlformats.org/officeDocument/2006/relationships" xmlns:p="http://schemas.openxmlformats.org/presentationml/2006/main">
   <p:cSld>
     <p:spTree>
@@ -20134,8 +21764,8 @@
           </a:prstGeom>
         </p:spPr>
       </p:pic>
-      <mc:AlternateContent xmlns:mc="http://schemas.openxmlformats.org/markup-compatibility/2006">
-        <mc:Choice xmlns:a14="http://schemas.microsoft.com/office/drawing/2010/main" Requires="a14">
+      <mc:AlternateContent xmlns:mc="http://schemas.openxmlformats.org/markup-compatibility/2006" xmlns:a14="http://schemas.microsoft.com/office/drawing/2010/main">
+        <mc:Choice Requires="a14">
           <p:sp>
             <p:nvSpPr>
               <p:cNvPr id="12" name="文本框 11">
@@ -20365,7 +21995,7 @@
             </p:txBody>
           </p:sp>
         </mc:Choice>
-        <mc:Fallback>
+        <mc:Fallback xmlns="">
           <p:sp>
             <p:nvSpPr>
               <p:cNvPr id="12" name="文本框 11">
@@ -20423,7 +22053,7 @@
 </p:sld>
 </file>
 
-<file path=ppt/slides/slide7.xml><?xml version="1.0" encoding="utf-8"?>
+<file path=ppt/slides/slide8.xml><?xml version="1.0" encoding="utf-8"?>
 <p:sld xmlns:a="http://schemas.openxmlformats.org/drawingml/2006/main" xmlns:r="http://schemas.openxmlformats.org/officeDocument/2006/relationships" xmlns:p="http://schemas.openxmlformats.org/presentationml/2006/main">
   <p:cSld>
     <p:spTree>
@@ -20500,8 +22130,8 @@
           </a:prstGeom>
         </p:spPr>
       </p:pic>
-      <mc:AlternateContent xmlns:mc="http://schemas.openxmlformats.org/markup-compatibility/2006">
-        <mc:Choice xmlns:a14="http://schemas.microsoft.com/office/drawing/2010/main" Requires="a14">
+      <mc:AlternateContent xmlns:mc="http://schemas.openxmlformats.org/markup-compatibility/2006" xmlns:a14="http://schemas.microsoft.com/office/drawing/2010/main">
+        <mc:Choice Requires="a14">
           <p:sp>
             <p:nvSpPr>
               <p:cNvPr id="7" name="文本框 6">
@@ -20752,7 +22382,7 @@
             </p:txBody>
           </p:sp>
         </mc:Choice>
-        <mc:Fallback>
+        <mc:Fallback xmlns="">
           <p:sp>
             <p:nvSpPr>
               <p:cNvPr id="7" name="文本框 6">
@@ -20810,7 +22440,7 @@
 </p:sld>
 </file>
 
-<file path=ppt/slides/slide8.xml><?xml version="1.0" encoding="utf-8"?>
+<file path=ppt/slides/slide9.xml><?xml version="1.0" encoding="utf-8"?>
 <p:sld xmlns:a="http://schemas.openxmlformats.org/drawingml/2006/main" xmlns:r="http://schemas.openxmlformats.org/officeDocument/2006/relationships" xmlns:p="http://schemas.openxmlformats.org/presentationml/2006/main">
   <p:cSld>
     <p:spTree>
@@ -20887,8 +22517,8 @@
           </a:prstGeom>
         </p:spPr>
       </p:pic>
-      <mc:AlternateContent xmlns:mc="http://schemas.openxmlformats.org/markup-compatibility/2006">
-        <mc:Choice xmlns:a14="http://schemas.microsoft.com/office/drawing/2010/main" Requires="a14">
+      <mc:AlternateContent xmlns:mc="http://schemas.openxmlformats.org/markup-compatibility/2006" xmlns:a14="http://schemas.microsoft.com/office/drawing/2010/main">
+        <mc:Choice Requires="a14">
           <p:sp>
             <p:nvSpPr>
               <p:cNvPr id="6" name="文本框 5">
@@ -21149,7 +22779,7 @@
             </p:txBody>
           </p:sp>
         </mc:Choice>
-        <mc:Fallback>
+        <mc:Fallback xmlns="">
           <p:sp>
             <p:nvSpPr>
               <p:cNvPr id="6" name="文本框 5">
@@ -21198,110 +22828,6 @@
     <p:extLst>
       <p:ext uri="{BB962C8B-B14F-4D97-AF65-F5344CB8AC3E}">
         <p14:creationId xmlns:p14="http://schemas.microsoft.com/office/powerpoint/2010/main" val="572692805"/>
-      </p:ext>
-    </p:extLst>
-  </p:cSld>
-  <p:clrMapOvr>
-    <a:masterClrMapping/>
-  </p:clrMapOvr>
-</p:sld>
-</file>
-
-<file path=ppt/slides/slide9.xml><?xml version="1.0" encoding="utf-8"?>
-<p:sld xmlns:a="http://schemas.openxmlformats.org/drawingml/2006/main" xmlns:r="http://schemas.openxmlformats.org/officeDocument/2006/relationships" xmlns:p="http://schemas.openxmlformats.org/presentationml/2006/main">
-  <p:cSld>
-    <p:spTree>
-      <p:nvGrpSpPr>
-        <p:cNvPr id="1" name=""/>
-        <p:cNvGrpSpPr/>
-        <p:nvPr/>
-      </p:nvGrpSpPr>
-      <p:grpSpPr>
-        <a:xfrm>
-          <a:off x="0" y="0"/>
-          <a:ext cx="0" cy="0"/>
-          <a:chOff x="0" y="0"/>
-          <a:chExt cx="0" cy="0"/>
-        </a:xfrm>
-      </p:grpSpPr>
-      <p:sp>
-        <p:nvSpPr>
-          <p:cNvPr id="2" name="文本框 1">
-            <a:extLst>
-              <a:ext uri="{FF2B5EF4-FFF2-40B4-BE49-F238E27FC236}">
-                <a16:creationId xmlns:a16="http://schemas.microsoft.com/office/drawing/2014/main" id="{6FE2EDB8-F1A8-4963-B475-1939129D1C70}"/>
-              </a:ext>
-            </a:extLst>
-          </p:cNvPr>
-          <p:cNvSpPr txBox="1"/>
-          <p:nvPr/>
-        </p:nvSpPr>
-        <p:spPr>
-          <a:xfrm>
-            <a:off x="417251" y="346229"/>
-            <a:ext cx="2621230" cy="1323439"/>
-          </a:xfrm>
-          <a:prstGeom prst="rect">
-            <a:avLst/>
-          </a:prstGeom>
-          <a:noFill/>
-        </p:spPr>
-        <p:txBody>
-          <a:bodyPr wrap="none" rtlCol="0">
-            <a:spAutoFit/>
-          </a:bodyPr>
-          <a:lstStyle/>
-          <a:p>
-            <a:r>
-              <a:rPr lang="en-US" altLang="zh-CN" sz="2000" b="1">
-                <a:latin typeface="Times New Roman" panose="02020603050405020304" pitchFamily="18" charset="0"/>
-                <a:cs typeface="Times New Roman" panose="02020603050405020304" pitchFamily="18" charset="0"/>
-              </a:rPr>
-              <a:t>03/24/2021</a:t>
-            </a:r>
-          </a:p>
-          <a:p>
-            <a:pPr marL="342900" indent="-342900">
-              <a:buFont typeface="Arial" panose="020B0604020202020204" pitchFamily="34" charset="0"/>
-              <a:buChar char="•"/>
-            </a:pPr>
-            <a:r>
-              <a:rPr lang="en-US" altLang="zh-CN" sz="2000">
-                <a:latin typeface="Times New Roman" panose="02020603050405020304" pitchFamily="18" charset="0"/>
-                <a:cs typeface="Times New Roman" panose="02020603050405020304" pitchFamily="18" charset="0"/>
-              </a:rPr>
-              <a:t>contrast_usa_v3/v4</a:t>
-            </a:r>
-          </a:p>
-          <a:p>
-            <a:pPr marL="342900" indent="-342900">
-              <a:buFont typeface="Arial" panose="020B0604020202020204" pitchFamily="34" charset="0"/>
-              <a:buChar char="•"/>
-            </a:pPr>
-            <a:r>
-              <a:rPr lang="en-US" altLang="zh-CN" sz="2000">
-                <a:latin typeface="Times New Roman" panose="02020603050405020304" pitchFamily="18" charset="0"/>
-                <a:cs typeface="Times New Roman" panose="02020603050405020304" pitchFamily="18" charset="0"/>
-              </a:rPr>
-              <a:t>src_contrast_usa_v0</a:t>
-            </a:r>
-          </a:p>
-          <a:p>
-            <a:pPr marL="342900" indent="-342900">
-              <a:buFont typeface="Arial" panose="020B0604020202020204" pitchFamily="34" charset="0"/>
-              <a:buChar char="•"/>
-            </a:pPr>
-            <a:endParaRPr lang="zh-CN" altLang="en-US" sz="2000">
-              <a:latin typeface="Times New Roman" panose="02020603050405020304" pitchFamily="18" charset="0"/>
-              <a:cs typeface="Times New Roman" panose="02020603050405020304" pitchFamily="18" charset="0"/>
-            </a:endParaRPr>
-          </a:p>
-        </p:txBody>
-      </p:sp>
-    </p:spTree>
-    <p:extLst>
-      <p:ext uri="{BB962C8B-B14F-4D97-AF65-F5344CB8AC3E}">
-        <p14:creationId xmlns:p14="http://schemas.microsoft.com/office/powerpoint/2010/main" val="4089163060"/>
       </p:ext>
     </p:extLst>
   </p:cSld>

--- a/demo/latest.pptx
+++ b/demo/latest.pptx
@@ -6,27 +6,27 @@
   </p:sldMasterIdLst>
   <p:sldIdLst>
     <p:sldId id="377" r:id="rId2"/>
-    <p:sldId id="371" r:id="rId3"/>
-    <p:sldId id="374" r:id="rId4"/>
-    <p:sldId id="382" r:id="rId5"/>
-    <p:sldId id="369" r:id="rId6"/>
-    <p:sldId id="366" r:id="rId7"/>
-    <p:sldId id="370" r:id="rId8"/>
-    <p:sldId id="372" r:id="rId9"/>
-    <p:sldId id="373" r:id="rId10"/>
-    <p:sldId id="378" r:id="rId11"/>
-    <p:sldId id="379" r:id="rId12"/>
-    <p:sldId id="380" r:id="rId13"/>
-    <p:sldId id="381" r:id="rId14"/>
-    <p:sldId id="367" r:id="rId15"/>
-    <p:sldId id="360" r:id="rId16"/>
-    <p:sldId id="364" r:id="rId17"/>
-    <p:sldId id="365" r:id="rId18"/>
-    <p:sldId id="362" r:id="rId19"/>
+    <p:sldId id="385" r:id="rId3"/>
+    <p:sldId id="371" r:id="rId4"/>
+    <p:sldId id="374" r:id="rId5"/>
+    <p:sldId id="383" r:id="rId6"/>
+    <p:sldId id="384" r:id="rId7"/>
+    <p:sldId id="382" r:id="rId8"/>
+    <p:sldId id="366" r:id="rId9"/>
+    <p:sldId id="370" r:id="rId10"/>
+    <p:sldId id="372" r:id="rId11"/>
+    <p:sldId id="373" r:id="rId12"/>
+    <p:sldId id="378" r:id="rId13"/>
+    <p:sldId id="379" r:id="rId14"/>
+    <p:sldId id="380" r:id="rId15"/>
+    <p:sldId id="381" r:id="rId16"/>
+    <p:sldId id="367" r:id="rId17"/>
+    <p:sldId id="364" r:id="rId18"/>
+    <p:sldId id="365" r:id="rId19"/>
     <p:sldId id="361" r:id="rId20"/>
-    <p:sldId id="350" r:id="rId21"/>
+    <p:sldId id="353" r:id="rId21"/>
     <p:sldId id="351" r:id="rId22"/>
-    <p:sldId id="353" r:id="rId23"/>
+    <p:sldId id="362" r:id="rId23"/>
     <p:sldId id="356" r:id="rId24"/>
     <p:sldId id="349" r:id="rId25"/>
     <p:sldId id="348" r:id="rId26"/>
@@ -129,6 +129,47 @@
     </a:lvl9pPr>
   </p:defaultTextStyle>
   <p:extLst>
+    <p:ext uri="{521415D9-36F7-43E2-AB2F-B90AF26B5E84}">
+      <p14:sectionLst xmlns:p14="http://schemas.microsoft.com/office/powerpoint/2010/main">
+        <p14:section name="Outline" id="{68F4DD7F-6888-49A2-94B8-03F79924C98D}">
+          <p14:sldIdLst>
+            <p14:sldId id="377"/>
+            <p14:sldId id="385"/>
+          </p14:sldIdLst>
+        </p14:section>
+        <p14:section name="Meta Info" id="{D602BDDD-DD82-46A4-ACE8-530329BC2DFC}">
+          <p14:sldIdLst>
+            <p14:sldId id="371"/>
+            <p14:sldId id="374"/>
+            <p14:sldId id="383"/>
+            <p14:sldId id="384"/>
+          </p14:sldIdLst>
+        </p14:section>
+        <p14:section name="Log &amp; Results" id="{452AD452-7B7B-49C5-A67B-9EA1184F2A06}">
+          <p14:sldIdLst>
+            <p14:sldId id="382"/>
+            <p14:sldId id="366"/>
+            <p14:sldId id="370"/>
+            <p14:sldId id="372"/>
+            <p14:sldId id="373"/>
+            <p14:sldId id="378"/>
+            <p14:sldId id="379"/>
+            <p14:sldId id="380"/>
+            <p14:sldId id="381"/>
+            <p14:sldId id="367"/>
+            <p14:sldId id="364"/>
+            <p14:sldId id="365"/>
+            <p14:sldId id="361"/>
+            <p14:sldId id="353"/>
+            <p14:sldId id="351"/>
+            <p14:sldId id="362"/>
+            <p14:sldId id="356"/>
+            <p14:sldId id="349"/>
+            <p14:sldId id="348"/>
+          </p14:sldIdLst>
+        </p14:section>
+      </p14:sectionLst>
+    </p:ext>
     <p:ext uri="{EFAFB233-063F-42B5-8137-9DF3F51BA10A}">
       <p15:sldGuideLst xmlns:p15="http://schemas.microsoft.com/office/powerpoint/2012/main"/>
     </p:ext>
@@ -295,7 +336,7 @@
           <a:p>
             <a:fld id="{F66AF9F7-1E16-4864-A104-0B9CCBB64DB7}" type="datetimeFigureOut">
               <a:rPr lang="zh-CN" altLang="en-US" smtClean="0"/>
-              <a:t>2021/3/28</a:t>
+              <a:t>2021/3/30</a:t>
             </a:fld>
             <a:endParaRPr lang="zh-CN" altLang="en-US"/>
           </a:p>
@@ -493,7 +534,7 @@
           <a:p>
             <a:fld id="{F66AF9F7-1E16-4864-A104-0B9CCBB64DB7}" type="datetimeFigureOut">
               <a:rPr lang="zh-CN" altLang="en-US" smtClean="0"/>
-              <a:t>2021/3/28</a:t>
+              <a:t>2021/3/30</a:t>
             </a:fld>
             <a:endParaRPr lang="zh-CN" altLang="en-US"/>
           </a:p>
@@ -701,7 +742,7 @@
           <a:p>
             <a:fld id="{F66AF9F7-1E16-4864-A104-0B9CCBB64DB7}" type="datetimeFigureOut">
               <a:rPr lang="zh-CN" altLang="en-US" smtClean="0"/>
-              <a:t>2021/3/28</a:t>
+              <a:t>2021/3/30</a:t>
             </a:fld>
             <a:endParaRPr lang="zh-CN" altLang="en-US"/>
           </a:p>
@@ -899,7 +940,7 @@
           <a:p>
             <a:fld id="{F66AF9F7-1E16-4864-A104-0B9CCBB64DB7}" type="datetimeFigureOut">
               <a:rPr lang="zh-CN" altLang="en-US" smtClean="0"/>
-              <a:t>2021/3/28</a:t>
+              <a:t>2021/3/30</a:t>
             </a:fld>
             <a:endParaRPr lang="zh-CN" altLang="en-US"/>
           </a:p>
@@ -1174,7 +1215,7 @@
           <a:p>
             <a:fld id="{F66AF9F7-1E16-4864-A104-0B9CCBB64DB7}" type="datetimeFigureOut">
               <a:rPr lang="zh-CN" altLang="en-US" smtClean="0"/>
-              <a:t>2021/3/28</a:t>
+              <a:t>2021/3/30</a:t>
             </a:fld>
             <a:endParaRPr lang="zh-CN" altLang="en-US"/>
           </a:p>
@@ -1439,7 +1480,7 @@
           <a:p>
             <a:fld id="{F66AF9F7-1E16-4864-A104-0B9CCBB64DB7}" type="datetimeFigureOut">
               <a:rPr lang="zh-CN" altLang="en-US" smtClean="0"/>
-              <a:t>2021/3/28</a:t>
+              <a:t>2021/3/30</a:t>
             </a:fld>
             <a:endParaRPr lang="zh-CN" altLang="en-US"/>
           </a:p>
@@ -1851,7 +1892,7 @@
           <a:p>
             <a:fld id="{F66AF9F7-1E16-4864-A104-0B9CCBB64DB7}" type="datetimeFigureOut">
               <a:rPr lang="zh-CN" altLang="en-US" smtClean="0"/>
-              <a:t>2021/3/28</a:t>
+              <a:t>2021/3/30</a:t>
             </a:fld>
             <a:endParaRPr lang="zh-CN" altLang="en-US"/>
           </a:p>
@@ -1992,7 +2033,7 @@
           <a:p>
             <a:fld id="{F66AF9F7-1E16-4864-A104-0B9CCBB64DB7}" type="datetimeFigureOut">
               <a:rPr lang="zh-CN" altLang="en-US" smtClean="0"/>
-              <a:t>2021/3/28</a:t>
+              <a:t>2021/3/30</a:t>
             </a:fld>
             <a:endParaRPr lang="zh-CN" altLang="en-US"/>
           </a:p>
@@ -2105,7 +2146,7 @@
           <a:p>
             <a:fld id="{F66AF9F7-1E16-4864-A104-0B9CCBB64DB7}" type="datetimeFigureOut">
               <a:rPr lang="zh-CN" altLang="en-US" smtClean="0"/>
-              <a:t>2021/3/28</a:t>
+              <a:t>2021/3/30</a:t>
             </a:fld>
             <a:endParaRPr lang="zh-CN" altLang="en-US"/>
           </a:p>
@@ -2416,7 +2457,7 @@
           <a:p>
             <a:fld id="{F66AF9F7-1E16-4864-A104-0B9CCBB64DB7}" type="datetimeFigureOut">
               <a:rPr lang="zh-CN" altLang="en-US" smtClean="0"/>
-              <a:t>2021/3/28</a:t>
+              <a:t>2021/3/30</a:t>
             </a:fld>
             <a:endParaRPr lang="zh-CN" altLang="en-US"/>
           </a:p>
@@ -2704,7 +2745,7 @@
           <a:p>
             <a:fld id="{F66AF9F7-1E16-4864-A104-0B9CCBB64DB7}" type="datetimeFigureOut">
               <a:rPr lang="zh-CN" altLang="en-US" smtClean="0"/>
-              <a:t>2021/3/28</a:t>
+              <a:t>2021/3/30</a:t>
             </a:fld>
             <a:endParaRPr lang="zh-CN" altLang="en-US"/>
           </a:p>
@@ -2945,7 +2986,7 @@
           <a:p>
             <a:fld id="{F66AF9F7-1E16-4864-A104-0B9CCBB64DB7}" type="datetimeFigureOut">
               <a:rPr lang="zh-CN" altLang="en-US" smtClean="0"/>
-              <a:t>2021/3/28</a:t>
+              <a:t>2021/3/30</a:t>
             </a:fld>
             <a:endParaRPr lang="zh-CN" altLang="en-US"/>
           </a:p>
@@ -3362,6 +3403,208 @@
           <a:chExt cx="0" cy="0"/>
         </a:xfrm>
       </p:grpSpPr>
+      <p:sp>
+        <p:nvSpPr>
+          <p:cNvPr id="2" name="文本框 1">
+            <a:extLst>
+              <a:ext uri="{FF2B5EF4-FFF2-40B4-BE49-F238E27FC236}">
+                <a16:creationId xmlns:a16="http://schemas.microsoft.com/office/drawing/2014/main" id="{FD3E127C-8303-4B4E-AD35-CF0813EAE72E}"/>
+              </a:ext>
+            </a:extLst>
+          </p:cNvPr>
+          <p:cNvSpPr txBox="1"/>
+          <p:nvPr/>
+        </p:nvSpPr>
+        <p:spPr>
+          <a:xfrm>
+            <a:off x="336736" y="626096"/>
+            <a:ext cx="11133214" cy="4708981"/>
+          </a:xfrm>
+          <a:prstGeom prst="rect">
+            <a:avLst/>
+          </a:prstGeom>
+          <a:noFill/>
+        </p:spPr>
+        <p:txBody>
+          <a:bodyPr wrap="square" rtlCol="0">
+            <a:spAutoFit/>
+          </a:bodyPr>
+          <a:lstStyle/>
+          <a:p>
+            <a:pPr marL="285750" indent="-285750">
+              <a:buFont typeface="Arial" panose="020B0604020202020204" pitchFamily="34" charset="0"/>
+              <a:buChar char="•"/>
+            </a:pPr>
+            <a:r>
+              <a:rPr lang="en-US" altLang="zh-CN" sz="2000">
+                <a:latin typeface="Times New Roman" panose="02020603050405020304" pitchFamily="18" charset="0"/>
+                <a:cs typeface="Times New Roman" panose="02020603050405020304" pitchFamily="18" charset="0"/>
+              </a:rPr>
+              <a:t>So far we have discarded 3D object detection and only remain </a:t>
+            </a:r>
+            <a:r>
+              <a:rPr lang="en-US" altLang="zh-CN" sz="2000" b="1">
+                <a:latin typeface="Times New Roman" panose="02020603050405020304" pitchFamily="18" charset="0"/>
+                <a:cs typeface="Times New Roman" panose="02020603050405020304" pitchFamily="18" charset="0"/>
+              </a:rPr>
+              <a:t>3D Semantic Segmentation</a:t>
+            </a:r>
+            <a:r>
+              <a:rPr lang="en-US" altLang="zh-CN" sz="2000">
+                <a:latin typeface="Times New Roman" panose="02020603050405020304" pitchFamily="18" charset="0"/>
+                <a:cs typeface="Times New Roman" panose="02020603050405020304" pitchFamily="18" charset="0"/>
+              </a:rPr>
+              <a:t>(lidar segmentation). </a:t>
+            </a:r>
+          </a:p>
+          <a:p>
+            <a:pPr marL="285750" indent="-285750">
+              <a:buFont typeface="Arial" panose="020B0604020202020204" pitchFamily="34" charset="0"/>
+              <a:buChar char="•"/>
+            </a:pPr>
+            <a:endParaRPr lang="en-US" altLang="zh-CN" sz="2000">
+              <a:latin typeface="Times New Roman" panose="02020603050405020304" pitchFamily="18" charset="0"/>
+              <a:cs typeface="Times New Roman" panose="02020603050405020304" pitchFamily="18" charset="0"/>
+            </a:endParaRPr>
+          </a:p>
+          <a:p>
+            <a:pPr marL="285750" indent="-285750">
+              <a:buFont typeface="Arial" panose="020B0604020202020204" pitchFamily="34" charset="0"/>
+              <a:buChar char="•"/>
+            </a:pPr>
+            <a:r>
+              <a:rPr lang="en-US" altLang="zh-CN" sz="2000">
+                <a:latin typeface="Times New Roman" panose="02020603050405020304" pitchFamily="18" charset="0"/>
+                <a:cs typeface="Times New Roman" panose="02020603050405020304" pitchFamily="18" charset="0"/>
+              </a:rPr>
+              <a:t>Domain adaptation is still preserved; We train our model with both labeled source data and unlabeled target data and test our model on target_test.</a:t>
+            </a:r>
+          </a:p>
+          <a:p>
+            <a:pPr marL="285750" indent="-285750">
+              <a:buFont typeface="Arial" panose="020B0604020202020204" pitchFamily="34" charset="0"/>
+              <a:buChar char="•"/>
+            </a:pPr>
+            <a:endParaRPr lang="en-US" altLang="zh-CN" sz="2000">
+              <a:latin typeface="Times New Roman" panose="02020603050405020304" pitchFamily="18" charset="0"/>
+              <a:cs typeface="Times New Roman" panose="02020603050405020304" pitchFamily="18" charset="0"/>
+            </a:endParaRPr>
+          </a:p>
+          <a:p>
+            <a:pPr marL="285750" indent="-285750">
+              <a:buFont typeface="Arial" panose="020B0604020202020204" pitchFamily="34" charset="0"/>
+              <a:buChar char="•"/>
+            </a:pPr>
+            <a:r>
+              <a:rPr lang="en-US" altLang="zh-CN" sz="2000">
+                <a:latin typeface="Times New Roman" panose="02020603050405020304" pitchFamily="18" charset="0"/>
+                <a:cs typeface="Times New Roman" panose="02020603050405020304" pitchFamily="18" charset="0"/>
+              </a:rPr>
+              <a:t>We adopt nearly the same architecture as xMUDA, except for the head part, where xMUDA introduces “</a:t>
+            </a:r>
+            <a:r>
+              <a:rPr lang="en-US" altLang="zh-CN" sz="2000">
+                <a:latin typeface="Times New Roman" panose="02020603050405020304" pitchFamily="18" charset="0"/>
+                <a:cs typeface="Times New Roman" panose="02020603050405020304" pitchFamily="18" charset="0"/>
+                <a:hlinkClick r:id="rId2" action="ppaction://hlinksldjump"/>
+              </a:rPr>
+              <a:t>Dual Head</a:t>
+            </a:r>
+            <a:r>
+              <a:rPr lang="en-US" altLang="zh-CN" sz="2000">
+                <a:latin typeface="Times New Roman" panose="02020603050405020304" pitchFamily="18" charset="0"/>
+                <a:cs typeface="Times New Roman" panose="02020603050405020304" pitchFamily="18" charset="0"/>
+              </a:rPr>
+              <a:t>” but we only use “</a:t>
+            </a:r>
+            <a:r>
+              <a:rPr lang="en-US" altLang="zh-CN" sz="2000">
+                <a:latin typeface="Times New Roman" panose="02020603050405020304" pitchFamily="18" charset="0"/>
+                <a:cs typeface="Times New Roman" panose="02020603050405020304" pitchFamily="18" charset="0"/>
+                <a:hlinkClick r:id="rId3" action="ppaction://hlinksldjump"/>
+              </a:rPr>
+              <a:t>Vinilla Fusion</a:t>
+            </a:r>
+            <a:r>
+              <a:rPr lang="en-US" altLang="zh-CN" sz="2000">
+                <a:latin typeface="Times New Roman" panose="02020603050405020304" pitchFamily="18" charset="0"/>
+                <a:cs typeface="Times New Roman" panose="02020603050405020304" pitchFamily="18" charset="0"/>
+              </a:rPr>
+              <a:t>”. The backbones are the same: UNet for 2D images and SparseConvNet for 3D lidar points.</a:t>
+            </a:r>
+          </a:p>
+          <a:p>
+            <a:pPr marL="285750" indent="-285750">
+              <a:buFont typeface="Arial" panose="020B0604020202020204" pitchFamily="34" charset="0"/>
+              <a:buChar char="•"/>
+            </a:pPr>
+            <a:endParaRPr lang="en-US" altLang="zh-CN" sz="2000">
+              <a:latin typeface="Times New Roman" panose="02020603050405020304" pitchFamily="18" charset="0"/>
+              <a:cs typeface="Times New Roman" panose="02020603050405020304" pitchFamily="18" charset="0"/>
+            </a:endParaRPr>
+          </a:p>
+          <a:p>
+            <a:pPr marL="285750" indent="-285750">
+              <a:buFont typeface="Arial" panose="020B0604020202020204" pitchFamily="34" charset="0"/>
+              <a:buChar char="•"/>
+            </a:pPr>
+            <a:r>
+              <a:rPr lang="en-US" altLang="zh-CN" sz="2000">
+                <a:latin typeface="Times New Roman" panose="02020603050405020304" pitchFamily="18" charset="0"/>
+                <a:cs typeface="Times New Roman" panose="02020603050405020304" pitchFamily="18" charset="0"/>
+              </a:rPr>
+              <a:t>The segmentation labels we use are released after xMuda. So we have rerun xMUDA with the new labels. </a:t>
+            </a:r>
+            <a:r>
+              <a:rPr lang="en-US" altLang="zh-CN" sz="2000">
+                <a:latin typeface="Times New Roman" panose="02020603050405020304" pitchFamily="18" charset="0"/>
+                <a:cs typeface="Times New Roman" panose="02020603050405020304" pitchFamily="18" charset="0"/>
+                <a:hlinkClick r:id="rId4" action="ppaction://hlinksldjump"/>
+              </a:rPr>
+              <a:t>See the results.</a:t>
+            </a:r>
+            <a:endParaRPr lang="en-US" altLang="zh-CN" sz="2000">
+              <a:latin typeface="Times New Roman" panose="02020603050405020304" pitchFamily="18" charset="0"/>
+              <a:cs typeface="Times New Roman" panose="02020603050405020304" pitchFamily="18" charset="0"/>
+            </a:endParaRPr>
+          </a:p>
+          <a:p>
+            <a:pPr marL="285750" indent="-285750">
+              <a:buFont typeface="Arial" panose="020B0604020202020204" pitchFamily="34" charset="0"/>
+              <a:buChar char="•"/>
+            </a:pPr>
+            <a:endParaRPr lang="en-US" altLang="zh-CN" sz="2000">
+              <a:latin typeface="Times New Roman" panose="02020603050405020304" pitchFamily="18" charset="0"/>
+              <a:cs typeface="Times New Roman" panose="02020603050405020304" pitchFamily="18" charset="0"/>
+            </a:endParaRPr>
+          </a:p>
+          <a:p>
+            <a:pPr marL="285750" indent="-285750">
+              <a:buFont typeface="Arial" panose="020B0604020202020204" pitchFamily="34" charset="0"/>
+              <a:buChar char="•"/>
+            </a:pPr>
+            <a:r>
+              <a:rPr lang="en-US" altLang="zh-CN" sz="2000">
+                <a:latin typeface="Times New Roman" panose="02020603050405020304" pitchFamily="18" charset="0"/>
+                <a:cs typeface="Times New Roman" panose="02020603050405020304" pitchFamily="18" charset="0"/>
+              </a:rPr>
+              <a:t>We have run baseline for our “Vanilla Fusion”. Though seemingly strange, but it has outperformed xMUDA. </a:t>
+            </a:r>
+            <a:r>
+              <a:rPr lang="en-US" altLang="zh-CN" sz="2000">
+                <a:latin typeface="Times New Roman" panose="02020603050405020304" pitchFamily="18" charset="0"/>
+                <a:cs typeface="Times New Roman" panose="02020603050405020304" pitchFamily="18" charset="0"/>
+                <a:hlinkClick r:id="rId5" action="ppaction://hlinksldjump"/>
+              </a:rPr>
+              <a:t>See the results.</a:t>
+            </a:r>
+            <a:endParaRPr lang="en-US" altLang="zh-CN" sz="2000">
+              <a:latin typeface="Times New Roman" panose="02020603050405020304" pitchFamily="18" charset="0"/>
+              <a:cs typeface="Times New Roman" panose="02020603050405020304" pitchFamily="18" charset="0"/>
+            </a:endParaRPr>
+          </a:p>
+        </p:txBody>
+      </p:sp>
     </p:spTree>
     <p:extLst>
       <p:ext uri="{BB962C8B-B14F-4D97-AF65-F5344CB8AC3E}">
@@ -3376,6 +3619,790 @@
 </file>
 
 <file path=ppt/slides/slide10.xml><?xml version="1.0" encoding="utf-8"?>
+<p:sld xmlns:a="http://schemas.openxmlformats.org/drawingml/2006/main" xmlns:r="http://schemas.openxmlformats.org/officeDocument/2006/relationships" xmlns:p="http://schemas.openxmlformats.org/presentationml/2006/main">
+  <p:cSld>
+    <p:spTree>
+      <p:nvGrpSpPr>
+        <p:cNvPr id="1" name=""/>
+        <p:cNvGrpSpPr/>
+        <p:nvPr/>
+      </p:nvGrpSpPr>
+      <p:grpSpPr>
+        <a:xfrm>
+          <a:off x="0" y="0"/>
+          <a:ext cx="0" cy="0"/>
+          <a:chOff x="0" y="0"/>
+          <a:chExt cx="0" cy="0"/>
+        </a:xfrm>
+      </p:grpSpPr>
+      <p:pic>
+        <p:nvPicPr>
+          <p:cNvPr id="3" name="图片 2">
+            <a:extLst>
+              <a:ext uri="{FF2B5EF4-FFF2-40B4-BE49-F238E27FC236}">
+                <a16:creationId xmlns:a16="http://schemas.microsoft.com/office/drawing/2014/main" id="{60B9B7CA-1098-4CEE-BF62-96FCBB5D9680}"/>
+              </a:ext>
+            </a:extLst>
+          </p:cNvPr>
+          <p:cNvPicPr>
+            <a:picLocks noChangeAspect="1"/>
+          </p:cNvPicPr>
+          <p:nvPr/>
+        </p:nvPicPr>
+        <p:blipFill>
+          <a:blip r:embed="rId2"/>
+          <a:stretch>
+            <a:fillRect/>
+          </a:stretch>
+        </p:blipFill>
+        <p:spPr>
+          <a:xfrm>
+            <a:off x="235789" y="1"/>
+            <a:ext cx="4371033" cy="3429000"/>
+          </a:xfrm>
+          <a:prstGeom prst="rect">
+            <a:avLst/>
+          </a:prstGeom>
+        </p:spPr>
+      </p:pic>
+      <p:pic>
+        <p:nvPicPr>
+          <p:cNvPr id="5" name="图片 4">
+            <a:extLst>
+              <a:ext uri="{FF2B5EF4-FFF2-40B4-BE49-F238E27FC236}">
+                <a16:creationId xmlns:a16="http://schemas.microsoft.com/office/drawing/2014/main" id="{6E753EAC-A521-42DD-8E47-80DD6F95CE7D}"/>
+              </a:ext>
+            </a:extLst>
+          </p:cNvPr>
+          <p:cNvPicPr>
+            <a:picLocks noChangeAspect="1"/>
+          </p:cNvPicPr>
+          <p:nvPr/>
+        </p:nvPicPr>
+        <p:blipFill>
+          <a:blip r:embed="rId3"/>
+          <a:stretch>
+            <a:fillRect/>
+          </a:stretch>
+        </p:blipFill>
+        <p:spPr>
+          <a:xfrm>
+            <a:off x="235789" y="3429000"/>
+            <a:ext cx="4371033" cy="3255350"/>
+          </a:xfrm>
+          <a:prstGeom prst="rect">
+            <a:avLst/>
+          </a:prstGeom>
+        </p:spPr>
+      </p:pic>
+      <mc:AlternateContent xmlns:mc="http://schemas.openxmlformats.org/markup-compatibility/2006" xmlns:a14="http://schemas.microsoft.com/office/drawing/2010/main">
+        <mc:Choice Requires="a14">
+          <p:sp>
+            <p:nvSpPr>
+              <p:cNvPr id="7" name="文本框 6">
+                <a:extLst>
+                  <a:ext uri="{FF2B5EF4-FFF2-40B4-BE49-F238E27FC236}">
+                    <a16:creationId xmlns:a16="http://schemas.microsoft.com/office/drawing/2014/main" id="{F83C6866-76D1-4E96-901D-9786CECD3908}"/>
+                  </a:ext>
+                </a:extLst>
+              </p:cNvPr>
+              <p:cNvSpPr txBox="1"/>
+              <p:nvPr/>
+            </p:nvSpPr>
+            <p:spPr>
+              <a:xfrm>
+                <a:off x="6096000" y="3558154"/>
+                <a:ext cx="3270895" cy="1499898"/>
+              </a:xfrm>
+              <a:prstGeom prst="rect">
+                <a:avLst/>
+              </a:prstGeom>
+              <a:noFill/>
+            </p:spPr>
+            <p:txBody>
+              <a:bodyPr wrap="none" rtlCol="0">
+                <a:spAutoFit/>
+              </a:bodyPr>
+              <a:lstStyle/>
+              <a:p>
+                <a:r>
+                  <a:rPr lang="en-US" altLang="zh-CN">
+                    <a:latin typeface="Times New Roman" panose="02020603050405020304" pitchFamily="18" charset="0"/>
+                    <a:cs typeface="Times New Roman" panose="02020603050405020304" pitchFamily="18" charset="0"/>
+                  </a:rPr>
+                  <a:t>src_ctr_usa_v1:</a:t>
+                </a:r>
+              </a:p>
+              <a:p>
+                <a:pPr marL="285750" indent="-285750">
+                  <a:buFont typeface="Arial" panose="020B0604020202020204" pitchFamily="34" charset="0"/>
+                  <a:buChar char="•"/>
+                </a:pPr>
+                <a14:m>
+                  <m:oMath xmlns:m="http://schemas.openxmlformats.org/officeDocument/2006/math">
+                    <m:r>
+                      <a:rPr lang="zh-CN" altLang="en-US" b="1">
+                        <a:latin typeface="Cambria Math" panose="02040503050406030204" pitchFamily="18" charset="0"/>
+                        <a:cs typeface="Calibri" panose="020F0502020204030204" pitchFamily="34" charset="0"/>
+                      </a:rPr>
+                      <m:t>𝛌</m:t>
+                    </m:r>
+                    <m:r>
+                      <a:rPr lang="en-US" altLang="zh-CN" b="1">
+                        <a:latin typeface="Cambria Math" panose="02040503050406030204" pitchFamily="18" charset="0"/>
+                        <a:cs typeface="Calibri" panose="020F0502020204030204" pitchFamily="34" charset="0"/>
+                      </a:rPr>
+                      <m:t> </m:t>
+                    </m:r>
+                    <m:r>
+                      <m:rPr>
+                        <m:nor/>
+                      </m:rPr>
+                      <a:rPr lang="en-US" altLang="zh-CN" b="1">
+                        <a:latin typeface="Times New Roman" panose="02020603050405020304" pitchFamily="18" charset="0"/>
+                        <a:cs typeface="Times New Roman" panose="02020603050405020304" pitchFamily="18" charset="0"/>
+                      </a:rPr>
+                      <m:t>= 0.1</m:t>
+                    </m:r>
+                  </m:oMath>
+                </a14:m>
+                <a:endParaRPr lang="en-US" altLang="zh-CN" b="1">
+                  <a:latin typeface="Times New Roman" panose="02020603050405020304" pitchFamily="18" charset="0"/>
+                  <a:cs typeface="Times New Roman" panose="02020603050405020304" pitchFamily="18" charset="0"/>
+                </a:endParaRPr>
+              </a:p>
+              <a:p>
+                <a:pPr marL="285750" indent="-285750">
+                  <a:buFont typeface="Arial" panose="020B0604020202020204" pitchFamily="34" charset="0"/>
+                  <a:buChar char="•"/>
+                </a:pPr>
+                <a:r>
+                  <a:rPr lang="en-US" altLang="zh-CN">
+                    <a:latin typeface="Times New Roman" panose="02020603050405020304" pitchFamily="18" charset="0"/>
+                    <a:cs typeface="Times New Roman" panose="02020603050405020304" pitchFamily="18" charset="0"/>
+                  </a:rPr>
+                  <a:t>#pts = 1024, # groups = 1</a:t>
+                </a:r>
+              </a:p>
+              <a:p>
+                <a:pPr marL="285750" indent="-285750">
+                  <a:buFont typeface="Arial" panose="020B0604020202020204" pitchFamily="34" charset="0"/>
+                  <a:buChar char="•"/>
+                </a:pPr>
+                <a:r>
+                  <a:rPr lang="en-US" altLang="zh-CN">
+                    <a:latin typeface="Times New Roman" panose="02020603050405020304" pitchFamily="18" charset="0"/>
+                    <a:cs typeface="Times New Roman" panose="02020603050405020304" pitchFamily="18" charset="0"/>
+                  </a:rPr>
+                  <a:t>batch_size=8</a:t>
+                </a:r>
+              </a:p>
+              <a:p>
+                <a:pPr marL="285750" indent="-285750">
+                  <a:buFont typeface="Arial" panose="020B0604020202020204" pitchFamily="34" charset="0"/>
+                  <a:buChar char="•"/>
+                </a:pPr>
+                <a14:m>
+                  <m:oMath xmlns:m="http://schemas.openxmlformats.org/officeDocument/2006/math">
+                    <m:r>
+                      <a:rPr lang="en-US" altLang="zh-CN" b="0" i="1" smtClean="0">
+                        <a:latin typeface="Cambria Math" panose="02040503050406030204" pitchFamily="18" charset="0"/>
+                        <a:cs typeface="Calibri" panose="020F0502020204030204" pitchFamily="34" charset="0"/>
+                      </a:rPr>
+                      <m:t>𝐿</m:t>
+                    </m:r>
+                    <m:r>
+                      <a:rPr lang="en-US" altLang="zh-CN" b="0" i="1" smtClean="0">
+                        <a:latin typeface="Cambria Math" panose="02040503050406030204" pitchFamily="18" charset="0"/>
+                        <a:cs typeface="Calibri" panose="020F0502020204030204" pitchFamily="34" charset="0"/>
+                      </a:rPr>
+                      <m:t>=</m:t>
+                    </m:r>
+                    <m:sSub>
+                      <m:sSubPr>
+                        <m:ctrlPr>
+                          <a:rPr lang="en-US" altLang="zh-CN" b="0" i="1" smtClean="0">
+                            <a:latin typeface="Cambria Math" panose="02040503050406030204" pitchFamily="18" charset="0"/>
+                            <a:cs typeface="Calibri" panose="020F0502020204030204" pitchFamily="34" charset="0"/>
+                          </a:rPr>
+                        </m:ctrlPr>
+                      </m:sSubPr>
+                      <m:e>
+                        <m:r>
+                          <a:rPr lang="en-US" altLang="zh-CN" b="0" i="1" smtClean="0">
+                            <a:latin typeface="Cambria Math" panose="02040503050406030204" pitchFamily="18" charset="0"/>
+                            <a:cs typeface="Calibri" panose="020F0502020204030204" pitchFamily="34" charset="0"/>
+                          </a:rPr>
+                          <m:t>𝐿</m:t>
+                        </m:r>
+                      </m:e>
+                      <m:sub>
+                        <m:r>
+                          <a:rPr lang="en-US" altLang="zh-CN" b="0" i="1" smtClean="0">
+                            <a:latin typeface="Cambria Math" panose="02040503050406030204" pitchFamily="18" charset="0"/>
+                            <a:cs typeface="Calibri" panose="020F0502020204030204" pitchFamily="34" charset="0"/>
+                          </a:rPr>
+                          <m:t>𝑠𝑒𝑔</m:t>
+                        </m:r>
+                      </m:sub>
+                    </m:sSub>
+                    <m:r>
+                      <a:rPr lang="en-US" altLang="zh-CN" i="1">
+                        <a:latin typeface="Cambria Math" panose="02040503050406030204" pitchFamily="18" charset="0"/>
+                        <a:cs typeface="Calibri" panose="020F0502020204030204" pitchFamily="34" charset="0"/>
+                      </a:rPr>
+                      <m:t>+</m:t>
+                    </m:r>
+                    <m:r>
+                      <a:rPr lang="en-US" altLang="zh-CN" b="0" i="1" smtClean="0">
+                        <a:latin typeface="Cambria Math" panose="02040503050406030204" pitchFamily="18" charset="0"/>
+                        <a:cs typeface="Calibri" panose="020F0502020204030204" pitchFamily="34" charset="0"/>
+                      </a:rPr>
+                      <m:t> </m:t>
+                    </m:r>
+                    <m:r>
+                      <a:rPr lang="zh-CN" altLang="en-US" b="0" i="1" smtClean="0">
+                        <a:latin typeface="Cambria Math" panose="02040503050406030204" pitchFamily="18" charset="0"/>
+                        <a:cs typeface="Calibri" panose="020F0502020204030204" pitchFamily="34" charset="0"/>
+                      </a:rPr>
+                      <m:t>𝜆</m:t>
+                    </m:r>
+                    <m:r>
+                      <a:rPr lang="en-US" altLang="zh-CN" b="0" i="1" smtClean="0">
+                        <a:latin typeface="Cambria Math" panose="02040503050406030204" pitchFamily="18" charset="0"/>
+                        <a:cs typeface="Calibri" panose="020F0502020204030204" pitchFamily="34" charset="0"/>
+                      </a:rPr>
+                      <m:t> </m:t>
+                    </m:r>
+                    <m:r>
+                      <a:rPr lang="zh-CN" altLang="en-US" i="1">
+                        <a:latin typeface="Cambria Math" panose="02040503050406030204" pitchFamily="18" charset="0"/>
+                        <a:cs typeface="Calibri" panose="020F0502020204030204" pitchFamily="34" charset="0"/>
+                      </a:rPr>
+                      <m:t>∗</m:t>
+                    </m:r>
+                    <m:r>
+                      <a:rPr lang="en-US" altLang="zh-CN" b="0" i="1" smtClean="0">
+                        <a:latin typeface="Cambria Math" panose="02040503050406030204" pitchFamily="18" charset="0"/>
+                        <a:cs typeface="Calibri" panose="020F0502020204030204" pitchFamily="34" charset="0"/>
+                      </a:rPr>
+                      <m:t> </m:t>
+                    </m:r>
+                    <m:sSub>
+                      <m:sSubPr>
+                        <m:ctrlPr>
+                          <a:rPr lang="en-US" altLang="zh-CN" i="1">
+                            <a:latin typeface="Cambria Math" panose="02040503050406030204" pitchFamily="18" charset="0"/>
+                            <a:cs typeface="Calibri" panose="020F0502020204030204" pitchFamily="34" charset="0"/>
+                          </a:rPr>
+                        </m:ctrlPr>
+                      </m:sSubPr>
+                      <m:e>
+                        <m:r>
+                          <a:rPr lang="en-US" altLang="zh-CN" i="1">
+                            <a:latin typeface="Cambria Math" panose="02040503050406030204" pitchFamily="18" charset="0"/>
+                            <a:cs typeface="Calibri" panose="020F0502020204030204" pitchFamily="34" charset="0"/>
+                          </a:rPr>
+                          <m:t>𝐿</m:t>
+                        </m:r>
+                      </m:e>
+                      <m:sub>
+                        <m:r>
+                          <a:rPr lang="en-US" altLang="zh-CN" i="1">
+                            <a:latin typeface="Cambria Math" panose="02040503050406030204" pitchFamily="18" charset="0"/>
+                            <a:cs typeface="Calibri" panose="020F0502020204030204" pitchFamily="34" charset="0"/>
+                          </a:rPr>
+                          <m:t>𝑠</m:t>
+                        </m:r>
+                        <m:r>
+                          <a:rPr lang="en-US" altLang="zh-CN" b="0" i="1" smtClean="0">
+                            <a:latin typeface="Cambria Math" panose="02040503050406030204" pitchFamily="18" charset="0"/>
+                            <a:cs typeface="Calibri" panose="020F0502020204030204" pitchFamily="34" charset="0"/>
+                          </a:rPr>
+                          <m:t>𝑟𝑐</m:t>
+                        </m:r>
+                        <m:r>
+                          <a:rPr lang="en-US" altLang="zh-CN" b="0" i="1" smtClean="0">
+                            <a:latin typeface="Cambria Math" panose="02040503050406030204" pitchFamily="18" charset="0"/>
+                            <a:cs typeface="Calibri" panose="020F0502020204030204" pitchFamily="34" charset="0"/>
+                          </a:rPr>
+                          <m:t>_</m:t>
+                        </m:r>
+                        <m:r>
+                          <a:rPr lang="en-US" altLang="zh-CN" b="0" i="1" smtClean="0">
+                            <a:latin typeface="Cambria Math" panose="02040503050406030204" pitchFamily="18" charset="0"/>
+                            <a:cs typeface="Calibri" panose="020F0502020204030204" pitchFamily="34" charset="0"/>
+                          </a:rPr>
+                          <m:t>𝑐𝑜𝑛𝑡𝑟𝑎𝑠𝑡</m:t>
+                        </m:r>
+                      </m:sub>
+                    </m:sSub>
+                  </m:oMath>
+                </a14:m>
+                <a:endParaRPr lang="en-US" altLang="zh-CN">
+                  <a:latin typeface="Times New Roman" panose="02020603050405020304" pitchFamily="18" charset="0"/>
+                  <a:cs typeface="Times New Roman" panose="02020603050405020304" pitchFamily="18" charset="0"/>
+                </a:endParaRPr>
+              </a:p>
+            </p:txBody>
+          </p:sp>
+        </mc:Choice>
+        <mc:Fallback xmlns="">
+          <p:sp>
+            <p:nvSpPr>
+              <p:cNvPr id="7" name="文本框 6">
+                <a:extLst>
+                  <a:ext uri="{FF2B5EF4-FFF2-40B4-BE49-F238E27FC236}">
+                    <a16:creationId xmlns:a16="http://schemas.microsoft.com/office/drawing/2014/main" id="{F83C6866-76D1-4E96-901D-9786CECD3908}"/>
+                  </a:ext>
+                </a:extLst>
+              </p:cNvPr>
+              <p:cNvSpPr txBox="1">
+                <a:spLocks noRot="1" noChangeAspect="1" noMove="1" noResize="1" noEditPoints="1" noAdjustHandles="1" noChangeArrowheads="1" noChangeShapeType="1" noTextEdit="1"/>
+              </p:cNvSpPr>
+              <p:nvPr/>
+            </p:nvSpPr>
+            <p:spPr>
+              <a:xfrm>
+                <a:off x="6096000" y="3558154"/>
+                <a:ext cx="3270895" cy="1499898"/>
+              </a:xfrm>
+              <a:prstGeom prst="rect">
+                <a:avLst/>
+              </a:prstGeom>
+              <a:blipFill>
+                <a:blip r:embed="rId4"/>
+                <a:stretch>
+                  <a:fillRect l="-1490" t="-2439" b="-2846"/>
+                </a:stretch>
+              </a:blipFill>
+            </p:spPr>
+            <p:txBody>
+              <a:bodyPr/>
+              <a:lstStyle/>
+              <a:p>
+                <a:r>
+                  <a:rPr lang="zh-CN" altLang="en-US">
+                    <a:noFill/>
+                  </a:rPr>
+                  <a:t> </a:t>
+                </a:r>
+              </a:p>
+            </p:txBody>
+          </p:sp>
+        </mc:Fallback>
+      </mc:AlternateContent>
+    </p:spTree>
+    <p:extLst>
+      <p:ext uri="{BB962C8B-B14F-4D97-AF65-F5344CB8AC3E}">
+        <p14:creationId xmlns:p14="http://schemas.microsoft.com/office/powerpoint/2010/main" val="3307720903"/>
+      </p:ext>
+    </p:extLst>
+  </p:cSld>
+  <p:clrMapOvr>
+    <a:masterClrMapping/>
+  </p:clrMapOvr>
+</p:sld>
+</file>
+
+<file path=ppt/slides/slide11.xml><?xml version="1.0" encoding="utf-8"?>
+<p:sld xmlns:a="http://schemas.openxmlformats.org/drawingml/2006/main" xmlns:r="http://schemas.openxmlformats.org/officeDocument/2006/relationships" xmlns:p="http://schemas.openxmlformats.org/presentationml/2006/main">
+  <p:cSld>
+    <p:spTree>
+      <p:nvGrpSpPr>
+        <p:cNvPr id="1" name=""/>
+        <p:cNvGrpSpPr/>
+        <p:nvPr/>
+      </p:nvGrpSpPr>
+      <p:grpSpPr>
+        <a:xfrm>
+          <a:off x="0" y="0"/>
+          <a:ext cx="0" cy="0"/>
+          <a:chOff x="0" y="0"/>
+          <a:chExt cx="0" cy="0"/>
+        </a:xfrm>
+      </p:grpSpPr>
+      <p:pic>
+        <p:nvPicPr>
+          <p:cNvPr id="3" name="图片 2">
+            <a:extLst>
+              <a:ext uri="{FF2B5EF4-FFF2-40B4-BE49-F238E27FC236}">
+                <a16:creationId xmlns:a16="http://schemas.microsoft.com/office/drawing/2014/main" id="{EE74A232-F4D6-47D9-B748-8332545CFEA4}"/>
+              </a:ext>
+            </a:extLst>
+          </p:cNvPr>
+          <p:cNvPicPr>
+            <a:picLocks noChangeAspect="1"/>
+          </p:cNvPicPr>
+          <p:nvPr/>
+        </p:nvPicPr>
+        <p:blipFill>
+          <a:blip r:embed="rId2"/>
+          <a:stretch>
+            <a:fillRect/>
+          </a:stretch>
+        </p:blipFill>
+        <p:spPr>
+          <a:xfrm>
+            <a:off x="266330" y="1"/>
+            <a:ext cx="4333352" cy="3429000"/>
+          </a:xfrm>
+          <a:prstGeom prst="rect">
+            <a:avLst/>
+          </a:prstGeom>
+        </p:spPr>
+      </p:pic>
+      <p:pic>
+        <p:nvPicPr>
+          <p:cNvPr id="5" name="图片 4">
+            <a:extLst>
+              <a:ext uri="{FF2B5EF4-FFF2-40B4-BE49-F238E27FC236}">
+                <a16:creationId xmlns:a16="http://schemas.microsoft.com/office/drawing/2014/main" id="{8CB36B11-06F8-4ECF-A33A-C9447BA1225D}"/>
+              </a:ext>
+            </a:extLst>
+          </p:cNvPr>
+          <p:cNvPicPr>
+            <a:picLocks noChangeAspect="1"/>
+          </p:cNvPicPr>
+          <p:nvPr/>
+        </p:nvPicPr>
+        <p:blipFill>
+          <a:blip r:embed="rId3"/>
+          <a:stretch>
+            <a:fillRect/>
+          </a:stretch>
+        </p:blipFill>
+        <p:spPr>
+          <a:xfrm>
+            <a:off x="266330" y="3429000"/>
+            <a:ext cx="4333352" cy="3316886"/>
+          </a:xfrm>
+          <a:prstGeom prst="rect">
+            <a:avLst/>
+          </a:prstGeom>
+        </p:spPr>
+      </p:pic>
+      <mc:AlternateContent xmlns:mc="http://schemas.openxmlformats.org/markup-compatibility/2006" xmlns:a14="http://schemas.microsoft.com/office/drawing/2010/main">
+        <mc:Choice Requires="a14">
+          <p:sp>
+            <p:nvSpPr>
+              <p:cNvPr id="6" name="文本框 5">
+                <a:extLst>
+                  <a:ext uri="{FF2B5EF4-FFF2-40B4-BE49-F238E27FC236}">
+                    <a16:creationId xmlns:a16="http://schemas.microsoft.com/office/drawing/2014/main" id="{B6E0430E-D951-4963-8891-7A201E88E95E}"/>
+                  </a:ext>
+                </a:extLst>
+              </p:cNvPr>
+              <p:cNvSpPr txBox="1"/>
+              <p:nvPr/>
+            </p:nvSpPr>
+            <p:spPr>
+              <a:xfrm>
+                <a:off x="6096000" y="3558154"/>
+                <a:ext cx="3270895" cy="1499898"/>
+              </a:xfrm>
+              <a:prstGeom prst="rect">
+                <a:avLst/>
+              </a:prstGeom>
+              <a:noFill/>
+            </p:spPr>
+            <p:txBody>
+              <a:bodyPr wrap="none" rtlCol="0">
+                <a:spAutoFit/>
+              </a:bodyPr>
+              <a:lstStyle/>
+              <a:p>
+                <a:r>
+                  <a:rPr lang="en-US" altLang="zh-CN">
+                    <a:latin typeface="Times New Roman" panose="02020603050405020304" pitchFamily="18" charset="0"/>
+                    <a:cs typeface="Times New Roman" panose="02020603050405020304" pitchFamily="18" charset="0"/>
+                  </a:rPr>
+                  <a:t>src_ctr_usa_v2:</a:t>
+                </a:r>
+              </a:p>
+              <a:p>
+                <a:pPr marL="285750" indent="-285750">
+                  <a:buFont typeface="Arial" panose="020B0604020202020204" pitchFamily="34" charset="0"/>
+                  <a:buChar char="•"/>
+                </a:pPr>
+                <a14:m>
+                  <m:oMath xmlns:m="http://schemas.openxmlformats.org/officeDocument/2006/math">
+                    <m:r>
+                      <a:rPr lang="zh-CN" altLang="en-US" b="1">
+                        <a:latin typeface="Cambria Math" panose="02040503050406030204" pitchFamily="18" charset="0"/>
+                        <a:cs typeface="Calibri" panose="020F0502020204030204" pitchFamily="34" charset="0"/>
+                      </a:rPr>
+                      <m:t>𝛌</m:t>
+                    </m:r>
+                    <m:r>
+                      <a:rPr lang="en-US" altLang="zh-CN" b="1">
+                        <a:latin typeface="Cambria Math" panose="02040503050406030204" pitchFamily="18" charset="0"/>
+                        <a:cs typeface="Calibri" panose="020F0502020204030204" pitchFamily="34" charset="0"/>
+                      </a:rPr>
+                      <m:t> </m:t>
+                    </m:r>
+                    <m:r>
+                      <m:rPr>
+                        <m:nor/>
+                      </m:rPr>
+                      <a:rPr lang="en-US" altLang="zh-CN" b="1">
+                        <a:latin typeface="Times New Roman" panose="02020603050405020304" pitchFamily="18" charset="0"/>
+                        <a:cs typeface="Times New Roman" panose="02020603050405020304" pitchFamily="18" charset="0"/>
+                      </a:rPr>
+                      <m:t>= 0.</m:t>
+                    </m:r>
+                    <m:r>
+                      <m:rPr>
+                        <m:nor/>
+                      </m:rPr>
+                      <a:rPr lang="en-US" altLang="zh-CN" b="1" i="0" smtClean="0">
+                        <a:latin typeface="Times New Roman" panose="02020603050405020304" pitchFamily="18" charset="0"/>
+                        <a:cs typeface="Times New Roman" panose="02020603050405020304" pitchFamily="18" charset="0"/>
+                      </a:rPr>
+                      <m:t>5</m:t>
+                    </m:r>
+                  </m:oMath>
+                </a14:m>
+                <a:endParaRPr lang="en-US" altLang="zh-CN" b="1">
+                  <a:latin typeface="Times New Roman" panose="02020603050405020304" pitchFamily="18" charset="0"/>
+                  <a:cs typeface="Times New Roman" panose="02020603050405020304" pitchFamily="18" charset="0"/>
+                </a:endParaRPr>
+              </a:p>
+              <a:p>
+                <a:pPr marL="285750" indent="-285750">
+                  <a:buFont typeface="Arial" panose="020B0604020202020204" pitchFamily="34" charset="0"/>
+                  <a:buChar char="•"/>
+                </a:pPr>
+                <a:r>
+                  <a:rPr lang="en-US" altLang="zh-CN">
+                    <a:latin typeface="Times New Roman" panose="02020603050405020304" pitchFamily="18" charset="0"/>
+                    <a:cs typeface="Times New Roman" panose="02020603050405020304" pitchFamily="18" charset="0"/>
+                  </a:rPr>
+                  <a:t>#pts = 1024, # groups = 1</a:t>
+                </a:r>
+              </a:p>
+              <a:p>
+                <a:pPr marL="285750" indent="-285750">
+                  <a:buFont typeface="Arial" panose="020B0604020202020204" pitchFamily="34" charset="0"/>
+                  <a:buChar char="•"/>
+                </a:pPr>
+                <a:r>
+                  <a:rPr lang="en-US" altLang="zh-CN">
+                    <a:latin typeface="Times New Roman" panose="02020603050405020304" pitchFamily="18" charset="0"/>
+                    <a:cs typeface="Times New Roman" panose="02020603050405020304" pitchFamily="18" charset="0"/>
+                  </a:rPr>
+                  <a:t>batch_size=8</a:t>
+                </a:r>
+              </a:p>
+              <a:p>
+                <a:pPr marL="285750" indent="-285750">
+                  <a:buFont typeface="Arial" panose="020B0604020202020204" pitchFamily="34" charset="0"/>
+                  <a:buChar char="•"/>
+                </a:pPr>
+                <a14:m>
+                  <m:oMath xmlns:m="http://schemas.openxmlformats.org/officeDocument/2006/math">
+                    <m:r>
+                      <a:rPr lang="en-US" altLang="zh-CN" b="0" i="1" smtClean="0">
+                        <a:latin typeface="Cambria Math" panose="02040503050406030204" pitchFamily="18" charset="0"/>
+                        <a:cs typeface="Calibri" panose="020F0502020204030204" pitchFamily="34" charset="0"/>
+                      </a:rPr>
+                      <m:t>𝐿</m:t>
+                    </m:r>
+                    <m:r>
+                      <a:rPr lang="en-US" altLang="zh-CN" b="0" i="1" smtClean="0">
+                        <a:latin typeface="Cambria Math" panose="02040503050406030204" pitchFamily="18" charset="0"/>
+                        <a:cs typeface="Calibri" panose="020F0502020204030204" pitchFamily="34" charset="0"/>
+                      </a:rPr>
+                      <m:t>=</m:t>
+                    </m:r>
+                    <m:sSub>
+                      <m:sSubPr>
+                        <m:ctrlPr>
+                          <a:rPr lang="en-US" altLang="zh-CN" b="0" i="1" smtClean="0">
+                            <a:latin typeface="Cambria Math" panose="02040503050406030204" pitchFamily="18" charset="0"/>
+                            <a:cs typeface="Calibri" panose="020F0502020204030204" pitchFamily="34" charset="0"/>
+                          </a:rPr>
+                        </m:ctrlPr>
+                      </m:sSubPr>
+                      <m:e>
+                        <m:r>
+                          <a:rPr lang="en-US" altLang="zh-CN" b="0" i="1" smtClean="0">
+                            <a:latin typeface="Cambria Math" panose="02040503050406030204" pitchFamily="18" charset="0"/>
+                            <a:cs typeface="Calibri" panose="020F0502020204030204" pitchFamily="34" charset="0"/>
+                          </a:rPr>
+                          <m:t>𝐿</m:t>
+                        </m:r>
+                      </m:e>
+                      <m:sub>
+                        <m:r>
+                          <a:rPr lang="en-US" altLang="zh-CN" b="0" i="1" smtClean="0">
+                            <a:latin typeface="Cambria Math" panose="02040503050406030204" pitchFamily="18" charset="0"/>
+                            <a:cs typeface="Calibri" panose="020F0502020204030204" pitchFamily="34" charset="0"/>
+                          </a:rPr>
+                          <m:t>𝑠𝑒𝑔</m:t>
+                        </m:r>
+                      </m:sub>
+                    </m:sSub>
+                    <m:r>
+                      <a:rPr lang="en-US" altLang="zh-CN" i="1">
+                        <a:latin typeface="Cambria Math" panose="02040503050406030204" pitchFamily="18" charset="0"/>
+                        <a:cs typeface="Calibri" panose="020F0502020204030204" pitchFamily="34" charset="0"/>
+                      </a:rPr>
+                      <m:t>+</m:t>
+                    </m:r>
+                    <m:r>
+                      <a:rPr lang="en-US" altLang="zh-CN" b="0" i="1" smtClean="0">
+                        <a:latin typeface="Cambria Math" panose="02040503050406030204" pitchFamily="18" charset="0"/>
+                        <a:cs typeface="Calibri" panose="020F0502020204030204" pitchFamily="34" charset="0"/>
+                      </a:rPr>
+                      <m:t> </m:t>
+                    </m:r>
+                    <m:r>
+                      <a:rPr lang="zh-CN" altLang="en-US" b="0" i="1" smtClean="0">
+                        <a:latin typeface="Cambria Math" panose="02040503050406030204" pitchFamily="18" charset="0"/>
+                        <a:cs typeface="Calibri" panose="020F0502020204030204" pitchFamily="34" charset="0"/>
+                      </a:rPr>
+                      <m:t>𝜆</m:t>
+                    </m:r>
+                    <m:r>
+                      <a:rPr lang="en-US" altLang="zh-CN" b="0" i="1" smtClean="0">
+                        <a:latin typeface="Cambria Math" panose="02040503050406030204" pitchFamily="18" charset="0"/>
+                        <a:cs typeface="Calibri" panose="020F0502020204030204" pitchFamily="34" charset="0"/>
+                      </a:rPr>
+                      <m:t> </m:t>
+                    </m:r>
+                    <m:r>
+                      <a:rPr lang="zh-CN" altLang="en-US" i="1">
+                        <a:latin typeface="Cambria Math" panose="02040503050406030204" pitchFamily="18" charset="0"/>
+                        <a:cs typeface="Calibri" panose="020F0502020204030204" pitchFamily="34" charset="0"/>
+                      </a:rPr>
+                      <m:t>∗</m:t>
+                    </m:r>
+                    <m:r>
+                      <a:rPr lang="en-US" altLang="zh-CN" b="0" i="1" smtClean="0">
+                        <a:latin typeface="Cambria Math" panose="02040503050406030204" pitchFamily="18" charset="0"/>
+                        <a:cs typeface="Calibri" panose="020F0502020204030204" pitchFamily="34" charset="0"/>
+                      </a:rPr>
+                      <m:t> </m:t>
+                    </m:r>
+                    <m:sSub>
+                      <m:sSubPr>
+                        <m:ctrlPr>
+                          <a:rPr lang="en-US" altLang="zh-CN" i="1">
+                            <a:latin typeface="Cambria Math" panose="02040503050406030204" pitchFamily="18" charset="0"/>
+                            <a:cs typeface="Calibri" panose="020F0502020204030204" pitchFamily="34" charset="0"/>
+                          </a:rPr>
+                        </m:ctrlPr>
+                      </m:sSubPr>
+                      <m:e>
+                        <m:r>
+                          <a:rPr lang="en-US" altLang="zh-CN" i="1">
+                            <a:latin typeface="Cambria Math" panose="02040503050406030204" pitchFamily="18" charset="0"/>
+                            <a:cs typeface="Calibri" panose="020F0502020204030204" pitchFamily="34" charset="0"/>
+                          </a:rPr>
+                          <m:t>𝐿</m:t>
+                        </m:r>
+                      </m:e>
+                      <m:sub>
+                        <m:r>
+                          <a:rPr lang="en-US" altLang="zh-CN" i="1">
+                            <a:latin typeface="Cambria Math" panose="02040503050406030204" pitchFamily="18" charset="0"/>
+                            <a:cs typeface="Calibri" panose="020F0502020204030204" pitchFamily="34" charset="0"/>
+                          </a:rPr>
+                          <m:t>𝑠</m:t>
+                        </m:r>
+                        <m:r>
+                          <a:rPr lang="en-US" altLang="zh-CN" b="0" i="1" smtClean="0">
+                            <a:latin typeface="Cambria Math" panose="02040503050406030204" pitchFamily="18" charset="0"/>
+                            <a:cs typeface="Calibri" panose="020F0502020204030204" pitchFamily="34" charset="0"/>
+                          </a:rPr>
+                          <m:t>𝑟𝑐</m:t>
+                        </m:r>
+                        <m:r>
+                          <a:rPr lang="en-US" altLang="zh-CN" b="0" i="1" smtClean="0">
+                            <a:latin typeface="Cambria Math" panose="02040503050406030204" pitchFamily="18" charset="0"/>
+                            <a:cs typeface="Calibri" panose="020F0502020204030204" pitchFamily="34" charset="0"/>
+                          </a:rPr>
+                          <m:t>_</m:t>
+                        </m:r>
+                        <m:r>
+                          <a:rPr lang="en-US" altLang="zh-CN" b="0" i="1" smtClean="0">
+                            <a:latin typeface="Cambria Math" panose="02040503050406030204" pitchFamily="18" charset="0"/>
+                            <a:cs typeface="Calibri" panose="020F0502020204030204" pitchFamily="34" charset="0"/>
+                          </a:rPr>
+                          <m:t>𝑐𝑜𝑛𝑡𝑟𝑎𝑠𝑡</m:t>
+                        </m:r>
+                      </m:sub>
+                    </m:sSub>
+                  </m:oMath>
+                </a14:m>
+                <a:endParaRPr lang="en-US" altLang="zh-CN">
+                  <a:latin typeface="Times New Roman" panose="02020603050405020304" pitchFamily="18" charset="0"/>
+                  <a:cs typeface="Times New Roman" panose="02020603050405020304" pitchFamily="18" charset="0"/>
+                </a:endParaRPr>
+              </a:p>
+            </p:txBody>
+          </p:sp>
+        </mc:Choice>
+        <mc:Fallback xmlns="">
+          <p:sp>
+            <p:nvSpPr>
+              <p:cNvPr id="6" name="文本框 5">
+                <a:extLst>
+                  <a:ext uri="{FF2B5EF4-FFF2-40B4-BE49-F238E27FC236}">
+                    <a16:creationId xmlns:a16="http://schemas.microsoft.com/office/drawing/2014/main" id="{B6E0430E-D951-4963-8891-7A201E88E95E}"/>
+                  </a:ext>
+                </a:extLst>
+              </p:cNvPr>
+              <p:cNvSpPr txBox="1">
+                <a:spLocks noRot="1" noChangeAspect="1" noMove="1" noResize="1" noEditPoints="1" noAdjustHandles="1" noChangeArrowheads="1" noChangeShapeType="1" noTextEdit="1"/>
+              </p:cNvSpPr>
+              <p:nvPr/>
+            </p:nvSpPr>
+            <p:spPr>
+              <a:xfrm>
+                <a:off x="6096000" y="3558154"/>
+                <a:ext cx="3270895" cy="1499898"/>
+              </a:xfrm>
+              <a:prstGeom prst="rect">
+                <a:avLst/>
+              </a:prstGeom>
+              <a:blipFill>
+                <a:blip r:embed="rId4"/>
+                <a:stretch>
+                  <a:fillRect l="-1490" t="-2439" b="-2846"/>
+                </a:stretch>
+              </a:blipFill>
+            </p:spPr>
+            <p:txBody>
+              <a:bodyPr/>
+              <a:lstStyle/>
+              <a:p>
+                <a:r>
+                  <a:rPr lang="zh-CN" altLang="en-US">
+                    <a:noFill/>
+                  </a:rPr>
+                  <a:t> </a:t>
+                </a:r>
+              </a:p>
+            </p:txBody>
+          </p:sp>
+        </mc:Fallback>
+      </mc:AlternateContent>
+    </p:spTree>
+    <p:extLst>
+      <p:ext uri="{BB962C8B-B14F-4D97-AF65-F5344CB8AC3E}">
+        <p14:creationId xmlns:p14="http://schemas.microsoft.com/office/powerpoint/2010/main" val="572692805"/>
+      </p:ext>
+    </p:extLst>
+  </p:cSld>
+  <p:clrMapOvr>
+    <a:masterClrMapping/>
+  </p:clrMapOvr>
+</p:sld>
+</file>
+
+<file path=ppt/slides/slide12.xml><?xml version="1.0" encoding="utf-8"?>
 <p:sld xmlns:a="http://schemas.openxmlformats.org/drawingml/2006/main" xmlns:r="http://schemas.openxmlformats.org/officeDocument/2006/relationships" xmlns:p="http://schemas.openxmlformats.org/presentationml/2006/main">
   <p:cSld>
     <p:spTree>
@@ -3452,8 +4479,8 @@
           </a:prstGeom>
         </p:spPr>
       </p:pic>
-      <mc:AlternateContent xmlns:mc="http://schemas.openxmlformats.org/markup-compatibility/2006">
-        <mc:Choice xmlns:a14="http://schemas.microsoft.com/office/drawing/2010/main" Requires="a14">
+      <mc:AlternateContent xmlns:mc="http://schemas.openxmlformats.org/markup-compatibility/2006" xmlns:a14="http://schemas.microsoft.com/office/drawing/2010/main">
+        <mc:Choice Requires="a14">
           <p:sp>
             <p:nvSpPr>
               <p:cNvPr id="10" name="文本框 9">
@@ -3714,7 +4741,7 @@
             </p:txBody>
           </p:sp>
         </mc:Choice>
-        <mc:Fallback>
+        <mc:Fallback xmlns="">
           <p:sp>
             <p:nvSpPr>
               <p:cNvPr id="10" name="文本框 9">
@@ -3772,7 +4799,7 @@
 </p:sld>
 </file>
 
-<file path=ppt/slides/slide11.xml><?xml version="1.0" encoding="utf-8"?>
+<file path=ppt/slides/slide13.xml><?xml version="1.0" encoding="utf-8"?>
 <p:sld xmlns:a="http://schemas.openxmlformats.org/drawingml/2006/main" xmlns:r="http://schemas.openxmlformats.org/officeDocument/2006/relationships" xmlns:p="http://schemas.openxmlformats.org/presentationml/2006/main">
   <p:cSld>
     <p:spTree>
@@ -3819,8 +4846,8 @@
           </a:prstGeom>
         </p:spPr>
       </p:pic>
-      <mc:AlternateContent xmlns:mc="http://schemas.openxmlformats.org/markup-compatibility/2006">
-        <mc:Choice xmlns:a14="http://schemas.microsoft.com/office/drawing/2010/main" Requires="a14">
+      <mc:AlternateContent xmlns:mc="http://schemas.openxmlformats.org/markup-compatibility/2006" xmlns:a14="http://schemas.microsoft.com/office/drawing/2010/main">
+        <mc:Choice Requires="a14">
           <p:sp>
             <p:nvSpPr>
               <p:cNvPr id="8" name="文本框 7">
@@ -4081,7 +5108,7 @@
             </p:txBody>
           </p:sp>
         </mc:Choice>
-        <mc:Fallback>
+        <mc:Fallback xmlns="">
           <p:sp>
             <p:nvSpPr>
               <p:cNvPr id="8" name="文本框 7">
@@ -4169,7 +5196,7 @@
 </p:sld>
 </file>
 
-<file path=ppt/slides/slide12.xml><?xml version="1.0" encoding="utf-8"?>
+<file path=ppt/slides/slide14.xml><?xml version="1.0" encoding="utf-8"?>
 <p:sld xmlns:a="http://schemas.openxmlformats.org/drawingml/2006/main" xmlns:r="http://schemas.openxmlformats.org/officeDocument/2006/relationships" xmlns:p="http://schemas.openxmlformats.org/presentationml/2006/main">
   <p:cSld>
     <p:spTree>
@@ -4229,7 +5256,7 @@
 </p:sld>
 </file>
 
-<file path=ppt/slides/slide13.xml><?xml version="1.0" encoding="utf-8"?>
+<file path=ppt/slides/slide15.xml><?xml version="1.0" encoding="utf-8"?>
 <p:sld xmlns:a="http://schemas.openxmlformats.org/drawingml/2006/main" xmlns:r="http://schemas.openxmlformats.org/officeDocument/2006/relationships" xmlns:p="http://schemas.openxmlformats.org/presentationml/2006/main">
   <p:cSld>
     <p:spTree>
@@ -4393,7 +5420,7 @@
 </p:sld>
 </file>
 
-<file path=ppt/slides/slide14.xml><?xml version="1.0" encoding="utf-8"?>
+<file path=ppt/slides/slide16.xml><?xml version="1.0" encoding="utf-8"?>
 <p:sld xmlns:a="http://schemas.openxmlformats.org/drawingml/2006/main" xmlns:r="http://schemas.openxmlformats.org/officeDocument/2006/relationships" xmlns:p="http://schemas.openxmlformats.org/presentationml/2006/main">
   <p:cSld>
     <p:spTree>
@@ -4484,42 +5511,12 @@
           </a:p>
         </p:txBody>
       </p:sp>
-    </p:spTree>
-    <p:extLst>
-      <p:ext uri="{BB962C8B-B14F-4D97-AF65-F5344CB8AC3E}">
-        <p14:creationId xmlns:p14="http://schemas.microsoft.com/office/powerpoint/2010/main" val="4089163060"/>
-      </p:ext>
-    </p:extLst>
-  </p:cSld>
-  <p:clrMapOvr>
-    <a:masterClrMapping/>
-  </p:clrMapOvr>
-</p:sld>
-</file>
-
-<file path=ppt/slides/slide15.xml><?xml version="1.0" encoding="utf-8"?>
-<p:sld xmlns:a="http://schemas.openxmlformats.org/drawingml/2006/main" xmlns:r="http://schemas.openxmlformats.org/officeDocument/2006/relationships" xmlns:p="http://schemas.openxmlformats.org/presentationml/2006/main">
-  <p:cSld>
-    <p:spTree>
-      <p:nvGrpSpPr>
-        <p:cNvPr id="1" name=""/>
-        <p:cNvGrpSpPr/>
-        <p:nvPr/>
-      </p:nvGrpSpPr>
-      <p:grpSpPr>
-        <a:xfrm>
-          <a:off x="0" y="0"/>
-          <a:ext cx="0" cy="0"/>
-          <a:chOff x="0" y="0"/>
-          <a:chExt cx="0" cy="0"/>
-        </a:xfrm>
-      </p:grpSpPr>
       <p:sp>
         <p:nvSpPr>
-          <p:cNvPr id="4" name="文本框 3">
+          <p:cNvPr id="3" name="文本框 2">
             <a:extLst>
               <a:ext uri="{FF2B5EF4-FFF2-40B4-BE49-F238E27FC236}">
-                <a16:creationId xmlns:a16="http://schemas.microsoft.com/office/drawing/2014/main" id="{E8EFA626-307A-425F-B6A3-4067E8F2A0D8}"/>
+                <a16:creationId xmlns:a16="http://schemas.microsoft.com/office/drawing/2014/main" id="{BFE04878-6083-4E4A-A171-713897C6FBE3}"/>
               </a:ext>
             </a:extLst>
           </p:cNvPr>
@@ -4528,7 +5525,7 @@
         </p:nvSpPr>
         <p:spPr>
           <a:xfrm>
-            <a:off x="417251" y="346229"/>
+            <a:off x="417251" y="1535837"/>
             <a:ext cx="3829895" cy="1015663"/>
           </a:xfrm>
           <a:prstGeom prst="rect">
@@ -4582,10 +5579,78 @@
           </a:p>
         </p:txBody>
       </p:sp>
+      <p:sp>
+        <p:nvSpPr>
+          <p:cNvPr id="4" name="文本框 3">
+            <a:extLst>
+              <a:ext uri="{FF2B5EF4-FFF2-40B4-BE49-F238E27FC236}">
+                <a16:creationId xmlns:a16="http://schemas.microsoft.com/office/drawing/2014/main" id="{348BD2C1-578F-40DD-AA34-9A79079E1D9B}"/>
+              </a:ext>
+            </a:extLst>
+          </p:cNvPr>
+          <p:cNvSpPr txBox="1"/>
+          <p:nvPr/>
+        </p:nvSpPr>
+        <p:spPr>
+          <a:xfrm>
+            <a:off x="417251" y="2725445"/>
+            <a:ext cx="3929281" cy="1015663"/>
+          </a:xfrm>
+          <a:prstGeom prst="rect">
+            <a:avLst/>
+          </a:prstGeom>
+          <a:noFill/>
+        </p:spPr>
+        <p:txBody>
+          <a:bodyPr wrap="none" rtlCol="0">
+            <a:spAutoFit/>
+          </a:bodyPr>
+          <a:lstStyle/>
+          <a:p>
+            <a:r>
+              <a:rPr lang="en-US" altLang="zh-CN" sz="2000" b="1">
+                <a:latin typeface="Times New Roman" panose="02020603050405020304" pitchFamily="18" charset="0"/>
+                <a:cs typeface="Times New Roman" panose="02020603050405020304" pitchFamily="18" charset="0"/>
+              </a:rPr>
+              <a:t>03/19/2021</a:t>
+            </a:r>
+          </a:p>
+          <a:p>
+            <a:pPr marL="342900" indent="-342900">
+              <a:buFont typeface="Arial" panose="020B0604020202020204" pitchFamily="34" charset="0"/>
+              <a:buChar char="•"/>
+            </a:pPr>
+            <a:r>
+              <a:rPr lang="en-US" altLang="zh-CN" sz="2000">
+                <a:latin typeface="Times New Roman" panose="02020603050405020304" pitchFamily="18" charset="0"/>
+                <a:cs typeface="Times New Roman" panose="02020603050405020304" pitchFamily="18" charset="0"/>
+              </a:rPr>
+              <a:t>Baseline_usa_v0(baseline1_usa)</a:t>
+            </a:r>
+          </a:p>
+          <a:p>
+            <a:pPr marL="342900" indent="-342900">
+              <a:buFont typeface="Arial" panose="020B0604020202020204" pitchFamily="34" charset="0"/>
+              <a:buChar char="•"/>
+            </a:pPr>
+            <a:r>
+              <a:rPr lang="en-US" altLang="zh-CN" sz="2000">
+                <a:latin typeface="Times New Roman" panose="02020603050405020304" pitchFamily="18" charset="0"/>
+                <a:cs typeface="Times New Roman" panose="02020603050405020304" pitchFamily="18" charset="0"/>
+              </a:rPr>
+              <a:t>Contrast_usa_v0</a:t>
+            </a:r>
+            <a:endParaRPr lang="zh-CN" altLang="en-US" sz="2000">
+              <a:latin typeface="Times New Roman" panose="02020603050405020304" pitchFamily="18" charset="0"/>
+              <a:cs typeface="Times New Roman" panose="02020603050405020304" pitchFamily="18" charset="0"/>
+            </a:endParaRPr>
+          </a:p>
+        </p:txBody>
+      </p:sp>
     </p:spTree>
     <p:extLst>
       <p:ext uri="{BB962C8B-B14F-4D97-AF65-F5344CB8AC3E}">
-        <p14:creationId xmlns:p14="http://schemas.microsoft.com/office/powerpoint/2010/main" val="3859422666"/>
+        <p14:creationId xmlns:p14="http://schemas.microsoft.com/office/powerpoint/2010/main" val="4089163060"/>
       </p:ext>
     </p:extLst>
   </p:cSld>
@@ -4595,7 +5660,7 @@
 </p:sld>
 </file>
 
-<file path=ppt/slides/slide16.xml><?xml version="1.0" encoding="utf-8"?>
+<file path=ppt/slides/slide17.xml><?xml version="1.0" encoding="utf-8"?>
 <p:sld xmlns:a="http://schemas.openxmlformats.org/drawingml/2006/main" xmlns:r="http://schemas.openxmlformats.org/officeDocument/2006/relationships" xmlns:p="http://schemas.openxmlformats.org/presentationml/2006/main">
   <p:cSld>
     <p:spTree>
@@ -4627,7 +5692,7 @@
           <p:nvPr>
             <p:extLst>
               <p:ext uri="{D42A27DB-BD31-4B8C-83A1-F6EECF244321}">
-                <p14:modId xmlns:p14="http://schemas.microsoft.com/office/powerpoint/2010/main" val="2711328804"/>
+                <p14:modId xmlns:p14="http://schemas.microsoft.com/office/powerpoint/2010/main" val="58029885"/>
               </p:ext>
             </p:extLst>
           </p:nvPr>
@@ -4677,7 +5742,7 @@
                           <a:latin typeface="Times New Roman" panose="02020603050405020304" pitchFamily="18" charset="0"/>
                           <a:cs typeface="Times New Roman" panose="02020603050405020304" pitchFamily="18" charset="0"/>
                         </a:rPr>
-                        <a:t>Usa-Sng</a:t>
+                        <a:t>USA/Singapore</a:t>
                       </a:r>
                       <a:endParaRPr lang="zh-CN" altLang="en-US">
                         <a:latin typeface="Times New Roman" panose="02020603050405020304" pitchFamily="18" charset="0"/>
@@ -6820,7 +7885,7 @@
 </p:sld>
 </file>
 
-<file path=ppt/slides/slide17.xml><?xml version="1.0" encoding="utf-8"?>
+<file path=ppt/slides/slide18.xml><?xml version="1.0" encoding="utf-8"?>
 <p:sld xmlns:a="http://schemas.openxmlformats.org/drawingml/2006/main" xmlns:r="http://schemas.openxmlformats.org/officeDocument/2006/relationships" xmlns:p="http://schemas.openxmlformats.org/presentationml/2006/main">
   <p:cSld>
     <p:spTree>
@@ -7802,1289 +8867,6 @@
 </p:sld>
 </file>
 
-<file path=ppt/slides/slide18.xml><?xml version="1.0" encoding="utf-8"?>
-<p:sld xmlns:a="http://schemas.openxmlformats.org/drawingml/2006/main" xmlns:r="http://schemas.openxmlformats.org/officeDocument/2006/relationships" xmlns:p="http://schemas.openxmlformats.org/presentationml/2006/main">
-  <p:cSld>
-    <p:spTree>
-      <p:nvGrpSpPr>
-        <p:cNvPr id="1" name=""/>
-        <p:cNvGrpSpPr/>
-        <p:nvPr/>
-      </p:nvGrpSpPr>
-      <p:grpSpPr>
-        <a:xfrm>
-          <a:off x="0" y="0"/>
-          <a:ext cx="0" cy="0"/>
-          <a:chOff x="0" y="0"/>
-          <a:chExt cx="0" cy="0"/>
-        </a:xfrm>
-      </p:grpSpPr>
-      <p:pic>
-        <p:nvPicPr>
-          <p:cNvPr id="3" name="图片 2">
-            <a:extLst>
-              <a:ext uri="{FF2B5EF4-FFF2-40B4-BE49-F238E27FC236}">
-                <a16:creationId xmlns:a16="http://schemas.microsoft.com/office/drawing/2014/main" id="{DE342D5A-602A-4257-8A5E-9F4E485F8AD4}"/>
-              </a:ext>
-            </a:extLst>
-          </p:cNvPr>
-          <p:cNvPicPr>
-            <a:picLocks noChangeAspect="1"/>
-          </p:cNvPicPr>
-          <p:nvPr/>
-        </p:nvPicPr>
-        <p:blipFill>
-          <a:blip r:embed="rId2"/>
-          <a:stretch>
-            <a:fillRect/>
-          </a:stretch>
-        </p:blipFill>
-        <p:spPr>
-          <a:xfrm>
-            <a:off x="0" y="3429000"/>
-            <a:ext cx="6096000" cy="3228896"/>
-          </a:xfrm>
-          <a:prstGeom prst="rect">
-            <a:avLst/>
-          </a:prstGeom>
-        </p:spPr>
-      </p:pic>
-      <p:pic>
-        <p:nvPicPr>
-          <p:cNvPr id="5" name="图片 4">
-            <a:extLst>
-              <a:ext uri="{FF2B5EF4-FFF2-40B4-BE49-F238E27FC236}">
-                <a16:creationId xmlns:a16="http://schemas.microsoft.com/office/drawing/2014/main" id="{5AB08FB1-D0ED-4F75-8D1E-13D889E05762}"/>
-              </a:ext>
-            </a:extLst>
-          </p:cNvPr>
-          <p:cNvPicPr>
-            <a:picLocks noChangeAspect="1"/>
-          </p:cNvPicPr>
-          <p:nvPr/>
-        </p:nvPicPr>
-        <p:blipFill>
-          <a:blip r:embed="rId3"/>
-          <a:stretch>
-            <a:fillRect/>
-          </a:stretch>
-        </p:blipFill>
-        <p:spPr>
-          <a:xfrm>
-            <a:off x="69662" y="350805"/>
-            <a:ext cx="6026338" cy="3147857"/>
-          </a:xfrm>
-          <a:prstGeom prst="rect">
-            <a:avLst/>
-          </a:prstGeom>
-        </p:spPr>
-      </p:pic>
-      <p:grpSp>
-        <p:nvGrpSpPr>
-          <p:cNvPr id="25" name="组合 24">
-            <a:extLst>
-              <a:ext uri="{FF2B5EF4-FFF2-40B4-BE49-F238E27FC236}">
-                <a16:creationId xmlns:a16="http://schemas.microsoft.com/office/drawing/2014/main" id="{B50B86E7-5EC9-432B-B482-C2F490EC5778}"/>
-              </a:ext>
-            </a:extLst>
-          </p:cNvPr>
-          <p:cNvGrpSpPr/>
-          <p:nvPr/>
-        </p:nvGrpSpPr>
-        <p:grpSpPr>
-          <a:xfrm>
-            <a:off x="7534203" y="111344"/>
-            <a:ext cx="4507597" cy="3084691"/>
-            <a:chOff x="7395871" y="1158579"/>
-            <a:chExt cx="4880212" cy="3267050"/>
-          </a:xfrm>
-        </p:grpSpPr>
-        <p:pic>
-          <p:nvPicPr>
-            <p:cNvPr id="26" name="图片 25">
-              <a:extLst>
-                <a:ext uri="{FF2B5EF4-FFF2-40B4-BE49-F238E27FC236}">
-                  <a16:creationId xmlns:a16="http://schemas.microsoft.com/office/drawing/2014/main" id="{2B61ADF9-4D06-43EC-A103-B408CC004EAE}"/>
-                </a:ext>
-              </a:extLst>
-            </p:cNvPr>
-            <p:cNvPicPr>
-              <a:picLocks noChangeAspect="1"/>
-            </p:cNvPicPr>
-            <p:nvPr/>
-          </p:nvPicPr>
-          <p:blipFill rotWithShape="1">
-            <a:blip r:embed="rId4"/>
-            <a:srcRect t="15762" b="26851"/>
-            <a:stretch/>
-          </p:blipFill>
-          <p:spPr>
-            <a:xfrm>
-              <a:off x="8221077" y="2322406"/>
-              <a:ext cx="2986660" cy="1908700"/>
-            </a:xfrm>
-            <a:prstGeom prst="rect">
-              <a:avLst/>
-            </a:prstGeom>
-            <a:ln>
-              <a:noFill/>
-            </a:ln>
-          </p:spPr>
-        </p:pic>
-        <p:sp>
-          <p:nvSpPr>
-            <p:cNvPr id="27" name="文本框 26">
-              <a:extLst>
-                <a:ext uri="{FF2B5EF4-FFF2-40B4-BE49-F238E27FC236}">
-                  <a16:creationId xmlns:a16="http://schemas.microsoft.com/office/drawing/2014/main" id="{04F9B2D1-36BE-4A3F-9CB1-894D30318ADD}"/>
-                </a:ext>
-              </a:extLst>
-            </p:cNvPr>
-            <p:cNvSpPr txBox="1"/>
-            <p:nvPr/>
-          </p:nvSpPr>
-          <p:spPr>
-            <a:xfrm>
-              <a:off x="7395871" y="2533851"/>
-              <a:ext cx="1183968" cy="268927"/>
-            </a:xfrm>
-            <a:prstGeom prst="rect">
-              <a:avLst/>
-            </a:prstGeom>
-            <a:noFill/>
-          </p:spPr>
-          <p:txBody>
-            <a:bodyPr wrap="none" rtlCol="0">
-              <a:spAutoFit/>
-            </a:bodyPr>
-            <a:lstStyle/>
-            <a:p>
-              <a:r>
-                <a:rPr lang="en-US" altLang="zh-CN" sz="1050">
-                  <a:latin typeface="Arial" panose="020B0604020202020204" pitchFamily="34" charset="0"/>
-                  <a:cs typeface="Arial" panose="020B0604020202020204" pitchFamily="34" charset="0"/>
-                </a:rPr>
-                <a:t>UNetResNet34</a:t>
-              </a:r>
-              <a:endParaRPr lang="zh-CN" altLang="en-US" sz="1050">
-                <a:latin typeface="Arial" panose="020B0604020202020204" pitchFamily="34" charset="0"/>
-                <a:cs typeface="Arial" panose="020B0604020202020204" pitchFamily="34" charset="0"/>
-              </a:endParaRPr>
-            </a:p>
-          </p:txBody>
-        </p:sp>
-        <p:sp>
-          <p:nvSpPr>
-            <p:cNvPr id="28" name="文本框 27">
-              <a:extLst>
-                <a:ext uri="{FF2B5EF4-FFF2-40B4-BE49-F238E27FC236}">
-                  <a16:creationId xmlns:a16="http://schemas.microsoft.com/office/drawing/2014/main" id="{D3E80D8B-BFC2-4F1B-8781-4ABB9A10D3D4}"/>
-                </a:ext>
-              </a:extLst>
-            </p:cNvPr>
-            <p:cNvSpPr txBox="1"/>
-            <p:nvPr/>
-          </p:nvSpPr>
-          <p:spPr>
-            <a:xfrm>
-              <a:off x="7697853" y="3743728"/>
-              <a:ext cx="842071" cy="268927"/>
-            </a:xfrm>
-            <a:prstGeom prst="rect">
-              <a:avLst/>
-            </a:prstGeom>
-            <a:noFill/>
-          </p:spPr>
-          <p:txBody>
-            <a:bodyPr wrap="none" rtlCol="0">
-              <a:spAutoFit/>
-            </a:bodyPr>
-            <a:lstStyle/>
-            <a:p>
-              <a:r>
-                <a:rPr lang="en-US" altLang="zh-CN" sz="1050">
-                  <a:latin typeface="Arial" panose="020B0604020202020204" pitchFamily="34" charset="0"/>
-                  <a:cs typeface="Arial" panose="020B0604020202020204" pitchFamily="34" charset="0"/>
-                </a:rPr>
-                <a:t>UNetSCN</a:t>
-              </a:r>
-              <a:endParaRPr lang="zh-CN" altLang="en-US" sz="1050">
-                <a:latin typeface="Arial" panose="020B0604020202020204" pitchFamily="34" charset="0"/>
-                <a:cs typeface="Arial" panose="020B0604020202020204" pitchFamily="34" charset="0"/>
-              </a:endParaRPr>
-            </a:p>
-          </p:txBody>
-        </p:sp>
-        <p:sp>
-          <p:nvSpPr>
-            <p:cNvPr id="29" name="文本框 28">
-              <a:extLst>
-                <a:ext uri="{FF2B5EF4-FFF2-40B4-BE49-F238E27FC236}">
-                  <a16:creationId xmlns:a16="http://schemas.microsoft.com/office/drawing/2014/main" id="{20BC6F83-95C0-447B-B301-E750DC084B9D}"/>
-                </a:ext>
-              </a:extLst>
-            </p:cNvPr>
-            <p:cNvSpPr txBox="1"/>
-            <p:nvPr/>
-          </p:nvSpPr>
-          <p:spPr>
-            <a:xfrm>
-              <a:off x="8673939" y="2931846"/>
-              <a:ext cx="665049" cy="277076"/>
-            </a:xfrm>
-            <a:prstGeom prst="rect">
-              <a:avLst/>
-            </a:prstGeom>
-            <a:noFill/>
-          </p:spPr>
-          <p:txBody>
-            <a:bodyPr wrap="none" rtlCol="0">
-              <a:spAutoFit/>
-            </a:bodyPr>
-            <a:lstStyle/>
-            <a:p>
-              <a:r>
-                <a:rPr lang="en-US" altLang="zh-CN" sz="1100">
-                  <a:latin typeface="Arial" panose="020B0604020202020204" pitchFamily="34" charset="0"/>
-                  <a:cs typeface="Arial" panose="020B0604020202020204" pitchFamily="34" charset="0"/>
-                </a:rPr>
-                <a:t>(N, 64)</a:t>
-              </a:r>
-              <a:endParaRPr lang="zh-CN" altLang="en-US" sz="1100">
-                <a:latin typeface="Arial" panose="020B0604020202020204" pitchFamily="34" charset="0"/>
-                <a:cs typeface="Arial" panose="020B0604020202020204" pitchFamily="34" charset="0"/>
-              </a:endParaRPr>
-            </a:p>
-          </p:txBody>
-        </p:sp>
-        <p:sp>
-          <p:nvSpPr>
-            <p:cNvPr id="30" name="文本框 29">
-              <a:extLst>
-                <a:ext uri="{FF2B5EF4-FFF2-40B4-BE49-F238E27FC236}">
-                  <a16:creationId xmlns:a16="http://schemas.microsoft.com/office/drawing/2014/main" id="{73D6D646-846A-4342-AF7F-293664CC320F}"/>
-                </a:ext>
-              </a:extLst>
-            </p:cNvPr>
-            <p:cNvSpPr txBox="1"/>
-            <p:nvPr/>
-          </p:nvSpPr>
-          <p:spPr>
-            <a:xfrm>
-              <a:off x="8673939" y="4148553"/>
-              <a:ext cx="665049" cy="277076"/>
-            </a:xfrm>
-            <a:prstGeom prst="rect">
-              <a:avLst/>
-            </a:prstGeom>
-            <a:noFill/>
-          </p:spPr>
-          <p:txBody>
-            <a:bodyPr wrap="none" rtlCol="0">
-              <a:spAutoFit/>
-            </a:bodyPr>
-            <a:lstStyle/>
-            <a:p>
-              <a:r>
-                <a:rPr lang="en-US" altLang="zh-CN" sz="1100">
-                  <a:latin typeface="Arial" panose="020B0604020202020204" pitchFamily="34" charset="0"/>
-                  <a:cs typeface="Arial" panose="020B0604020202020204" pitchFamily="34" charset="0"/>
-                </a:rPr>
-                <a:t>(N, 16)</a:t>
-              </a:r>
-              <a:endParaRPr lang="zh-CN" altLang="en-US" sz="1100">
-                <a:latin typeface="Arial" panose="020B0604020202020204" pitchFamily="34" charset="0"/>
-                <a:cs typeface="Arial" panose="020B0604020202020204" pitchFamily="34" charset="0"/>
-              </a:endParaRPr>
-            </a:p>
-          </p:txBody>
-        </p:sp>
-        <p:sp>
-          <p:nvSpPr>
-            <p:cNvPr id="31" name="文本框 30">
-              <a:extLst>
-                <a:ext uri="{FF2B5EF4-FFF2-40B4-BE49-F238E27FC236}">
-                  <a16:creationId xmlns:a16="http://schemas.microsoft.com/office/drawing/2014/main" id="{991BB161-B8E5-46BC-A4F5-60B38EF4D8BC}"/>
-                </a:ext>
-              </a:extLst>
-            </p:cNvPr>
-            <p:cNvSpPr txBox="1"/>
-            <p:nvPr/>
-          </p:nvSpPr>
-          <p:spPr>
-            <a:xfrm>
-              <a:off x="9427415" y="2720855"/>
-              <a:ext cx="923641" cy="277076"/>
-            </a:xfrm>
-            <a:prstGeom prst="rect">
-              <a:avLst/>
-            </a:prstGeom>
-            <a:noFill/>
-          </p:spPr>
-          <p:txBody>
-            <a:bodyPr wrap="none" rtlCol="0">
-              <a:spAutoFit/>
-            </a:bodyPr>
-            <a:lstStyle/>
-            <a:p>
-              <a:r>
-                <a:rPr lang="en-US" altLang="zh-CN" sz="1100">
-                  <a:latin typeface="Arial" panose="020B0604020202020204" pitchFamily="34" charset="0"/>
-                  <a:cs typeface="Arial" panose="020B0604020202020204" pitchFamily="34" charset="0"/>
-                </a:rPr>
-                <a:t>(N, 64+16)</a:t>
-              </a:r>
-              <a:endParaRPr lang="zh-CN" altLang="en-US" sz="1100">
-                <a:latin typeface="Arial" panose="020B0604020202020204" pitchFamily="34" charset="0"/>
-                <a:cs typeface="Arial" panose="020B0604020202020204" pitchFamily="34" charset="0"/>
-              </a:endParaRPr>
-            </a:p>
-          </p:txBody>
-        </p:sp>
-        <p:cxnSp>
-          <p:nvCxnSpPr>
-            <p:cNvPr id="32" name="连接符: 肘形 31">
-              <a:extLst>
-                <a:ext uri="{FF2B5EF4-FFF2-40B4-BE49-F238E27FC236}">
-                  <a16:creationId xmlns:a16="http://schemas.microsoft.com/office/drawing/2014/main" id="{B30B1A06-68FC-4A00-A027-5196AC9D457F}"/>
-                </a:ext>
-              </a:extLst>
-            </p:cNvPr>
-            <p:cNvCxnSpPr>
-              <a:cxnSpLocks/>
-            </p:cNvCxnSpPr>
-            <p:nvPr/>
-          </p:nvCxnSpPr>
-          <p:spPr>
-            <a:xfrm flipV="1">
-              <a:off x="9056780" y="1521197"/>
-              <a:ext cx="1099274" cy="827847"/>
-            </a:xfrm>
-            <a:prstGeom prst="bentConnector3">
-              <a:avLst>
-                <a:gd name="adj1" fmla="val -71"/>
-              </a:avLst>
-            </a:prstGeom>
-            <a:ln w="12700">
-              <a:solidFill>
-                <a:srgbClr val="FF0000"/>
-              </a:solidFill>
-              <a:tailEnd type="triangle"/>
-            </a:ln>
-          </p:spPr>
-          <p:style>
-            <a:lnRef idx="1">
-              <a:schemeClr val="accent1"/>
-            </a:lnRef>
-            <a:fillRef idx="0">
-              <a:schemeClr val="accent1"/>
-            </a:fillRef>
-            <a:effectRef idx="0">
-              <a:schemeClr val="accent1"/>
-            </a:effectRef>
-            <a:fontRef idx="minor">
-              <a:schemeClr val="tx1"/>
-            </a:fontRef>
-          </p:style>
-        </p:cxnSp>
-        <p:sp>
-          <p:nvSpPr>
-            <p:cNvPr id="33" name="文本框 32">
-              <a:extLst>
-                <a:ext uri="{FF2B5EF4-FFF2-40B4-BE49-F238E27FC236}">
-                  <a16:creationId xmlns:a16="http://schemas.microsoft.com/office/drawing/2014/main" id="{E774583E-F87F-4A05-B593-4F6F485CD640}"/>
-                </a:ext>
-              </a:extLst>
-            </p:cNvPr>
-            <p:cNvSpPr txBox="1"/>
-            <p:nvPr/>
-          </p:nvSpPr>
-          <p:spPr>
-            <a:xfrm>
-              <a:off x="9046710" y="1244198"/>
-              <a:ext cx="1029449" cy="276999"/>
-            </a:xfrm>
-            <a:prstGeom prst="rect">
-              <a:avLst/>
-            </a:prstGeom>
-            <a:noFill/>
-          </p:spPr>
-          <p:txBody>
-            <a:bodyPr wrap="none" rtlCol="0">
-              <a:spAutoFit/>
-            </a:bodyPr>
-            <a:lstStyle/>
-            <a:p>
-              <a:r>
-                <a:rPr lang="en-US" altLang="zh-CN" sz="1100">
-                  <a:latin typeface="Arial" panose="020B0604020202020204" pitchFamily="34" charset="0"/>
-                  <a:cs typeface="Arial" panose="020B0604020202020204" pitchFamily="34" charset="0"/>
-                </a:rPr>
-                <a:t>MLP(64, 16)</a:t>
-              </a:r>
-              <a:endParaRPr lang="zh-CN" altLang="en-US" sz="1100">
-                <a:latin typeface="Arial" panose="020B0604020202020204" pitchFamily="34" charset="0"/>
-                <a:cs typeface="Arial" panose="020B0604020202020204" pitchFamily="34" charset="0"/>
-              </a:endParaRPr>
-            </a:p>
-          </p:txBody>
-        </p:sp>
-        <p:cxnSp>
-          <p:nvCxnSpPr>
-            <p:cNvPr id="34" name="连接符: 肘形 33">
-              <a:extLst>
-                <a:ext uri="{FF2B5EF4-FFF2-40B4-BE49-F238E27FC236}">
-                  <a16:creationId xmlns:a16="http://schemas.microsoft.com/office/drawing/2014/main" id="{6481CE49-91B0-4506-9C59-E40EAC18EC30}"/>
-                </a:ext>
-              </a:extLst>
-            </p:cNvPr>
-            <p:cNvCxnSpPr>
-              <a:cxnSpLocks/>
-            </p:cNvCxnSpPr>
-            <p:nvPr/>
-          </p:nvCxnSpPr>
-          <p:spPr>
-            <a:xfrm rot="5400000" flipH="1" flipV="1">
-              <a:off x="9017430" y="2642396"/>
-              <a:ext cx="1471761" cy="1254124"/>
-            </a:xfrm>
-            <a:prstGeom prst="bentConnector3">
-              <a:avLst>
-                <a:gd name="adj1" fmla="val -66"/>
-              </a:avLst>
-            </a:prstGeom>
-            <a:ln>
-              <a:tailEnd type="triangle"/>
-            </a:ln>
-          </p:spPr>
-          <p:style>
-            <a:lnRef idx="1">
-              <a:schemeClr val="accent1"/>
-            </a:lnRef>
-            <a:fillRef idx="0">
-              <a:schemeClr val="accent1"/>
-            </a:fillRef>
-            <a:effectRef idx="0">
-              <a:schemeClr val="accent1"/>
-            </a:effectRef>
-            <a:fontRef idx="minor">
-              <a:schemeClr val="tx1"/>
-            </a:fontRef>
-          </p:style>
-        </p:cxnSp>
-        <p:sp>
-          <p:nvSpPr>
-            <p:cNvPr id="35" name="矩形 34">
-              <a:extLst>
-                <a:ext uri="{FF2B5EF4-FFF2-40B4-BE49-F238E27FC236}">
-                  <a16:creationId xmlns:a16="http://schemas.microsoft.com/office/drawing/2014/main" id="{2E35A46E-D07A-4C6F-8418-2113A6A404D3}"/>
-                </a:ext>
-              </a:extLst>
-            </p:cNvPr>
-            <p:cNvSpPr/>
-            <p:nvPr/>
-          </p:nvSpPr>
-          <p:spPr>
-            <a:xfrm>
-              <a:off x="10237824" y="1158579"/>
-              <a:ext cx="242784" cy="571286"/>
-            </a:xfrm>
-            <a:prstGeom prst="rect">
-              <a:avLst/>
-            </a:prstGeom>
-            <a:noFill/>
-            <a:ln w="19050">
-              <a:solidFill>
-                <a:srgbClr val="FF0000"/>
-              </a:solidFill>
-            </a:ln>
-          </p:spPr>
-          <p:style>
-            <a:lnRef idx="2">
-              <a:schemeClr val="accent1">
-                <a:shade val="50000"/>
-              </a:schemeClr>
-            </a:lnRef>
-            <a:fillRef idx="1">
-              <a:schemeClr val="accent1"/>
-            </a:fillRef>
-            <a:effectRef idx="0">
-              <a:schemeClr val="accent1"/>
-            </a:effectRef>
-            <a:fontRef idx="minor">
-              <a:schemeClr val="lt1"/>
-            </a:fontRef>
-          </p:style>
-          <p:txBody>
-            <a:bodyPr rtlCol="0" anchor="ctr"/>
-            <a:lstStyle/>
-            <a:p>
-              <a:pPr algn="ctr"/>
-              <a:endParaRPr lang="zh-CN" altLang="en-US" sz="1600"/>
-            </a:p>
-          </p:txBody>
-        </p:sp>
-        <p:sp>
-          <p:nvSpPr>
-            <p:cNvPr id="36" name="矩形 35">
-              <a:extLst>
-                <a:ext uri="{FF2B5EF4-FFF2-40B4-BE49-F238E27FC236}">
-                  <a16:creationId xmlns:a16="http://schemas.microsoft.com/office/drawing/2014/main" id="{18507988-A7C7-409E-B8BC-B2DDD9DFD0FD}"/>
-                </a:ext>
-              </a:extLst>
-            </p:cNvPr>
-            <p:cNvSpPr/>
-            <p:nvPr/>
-          </p:nvSpPr>
-          <p:spPr>
-            <a:xfrm>
-              <a:off x="10237824" y="1887829"/>
-              <a:ext cx="242784" cy="571286"/>
-            </a:xfrm>
-            <a:prstGeom prst="rect">
-              <a:avLst/>
-            </a:prstGeom>
-            <a:noFill/>
-            <a:ln w="19050">
-              <a:solidFill>
-                <a:srgbClr val="00B0F0"/>
-              </a:solidFill>
-            </a:ln>
-          </p:spPr>
-          <p:style>
-            <a:lnRef idx="2">
-              <a:schemeClr val="accent1">
-                <a:shade val="50000"/>
-              </a:schemeClr>
-            </a:lnRef>
-            <a:fillRef idx="1">
-              <a:schemeClr val="accent1"/>
-            </a:fillRef>
-            <a:effectRef idx="0">
-              <a:schemeClr val="accent1"/>
-            </a:effectRef>
-            <a:fontRef idx="minor">
-              <a:schemeClr val="lt1"/>
-            </a:fontRef>
-          </p:style>
-          <p:txBody>
-            <a:bodyPr rtlCol="0" anchor="ctr"/>
-            <a:lstStyle/>
-            <a:p>
-              <a:pPr algn="ctr"/>
-              <a:endParaRPr lang="zh-CN" altLang="en-US" sz="1600"/>
-            </a:p>
-          </p:txBody>
-        </p:sp>
-        <p:sp>
-          <p:nvSpPr>
-            <p:cNvPr id="37" name="文本框 36">
-              <a:extLst>
-                <a:ext uri="{FF2B5EF4-FFF2-40B4-BE49-F238E27FC236}">
-                  <a16:creationId xmlns:a16="http://schemas.microsoft.com/office/drawing/2014/main" id="{952E54F8-96A0-4660-8A18-AF61F37E24B7}"/>
-                </a:ext>
-              </a:extLst>
-            </p:cNvPr>
-            <p:cNvSpPr txBox="1"/>
-            <p:nvPr/>
-          </p:nvSpPr>
-          <p:spPr>
-            <a:xfrm>
-              <a:off x="9265869" y="3979723"/>
-              <a:ext cx="1029449" cy="276999"/>
-            </a:xfrm>
-            <a:prstGeom prst="rect">
-              <a:avLst/>
-            </a:prstGeom>
-            <a:noFill/>
-          </p:spPr>
-          <p:txBody>
-            <a:bodyPr wrap="none" rtlCol="0">
-              <a:spAutoFit/>
-            </a:bodyPr>
-            <a:lstStyle/>
-            <a:p>
-              <a:r>
-                <a:rPr lang="en-US" altLang="zh-CN" sz="1100">
-                  <a:latin typeface="Arial" panose="020B0604020202020204" pitchFamily="34" charset="0"/>
-                  <a:cs typeface="Arial" panose="020B0604020202020204" pitchFamily="34" charset="0"/>
-                </a:rPr>
-                <a:t>MLP(16, 16)</a:t>
-              </a:r>
-              <a:endParaRPr lang="zh-CN" altLang="en-US" sz="1100">
-                <a:latin typeface="Arial" panose="020B0604020202020204" pitchFamily="34" charset="0"/>
-                <a:cs typeface="Arial" panose="020B0604020202020204" pitchFamily="34" charset="0"/>
-              </a:endParaRPr>
-            </a:p>
-          </p:txBody>
-        </p:sp>
-        <p:cxnSp>
-          <p:nvCxnSpPr>
-            <p:cNvPr id="38" name="连接符: 肘形 37">
-              <a:extLst>
-                <a:ext uri="{FF2B5EF4-FFF2-40B4-BE49-F238E27FC236}">
-                  <a16:creationId xmlns:a16="http://schemas.microsoft.com/office/drawing/2014/main" id="{998FB612-2BE7-4B88-BC04-CC9BFAC26740}"/>
-                </a:ext>
-              </a:extLst>
-            </p:cNvPr>
-            <p:cNvCxnSpPr>
-              <a:stCxn id="35" idx="3"/>
-            </p:cNvCxnSpPr>
-            <p:nvPr/>
-          </p:nvCxnSpPr>
-          <p:spPr>
-            <a:xfrm>
-              <a:off x="10480608" y="1444222"/>
-              <a:ext cx="541057" cy="350628"/>
-            </a:xfrm>
-            <a:prstGeom prst="bentConnector3">
-              <a:avLst/>
-            </a:prstGeom>
-            <a:ln>
-              <a:solidFill>
-                <a:srgbClr val="FF0000"/>
-              </a:solidFill>
-              <a:tailEnd type="triangle"/>
-            </a:ln>
-          </p:spPr>
-          <p:style>
-            <a:lnRef idx="1">
-              <a:schemeClr val="accent1"/>
-            </a:lnRef>
-            <a:fillRef idx="0">
-              <a:schemeClr val="accent1"/>
-            </a:fillRef>
-            <a:effectRef idx="0">
-              <a:schemeClr val="accent1"/>
-            </a:effectRef>
-            <a:fontRef idx="minor">
-              <a:schemeClr val="tx1"/>
-            </a:fontRef>
-          </p:style>
-        </p:cxnSp>
-        <p:cxnSp>
-          <p:nvCxnSpPr>
-            <p:cNvPr id="39" name="连接符: 肘形 38">
-              <a:extLst>
-                <a:ext uri="{FF2B5EF4-FFF2-40B4-BE49-F238E27FC236}">
-                  <a16:creationId xmlns:a16="http://schemas.microsoft.com/office/drawing/2014/main" id="{8E60911B-DF5C-46B6-82B5-E347B0DEAE93}"/>
-                </a:ext>
-              </a:extLst>
-            </p:cNvPr>
-            <p:cNvCxnSpPr>
-              <a:cxnSpLocks/>
-            </p:cNvCxnSpPr>
-            <p:nvPr/>
-          </p:nvCxnSpPr>
-          <p:spPr>
-            <a:xfrm flipV="1">
-              <a:off x="10480608" y="1806281"/>
-              <a:ext cx="531792" cy="349540"/>
-            </a:xfrm>
-            <a:prstGeom prst="bentConnector3">
-              <a:avLst/>
-            </a:prstGeom>
-            <a:ln>
-              <a:tailEnd type="triangle"/>
-            </a:ln>
-          </p:spPr>
-          <p:style>
-            <a:lnRef idx="1">
-              <a:schemeClr val="accent1"/>
-            </a:lnRef>
-            <a:fillRef idx="0">
-              <a:schemeClr val="accent1"/>
-            </a:fillRef>
-            <a:effectRef idx="0">
-              <a:schemeClr val="accent1"/>
-            </a:effectRef>
-            <a:fontRef idx="minor">
-              <a:schemeClr val="tx1"/>
-            </a:fontRef>
-          </p:style>
-        </p:cxnSp>
-        <p:cxnSp>
-          <p:nvCxnSpPr>
-            <p:cNvPr id="40" name="直接箭头连接符 39">
-              <a:extLst>
-                <a:ext uri="{FF2B5EF4-FFF2-40B4-BE49-F238E27FC236}">
-                  <a16:creationId xmlns:a16="http://schemas.microsoft.com/office/drawing/2014/main" id="{0F222333-AB02-470E-8CB5-6548A8E580EA}"/>
-                </a:ext>
-              </a:extLst>
-            </p:cNvPr>
-            <p:cNvCxnSpPr>
-              <a:cxnSpLocks/>
-            </p:cNvCxnSpPr>
-            <p:nvPr/>
-          </p:nvCxnSpPr>
-          <p:spPr>
-            <a:xfrm>
-              <a:off x="10746504" y="3269458"/>
-              <a:ext cx="275161" cy="0"/>
-            </a:xfrm>
-            <a:prstGeom prst="straightConnector1">
-              <a:avLst/>
-            </a:prstGeom>
-            <a:ln>
-              <a:tailEnd type="triangle"/>
-            </a:ln>
-          </p:spPr>
-          <p:style>
-            <a:lnRef idx="1">
-              <a:schemeClr val="accent1"/>
-            </a:lnRef>
-            <a:fillRef idx="0">
-              <a:schemeClr val="accent1"/>
-            </a:fillRef>
-            <a:effectRef idx="0">
-              <a:schemeClr val="accent1"/>
-            </a:effectRef>
-            <a:fontRef idx="minor">
-              <a:schemeClr val="tx1"/>
-            </a:fontRef>
-          </p:style>
-        </p:cxnSp>
-        <p:sp>
-          <p:nvSpPr>
-            <p:cNvPr id="41" name="文本框 40">
-              <a:extLst>
-                <a:ext uri="{FF2B5EF4-FFF2-40B4-BE49-F238E27FC236}">
-                  <a16:creationId xmlns:a16="http://schemas.microsoft.com/office/drawing/2014/main" id="{ABFE73FD-F882-45CE-A2B8-C10A30B2F56C}"/>
-                </a:ext>
-              </a:extLst>
-            </p:cNvPr>
-            <p:cNvSpPr txBox="1"/>
-            <p:nvPr/>
-          </p:nvSpPr>
-          <p:spPr>
-            <a:xfrm>
-              <a:off x="11003522" y="3122080"/>
-              <a:ext cx="803890" cy="277076"/>
-            </a:xfrm>
-            <a:prstGeom prst="rect">
-              <a:avLst/>
-            </a:prstGeom>
-            <a:noFill/>
-          </p:spPr>
-          <p:txBody>
-            <a:bodyPr wrap="none" rtlCol="0">
-              <a:spAutoFit/>
-            </a:bodyPr>
-            <a:lstStyle/>
-            <a:p>
-              <a:r>
-                <a:rPr lang="en-US" altLang="zh-CN" sz="1100">
-                  <a:latin typeface="Arial" panose="020B0604020202020204" pitchFamily="34" charset="0"/>
-                  <a:cs typeface="Arial" panose="020B0604020202020204" pitchFamily="34" charset="0"/>
-                </a:rPr>
-                <a:t>seg_loss</a:t>
-              </a:r>
-              <a:endParaRPr lang="zh-CN" altLang="en-US" sz="1100">
-                <a:latin typeface="Arial" panose="020B0604020202020204" pitchFamily="34" charset="0"/>
-                <a:cs typeface="Arial" panose="020B0604020202020204" pitchFamily="34" charset="0"/>
-              </a:endParaRPr>
-            </a:p>
-          </p:txBody>
-        </p:sp>
-        <p:sp>
-          <p:nvSpPr>
-            <p:cNvPr id="42" name="文本框 41">
-              <a:extLst>
-                <a:ext uri="{FF2B5EF4-FFF2-40B4-BE49-F238E27FC236}">
-                  <a16:creationId xmlns:a16="http://schemas.microsoft.com/office/drawing/2014/main" id="{5E7D3479-7B3E-4867-A774-02589D2F1337}"/>
-                </a:ext>
-              </a:extLst>
-            </p:cNvPr>
-            <p:cNvSpPr txBox="1"/>
-            <p:nvPr/>
-          </p:nvSpPr>
-          <p:spPr>
-            <a:xfrm>
-              <a:off x="10991757" y="1647426"/>
-              <a:ext cx="1284326" cy="276999"/>
-            </a:xfrm>
-            <a:prstGeom prst="rect">
-              <a:avLst/>
-            </a:prstGeom>
-            <a:noFill/>
-          </p:spPr>
-          <p:txBody>
-            <a:bodyPr wrap="none" rtlCol="0">
-              <a:spAutoFit/>
-            </a:bodyPr>
-            <a:lstStyle/>
-            <a:p>
-              <a:r>
-                <a:rPr lang="en-US" altLang="zh-CN" sz="1100">
-                  <a:latin typeface="Arial" panose="020B0604020202020204" pitchFamily="34" charset="0"/>
-                  <a:cs typeface="Arial" panose="020B0604020202020204" pitchFamily="34" charset="0"/>
-                </a:rPr>
-                <a:t>contrastive_loss</a:t>
-              </a:r>
-              <a:endParaRPr lang="zh-CN" altLang="en-US" sz="1100">
-                <a:latin typeface="Arial" panose="020B0604020202020204" pitchFamily="34" charset="0"/>
-                <a:cs typeface="Arial" panose="020B0604020202020204" pitchFamily="34" charset="0"/>
-              </a:endParaRPr>
-            </a:p>
-          </p:txBody>
-        </p:sp>
-      </p:grpSp>
-      <mc:AlternateContent xmlns:mc="http://schemas.openxmlformats.org/markup-compatibility/2006" xmlns:a14="http://schemas.microsoft.com/office/drawing/2010/main">
-        <mc:Choice Requires="a14">
-          <p:sp>
-            <p:nvSpPr>
-              <p:cNvPr id="43" name="文本框 42">
-                <a:extLst>
-                  <a:ext uri="{FF2B5EF4-FFF2-40B4-BE49-F238E27FC236}">
-                    <a16:creationId xmlns:a16="http://schemas.microsoft.com/office/drawing/2014/main" id="{B7D0212F-7796-4B62-8196-2CD409D48115}"/>
-                  </a:ext>
-                </a:extLst>
-              </p:cNvPr>
-              <p:cNvSpPr txBox="1"/>
-              <p:nvPr/>
-            </p:nvSpPr>
-            <p:spPr>
-              <a:xfrm>
-                <a:off x="6639716" y="3740147"/>
-                <a:ext cx="4972580" cy="1499898"/>
-              </a:xfrm>
-              <a:prstGeom prst="rect">
-                <a:avLst/>
-              </a:prstGeom>
-              <a:noFill/>
-            </p:spPr>
-            <p:txBody>
-              <a:bodyPr wrap="none" rtlCol="0">
-                <a:spAutoFit/>
-              </a:bodyPr>
-              <a:lstStyle/>
-              <a:p>
-                <a:r>
-                  <a:rPr lang="en-US" altLang="zh-CN">
-                    <a:latin typeface="Calibri" panose="020F0502020204030204" pitchFamily="34" charset="0"/>
-                    <a:cs typeface="Calibri" panose="020F0502020204030204" pitchFamily="34" charset="0"/>
-                  </a:rPr>
-                  <a:t>contrast_usa_v1:</a:t>
-                </a:r>
-              </a:p>
-              <a:p>
-                <a:pPr marL="285750" indent="-285750">
-                  <a:buFont typeface="Arial" panose="020B0604020202020204" pitchFamily="34" charset="0"/>
-                  <a:buChar char="•"/>
-                </a:pPr>
-                <a:r>
-                  <a:rPr lang="en-US" altLang="zh-CN">
-                    <a:latin typeface="Calibri" panose="020F0502020204030204" pitchFamily="34" charset="0"/>
-                    <a:cs typeface="Calibri" panose="020F0502020204030204" pitchFamily="34" charset="0"/>
-                  </a:rPr>
-                  <a:t>batch_size=8</a:t>
-                </a:r>
-              </a:p>
-              <a:p>
-                <a:pPr marL="285750" indent="-285750">
-                  <a:buFont typeface="Arial" panose="020B0604020202020204" pitchFamily="34" charset="0"/>
-                  <a:buChar char="•"/>
-                </a:pPr>
-                <a14:m>
-                  <m:oMath xmlns:m="http://schemas.openxmlformats.org/officeDocument/2006/math">
-                    <m:r>
-                      <a:rPr lang="en-US" altLang="zh-CN" b="0" i="1" smtClean="0">
-                        <a:latin typeface="Cambria Math" panose="02040503050406030204" pitchFamily="18" charset="0"/>
-                        <a:cs typeface="Calibri" panose="020F0502020204030204" pitchFamily="34" charset="0"/>
-                      </a:rPr>
-                      <m:t>𝐿</m:t>
-                    </m:r>
-                    <m:r>
-                      <a:rPr lang="en-US" altLang="zh-CN" b="0" i="1" smtClean="0">
-                        <a:latin typeface="Cambria Math" panose="02040503050406030204" pitchFamily="18" charset="0"/>
-                        <a:cs typeface="Calibri" panose="020F0502020204030204" pitchFamily="34" charset="0"/>
-                      </a:rPr>
-                      <m:t>=</m:t>
-                    </m:r>
-                    <m:sSub>
-                      <m:sSubPr>
-                        <m:ctrlPr>
-                          <a:rPr lang="en-US" altLang="zh-CN" b="0" i="1" smtClean="0">
-                            <a:latin typeface="Cambria Math" panose="02040503050406030204" pitchFamily="18" charset="0"/>
-                            <a:cs typeface="Calibri" panose="020F0502020204030204" pitchFamily="34" charset="0"/>
-                          </a:rPr>
-                        </m:ctrlPr>
-                      </m:sSubPr>
-                      <m:e>
-                        <m:r>
-                          <a:rPr lang="en-US" altLang="zh-CN" b="0" i="1" smtClean="0">
-                            <a:latin typeface="Cambria Math" panose="02040503050406030204" pitchFamily="18" charset="0"/>
-                            <a:cs typeface="Calibri" panose="020F0502020204030204" pitchFamily="34" charset="0"/>
-                          </a:rPr>
-                          <m:t>𝐿</m:t>
-                        </m:r>
-                      </m:e>
-                      <m:sub>
-                        <m:r>
-                          <a:rPr lang="en-US" altLang="zh-CN" b="0" i="1" smtClean="0">
-                            <a:latin typeface="Cambria Math" panose="02040503050406030204" pitchFamily="18" charset="0"/>
-                            <a:cs typeface="Calibri" panose="020F0502020204030204" pitchFamily="34" charset="0"/>
-                          </a:rPr>
-                          <m:t>𝑠𝑒𝑔</m:t>
-                        </m:r>
-                      </m:sub>
-                    </m:sSub>
-                    <m:r>
-                      <a:rPr lang="en-US" altLang="zh-CN" i="1">
-                        <a:latin typeface="Cambria Math" panose="02040503050406030204" pitchFamily="18" charset="0"/>
-                        <a:cs typeface="Calibri" panose="020F0502020204030204" pitchFamily="34" charset="0"/>
-                      </a:rPr>
-                      <m:t>+</m:t>
-                    </m:r>
-                    <m:r>
-                      <a:rPr lang="en-US" altLang="zh-CN" b="0" i="1" smtClean="0">
-                        <a:latin typeface="Cambria Math" panose="02040503050406030204" pitchFamily="18" charset="0"/>
-                        <a:cs typeface="Calibri" panose="020F0502020204030204" pitchFamily="34" charset="0"/>
-                      </a:rPr>
-                      <m:t> </m:t>
-                    </m:r>
-                    <m:r>
-                      <a:rPr lang="zh-CN" altLang="en-US" b="0" i="1" smtClean="0">
-                        <a:latin typeface="Cambria Math" panose="02040503050406030204" pitchFamily="18" charset="0"/>
-                        <a:cs typeface="Calibri" panose="020F0502020204030204" pitchFamily="34" charset="0"/>
-                      </a:rPr>
-                      <m:t>𝜆</m:t>
-                    </m:r>
-                    <m:r>
-                      <a:rPr lang="en-US" altLang="zh-CN" b="0" i="1" smtClean="0">
-                        <a:latin typeface="Cambria Math" panose="02040503050406030204" pitchFamily="18" charset="0"/>
-                        <a:cs typeface="Calibri" panose="020F0502020204030204" pitchFamily="34" charset="0"/>
-                      </a:rPr>
-                      <m:t> </m:t>
-                    </m:r>
-                    <m:r>
-                      <a:rPr lang="zh-CN" altLang="en-US" i="1">
-                        <a:latin typeface="Cambria Math" panose="02040503050406030204" pitchFamily="18" charset="0"/>
-                        <a:cs typeface="Calibri" panose="020F0502020204030204" pitchFamily="34" charset="0"/>
-                      </a:rPr>
-                      <m:t>∗</m:t>
-                    </m:r>
-                    <m:r>
-                      <a:rPr lang="en-US" altLang="zh-CN" b="0" i="1" smtClean="0">
-                        <a:latin typeface="Cambria Math" panose="02040503050406030204" pitchFamily="18" charset="0"/>
-                        <a:cs typeface="Calibri" panose="020F0502020204030204" pitchFamily="34" charset="0"/>
-                      </a:rPr>
-                      <m:t> (</m:t>
-                    </m:r>
-                    <m:sSub>
-                      <m:sSubPr>
-                        <m:ctrlPr>
-                          <a:rPr lang="en-US" altLang="zh-CN" i="1">
-                            <a:latin typeface="Cambria Math" panose="02040503050406030204" pitchFamily="18" charset="0"/>
-                            <a:cs typeface="Calibri" panose="020F0502020204030204" pitchFamily="34" charset="0"/>
-                          </a:rPr>
-                        </m:ctrlPr>
-                      </m:sSubPr>
-                      <m:e>
-                        <m:r>
-                          <a:rPr lang="en-US" altLang="zh-CN" i="1">
-                            <a:latin typeface="Cambria Math" panose="02040503050406030204" pitchFamily="18" charset="0"/>
-                            <a:cs typeface="Calibri" panose="020F0502020204030204" pitchFamily="34" charset="0"/>
-                          </a:rPr>
-                          <m:t>𝐿</m:t>
-                        </m:r>
-                      </m:e>
-                      <m:sub>
-                        <m:r>
-                          <a:rPr lang="en-US" altLang="zh-CN" i="1">
-                            <a:latin typeface="Cambria Math" panose="02040503050406030204" pitchFamily="18" charset="0"/>
-                            <a:cs typeface="Calibri" panose="020F0502020204030204" pitchFamily="34" charset="0"/>
-                          </a:rPr>
-                          <m:t>𝑠</m:t>
-                        </m:r>
-                        <m:r>
-                          <a:rPr lang="en-US" altLang="zh-CN" b="0" i="1" smtClean="0">
-                            <a:latin typeface="Cambria Math" panose="02040503050406030204" pitchFamily="18" charset="0"/>
-                            <a:cs typeface="Calibri" panose="020F0502020204030204" pitchFamily="34" charset="0"/>
-                          </a:rPr>
-                          <m:t>𝑟𝑐</m:t>
-                        </m:r>
-                        <m:r>
-                          <a:rPr lang="en-US" altLang="zh-CN" b="0" i="1" smtClean="0">
-                            <a:latin typeface="Cambria Math" panose="02040503050406030204" pitchFamily="18" charset="0"/>
-                            <a:cs typeface="Calibri" panose="020F0502020204030204" pitchFamily="34" charset="0"/>
-                          </a:rPr>
-                          <m:t>_</m:t>
-                        </m:r>
-                        <m:r>
-                          <a:rPr lang="en-US" altLang="zh-CN" b="0" i="1" smtClean="0">
-                            <a:latin typeface="Cambria Math" panose="02040503050406030204" pitchFamily="18" charset="0"/>
-                            <a:cs typeface="Calibri" panose="020F0502020204030204" pitchFamily="34" charset="0"/>
-                          </a:rPr>
-                          <m:t>𝑐𝑜𝑛𝑡𝑟𝑎𝑠𝑡</m:t>
-                        </m:r>
-                      </m:sub>
-                    </m:sSub>
-                    <m:r>
-                      <a:rPr lang="en-US" altLang="zh-CN" b="0" i="1" smtClean="0">
-                        <a:latin typeface="Cambria Math" panose="02040503050406030204" pitchFamily="18" charset="0"/>
-                        <a:cs typeface="Calibri" panose="020F0502020204030204" pitchFamily="34" charset="0"/>
-                      </a:rPr>
-                      <m:t>+</m:t>
-                    </m:r>
-                    <m:sSub>
-                      <m:sSubPr>
-                        <m:ctrlPr>
-                          <a:rPr lang="en-US" altLang="zh-CN" i="1">
-                            <a:latin typeface="Cambria Math" panose="02040503050406030204" pitchFamily="18" charset="0"/>
-                            <a:cs typeface="Calibri" panose="020F0502020204030204" pitchFamily="34" charset="0"/>
-                          </a:rPr>
-                        </m:ctrlPr>
-                      </m:sSubPr>
-                      <m:e>
-                        <m:r>
-                          <a:rPr lang="en-US" altLang="zh-CN" i="1">
-                            <a:latin typeface="Cambria Math" panose="02040503050406030204" pitchFamily="18" charset="0"/>
-                            <a:cs typeface="Calibri" panose="020F0502020204030204" pitchFamily="34" charset="0"/>
-                          </a:rPr>
-                          <m:t>𝐿</m:t>
-                        </m:r>
-                      </m:e>
-                      <m:sub>
-                        <m:r>
-                          <a:rPr lang="en-US" altLang="zh-CN" b="0" i="1" smtClean="0">
-                            <a:latin typeface="Cambria Math" panose="02040503050406030204" pitchFamily="18" charset="0"/>
-                            <a:cs typeface="Calibri" panose="020F0502020204030204" pitchFamily="34" charset="0"/>
-                          </a:rPr>
-                          <m:t>𝑡𝑔𝑡</m:t>
-                        </m:r>
-                        <m:r>
-                          <a:rPr lang="en-US" altLang="zh-CN" b="0" i="1" smtClean="0">
-                            <a:latin typeface="Cambria Math" panose="02040503050406030204" pitchFamily="18" charset="0"/>
-                            <a:cs typeface="Calibri" panose="020F0502020204030204" pitchFamily="34" charset="0"/>
-                          </a:rPr>
-                          <m:t>_</m:t>
-                        </m:r>
-                        <m:r>
-                          <a:rPr lang="en-US" altLang="zh-CN" b="0" i="1" smtClean="0">
-                            <a:latin typeface="Cambria Math" panose="02040503050406030204" pitchFamily="18" charset="0"/>
-                            <a:cs typeface="Calibri" panose="020F0502020204030204" pitchFamily="34" charset="0"/>
-                          </a:rPr>
-                          <m:t>𝑐𝑜𝑛𝑡𝑟𝑎𝑠𝑡</m:t>
-                        </m:r>
-                      </m:sub>
-                    </m:sSub>
-                    <m:r>
-                      <a:rPr lang="en-US" altLang="zh-CN" b="0" i="1" smtClean="0">
-                        <a:latin typeface="Cambria Math" panose="02040503050406030204" pitchFamily="18" charset="0"/>
-                        <a:cs typeface="Calibri" panose="020F0502020204030204" pitchFamily="34" charset="0"/>
-                      </a:rPr>
-                      <m:t>)</m:t>
-                    </m:r>
-                  </m:oMath>
-                </a14:m>
-                <a:r>
-                  <a:rPr lang="en-US" altLang="zh-CN">
-                    <a:latin typeface="Calibri" panose="020F0502020204030204" pitchFamily="34" charset="0"/>
-                    <a:cs typeface="Calibri" panose="020F0502020204030204" pitchFamily="34" charset="0"/>
-                  </a:rPr>
-                  <a:t> </a:t>
-                </a:r>
-              </a:p>
-              <a:p>
-                <a:pPr marL="285750" indent="-285750">
-                  <a:buFont typeface="Arial" panose="020B0604020202020204" pitchFamily="34" charset="0"/>
-                  <a:buChar char="•"/>
-                </a:pPr>
-                <a14:m>
-                  <m:oMath xmlns:m="http://schemas.openxmlformats.org/officeDocument/2006/math">
-                    <m:r>
-                      <a:rPr lang="zh-CN" altLang="en-US" i="1" smtClean="0">
-                        <a:latin typeface="Cambria Math" panose="02040503050406030204" pitchFamily="18" charset="0"/>
-                        <a:cs typeface="Calibri" panose="020F0502020204030204" pitchFamily="34" charset="0"/>
-                      </a:rPr>
-                      <m:t>𝜆</m:t>
-                    </m:r>
-                    <m:r>
-                      <a:rPr lang="en-US" altLang="zh-CN" i="1" smtClean="0">
-                        <a:latin typeface="Cambria Math" panose="02040503050406030204" pitchFamily="18" charset="0"/>
-                        <a:cs typeface="Calibri" panose="020F0502020204030204" pitchFamily="34" charset="0"/>
-                      </a:rPr>
-                      <m:t>=0.</m:t>
-                    </m:r>
-                    <m:r>
-                      <a:rPr lang="en-US" altLang="zh-CN" b="0" i="1" smtClean="0">
-                        <a:latin typeface="Cambria Math" panose="02040503050406030204" pitchFamily="18" charset="0"/>
-                        <a:cs typeface="Calibri" panose="020F0502020204030204" pitchFamily="34" charset="0"/>
-                      </a:rPr>
-                      <m:t>0</m:t>
-                    </m:r>
-                    <m:r>
-                      <a:rPr lang="en-US" altLang="zh-CN" i="1" smtClean="0">
-                        <a:latin typeface="Cambria Math" panose="02040503050406030204" pitchFamily="18" charset="0"/>
-                        <a:cs typeface="Calibri" panose="020F0502020204030204" pitchFamily="34" charset="0"/>
-                      </a:rPr>
-                      <m:t>1</m:t>
-                    </m:r>
-                  </m:oMath>
-                </a14:m>
-                <a:endParaRPr lang="en-US" altLang="zh-CN">
-                  <a:latin typeface="Calibri" panose="020F0502020204030204" pitchFamily="34" charset="0"/>
-                  <a:cs typeface="Calibri" panose="020F0502020204030204" pitchFamily="34" charset="0"/>
-                </a:endParaRPr>
-              </a:p>
-              <a:p>
-                <a:pPr marL="285750" indent="-285750">
-                  <a:buFont typeface="Arial" panose="020B0604020202020204" pitchFamily="34" charset="0"/>
-                  <a:buChar char="•"/>
-                </a:pPr>
-                <a:r>
-                  <a:rPr lang="en-US" altLang="zh-CN">
-                    <a:latin typeface="Calibri" panose="020F0502020204030204" pitchFamily="34" charset="0"/>
-                    <a:cs typeface="Calibri" panose="020F0502020204030204" pitchFamily="34" charset="0"/>
-                  </a:rPr>
-                  <a:t>#pts = 1024, # groups = 1</a:t>
-                </a:r>
-              </a:p>
-            </p:txBody>
-          </p:sp>
-        </mc:Choice>
-        <mc:Fallback xmlns="">
-          <p:sp>
-            <p:nvSpPr>
-              <p:cNvPr id="43" name="文本框 42">
-                <a:extLst>
-                  <a:ext uri="{FF2B5EF4-FFF2-40B4-BE49-F238E27FC236}">
-                    <a16:creationId xmlns:a16="http://schemas.microsoft.com/office/drawing/2014/main" id="{B7D0212F-7796-4B62-8196-2CD409D48115}"/>
-                  </a:ext>
-                </a:extLst>
-              </p:cNvPr>
-              <p:cNvSpPr txBox="1">
-                <a:spLocks noRot="1" noChangeAspect="1" noMove="1" noResize="1" noEditPoints="1" noAdjustHandles="1" noChangeArrowheads="1" noChangeShapeType="1" noTextEdit="1"/>
-              </p:cNvSpPr>
-              <p:nvPr/>
-            </p:nvSpPr>
-            <p:spPr>
-              <a:xfrm>
-                <a:off x="6639716" y="3740147"/>
-                <a:ext cx="4972580" cy="1499898"/>
-              </a:xfrm>
-              <a:prstGeom prst="rect">
-                <a:avLst/>
-              </a:prstGeom>
-              <a:blipFill>
-                <a:blip r:embed="rId5"/>
-                <a:stretch>
-                  <a:fillRect l="-980" t="-2439" b="-5691"/>
-                </a:stretch>
-              </a:blipFill>
-            </p:spPr>
-            <p:txBody>
-              <a:bodyPr/>
-              <a:lstStyle/>
-              <a:p>
-                <a:r>
-                  <a:rPr lang="zh-CN" altLang="en-US">
-                    <a:noFill/>
-                  </a:rPr>
-                  <a:t> </a:t>
-                </a:r>
-              </a:p>
-            </p:txBody>
-          </p:sp>
-        </mc:Fallback>
-      </mc:AlternateContent>
-      <p:sp>
-        <p:nvSpPr>
-          <p:cNvPr id="44" name="文本框 43">
-            <a:extLst>
-              <a:ext uri="{FF2B5EF4-FFF2-40B4-BE49-F238E27FC236}">
-                <a16:creationId xmlns:a16="http://schemas.microsoft.com/office/drawing/2014/main" id="{7FBE6211-C4C9-421E-AD13-8186A1519ED7}"/>
-              </a:ext>
-            </a:extLst>
-          </p:cNvPr>
-          <p:cNvSpPr txBox="1"/>
-          <p:nvPr/>
-        </p:nvSpPr>
-        <p:spPr>
-          <a:xfrm>
-            <a:off x="3678700" y="2548275"/>
-            <a:ext cx="3793026" cy="276999"/>
-          </a:xfrm>
-          <a:prstGeom prst="rect">
-            <a:avLst/>
-          </a:prstGeom>
-          <a:noFill/>
-        </p:spPr>
-        <p:txBody>
-          <a:bodyPr wrap="none" rtlCol="0">
-            <a:spAutoFit/>
-          </a:bodyPr>
-          <a:lstStyle/>
-          <a:p>
-            <a:r>
-              <a:rPr lang="en-US" altLang="zh-CN" sz="1200">
-                <a:latin typeface="Arial" panose="020B0604020202020204" pitchFamily="34" charset="0"/>
-                <a:cs typeface="Arial" panose="020B0604020202020204" pitchFamily="34" charset="0"/>
-              </a:rPr>
-              <a:t>tgt_contrast_loss &amp; src_contrast_loss nearly coincide</a:t>
-            </a:r>
-            <a:endParaRPr lang="zh-CN" altLang="en-US" sz="1200">
-              <a:latin typeface="Arial" panose="020B0604020202020204" pitchFamily="34" charset="0"/>
-              <a:cs typeface="Arial" panose="020B0604020202020204" pitchFamily="34" charset="0"/>
-            </a:endParaRPr>
-          </a:p>
-        </p:txBody>
-      </p:sp>
-      <p:cxnSp>
-        <p:nvCxnSpPr>
-          <p:cNvPr id="45" name="直接箭头连接符 44">
-            <a:extLst>
-              <a:ext uri="{FF2B5EF4-FFF2-40B4-BE49-F238E27FC236}">
-                <a16:creationId xmlns:a16="http://schemas.microsoft.com/office/drawing/2014/main" id="{BDFD214F-1CF0-4647-A133-FD1F8DE4F853}"/>
-              </a:ext>
-            </a:extLst>
-          </p:cNvPr>
-          <p:cNvCxnSpPr>
-            <a:cxnSpLocks/>
-          </p:cNvCxnSpPr>
-          <p:nvPr/>
-        </p:nvCxnSpPr>
-        <p:spPr>
-          <a:xfrm flipH="1">
-            <a:off x="4713461" y="2825274"/>
-            <a:ext cx="417251" cy="273417"/>
-          </a:xfrm>
-          <a:prstGeom prst="straightConnector1">
-            <a:avLst/>
-          </a:prstGeom>
-          <a:ln>
-            <a:tailEnd type="triangle"/>
-          </a:ln>
-        </p:spPr>
-        <p:style>
-          <a:lnRef idx="1">
-            <a:schemeClr val="accent1"/>
-          </a:lnRef>
-          <a:fillRef idx="0">
-            <a:schemeClr val="accent1"/>
-          </a:fillRef>
-          <a:effectRef idx="0">
-            <a:schemeClr val="accent1"/>
-          </a:effectRef>
-          <a:fontRef idx="minor">
-            <a:schemeClr val="tx1"/>
-          </a:fontRef>
-        </p:style>
-      </p:cxnSp>
-    </p:spTree>
-    <p:extLst>
-      <p:ext uri="{BB962C8B-B14F-4D97-AF65-F5344CB8AC3E}">
-        <p14:creationId xmlns:p14="http://schemas.microsoft.com/office/powerpoint/2010/main" val="1030276036"/>
-      </p:ext>
-    </p:extLst>
-  </p:cSld>
-  <p:clrMapOvr>
-    <a:masterClrMapping/>
-  </p:clrMapOvr>
-</p:sld>
-</file>
-
 <file path=ppt/slides/slide19.xml><?xml version="1.0" encoding="utf-8"?>
 <p:sld xmlns:a="http://schemas.openxmlformats.org/drawingml/2006/main" xmlns:r="http://schemas.openxmlformats.org/officeDocument/2006/relationships" xmlns:p="http://schemas.openxmlformats.org/presentationml/2006/main">
   <p:cSld>
@@ -9162,311 +8944,6 @@
           </a:prstGeom>
         </p:spPr>
       </p:pic>
-      <p:grpSp>
-        <p:nvGrpSpPr>
-          <p:cNvPr id="7" name="组合 6">
-            <a:extLst>
-              <a:ext uri="{FF2B5EF4-FFF2-40B4-BE49-F238E27FC236}">
-                <a16:creationId xmlns:a16="http://schemas.microsoft.com/office/drawing/2014/main" id="{5E05B2EA-A693-4983-898F-2274504F144B}"/>
-              </a:ext>
-            </a:extLst>
-          </p:cNvPr>
-          <p:cNvGrpSpPr/>
-          <p:nvPr/>
-        </p:nvGrpSpPr>
-        <p:grpSpPr>
-          <a:xfrm>
-            <a:off x="7775589" y="657506"/>
-            <a:ext cx="3811866" cy="2383764"/>
-            <a:chOff x="7458014" y="4048217"/>
-            <a:chExt cx="3811866" cy="2383764"/>
-          </a:xfrm>
-        </p:grpSpPr>
-        <p:pic>
-          <p:nvPicPr>
-            <p:cNvPr id="8" name="图片 7">
-              <a:extLst>
-                <a:ext uri="{FF2B5EF4-FFF2-40B4-BE49-F238E27FC236}">
-                  <a16:creationId xmlns:a16="http://schemas.microsoft.com/office/drawing/2014/main" id="{D15DE400-5DCC-40D2-95D1-DD277D576E18}"/>
-                </a:ext>
-              </a:extLst>
-            </p:cNvPr>
-            <p:cNvPicPr>
-              <a:picLocks noChangeAspect="1"/>
-            </p:cNvPicPr>
-            <p:nvPr/>
-          </p:nvPicPr>
-          <p:blipFill rotWithShape="1">
-            <a:blip r:embed="rId4"/>
-            <a:srcRect t="15762" b="26851"/>
-            <a:stretch/>
-          </p:blipFill>
-          <p:spPr>
-            <a:xfrm>
-              <a:off x="8283220" y="4048217"/>
-              <a:ext cx="2986660" cy="1908700"/>
-            </a:xfrm>
-            <a:prstGeom prst="rect">
-              <a:avLst/>
-            </a:prstGeom>
-            <a:ln>
-              <a:noFill/>
-            </a:ln>
-          </p:spPr>
-        </p:pic>
-        <p:sp>
-          <p:nvSpPr>
-            <p:cNvPr id="9" name="文本框 8">
-              <a:extLst>
-                <a:ext uri="{FF2B5EF4-FFF2-40B4-BE49-F238E27FC236}">
-                  <a16:creationId xmlns:a16="http://schemas.microsoft.com/office/drawing/2014/main" id="{A82DDA25-E922-4C5C-8FCC-755BF4A97788}"/>
-                </a:ext>
-              </a:extLst>
-            </p:cNvPr>
-            <p:cNvSpPr txBox="1"/>
-            <p:nvPr/>
-          </p:nvSpPr>
-          <p:spPr>
-            <a:xfrm>
-              <a:off x="7458014" y="4259662"/>
-              <a:ext cx="1135247" cy="261610"/>
-            </a:xfrm>
-            <a:prstGeom prst="rect">
-              <a:avLst/>
-            </a:prstGeom>
-            <a:noFill/>
-          </p:spPr>
-          <p:txBody>
-            <a:bodyPr wrap="none" rtlCol="0">
-              <a:spAutoFit/>
-            </a:bodyPr>
-            <a:lstStyle/>
-            <a:p>
-              <a:r>
-                <a:rPr lang="en-US" altLang="zh-CN" sz="1100">
-                  <a:latin typeface="Arial" panose="020B0604020202020204" pitchFamily="34" charset="0"/>
-                  <a:cs typeface="Arial" panose="020B0604020202020204" pitchFamily="34" charset="0"/>
-                </a:rPr>
-                <a:t>UNetResNet34</a:t>
-              </a:r>
-              <a:endParaRPr lang="zh-CN" altLang="en-US" sz="1100">
-                <a:latin typeface="Arial" panose="020B0604020202020204" pitchFamily="34" charset="0"/>
-                <a:cs typeface="Arial" panose="020B0604020202020204" pitchFamily="34" charset="0"/>
-              </a:endParaRPr>
-            </a:p>
-          </p:txBody>
-        </p:sp>
-        <p:sp>
-          <p:nvSpPr>
-            <p:cNvPr id="10" name="文本框 9">
-              <a:extLst>
-                <a:ext uri="{FF2B5EF4-FFF2-40B4-BE49-F238E27FC236}">
-                  <a16:creationId xmlns:a16="http://schemas.microsoft.com/office/drawing/2014/main" id="{9CCDA676-2E28-4457-B3BF-F4D9795AA830}"/>
-                </a:ext>
-              </a:extLst>
-            </p:cNvPr>
-            <p:cNvSpPr txBox="1"/>
-            <p:nvPr/>
-          </p:nvSpPr>
-          <p:spPr>
-            <a:xfrm>
-              <a:off x="7759996" y="5469539"/>
-              <a:ext cx="806631" cy="261610"/>
-            </a:xfrm>
-            <a:prstGeom prst="rect">
-              <a:avLst/>
-            </a:prstGeom>
-            <a:noFill/>
-          </p:spPr>
-          <p:txBody>
-            <a:bodyPr wrap="none" rtlCol="0">
-              <a:spAutoFit/>
-            </a:bodyPr>
-            <a:lstStyle/>
-            <a:p>
-              <a:r>
-                <a:rPr lang="en-US" altLang="zh-CN" sz="1100">
-                  <a:latin typeface="Arial" panose="020B0604020202020204" pitchFamily="34" charset="0"/>
-                  <a:cs typeface="Arial" panose="020B0604020202020204" pitchFamily="34" charset="0"/>
-                </a:rPr>
-                <a:t>UNetSCN</a:t>
-              </a:r>
-              <a:endParaRPr lang="zh-CN" altLang="en-US" sz="1100">
-                <a:latin typeface="Arial" panose="020B0604020202020204" pitchFamily="34" charset="0"/>
-                <a:cs typeface="Arial" panose="020B0604020202020204" pitchFamily="34" charset="0"/>
-              </a:endParaRPr>
-            </a:p>
-          </p:txBody>
-        </p:sp>
-        <p:sp>
-          <p:nvSpPr>
-            <p:cNvPr id="11" name="文本框 10">
-              <a:extLst>
-                <a:ext uri="{FF2B5EF4-FFF2-40B4-BE49-F238E27FC236}">
-                  <a16:creationId xmlns:a16="http://schemas.microsoft.com/office/drawing/2014/main" id="{13FE20BF-B706-4373-8103-7FD6B9BF9804}"/>
-                </a:ext>
-              </a:extLst>
-            </p:cNvPr>
-            <p:cNvSpPr txBox="1"/>
-            <p:nvPr/>
-          </p:nvSpPr>
-          <p:spPr>
-            <a:xfrm>
-              <a:off x="8736082" y="4657657"/>
-              <a:ext cx="654346" cy="276999"/>
-            </a:xfrm>
-            <a:prstGeom prst="rect">
-              <a:avLst/>
-            </a:prstGeom>
-            <a:noFill/>
-          </p:spPr>
-          <p:txBody>
-            <a:bodyPr wrap="none" rtlCol="0">
-              <a:spAutoFit/>
-            </a:bodyPr>
-            <a:lstStyle/>
-            <a:p>
-              <a:r>
-                <a:rPr lang="en-US" altLang="zh-CN" sz="1200">
-                  <a:latin typeface="Arial" panose="020B0604020202020204" pitchFamily="34" charset="0"/>
-                  <a:cs typeface="Arial" panose="020B0604020202020204" pitchFamily="34" charset="0"/>
-                </a:rPr>
-                <a:t>(N, 64)</a:t>
-              </a:r>
-              <a:endParaRPr lang="zh-CN" altLang="en-US" sz="1200">
-                <a:latin typeface="Arial" panose="020B0604020202020204" pitchFamily="34" charset="0"/>
-                <a:cs typeface="Arial" panose="020B0604020202020204" pitchFamily="34" charset="0"/>
-              </a:endParaRPr>
-            </a:p>
-          </p:txBody>
-        </p:sp>
-        <p:sp>
-          <p:nvSpPr>
-            <p:cNvPr id="12" name="文本框 11">
-              <a:extLst>
-                <a:ext uri="{FF2B5EF4-FFF2-40B4-BE49-F238E27FC236}">
-                  <a16:creationId xmlns:a16="http://schemas.microsoft.com/office/drawing/2014/main" id="{A6E1118B-7F24-4A32-BE75-0528FA28D808}"/>
-                </a:ext>
-              </a:extLst>
-            </p:cNvPr>
-            <p:cNvSpPr txBox="1"/>
-            <p:nvPr/>
-          </p:nvSpPr>
-          <p:spPr>
-            <a:xfrm>
-              <a:off x="8736082" y="5874364"/>
-              <a:ext cx="654346" cy="276999"/>
-            </a:xfrm>
-            <a:prstGeom prst="rect">
-              <a:avLst/>
-            </a:prstGeom>
-            <a:noFill/>
-          </p:spPr>
-          <p:txBody>
-            <a:bodyPr wrap="none" rtlCol="0">
-              <a:spAutoFit/>
-            </a:bodyPr>
-            <a:lstStyle/>
-            <a:p>
-              <a:r>
-                <a:rPr lang="en-US" altLang="zh-CN" sz="1200">
-                  <a:latin typeface="Arial" panose="020B0604020202020204" pitchFamily="34" charset="0"/>
-                  <a:cs typeface="Arial" panose="020B0604020202020204" pitchFamily="34" charset="0"/>
-                </a:rPr>
-                <a:t>(N, 16)</a:t>
-              </a:r>
-              <a:endParaRPr lang="zh-CN" altLang="en-US" sz="1200">
-                <a:latin typeface="Arial" panose="020B0604020202020204" pitchFamily="34" charset="0"/>
-                <a:cs typeface="Arial" panose="020B0604020202020204" pitchFamily="34" charset="0"/>
-              </a:endParaRPr>
-            </a:p>
-          </p:txBody>
-        </p:sp>
-        <p:sp>
-          <p:nvSpPr>
-            <p:cNvPr id="13" name="文本框 12">
-              <a:extLst>
-                <a:ext uri="{FF2B5EF4-FFF2-40B4-BE49-F238E27FC236}">
-                  <a16:creationId xmlns:a16="http://schemas.microsoft.com/office/drawing/2014/main" id="{D4A205F8-B165-4682-897E-411482A7107E}"/>
-                </a:ext>
-              </a:extLst>
-            </p:cNvPr>
-            <p:cNvSpPr txBox="1"/>
-            <p:nvPr/>
-          </p:nvSpPr>
-          <p:spPr>
-            <a:xfrm>
-              <a:off x="9528481" y="5295527"/>
-              <a:ext cx="914033" cy="276999"/>
-            </a:xfrm>
-            <a:prstGeom prst="rect">
-              <a:avLst/>
-            </a:prstGeom>
-            <a:noFill/>
-          </p:spPr>
-          <p:txBody>
-            <a:bodyPr wrap="none" rtlCol="0">
-              <a:spAutoFit/>
-            </a:bodyPr>
-            <a:lstStyle/>
-            <a:p>
-              <a:r>
-                <a:rPr lang="en-US" altLang="zh-CN" sz="1200">
-                  <a:latin typeface="Arial" panose="020B0604020202020204" pitchFamily="34" charset="0"/>
-                  <a:cs typeface="Arial" panose="020B0604020202020204" pitchFamily="34" charset="0"/>
-                </a:rPr>
-                <a:t>(N, 64+16)</a:t>
-              </a:r>
-              <a:endParaRPr lang="zh-CN" altLang="en-US" sz="1200">
-                <a:latin typeface="Arial" panose="020B0604020202020204" pitchFamily="34" charset="0"/>
-                <a:cs typeface="Arial" panose="020B0604020202020204" pitchFamily="34" charset="0"/>
-              </a:endParaRPr>
-            </a:p>
-          </p:txBody>
-        </p:sp>
-        <p:sp>
-          <p:nvSpPr>
-            <p:cNvPr id="14" name="文本框 13">
-              <a:extLst>
-                <a:ext uri="{FF2B5EF4-FFF2-40B4-BE49-F238E27FC236}">
-                  <a16:creationId xmlns:a16="http://schemas.microsoft.com/office/drawing/2014/main" id="{3A775130-D866-43FD-90AF-682C943F5C38}"/>
-                </a:ext>
-              </a:extLst>
-            </p:cNvPr>
-            <p:cNvSpPr txBox="1"/>
-            <p:nvPr/>
-          </p:nvSpPr>
-          <p:spPr>
-            <a:xfrm>
-              <a:off x="8050388" y="6093427"/>
-              <a:ext cx="2545762" cy="338554"/>
-            </a:xfrm>
-            <a:prstGeom prst="rect">
-              <a:avLst/>
-            </a:prstGeom>
-            <a:noFill/>
-          </p:spPr>
-          <p:txBody>
-            <a:bodyPr wrap="none" rtlCol="0">
-              <a:spAutoFit/>
-            </a:bodyPr>
-            <a:lstStyle/>
-            <a:p>
-              <a:r>
-                <a:rPr lang="en-US" altLang="zh-CN" sz="1600" b="1">
-                  <a:latin typeface="Arial" panose="020B0604020202020204" pitchFamily="34" charset="0"/>
-                  <a:cs typeface="Arial" panose="020B0604020202020204" pitchFamily="34" charset="0"/>
-                </a:rPr>
-                <a:t>Vanilla Fusion(Baseline)</a:t>
-              </a:r>
-              <a:endParaRPr lang="zh-CN" altLang="en-US" sz="1600" b="1">
-                <a:latin typeface="Arial" panose="020B0604020202020204" pitchFamily="34" charset="0"/>
-                <a:cs typeface="Arial" panose="020B0604020202020204" pitchFamily="34" charset="0"/>
-              </a:endParaRPr>
-            </a:p>
-          </p:txBody>
-        </p:sp>
-      </p:grpSp>
       <mc:AlternateContent xmlns:mc="http://schemas.openxmlformats.org/markup-compatibility/2006" xmlns:a14="http://schemas.microsoft.com/office/drawing/2010/main">
         <mc:Choice Requires="a14">
           <p:sp>
@@ -9652,428 +9129,12 @@
           <a:chExt cx="0" cy="0"/>
         </a:xfrm>
       </p:grpSpPr>
-      <p:pic>
-        <p:nvPicPr>
-          <p:cNvPr id="4" name="图片 3">
+      <p:sp>
+        <p:nvSpPr>
+          <p:cNvPr id="4" name="文本框 3">
             <a:extLst>
               <a:ext uri="{FF2B5EF4-FFF2-40B4-BE49-F238E27FC236}">
-                <a16:creationId xmlns:a16="http://schemas.microsoft.com/office/drawing/2014/main" id="{423A3080-5106-4B97-A7D1-DD6B0AC9E149}"/>
-              </a:ext>
-            </a:extLst>
-          </p:cNvPr>
-          <p:cNvPicPr>
-            <a:picLocks noChangeAspect="1"/>
-          </p:cNvPicPr>
-          <p:nvPr/>
-        </p:nvPicPr>
-        <p:blipFill>
-          <a:blip r:embed="rId2"/>
-          <a:stretch>
-            <a:fillRect/>
-          </a:stretch>
-        </p:blipFill>
-        <p:spPr>
-          <a:xfrm>
-            <a:off x="479044" y="4648539"/>
-            <a:ext cx="5122765" cy="1783820"/>
-          </a:xfrm>
-          <a:prstGeom prst="rect">
-            <a:avLst/>
-          </a:prstGeom>
-        </p:spPr>
-      </p:pic>
-      <p:grpSp>
-        <p:nvGrpSpPr>
-          <p:cNvPr id="5" name="组合 4">
-            <a:extLst>
-              <a:ext uri="{FF2B5EF4-FFF2-40B4-BE49-F238E27FC236}">
-                <a16:creationId xmlns:a16="http://schemas.microsoft.com/office/drawing/2014/main" id="{C3457D04-60D5-412F-B224-843E0474AFEE}"/>
-              </a:ext>
-            </a:extLst>
-          </p:cNvPr>
-          <p:cNvGrpSpPr/>
-          <p:nvPr/>
-        </p:nvGrpSpPr>
-        <p:grpSpPr>
-          <a:xfrm>
-            <a:off x="719091" y="3695331"/>
-            <a:ext cx="4882718" cy="858344"/>
-            <a:chOff x="861134" y="4598633"/>
-            <a:chExt cx="4882718" cy="858344"/>
-          </a:xfrm>
-        </p:grpSpPr>
-        <p:sp>
-          <p:nvSpPr>
-            <p:cNvPr id="6" name="矩形 5">
-              <a:extLst>
-                <a:ext uri="{FF2B5EF4-FFF2-40B4-BE49-F238E27FC236}">
-                  <a16:creationId xmlns:a16="http://schemas.microsoft.com/office/drawing/2014/main" id="{42D14DEE-CC74-48FD-9E8D-B6D1912F6E6A}"/>
-                </a:ext>
-              </a:extLst>
-            </p:cNvPr>
-            <p:cNvSpPr/>
-            <p:nvPr/>
-          </p:nvSpPr>
-          <p:spPr>
-            <a:xfrm>
-              <a:off x="861134" y="4598633"/>
-              <a:ext cx="2095130" cy="381740"/>
-            </a:xfrm>
-            <a:prstGeom prst="rect">
-              <a:avLst/>
-            </a:prstGeom>
-            <a:solidFill>
-              <a:schemeClr val="accent5">
-                <a:lumMod val="60000"/>
-                <a:lumOff val="40000"/>
-              </a:schemeClr>
-            </a:solidFill>
-            <a:ln w="19050">
-              <a:solidFill>
-                <a:schemeClr val="tx1"/>
-              </a:solidFill>
-            </a:ln>
-          </p:spPr>
-          <p:style>
-            <a:lnRef idx="2">
-              <a:schemeClr val="accent1">
-                <a:shade val="50000"/>
-              </a:schemeClr>
-            </a:lnRef>
-            <a:fillRef idx="1">
-              <a:schemeClr val="accent1"/>
-            </a:fillRef>
-            <a:effectRef idx="0">
-              <a:schemeClr val="accent1"/>
-            </a:effectRef>
-            <a:fontRef idx="minor">
-              <a:schemeClr val="lt1"/>
-            </a:fontRef>
-          </p:style>
-          <p:txBody>
-            <a:bodyPr rtlCol="0" anchor="ctr"/>
-            <a:lstStyle/>
-            <a:p>
-              <a:pPr algn="ctr"/>
-              <a:r>
-                <a:rPr lang="en-US" altLang="zh-CN">
-                  <a:solidFill>
-                    <a:schemeClr val="tx1"/>
-                  </a:solidFill>
-                  <a:latin typeface="Times New Roman" panose="02020603050405020304" pitchFamily="18" charset="0"/>
-                  <a:cs typeface="Times New Roman" panose="02020603050405020304" pitchFamily="18" charset="0"/>
-                </a:rPr>
-                <a:t>Source_train</a:t>
-              </a:r>
-              <a:endParaRPr lang="zh-CN" altLang="en-US">
-                <a:solidFill>
-                  <a:schemeClr val="tx1"/>
-                </a:solidFill>
-                <a:latin typeface="Times New Roman" panose="02020603050405020304" pitchFamily="18" charset="0"/>
-                <a:cs typeface="Times New Roman" panose="02020603050405020304" pitchFamily="18" charset="0"/>
-              </a:endParaRPr>
-            </a:p>
-          </p:txBody>
-        </p:sp>
-        <p:sp>
-          <p:nvSpPr>
-            <p:cNvPr id="7" name="矩形 6">
-              <a:extLst>
-                <a:ext uri="{FF2B5EF4-FFF2-40B4-BE49-F238E27FC236}">
-                  <a16:creationId xmlns:a16="http://schemas.microsoft.com/office/drawing/2014/main" id="{DF4EB53A-1E0C-4BCE-A7F6-0F5515CA55FF}"/>
-                </a:ext>
-              </a:extLst>
-            </p:cNvPr>
-            <p:cNvSpPr/>
-            <p:nvPr/>
-          </p:nvSpPr>
-          <p:spPr>
-            <a:xfrm>
-              <a:off x="861134" y="5075237"/>
-              <a:ext cx="2095130" cy="381740"/>
-            </a:xfrm>
-            <a:prstGeom prst="rect">
-              <a:avLst/>
-            </a:prstGeom>
-            <a:solidFill>
-              <a:schemeClr val="accent6">
-                <a:lumMod val="60000"/>
-                <a:lumOff val="40000"/>
-              </a:schemeClr>
-            </a:solidFill>
-            <a:ln w="19050">
-              <a:solidFill>
-                <a:schemeClr val="tx1"/>
-              </a:solidFill>
-            </a:ln>
-          </p:spPr>
-          <p:style>
-            <a:lnRef idx="2">
-              <a:schemeClr val="accent1">
-                <a:shade val="50000"/>
-              </a:schemeClr>
-            </a:lnRef>
-            <a:fillRef idx="1">
-              <a:schemeClr val="accent1"/>
-            </a:fillRef>
-            <a:effectRef idx="0">
-              <a:schemeClr val="accent1"/>
-            </a:effectRef>
-            <a:fontRef idx="minor">
-              <a:schemeClr val="lt1"/>
-            </a:fontRef>
-          </p:style>
-          <p:txBody>
-            <a:bodyPr rtlCol="0" anchor="ctr"/>
-            <a:lstStyle/>
-            <a:p>
-              <a:pPr algn="ctr"/>
-              <a:r>
-                <a:rPr lang="en-US" altLang="zh-CN">
-                  <a:solidFill>
-                    <a:schemeClr val="tx1"/>
-                  </a:solidFill>
-                  <a:latin typeface="Times New Roman" panose="02020603050405020304" pitchFamily="18" charset="0"/>
-                  <a:cs typeface="Times New Roman" panose="02020603050405020304" pitchFamily="18" charset="0"/>
-                </a:rPr>
-                <a:t>Target_train</a:t>
-              </a:r>
-              <a:endParaRPr lang="zh-CN" altLang="en-US">
-                <a:solidFill>
-                  <a:schemeClr val="tx1"/>
-                </a:solidFill>
-                <a:latin typeface="Times New Roman" panose="02020603050405020304" pitchFamily="18" charset="0"/>
-                <a:cs typeface="Times New Roman" panose="02020603050405020304" pitchFamily="18" charset="0"/>
-              </a:endParaRPr>
-            </a:p>
-          </p:txBody>
-        </p:sp>
-        <p:sp>
-          <p:nvSpPr>
-            <p:cNvPr id="8" name="矩形 7">
-              <a:extLst>
-                <a:ext uri="{FF2B5EF4-FFF2-40B4-BE49-F238E27FC236}">
-                  <a16:creationId xmlns:a16="http://schemas.microsoft.com/office/drawing/2014/main" id="{BE6EFC1C-7834-40BC-AB5A-6FD305D6B00E}"/>
-                </a:ext>
-              </a:extLst>
-            </p:cNvPr>
-            <p:cNvSpPr/>
-            <p:nvPr/>
-          </p:nvSpPr>
-          <p:spPr>
-            <a:xfrm>
-              <a:off x="3028765" y="4598633"/>
-              <a:ext cx="1321293" cy="381740"/>
-            </a:xfrm>
-            <a:prstGeom prst="rect">
-              <a:avLst/>
-            </a:prstGeom>
-            <a:solidFill>
-              <a:schemeClr val="accent5">
-                <a:lumMod val="60000"/>
-                <a:lumOff val="40000"/>
-              </a:schemeClr>
-            </a:solidFill>
-            <a:ln w="19050">
-              <a:solidFill>
-                <a:schemeClr val="tx1"/>
-              </a:solidFill>
-            </a:ln>
-          </p:spPr>
-          <p:style>
-            <a:lnRef idx="2">
-              <a:schemeClr val="accent1">
-                <a:shade val="50000"/>
-              </a:schemeClr>
-            </a:lnRef>
-            <a:fillRef idx="1">
-              <a:schemeClr val="accent1"/>
-            </a:fillRef>
-            <a:effectRef idx="0">
-              <a:schemeClr val="accent1"/>
-            </a:effectRef>
-            <a:fontRef idx="minor">
-              <a:schemeClr val="lt1"/>
-            </a:fontRef>
-          </p:style>
-          <p:txBody>
-            <a:bodyPr rtlCol="0" anchor="ctr"/>
-            <a:lstStyle/>
-            <a:p>
-              <a:pPr algn="ctr"/>
-              <a:r>
-                <a:rPr lang="en-US" altLang="zh-CN">
-                  <a:solidFill>
-                    <a:schemeClr val="tx1"/>
-                  </a:solidFill>
-                  <a:latin typeface="Times New Roman" panose="02020603050405020304" pitchFamily="18" charset="0"/>
-                  <a:cs typeface="Times New Roman" panose="02020603050405020304" pitchFamily="18" charset="0"/>
-                </a:rPr>
-                <a:t>Source_test</a:t>
-              </a:r>
-              <a:endParaRPr lang="zh-CN" altLang="en-US">
-                <a:solidFill>
-                  <a:schemeClr val="tx1"/>
-                </a:solidFill>
-                <a:latin typeface="Times New Roman" panose="02020603050405020304" pitchFamily="18" charset="0"/>
-                <a:cs typeface="Times New Roman" panose="02020603050405020304" pitchFamily="18" charset="0"/>
-              </a:endParaRPr>
-            </a:p>
-          </p:txBody>
-        </p:sp>
-        <p:sp>
-          <p:nvSpPr>
-            <p:cNvPr id="9" name="矩形 8">
-              <a:extLst>
-                <a:ext uri="{FF2B5EF4-FFF2-40B4-BE49-F238E27FC236}">
-                  <a16:creationId xmlns:a16="http://schemas.microsoft.com/office/drawing/2014/main" id="{FBFF66E9-DD32-4BAD-B1FC-9818A6345D02}"/>
-                </a:ext>
-              </a:extLst>
-            </p:cNvPr>
-            <p:cNvSpPr/>
-            <p:nvPr/>
-          </p:nvSpPr>
-          <p:spPr>
-            <a:xfrm>
-              <a:off x="3028765" y="5075237"/>
-              <a:ext cx="1321293" cy="381740"/>
-            </a:xfrm>
-            <a:prstGeom prst="rect">
-              <a:avLst/>
-            </a:prstGeom>
-            <a:solidFill>
-              <a:schemeClr val="accent6">
-                <a:lumMod val="60000"/>
-                <a:lumOff val="40000"/>
-              </a:schemeClr>
-            </a:solidFill>
-            <a:ln w="19050">
-              <a:solidFill>
-                <a:schemeClr val="tx1"/>
-              </a:solidFill>
-            </a:ln>
-          </p:spPr>
-          <p:style>
-            <a:lnRef idx="2">
-              <a:schemeClr val="accent1">
-                <a:shade val="50000"/>
-              </a:schemeClr>
-            </a:lnRef>
-            <a:fillRef idx="1">
-              <a:schemeClr val="accent1"/>
-            </a:fillRef>
-            <a:effectRef idx="0">
-              <a:schemeClr val="accent1"/>
-            </a:effectRef>
-            <a:fontRef idx="minor">
-              <a:schemeClr val="lt1"/>
-            </a:fontRef>
-          </p:style>
-          <p:txBody>
-            <a:bodyPr rtlCol="0" anchor="ctr"/>
-            <a:lstStyle/>
-            <a:p>
-              <a:pPr algn="ctr"/>
-              <a:r>
-                <a:rPr lang="en-US" altLang="zh-CN">
-                  <a:solidFill>
-                    <a:schemeClr val="tx1"/>
-                  </a:solidFill>
-                  <a:latin typeface="Times New Roman" panose="02020603050405020304" pitchFamily="18" charset="0"/>
-                  <a:cs typeface="Times New Roman" panose="02020603050405020304" pitchFamily="18" charset="0"/>
-                </a:rPr>
-                <a:t>Target_test</a:t>
-              </a:r>
-              <a:endParaRPr lang="zh-CN" altLang="en-US">
-                <a:solidFill>
-                  <a:schemeClr val="tx1"/>
-                </a:solidFill>
-                <a:latin typeface="Times New Roman" panose="02020603050405020304" pitchFamily="18" charset="0"/>
-                <a:cs typeface="Times New Roman" panose="02020603050405020304" pitchFamily="18" charset="0"/>
-              </a:endParaRPr>
-            </a:p>
-          </p:txBody>
-        </p:sp>
-        <p:sp>
-          <p:nvSpPr>
-            <p:cNvPr id="10" name="矩形 9">
-              <a:extLst>
-                <a:ext uri="{FF2B5EF4-FFF2-40B4-BE49-F238E27FC236}">
-                  <a16:creationId xmlns:a16="http://schemas.microsoft.com/office/drawing/2014/main" id="{83920BAE-9DB9-4F77-8D3B-4E7FB9D47D39}"/>
-                </a:ext>
-              </a:extLst>
-            </p:cNvPr>
-            <p:cNvSpPr/>
-            <p:nvPr/>
-          </p:nvSpPr>
-          <p:spPr>
-            <a:xfrm>
-              <a:off x="4422559" y="5075237"/>
-              <a:ext cx="1321293" cy="381740"/>
-            </a:xfrm>
-            <a:prstGeom prst="rect">
-              <a:avLst/>
-            </a:prstGeom>
-            <a:solidFill>
-              <a:schemeClr val="accent6">
-                <a:lumMod val="60000"/>
-                <a:lumOff val="40000"/>
-              </a:schemeClr>
-            </a:solidFill>
-            <a:ln w="19050">
-              <a:solidFill>
-                <a:schemeClr val="tx1"/>
-              </a:solidFill>
-            </a:ln>
-          </p:spPr>
-          <p:style>
-            <a:lnRef idx="2">
-              <a:schemeClr val="accent1">
-                <a:shade val="50000"/>
-              </a:schemeClr>
-            </a:lnRef>
-            <a:fillRef idx="1">
-              <a:schemeClr val="accent1"/>
-            </a:fillRef>
-            <a:effectRef idx="0">
-              <a:schemeClr val="accent1"/>
-            </a:effectRef>
-            <a:fontRef idx="minor">
-              <a:schemeClr val="lt1"/>
-            </a:fontRef>
-          </p:style>
-          <p:txBody>
-            <a:bodyPr rtlCol="0" anchor="ctr"/>
-            <a:lstStyle/>
-            <a:p>
-              <a:pPr algn="ctr"/>
-              <a:r>
-                <a:rPr lang="en-US" altLang="zh-CN">
-                  <a:solidFill>
-                    <a:schemeClr val="tx1"/>
-                  </a:solidFill>
-                  <a:latin typeface="Times New Roman" panose="02020603050405020304" pitchFamily="18" charset="0"/>
-                  <a:cs typeface="Times New Roman" panose="02020603050405020304" pitchFamily="18" charset="0"/>
-                </a:rPr>
-                <a:t>Target_val</a:t>
-              </a:r>
-              <a:endParaRPr lang="zh-CN" altLang="en-US">
-                <a:solidFill>
-                  <a:schemeClr val="tx1"/>
-                </a:solidFill>
-                <a:latin typeface="Times New Roman" panose="02020603050405020304" pitchFamily="18" charset="0"/>
-                <a:cs typeface="Times New Roman" panose="02020603050405020304" pitchFamily="18" charset="0"/>
-              </a:endParaRPr>
-            </a:p>
-          </p:txBody>
-        </p:sp>
-      </p:grpSp>
-      <p:sp>
-        <p:nvSpPr>
-          <p:cNvPr id="11" name="文本框 10">
-            <a:extLst>
-              <a:ext uri="{FF2B5EF4-FFF2-40B4-BE49-F238E27FC236}">
-                <a16:creationId xmlns:a16="http://schemas.microsoft.com/office/drawing/2014/main" id="{503FFE9E-B8D1-4EF8-92CE-C6438BFB3FCE}"/>
+                <a16:creationId xmlns:a16="http://schemas.microsoft.com/office/drawing/2014/main" id="{CB69D4E1-0473-476E-8E94-37DFD2F2A96E}"/>
               </a:ext>
             </a:extLst>
           </p:cNvPr>
@@ -10082,8 +9143,8 @@
         </p:nvSpPr>
         <p:spPr>
           <a:xfrm>
-            <a:off x="279851" y="347393"/>
-            <a:ext cx="8315097" cy="3170099"/>
+            <a:off x="275207" y="674704"/>
+            <a:ext cx="10528917" cy="1631216"/>
           </a:xfrm>
           <a:prstGeom prst="rect">
             <a:avLst/>
@@ -10091,133 +9152,96 @@
           <a:noFill/>
         </p:spPr>
         <p:txBody>
-          <a:bodyPr wrap="none" rtlCol="0">
+          <a:bodyPr wrap="square" rtlCol="0">
             <a:spAutoFit/>
           </a:bodyPr>
           <a:lstStyle/>
           <a:p>
-            <a:r>
-              <a:rPr lang="en-US" altLang="zh-CN" sz="2000" b="1">
-                <a:latin typeface="Times New Roman" panose="02020603050405020304" pitchFamily="18" charset="0"/>
-                <a:cs typeface="Times New Roman" panose="02020603050405020304" pitchFamily="18" charset="0"/>
-              </a:rPr>
-              <a:t>Nuscenes Dataset Domain Splits</a:t>
-            </a:r>
-          </a:p>
-          <a:p>
-            <a:pPr marL="342900" indent="-342900">
+            <a:pPr marL="285750" indent="-285750">
               <a:buFont typeface="Arial" panose="020B0604020202020204" pitchFamily="34" charset="0"/>
               <a:buChar char="•"/>
             </a:pPr>
             <a:r>
-              <a:rPr lang="en-US" altLang="zh-CN">
+              <a:rPr lang="en-US" altLang="zh-CN" sz="2000">
                 <a:latin typeface="Times New Roman" panose="02020603050405020304" pitchFamily="18" charset="0"/>
                 <a:cs typeface="Times New Roman" panose="02020603050405020304" pitchFamily="18" charset="0"/>
               </a:rPr>
-              <a:t>Two Source-Target pairs</a:t>
+              <a:t>We have tried to add contrastive losses on both source and target training data. But it doesn’t give us a better result on target_test. This corresponds to config meta “</a:t>
             </a:r>
-          </a:p>
-          <a:p>
-            <a:pPr marL="800100" lvl="1" indent="-342900">
-              <a:buFont typeface="Arial" panose="020B0604020202020204" pitchFamily="34" charset="0"/>
-              <a:buChar char="•"/>
-            </a:pPr>
             <a:r>
-              <a:rPr lang="en-US" altLang="zh-CN">
+              <a:rPr lang="en-US" altLang="zh-CN" sz="2000">
+                <a:latin typeface="Times New Roman" panose="02020603050405020304" pitchFamily="18" charset="0"/>
+                <a:cs typeface="Times New Roman" panose="02020603050405020304" pitchFamily="18" charset="0"/>
+                <a:hlinkClick r:id="rId2" action="ppaction://hlinksldjump"/>
+              </a:rPr>
+              <a:t>contrast_usa</a:t>
+            </a:r>
+            <a:r>
+              <a:rPr lang="en-US" altLang="zh-CN" sz="2000">
                 <a:latin typeface="Times New Roman" panose="02020603050405020304" pitchFamily="18" charset="0"/>
                 <a:cs typeface="Times New Roman" panose="02020603050405020304" pitchFamily="18" charset="0"/>
               </a:rPr>
-              <a:t>(Usa, Singapore) &amp; (Day, Night)</a:t>
+              <a:t>”. </a:t>
             </a:r>
-          </a:p>
-          <a:p>
-            <a:pPr marL="342900" indent="-342900">
-              <a:buFont typeface="Arial" panose="020B0604020202020204" pitchFamily="34" charset="0"/>
-              <a:buChar char="•"/>
-            </a:pPr>
             <a:r>
-              <a:rPr lang="en-US" altLang="zh-CN">
+              <a:rPr lang="en-US" altLang="zh-CN" sz="2000">
                 <a:latin typeface="Times New Roman" panose="02020603050405020304" pitchFamily="18" charset="0"/>
                 <a:cs typeface="Times New Roman" panose="02020603050405020304" pitchFamily="18" charset="0"/>
+                <a:hlinkClick r:id="rId3" action="ppaction://hlinksldjump"/>
               </a:rPr>
-              <a:t>Two splits on source</a:t>
+              <a:t>See the results. </a:t>
             </a:r>
-          </a:p>
-          <a:p>
-            <a:pPr marL="800100" lvl="1" indent="-342900">
-              <a:buFont typeface="Arial" panose="020B0604020202020204" pitchFamily="34" charset="0"/>
-              <a:buChar char="•"/>
-            </a:pPr>
-            <a:r>
-              <a:rPr lang="en-US" altLang="zh-CN">
-                <a:latin typeface="Times New Roman" panose="02020603050405020304" pitchFamily="18" charset="0"/>
-                <a:cs typeface="Times New Roman" panose="02020603050405020304" pitchFamily="18" charset="0"/>
-              </a:rPr>
-              <a:t>Source_train &amp; Source_test</a:t>
-            </a:r>
-          </a:p>
-          <a:p>
-            <a:pPr marL="342900" indent="-342900">
-              <a:buFont typeface="Arial" panose="020B0604020202020204" pitchFamily="34" charset="0"/>
-              <a:buChar char="•"/>
-            </a:pPr>
-            <a:r>
-              <a:rPr lang="en-US" altLang="zh-CN">
-                <a:latin typeface="Times New Roman" panose="02020603050405020304" pitchFamily="18" charset="0"/>
-                <a:cs typeface="Times New Roman" panose="02020603050405020304" pitchFamily="18" charset="0"/>
-              </a:rPr>
-              <a:t>Three splits on target</a:t>
-            </a:r>
-          </a:p>
-          <a:p>
-            <a:pPr marL="800100" lvl="1" indent="-342900">
-              <a:buFont typeface="Arial" panose="020B0604020202020204" pitchFamily="34" charset="0"/>
-              <a:buChar char="•"/>
-            </a:pPr>
-            <a:r>
-              <a:rPr lang="en-US" altLang="zh-CN">
-                <a:latin typeface="Times New Roman" panose="02020603050405020304" pitchFamily="18" charset="0"/>
-                <a:cs typeface="Times New Roman" panose="02020603050405020304" pitchFamily="18" charset="0"/>
-              </a:rPr>
-              <a:t>Target_train, Target_test &amp; Target_val</a:t>
-            </a:r>
-          </a:p>
-          <a:p>
-            <a:pPr marL="342900" indent="-342900">
-              <a:buFont typeface="Arial" panose="020B0604020202020204" pitchFamily="34" charset="0"/>
-              <a:buChar char="•"/>
-            </a:pPr>
-            <a:r>
-              <a:rPr lang="en-US" altLang="zh-CN">
-                <a:solidFill>
-                  <a:srgbClr val="FF0000"/>
-                </a:solidFill>
-                <a:latin typeface="Times New Roman" panose="02020603050405020304" pitchFamily="18" charset="0"/>
-                <a:cs typeface="Times New Roman" panose="02020603050405020304" pitchFamily="18" charset="0"/>
-              </a:rPr>
-              <a:t>All of the experiments (results shown in tables) up to now are carried on these splits!</a:t>
-            </a:r>
-          </a:p>
-          <a:p>
-            <a:pPr marL="342900" indent="-342900">
-              <a:buFont typeface="Arial" panose="020B0604020202020204" pitchFamily="34" charset="0"/>
-              <a:buChar char="•"/>
-            </a:pPr>
-            <a:endParaRPr lang="en-US" altLang="zh-CN">
+            <a:endParaRPr lang="en-US" altLang="zh-CN" sz="2000">
               <a:latin typeface="Times New Roman" panose="02020603050405020304" pitchFamily="18" charset="0"/>
               <a:cs typeface="Times New Roman" panose="02020603050405020304" pitchFamily="18" charset="0"/>
             </a:endParaRPr>
           </a:p>
           <a:p>
-            <a:pPr lvl="1"/>
-            <a:endParaRPr lang="en-US" altLang="zh-CN">
+            <a:pPr marL="285750" indent="-285750">
+              <a:buFont typeface="Arial" panose="020B0604020202020204" pitchFamily="34" charset="0"/>
+              <a:buChar char="•"/>
+            </a:pPr>
+            <a:endParaRPr lang="en-US" altLang="zh-CN" sz="2000">
               <a:latin typeface="Times New Roman" panose="02020603050405020304" pitchFamily="18" charset="0"/>
               <a:cs typeface="Times New Roman" panose="02020603050405020304" pitchFamily="18" charset="0"/>
             </a:endParaRPr>
           </a:p>
           <a:p>
-            <a:pPr lvl="1"/>
-            <a:endParaRPr lang="en-US" altLang="zh-CN">
+            <a:pPr marL="285750" indent="-285750">
+              <a:buFont typeface="Arial" panose="020B0604020202020204" pitchFamily="34" charset="0"/>
+              <a:buChar char="•"/>
+            </a:pPr>
+            <a:r>
+              <a:rPr lang="en-US" altLang="zh-CN" sz="2000">
+                <a:latin typeface="Times New Roman" panose="02020603050405020304" pitchFamily="18" charset="0"/>
+                <a:cs typeface="Times New Roman" panose="02020603050405020304" pitchFamily="18" charset="0"/>
+              </a:rPr>
+              <a:t>So at this point we return to contrastive loss on a single domain to check its effectiveness on source_test. This corresponds to config meta “</a:t>
+            </a:r>
+            <a:r>
+              <a:rPr lang="en-US" altLang="zh-CN" sz="2000">
+                <a:latin typeface="Times New Roman" panose="02020603050405020304" pitchFamily="18" charset="0"/>
+                <a:cs typeface="Times New Roman" panose="02020603050405020304" pitchFamily="18" charset="0"/>
+                <a:hlinkClick r:id="rId2" action="ppaction://hlinksldjump"/>
+              </a:rPr>
+              <a:t>src_ctr_usa</a:t>
+            </a:r>
+            <a:r>
+              <a:rPr lang="en-US" altLang="zh-CN" sz="2000">
+                <a:latin typeface="Times New Roman" panose="02020603050405020304" pitchFamily="18" charset="0"/>
+                <a:cs typeface="Times New Roman" panose="02020603050405020304" pitchFamily="18" charset="0"/>
+              </a:rPr>
+              <a:t>”. </a:t>
+            </a:r>
+            <a:r>
+              <a:rPr lang="en-US" altLang="zh-CN" sz="2000">
+                <a:latin typeface="Times New Roman" panose="02020603050405020304" pitchFamily="18" charset="0"/>
+                <a:cs typeface="Times New Roman" panose="02020603050405020304" pitchFamily="18" charset="0"/>
+                <a:hlinkClick r:id="rId4" action="ppaction://hlinksldjump"/>
+              </a:rPr>
+              <a:t>See the results. </a:t>
+            </a:r>
+            <a:endParaRPr lang="zh-CN" altLang="en-US" sz="2000">
               <a:latin typeface="Times New Roman" panose="02020603050405020304" pitchFamily="18" charset="0"/>
               <a:cs typeface="Times New Roman" panose="02020603050405020304" pitchFamily="18" charset="0"/>
             </a:endParaRPr>
@@ -10227,7 +9251,7 @@
     </p:spTree>
     <p:extLst>
       <p:ext uri="{BB962C8B-B14F-4D97-AF65-F5344CB8AC3E}">
-        <p14:creationId xmlns:p14="http://schemas.microsoft.com/office/powerpoint/2010/main" val="171116346"/>
+        <p14:creationId xmlns:p14="http://schemas.microsoft.com/office/powerpoint/2010/main" val="2399061716"/>
       </p:ext>
     </p:extLst>
   </p:cSld>
@@ -10254,78 +9278,530 @@
           <a:chExt cx="0" cy="0"/>
         </a:xfrm>
       </p:grpSpPr>
-      <p:sp>
-        <p:nvSpPr>
-          <p:cNvPr id="2" name="文本框 1">
+      <p:grpSp>
+        <p:nvGrpSpPr>
+          <p:cNvPr id="27" name="组合 26">
             <a:extLst>
               <a:ext uri="{FF2B5EF4-FFF2-40B4-BE49-F238E27FC236}">
-                <a16:creationId xmlns:a16="http://schemas.microsoft.com/office/drawing/2014/main" id="{6FE2EDB8-F1A8-4963-B475-1939129D1C70}"/>
+                <a16:creationId xmlns:a16="http://schemas.microsoft.com/office/drawing/2014/main" id="{F6E751EA-F9B2-4DD5-A38D-78CBFE536DFB}"/>
               </a:ext>
             </a:extLst>
           </p:cNvPr>
-          <p:cNvSpPr txBox="1"/>
+          <p:cNvGrpSpPr/>
           <p:nvPr/>
-        </p:nvSpPr>
+        </p:nvGrpSpPr>
+        <p:grpSpPr>
+          <a:xfrm>
+            <a:off x="7811803" y="464909"/>
+            <a:ext cx="3811866" cy="2383764"/>
+            <a:chOff x="7458014" y="4048217"/>
+            <a:chExt cx="3811866" cy="2383764"/>
+          </a:xfrm>
+        </p:grpSpPr>
+        <p:pic>
+          <p:nvPicPr>
+            <p:cNvPr id="20" name="图片 19">
+              <a:extLst>
+                <a:ext uri="{FF2B5EF4-FFF2-40B4-BE49-F238E27FC236}">
+                  <a16:creationId xmlns:a16="http://schemas.microsoft.com/office/drawing/2014/main" id="{1087659A-CCCE-4995-B256-9E56D39E6511}"/>
+                </a:ext>
+              </a:extLst>
+            </p:cNvPr>
+            <p:cNvPicPr>
+              <a:picLocks noChangeAspect="1"/>
+            </p:cNvPicPr>
+            <p:nvPr/>
+          </p:nvPicPr>
+          <p:blipFill rotWithShape="1">
+            <a:blip r:embed="rId2"/>
+            <a:srcRect t="15762" b="26851"/>
+            <a:stretch/>
+          </p:blipFill>
+          <p:spPr>
+            <a:xfrm>
+              <a:off x="8283220" y="4048217"/>
+              <a:ext cx="2986660" cy="1908700"/>
+            </a:xfrm>
+            <a:prstGeom prst="rect">
+              <a:avLst/>
+            </a:prstGeom>
+            <a:ln>
+              <a:noFill/>
+            </a:ln>
+          </p:spPr>
+        </p:pic>
+        <p:sp>
+          <p:nvSpPr>
+            <p:cNvPr id="21" name="文本框 20">
+              <a:extLst>
+                <a:ext uri="{FF2B5EF4-FFF2-40B4-BE49-F238E27FC236}">
+                  <a16:creationId xmlns:a16="http://schemas.microsoft.com/office/drawing/2014/main" id="{F22AA1B0-2617-4626-990E-5AB0ECF9051D}"/>
+                </a:ext>
+              </a:extLst>
+            </p:cNvPr>
+            <p:cNvSpPr txBox="1"/>
+            <p:nvPr/>
+          </p:nvSpPr>
+          <p:spPr>
+            <a:xfrm>
+              <a:off x="7458014" y="4259662"/>
+              <a:ext cx="1135247" cy="261610"/>
+            </a:xfrm>
+            <a:prstGeom prst="rect">
+              <a:avLst/>
+            </a:prstGeom>
+            <a:noFill/>
+          </p:spPr>
+          <p:txBody>
+            <a:bodyPr wrap="none" rtlCol="0">
+              <a:spAutoFit/>
+            </a:bodyPr>
+            <a:lstStyle/>
+            <a:p>
+              <a:r>
+                <a:rPr lang="en-US" altLang="zh-CN" sz="1100">
+                  <a:latin typeface="Arial" panose="020B0604020202020204" pitchFamily="34" charset="0"/>
+                  <a:cs typeface="Arial" panose="020B0604020202020204" pitchFamily="34" charset="0"/>
+                </a:rPr>
+                <a:t>UNetResNet34</a:t>
+              </a:r>
+              <a:endParaRPr lang="zh-CN" altLang="en-US" sz="1100">
+                <a:latin typeface="Arial" panose="020B0604020202020204" pitchFamily="34" charset="0"/>
+                <a:cs typeface="Arial" panose="020B0604020202020204" pitchFamily="34" charset="0"/>
+              </a:endParaRPr>
+            </a:p>
+          </p:txBody>
+        </p:sp>
+        <p:sp>
+          <p:nvSpPr>
+            <p:cNvPr id="22" name="文本框 21">
+              <a:extLst>
+                <a:ext uri="{FF2B5EF4-FFF2-40B4-BE49-F238E27FC236}">
+                  <a16:creationId xmlns:a16="http://schemas.microsoft.com/office/drawing/2014/main" id="{F4F3B5EB-9065-42F1-BB3D-4E7FF742E278}"/>
+                </a:ext>
+              </a:extLst>
+            </p:cNvPr>
+            <p:cNvSpPr txBox="1"/>
+            <p:nvPr/>
+          </p:nvSpPr>
+          <p:spPr>
+            <a:xfrm>
+              <a:off x="7759996" y="5469539"/>
+              <a:ext cx="806631" cy="261610"/>
+            </a:xfrm>
+            <a:prstGeom prst="rect">
+              <a:avLst/>
+            </a:prstGeom>
+            <a:noFill/>
+          </p:spPr>
+          <p:txBody>
+            <a:bodyPr wrap="none" rtlCol="0">
+              <a:spAutoFit/>
+            </a:bodyPr>
+            <a:lstStyle/>
+            <a:p>
+              <a:r>
+                <a:rPr lang="en-US" altLang="zh-CN" sz="1100">
+                  <a:latin typeface="Arial" panose="020B0604020202020204" pitchFamily="34" charset="0"/>
+                  <a:cs typeface="Arial" panose="020B0604020202020204" pitchFamily="34" charset="0"/>
+                </a:rPr>
+                <a:t>UNetSCN</a:t>
+              </a:r>
+              <a:endParaRPr lang="zh-CN" altLang="en-US" sz="1100">
+                <a:latin typeface="Arial" panose="020B0604020202020204" pitchFamily="34" charset="0"/>
+                <a:cs typeface="Arial" panose="020B0604020202020204" pitchFamily="34" charset="0"/>
+              </a:endParaRPr>
+            </a:p>
+          </p:txBody>
+        </p:sp>
+        <p:sp>
+          <p:nvSpPr>
+            <p:cNvPr id="23" name="文本框 22">
+              <a:extLst>
+                <a:ext uri="{FF2B5EF4-FFF2-40B4-BE49-F238E27FC236}">
+                  <a16:creationId xmlns:a16="http://schemas.microsoft.com/office/drawing/2014/main" id="{16AAB483-19E3-4F93-9C12-25C3E626CFBC}"/>
+                </a:ext>
+              </a:extLst>
+            </p:cNvPr>
+            <p:cNvSpPr txBox="1"/>
+            <p:nvPr/>
+          </p:nvSpPr>
+          <p:spPr>
+            <a:xfrm>
+              <a:off x="8736082" y="4657657"/>
+              <a:ext cx="654346" cy="276999"/>
+            </a:xfrm>
+            <a:prstGeom prst="rect">
+              <a:avLst/>
+            </a:prstGeom>
+            <a:noFill/>
+          </p:spPr>
+          <p:txBody>
+            <a:bodyPr wrap="none" rtlCol="0">
+              <a:spAutoFit/>
+            </a:bodyPr>
+            <a:lstStyle/>
+            <a:p>
+              <a:r>
+                <a:rPr lang="en-US" altLang="zh-CN" sz="1200">
+                  <a:latin typeface="Arial" panose="020B0604020202020204" pitchFamily="34" charset="0"/>
+                  <a:cs typeface="Arial" panose="020B0604020202020204" pitchFamily="34" charset="0"/>
+                </a:rPr>
+                <a:t>(N, 64)</a:t>
+              </a:r>
+              <a:endParaRPr lang="zh-CN" altLang="en-US" sz="1200">
+                <a:latin typeface="Arial" panose="020B0604020202020204" pitchFamily="34" charset="0"/>
+                <a:cs typeface="Arial" panose="020B0604020202020204" pitchFamily="34" charset="0"/>
+              </a:endParaRPr>
+            </a:p>
+          </p:txBody>
+        </p:sp>
+        <p:sp>
+          <p:nvSpPr>
+            <p:cNvPr id="24" name="文本框 23">
+              <a:extLst>
+                <a:ext uri="{FF2B5EF4-FFF2-40B4-BE49-F238E27FC236}">
+                  <a16:creationId xmlns:a16="http://schemas.microsoft.com/office/drawing/2014/main" id="{19185A92-F2E9-47B7-80CD-9E410E63453B}"/>
+                </a:ext>
+              </a:extLst>
+            </p:cNvPr>
+            <p:cNvSpPr txBox="1"/>
+            <p:nvPr/>
+          </p:nvSpPr>
+          <p:spPr>
+            <a:xfrm>
+              <a:off x="8736082" y="5874364"/>
+              <a:ext cx="654346" cy="276999"/>
+            </a:xfrm>
+            <a:prstGeom prst="rect">
+              <a:avLst/>
+            </a:prstGeom>
+            <a:noFill/>
+          </p:spPr>
+          <p:txBody>
+            <a:bodyPr wrap="none" rtlCol="0">
+              <a:spAutoFit/>
+            </a:bodyPr>
+            <a:lstStyle/>
+            <a:p>
+              <a:r>
+                <a:rPr lang="en-US" altLang="zh-CN" sz="1200">
+                  <a:latin typeface="Arial" panose="020B0604020202020204" pitchFamily="34" charset="0"/>
+                  <a:cs typeface="Arial" panose="020B0604020202020204" pitchFamily="34" charset="0"/>
+                </a:rPr>
+                <a:t>(N, 16)</a:t>
+              </a:r>
+              <a:endParaRPr lang="zh-CN" altLang="en-US" sz="1200">
+                <a:latin typeface="Arial" panose="020B0604020202020204" pitchFamily="34" charset="0"/>
+                <a:cs typeface="Arial" panose="020B0604020202020204" pitchFamily="34" charset="0"/>
+              </a:endParaRPr>
+            </a:p>
+          </p:txBody>
+        </p:sp>
+        <p:sp>
+          <p:nvSpPr>
+            <p:cNvPr id="25" name="文本框 24">
+              <a:extLst>
+                <a:ext uri="{FF2B5EF4-FFF2-40B4-BE49-F238E27FC236}">
+                  <a16:creationId xmlns:a16="http://schemas.microsoft.com/office/drawing/2014/main" id="{CF18B202-AC42-42BE-8797-49E756D4A85A}"/>
+                </a:ext>
+              </a:extLst>
+            </p:cNvPr>
+            <p:cNvSpPr txBox="1"/>
+            <p:nvPr/>
+          </p:nvSpPr>
+          <p:spPr>
+            <a:xfrm>
+              <a:off x="9528481" y="5295527"/>
+              <a:ext cx="914033" cy="276999"/>
+            </a:xfrm>
+            <a:prstGeom prst="rect">
+              <a:avLst/>
+            </a:prstGeom>
+            <a:noFill/>
+          </p:spPr>
+          <p:txBody>
+            <a:bodyPr wrap="none" rtlCol="0">
+              <a:spAutoFit/>
+            </a:bodyPr>
+            <a:lstStyle/>
+            <a:p>
+              <a:r>
+                <a:rPr lang="en-US" altLang="zh-CN" sz="1200">
+                  <a:latin typeface="Arial" panose="020B0604020202020204" pitchFamily="34" charset="0"/>
+                  <a:cs typeface="Arial" panose="020B0604020202020204" pitchFamily="34" charset="0"/>
+                </a:rPr>
+                <a:t>(N, 64+16)</a:t>
+              </a:r>
+              <a:endParaRPr lang="zh-CN" altLang="en-US" sz="1200">
+                <a:latin typeface="Arial" panose="020B0604020202020204" pitchFamily="34" charset="0"/>
+                <a:cs typeface="Arial" panose="020B0604020202020204" pitchFamily="34" charset="0"/>
+              </a:endParaRPr>
+            </a:p>
+          </p:txBody>
+        </p:sp>
+        <p:sp>
+          <p:nvSpPr>
+            <p:cNvPr id="26" name="文本框 25">
+              <a:extLst>
+                <a:ext uri="{FF2B5EF4-FFF2-40B4-BE49-F238E27FC236}">
+                  <a16:creationId xmlns:a16="http://schemas.microsoft.com/office/drawing/2014/main" id="{42800B3A-071D-47A4-B05E-6C7764473345}"/>
+                </a:ext>
+              </a:extLst>
+            </p:cNvPr>
+            <p:cNvSpPr txBox="1"/>
+            <p:nvPr/>
+          </p:nvSpPr>
+          <p:spPr>
+            <a:xfrm>
+              <a:off x="8050388" y="6093427"/>
+              <a:ext cx="2545762" cy="338554"/>
+            </a:xfrm>
+            <a:prstGeom prst="rect">
+              <a:avLst/>
+            </a:prstGeom>
+            <a:noFill/>
+          </p:spPr>
+          <p:txBody>
+            <a:bodyPr wrap="none" rtlCol="0">
+              <a:spAutoFit/>
+            </a:bodyPr>
+            <a:lstStyle/>
+            <a:p>
+              <a:r>
+                <a:rPr lang="en-US" altLang="zh-CN" sz="1600" b="1">
+                  <a:latin typeface="Arial" panose="020B0604020202020204" pitchFamily="34" charset="0"/>
+                  <a:cs typeface="Arial" panose="020B0604020202020204" pitchFamily="34" charset="0"/>
+                </a:rPr>
+                <a:t>Vanilla Fusion(Baseline)</a:t>
+              </a:r>
+              <a:endParaRPr lang="zh-CN" altLang="en-US" sz="1600" b="1">
+                <a:latin typeface="Arial" panose="020B0604020202020204" pitchFamily="34" charset="0"/>
+                <a:cs typeface="Arial" panose="020B0604020202020204" pitchFamily="34" charset="0"/>
+              </a:endParaRPr>
+            </a:p>
+          </p:txBody>
+        </p:sp>
+      </p:grpSp>
+      <p:pic>
+        <p:nvPicPr>
+          <p:cNvPr id="33" name="图片 32">
+            <a:extLst>
+              <a:ext uri="{FF2B5EF4-FFF2-40B4-BE49-F238E27FC236}">
+                <a16:creationId xmlns:a16="http://schemas.microsoft.com/office/drawing/2014/main" id="{8666F1A5-62EB-4DB9-97B5-62C83396D7EE}"/>
+              </a:ext>
+            </a:extLst>
+          </p:cNvPr>
+          <p:cNvPicPr>
+            <a:picLocks noChangeAspect="1"/>
+          </p:cNvPicPr>
+          <p:nvPr/>
+        </p:nvPicPr>
+        <p:blipFill>
+          <a:blip r:embed="rId3"/>
+          <a:stretch>
+            <a:fillRect/>
+          </a:stretch>
+        </p:blipFill>
         <p:spPr>
           <a:xfrm>
-            <a:off x="417251" y="346229"/>
-            <a:ext cx="3929281" cy="1015663"/>
+            <a:off x="-13045" y="3239848"/>
+            <a:ext cx="6075572" cy="3189093"/>
           </a:xfrm>
           <a:prstGeom prst="rect">
             <a:avLst/>
           </a:prstGeom>
-          <a:noFill/>
         </p:spPr>
-        <p:txBody>
-          <a:bodyPr wrap="none" rtlCol="0">
-            <a:spAutoFit/>
-          </a:bodyPr>
-          <a:lstStyle/>
-          <a:p>
-            <a:r>
-              <a:rPr lang="en-US" altLang="zh-CN" sz="2000" b="1">
-                <a:latin typeface="Times New Roman" panose="02020603050405020304" pitchFamily="18" charset="0"/>
-                <a:cs typeface="Times New Roman" panose="02020603050405020304" pitchFamily="18" charset="0"/>
-              </a:rPr>
-              <a:t>03/19/2021</a:t>
-            </a:r>
-          </a:p>
-          <a:p>
-            <a:pPr marL="342900" indent="-342900">
-              <a:buFont typeface="Arial" panose="020B0604020202020204" pitchFamily="34" charset="0"/>
-              <a:buChar char="•"/>
-            </a:pPr>
-            <a:r>
-              <a:rPr lang="en-US" altLang="zh-CN" sz="2000">
-                <a:latin typeface="Times New Roman" panose="02020603050405020304" pitchFamily="18" charset="0"/>
-                <a:cs typeface="Times New Roman" panose="02020603050405020304" pitchFamily="18" charset="0"/>
-              </a:rPr>
-              <a:t>Baseline_usa_v0(baseline1_usa)</a:t>
-            </a:r>
-          </a:p>
-          <a:p>
-            <a:pPr marL="342900" indent="-342900">
-              <a:buFont typeface="Arial" panose="020B0604020202020204" pitchFamily="34" charset="0"/>
-              <a:buChar char="•"/>
-            </a:pPr>
-            <a:r>
-              <a:rPr lang="en-US" altLang="zh-CN" sz="2000">
-                <a:latin typeface="Times New Roman" panose="02020603050405020304" pitchFamily="18" charset="0"/>
-                <a:cs typeface="Times New Roman" panose="02020603050405020304" pitchFamily="18" charset="0"/>
-              </a:rPr>
-              <a:t>Contrast_usa_v0</a:t>
-            </a:r>
-            <a:endParaRPr lang="zh-CN" altLang="en-US" sz="2000">
-              <a:latin typeface="Times New Roman" panose="02020603050405020304" pitchFamily="18" charset="0"/>
-              <a:cs typeface="Times New Roman" panose="02020603050405020304" pitchFamily="18" charset="0"/>
-            </a:endParaRPr>
-          </a:p>
-        </p:txBody>
-      </p:sp>
+      </p:pic>
+      <p:pic>
+        <p:nvPicPr>
+          <p:cNvPr id="35" name="图片 34">
+            <a:extLst>
+              <a:ext uri="{FF2B5EF4-FFF2-40B4-BE49-F238E27FC236}">
+                <a16:creationId xmlns:a16="http://schemas.microsoft.com/office/drawing/2014/main" id="{68E3F081-3CDD-449D-B505-F1A9F81C4B54}"/>
+              </a:ext>
+            </a:extLst>
+          </p:cNvPr>
+          <p:cNvPicPr>
+            <a:picLocks noChangeAspect="1"/>
+          </p:cNvPicPr>
+          <p:nvPr/>
+        </p:nvPicPr>
+        <p:blipFill>
+          <a:blip r:embed="rId4"/>
+          <a:stretch>
+            <a:fillRect/>
+          </a:stretch>
+        </p:blipFill>
+        <p:spPr>
+          <a:xfrm>
+            <a:off x="-13045" y="62245"/>
+            <a:ext cx="6068189" cy="3189093"/>
+          </a:xfrm>
+          <a:prstGeom prst="rect">
+            <a:avLst/>
+          </a:prstGeom>
+        </p:spPr>
+      </p:pic>
+      <mc:AlternateContent xmlns:mc="http://schemas.openxmlformats.org/markup-compatibility/2006" xmlns:a14="http://schemas.microsoft.com/office/drawing/2010/main">
+        <mc:Choice Requires="a14">
+          <p:sp>
+            <p:nvSpPr>
+              <p:cNvPr id="12" name="文本框 11">
+                <a:extLst>
+                  <a:ext uri="{FF2B5EF4-FFF2-40B4-BE49-F238E27FC236}">
+                    <a16:creationId xmlns:a16="http://schemas.microsoft.com/office/drawing/2014/main" id="{78E6D1BA-0394-4D01-8E20-56FD96EDB55A}"/>
+                  </a:ext>
+                </a:extLst>
+              </p:cNvPr>
+              <p:cNvSpPr txBox="1"/>
+              <p:nvPr/>
+            </p:nvSpPr>
+            <p:spPr>
+              <a:xfrm>
+                <a:off x="6988462" y="3620919"/>
+                <a:ext cx="1802096" cy="945900"/>
+              </a:xfrm>
+              <a:prstGeom prst="rect">
+                <a:avLst/>
+              </a:prstGeom>
+              <a:noFill/>
+            </p:spPr>
+            <p:txBody>
+              <a:bodyPr wrap="none" rtlCol="0">
+                <a:spAutoFit/>
+              </a:bodyPr>
+              <a:lstStyle/>
+              <a:p>
+                <a:r>
+                  <a:rPr lang="en-US" altLang="zh-CN">
+                    <a:latin typeface="Calibri" panose="020F0502020204030204" pitchFamily="34" charset="0"/>
+                    <a:cs typeface="Calibri" panose="020F0502020204030204" pitchFamily="34" charset="0"/>
+                  </a:rPr>
+                  <a:t>baseline_usa_v0:</a:t>
+                </a:r>
+              </a:p>
+              <a:p>
+                <a:pPr marL="285750" indent="-285750">
+                  <a:buFont typeface="Arial" panose="020B0604020202020204" pitchFamily="34" charset="0"/>
+                  <a:buChar char="•"/>
+                </a:pPr>
+                <a:r>
+                  <a:rPr lang="en-US" altLang="zh-CN">
+                    <a:latin typeface="Calibri" panose="020F0502020204030204" pitchFamily="34" charset="0"/>
+                    <a:cs typeface="Calibri" panose="020F0502020204030204" pitchFamily="34" charset="0"/>
+                  </a:rPr>
+                  <a:t>batch_size=4</a:t>
+                </a:r>
+              </a:p>
+              <a:p>
+                <a:pPr marL="285750" indent="-285750">
+                  <a:buFont typeface="Arial" panose="020B0604020202020204" pitchFamily="34" charset="0"/>
+                  <a:buChar char="•"/>
+                </a:pPr>
+                <a14:m>
+                  <m:oMath xmlns:m="http://schemas.openxmlformats.org/officeDocument/2006/math">
+                    <m:r>
+                      <a:rPr lang="en-US" altLang="zh-CN" b="0" i="1" smtClean="0">
+                        <a:latin typeface="Cambria Math" panose="02040503050406030204" pitchFamily="18" charset="0"/>
+                        <a:cs typeface="Calibri" panose="020F0502020204030204" pitchFamily="34" charset="0"/>
+                      </a:rPr>
+                      <m:t>𝐿</m:t>
+                    </m:r>
+                    <m:r>
+                      <a:rPr lang="en-US" altLang="zh-CN" b="0" i="1" smtClean="0">
+                        <a:latin typeface="Cambria Math" panose="02040503050406030204" pitchFamily="18" charset="0"/>
+                        <a:cs typeface="Calibri" panose="020F0502020204030204" pitchFamily="34" charset="0"/>
+                      </a:rPr>
+                      <m:t>=</m:t>
+                    </m:r>
+                    <m:sSub>
+                      <m:sSubPr>
+                        <m:ctrlPr>
+                          <a:rPr lang="en-US" altLang="zh-CN" b="0" i="1" smtClean="0">
+                            <a:latin typeface="Cambria Math" panose="02040503050406030204" pitchFamily="18" charset="0"/>
+                            <a:cs typeface="Calibri" panose="020F0502020204030204" pitchFamily="34" charset="0"/>
+                          </a:rPr>
+                        </m:ctrlPr>
+                      </m:sSubPr>
+                      <m:e>
+                        <m:r>
+                          <a:rPr lang="en-US" altLang="zh-CN" b="0" i="1" smtClean="0">
+                            <a:latin typeface="Cambria Math" panose="02040503050406030204" pitchFamily="18" charset="0"/>
+                            <a:cs typeface="Calibri" panose="020F0502020204030204" pitchFamily="34" charset="0"/>
+                          </a:rPr>
+                          <m:t>𝐿</m:t>
+                        </m:r>
+                      </m:e>
+                      <m:sub>
+                        <m:r>
+                          <a:rPr lang="en-US" altLang="zh-CN" b="0" i="1" smtClean="0">
+                            <a:latin typeface="Cambria Math" panose="02040503050406030204" pitchFamily="18" charset="0"/>
+                            <a:cs typeface="Calibri" panose="020F0502020204030204" pitchFamily="34" charset="0"/>
+                          </a:rPr>
+                          <m:t>𝑠𝑒𝑔</m:t>
+                        </m:r>
+                      </m:sub>
+                    </m:sSub>
+                  </m:oMath>
+                </a14:m>
+                <a:endParaRPr lang="en-US" altLang="zh-CN">
+                  <a:latin typeface="Calibri" panose="020F0502020204030204" pitchFamily="34" charset="0"/>
+                  <a:cs typeface="Calibri" panose="020F0502020204030204" pitchFamily="34" charset="0"/>
+                </a:endParaRPr>
+              </a:p>
+            </p:txBody>
+          </p:sp>
+        </mc:Choice>
+        <mc:Fallback xmlns="">
+          <p:sp>
+            <p:nvSpPr>
+              <p:cNvPr id="12" name="文本框 11">
+                <a:extLst>
+                  <a:ext uri="{FF2B5EF4-FFF2-40B4-BE49-F238E27FC236}">
+                    <a16:creationId xmlns:a16="http://schemas.microsoft.com/office/drawing/2014/main" id="{78E6D1BA-0394-4D01-8E20-56FD96EDB55A}"/>
+                  </a:ext>
+                </a:extLst>
+              </p:cNvPr>
+              <p:cNvSpPr txBox="1">
+                <a:spLocks noRot="1" noChangeAspect="1" noMove="1" noResize="1" noEditPoints="1" noAdjustHandles="1" noChangeArrowheads="1" noChangeShapeType="1" noTextEdit="1"/>
+              </p:cNvSpPr>
+              <p:nvPr/>
+            </p:nvSpPr>
+            <p:spPr>
+              <a:xfrm>
+                <a:off x="6988462" y="3620919"/>
+                <a:ext cx="1802096" cy="945900"/>
+              </a:xfrm>
+              <a:prstGeom prst="rect">
+                <a:avLst/>
+              </a:prstGeom>
+              <a:blipFill>
+                <a:blip r:embed="rId5"/>
+                <a:stretch>
+                  <a:fillRect l="-2703" t="-3871" r="-3041" b="-5161"/>
+                </a:stretch>
+              </a:blipFill>
+            </p:spPr>
+            <p:txBody>
+              <a:bodyPr/>
+              <a:lstStyle/>
+              <a:p>
+                <a:r>
+                  <a:rPr lang="zh-CN" altLang="en-US">
+                    <a:noFill/>
+                  </a:rPr>
+                  <a:t> </a:t>
+                </a:r>
+              </a:p>
+            </p:txBody>
+          </p:sp>
+        </mc:Fallback>
+      </mc:AlternateContent>
     </p:spTree>
     <p:extLst>
       <p:ext uri="{BB962C8B-B14F-4D97-AF65-F5344CB8AC3E}">
-        <p14:creationId xmlns:p14="http://schemas.microsoft.com/office/powerpoint/2010/main" val="3622945478"/>
+        <p14:creationId xmlns:p14="http://schemas.microsoft.com/office/powerpoint/2010/main" val="208617671"/>
       </p:ext>
     </p:extLst>
   </p:cSld>
@@ -11245,8 +10721,8 @@
           </a:prstGeom>
         </p:spPr>
       </p:pic>
-      <mc:AlternateContent xmlns:mc="http://schemas.openxmlformats.org/markup-compatibility/2006" xmlns:a14="http://schemas.microsoft.com/office/drawing/2010/main">
-        <mc:Choice Requires="a14">
+      <mc:AlternateContent xmlns:mc="http://schemas.openxmlformats.org/markup-compatibility/2006">
+        <mc:Choice xmlns:a14="http://schemas.microsoft.com/office/drawing/2010/main" Requires="a14">
           <p:sp>
             <p:nvSpPr>
               <p:cNvPr id="24" name="文本框 23">
@@ -11262,7 +10738,7 @@
             <p:spPr>
               <a:xfrm>
                 <a:off x="6626098" y="3939361"/>
-                <a:ext cx="4857164" cy="1222899"/>
+                <a:ext cx="4972580" cy="1222899"/>
               </a:xfrm>
               <a:prstGeom prst="rect">
                 <a:avLst/>
@@ -11281,6 +10757,30 @@
                     <a:cs typeface="Calibri" panose="020F0502020204030204" pitchFamily="34" charset="0"/>
                   </a:rPr>
                   <a:t>contrast_usa_v0:</a:t>
+                </a:r>
+              </a:p>
+              <a:p>
+                <a:pPr marL="285750" indent="-285750">
+                  <a:buFont typeface="Arial" panose="020B0604020202020204" pitchFamily="34" charset="0"/>
+                  <a:buChar char="•"/>
+                </a:pPr>
+                <a14:m>
+                  <m:oMath xmlns:m="http://schemas.openxmlformats.org/officeDocument/2006/math">
+                    <m:r>
+                      <a:rPr lang="zh-CN" altLang="el-GR" b="1" i="1" smtClean="0">
+                        <a:latin typeface="Cambria Math" panose="02040503050406030204" pitchFamily="18" charset="0"/>
+                        <a:cs typeface="Calibri" panose="020F0502020204030204" pitchFamily="34" charset="0"/>
+                      </a:rPr>
+                      <m:t>𝝀</m:t>
+                    </m:r>
+                  </m:oMath>
+                </a14:m>
+                <a:r>
+                  <a:rPr lang="en-US" altLang="zh-CN" b="1">
+                    <a:latin typeface="Times New Roman" panose="02020603050405020304" pitchFamily="18" charset="0"/>
+                    <a:cs typeface="Times New Roman" panose="02020603050405020304" pitchFamily="18" charset="0"/>
+                  </a:rPr>
+                  <a:t> = 0.1</a:t>
                 </a:r>
               </a:p>
               <a:p>
@@ -11502,38 +11002,10 @@
                   <a:t> </a:t>
                 </a:r>
               </a:p>
-              <a:p>
-                <a:pPr marL="285750" indent="-285750">
-                  <a:buFont typeface="Arial" panose="020B0604020202020204" pitchFamily="34" charset="0"/>
-                  <a:buChar char="•"/>
-                </a:pPr>
-                <a14:m>
-                  <m:oMath xmlns:m="http://schemas.openxmlformats.org/officeDocument/2006/math">
-                    <m:r>
-                      <a:rPr lang="zh-CN" altLang="en-US" i="1" smtClean="0">
-                        <a:latin typeface="Cambria Math" panose="02040503050406030204" pitchFamily="18" charset="0"/>
-                        <a:cs typeface="Calibri" panose="020F0502020204030204" pitchFamily="34" charset="0"/>
-                      </a:rPr>
-                      <m:t>𝜆</m:t>
-                    </m:r>
-                    <m:r>
-                      <a:rPr lang="en-US" altLang="zh-CN" i="1" smtClean="0">
-                        <a:latin typeface="Cambria Math" panose="02040503050406030204" pitchFamily="18" charset="0"/>
-                        <a:cs typeface="Calibri" panose="020F0502020204030204" pitchFamily="34" charset="0"/>
-                      </a:rPr>
-                      <m:t>=0.1</m:t>
-                    </m:r>
-                  </m:oMath>
-                </a14:m>
-                <a:endParaRPr lang="en-US" altLang="zh-CN">
-                  <a:latin typeface="Calibri" panose="020F0502020204030204" pitchFamily="34" charset="0"/>
-                  <a:cs typeface="Calibri" panose="020F0502020204030204" pitchFamily="34" charset="0"/>
-                </a:endParaRPr>
-              </a:p>
             </p:txBody>
           </p:sp>
         </mc:Choice>
-        <mc:Fallback xmlns="">
+        <mc:Fallback>
           <p:sp>
             <p:nvSpPr>
               <p:cNvPr id="24" name="文本框 23">
@@ -11551,7 +11023,7 @@
             <p:spPr>
               <a:xfrm>
                 <a:off x="6626098" y="3939361"/>
-                <a:ext cx="4857164" cy="1222899"/>
+                <a:ext cx="4972580" cy="1222899"/>
               </a:xfrm>
               <a:prstGeom prst="rect">
                 <a:avLst/>
@@ -11559,7 +11031,7 @@
               <a:blipFill>
                 <a:blip r:embed="rId5"/>
                 <a:stretch>
-                  <a:fillRect l="-1129" t="-2488" b="-4975"/>
+                  <a:fillRect l="-1103" t="-2488" b="-3483"/>
                 </a:stretch>
               </a:blipFill>
             </p:spPr>
@@ -11608,317 +11080,42 @@
           <a:chExt cx="0" cy="0"/>
         </a:xfrm>
       </p:grpSpPr>
-      <p:grpSp>
-        <p:nvGrpSpPr>
-          <p:cNvPr id="27" name="组合 26">
+      <p:pic>
+        <p:nvPicPr>
+          <p:cNvPr id="3" name="图片 2">
             <a:extLst>
               <a:ext uri="{FF2B5EF4-FFF2-40B4-BE49-F238E27FC236}">
-                <a16:creationId xmlns:a16="http://schemas.microsoft.com/office/drawing/2014/main" id="{F6E751EA-F9B2-4DD5-A38D-78CBFE536DFB}"/>
+                <a16:creationId xmlns:a16="http://schemas.microsoft.com/office/drawing/2014/main" id="{DE342D5A-602A-4257-8A5E-9F4E485F8AD4}"/>
               </a:ext>
             </a:extLst>
           </p:cNvPr>
-          <p:cNvGrpSpPr/>
+          <p:cNvPicPr>
+            <a:picLocks noChangeAspect="1"/>
+          </p:cNvPicPr>
           <p:nvPr/>
-        </p:nvGrpSpPr>
-        <p:grpSpPr>
+        </p:nvPicPr>
+        <p:blipFill>
+          <a:blip r:embed="rId2"/>
+          <a:stretch>
+            <a:fillRect/>
+          </a:stretch>
+        </p:blipFill>
+        <p:spPr>
           <a:xfrm>
-            <a:off x="7811803" y="464909"/>
-            <a:ext cx="3811866" cy="2383764"/>
-            <a:chOff x="7458014" y="4048217"/>
-            <a:chExt cx="3811866" cy="2383764"/>
+            <a:off x="0" y="3429000"/>
+            <a:ext cx="6096000" cy="3228896"/>
           </a:xfrm>
-        </p:grpSpPr>
-        <p:pic>
-          <p:nvPicPr>
-            <p:cNvPr id="20" name="图片 19">
-              <a:extLst>
-                <a:ext uri="{FF2B5EF4-FFF2-40B4-BE49-F238E27FC236}">
-                  <a16:creationId xmlns:a16="http://schemas.microsoft.com/office/drawing/2014/main" id="{1087659A-CCCE-4995-B256-9E56D39E6511}"/>
-                </a:ext>
-              </a:extLst>
-            </p:cNvPr>
-            <p:cNvPicPr>
-              <a:picLocks noChangeAspect="1"/>
-            </p:cNvPicPr>
-            <p:nvPr/>
-          </p:nvPicPr>
-          <p:blipFill rotWithShape="1">
-            <a:blip r:embed="rId2"/>
-            <a:srcRect t="15762" b="26851"/>
-            <a:stretch/>
-          </p:blipFill>
-          <p:spPr>
-            <a:xfrm>
-              <a:off x="8283220" y="4048217"/>
-              <a:ext cx="2986660" cy="1908700"/>
-            </a:xfrm>
-            <a:prstGeom prst="rect">
-              <a:avLst/>
-            </a:prstGeom>
-            <a:ln>
-              <a:noFill/>
-            </a:ln>
-          </p:spPr>
-        </p:pic>
-        <p:sp>
-          <p:nvSpPr>
-            <p:cNvPr id="21" name="文本框 20">
-              <a:extLst>
-                <a:ext uri="{FF2B5EF4-FFF2-40B4-BE49-F238E27FC236}">
-                  <a16:creationId xmlns:a16="http://schemas.microsoft.com/office/drawing/2014/main" id="{F22AA1B0-2617-4626-990E-5AB0ECF9051D}"/>
-                </a:ext>
-              </a:extLst>
-            </p:cNvPr>
-            <p:cNvSpPr txBox="1"/>
-            <p:nvPr/>
-          </p:nvSpPr>
-          <p:spPr>
-            <a:xfrm>
-              <a:off x="7458014" y="4259662"/>
-              <a:ext cx="1135247" cy="261610"/>
-            </a:xfrm>
-            <a:prstGeom prst="rect">
-              <a:avLst/>
-            </a:prstGeom>
-            <a:noFill/>
-          </p:spPr>
-          <p:txBody>
-            <a:bodyPr wrap="none" rtlCol="0">
-              <a:spAutoFit/>
-            </a:bodyPr>
-            <a:lstStyle/>
-            <a:p>
-              <a:r>
-                <a:rPr lang="en-US" altLang="zh-CN" sz="1100">
-                  <a:latin typeface="Arial" panose="020B0604020202020204" pitchFamily="34" charset="0"/>
-                  <a:cs typeface="Arial" panose="020B0604020202020204" pitchFamily="34" charset="0"/>
-                </a:rPr>
-                <a:t>UNetResNet34</a:t>
-              </a:r>
-              <a:endParaRPr lang="zh-CN" altLang="en-US" sz="1100">
-                <a:latin typeface="Arial" panose="020B0604020202020204" pitchFamily="34" charset="0"/>
-                <a:cs typeface="Arial" panose="020B0604020202020204" pitchFamily="34" charset="0"/>
-              </a:endParaRPr>
-            </a:p>
-          </p:txBody>
-        </p:sp>
-        <p:sp>
-          <p:nvSpPr>
-            <p:cNvPr id="22" name="文本框 21">
-              <a:extLst>
-                <a:ext uri="{FF2B5EF4-FFF2-40B4-BE49-F238E27FC236}">
-                  <a16:creationId xmlns:a16="http://schemas.microsoft.com/office/drawing/2014/main" id="{F4F3B5EB-9065-42F1-BB3D-4E7FF742E278}"/>
-                </a:ext>
-              </a:extLst>
-            </p:cNvPr>
-            <p:cNvSpPr txBox="1"/>
-            <p:nvPr/>
-          </p:nvSpPr>
-          <p:spPr>
-            <a:xfrm>
-              <a:off x="7759996" y="5469539"/>
-              <a:ext cx="806631" cy="261610"/>
-            </a:xfrm>
-            <a:prstGeom prst="rect">
-              <a:avLst/>
-            </a:prstGeom>
-            <a:noFill/>
-          </p:spPr>
-          <p:txBody>
-            <a:bodyPr wrap="none" rtlCol="0">
-              <a:spAutoFit/>
-            </a:bodyPr>
-            <a:lstStyle/>
-            <a:p>
-              <a:r>
-                <a:rPr lang="en-US" altLang="zh-CN" sz="1100">
-                  <a:latin typeface="Arial" panose="020B0604020202020204" pitchFamily="34" charset="0"/>
-                  <a:cs typeface="Arial" panose="020B0604020202020204" pitchFamily="34" charset="0"/>
-                </a:rPr>
-                <a:t>UNetSCN</a:t>
-              </a:r>
-              <a:endParaRPr lang="zh-CN" altLang="en-US" sz="1100">
-                <a:latin typeface="Arial" panose="020B0604020202020204" pitchFamily="34" charset="0"/>
-                <a:cs typeface="Arial" panose="020B0604020202020204" pitchFamily="34" charset="0"/>
-              </a:endParaRPr>
-            </a:p>
-          </p:txBody>
-        </p:sp>
-        <p:sp>
-          <p:nvSpPr>
-            <p:cNvPr id="23" name="文本框 22">
-              <a:extLst>
-                <a:ext uri="{FF2B5EF4-FFF2-40B4-BE49-F238E27FC236}">
-                  <a16:creationId xmlns:a16="http://schemas.microsoft.com/office/drawing/2014/main" id="{16AAB483-19E3-4F93-9C12-25C3E626CFBC}"/>
-                </a:ext>
-              </a:extLst>
-            </p:cNvPr>
-            <p:cNvSpPr txBox="1"/>
-            <p:nvPr/>
-          </p:nvSpPr>
-          <p:spPr>
-            <a:xfrm>
-              <a:off x="8736082" y="4657657"/>
-              <a:ext cx="654346" cy="276999"/>
-            </a:xfrm>
-            <a:prstGeom prst="rect">
-              <a:avLst/>
-            </a:prstGeom>
-            <a:noFill/>
-          </p:spPr>
-          <p:txBody>
-            <a:bodyPr wrap="none" rtlCol="0">
-              <a:spAutoFit/>
-            </a:bodyPr>
-            <a:lstStyle/>
-            <a:p>
-              <a:r>
-                <a:rPr lang="en-US" altLang="zh-CN" sz="1200">
-                  <a:latin typeface="Arial" panose="020B0604020202020204" pitchFamily="34" charset="0"/>
-                  <a:cs typeface="Arial" panose="020B0604020202020204" pitchFamily="34" charset="0"/>
-                </a:rPr>
-                <a:t>(N, 64)</a:t>
-              </a:r>
-              <a:endParaRPr lang="zh-CN" altLang="en-US" sz="1200">
-                <a:latin typeface="Arial" panose="020B0604020202020204" pitchFamily="34" charset="0"/>
-                <a:cs typeface="Arial" panose="020B0604020202020204" pitchFamily="34" charset="0"/>
-              </a:endParaRPr>
-            </a:p>
-          </p:txBody>
-        </p:sp>
-        <p:sp>
-          <p:nvSpPr>
-            <p:cNvPr id="24" name="文本框 23">
-              <a:extLst>
-                <a:ext uri="{FF2B5EF4-FFF2-40B4-BE49-F238E27FC236}">
-                  <a16:creationId xmlns:a16="http://schemas.microsoft.com/office/drawing/2014/main" id="{19185A92-F2E9-47B7-80CD-9E410E63453B}"/>
-                </a:ext>
-              </a:extLst>
-            </p:cNvPr>
-            <p:cNvSpPr txBox="1"/>
-            <p:nvPr/>
-          </p:nvSpPr>
-          <p:spPr>
-            <a:xfrm>
-              <a:off x="8736082" y="5874364"/>
-              <a:ext cx="654346" cy="276999"/>
-            </a:xfrm>
-            <a:prstGeom prst="rect">
-              <a:avLst/>
-            </a:prstGeom>
-            <a:noFill/>
-          </p:spPr>
-          <p:txBody>
-            <a:bodyPr wrap="none" rtlCol="0">
-              <a:spAutoFit/>
-            </a:bodyPr>
-            <a:lstStyle/>
-            <a:p>
-              <a:r>
-                <a:rPr lang="en-US" altLang="zh-CN" sz="1200">
-                  <a:latin typeface="Arial" panose="020B0604020202020204" pitchFamily="34" charset="0"/>
-                  <a:cs typeface="Arial" panose="020B0604020202020204" pitchFamily="34" charset="0"/>
-                </a:rPr>
-                <a:t>(N, 16)</a:t>
-              </a:r>
-              <a:endParaRPr lang="zh-CN" altLang="en-US" sz="1200">
-                <a:latin typeface="Arial" panose="020B0604020202020204" pitchFamily="34" charset="0"/>
-                <a:cs typeface="Arial" panose="020B0604020202020204" pitchFamily="34" charset="0"/>
-              </a:endParaRPr>
-            </a:p>
-          </p:txBody>
-        </p:sp>
-        <p:sp>
-          <p:nvSpPr>
-            <p:cNvPr id="25" name="文本框 24">
-              <a:extLst>
-                <a:ext uri="{FF2B5EF4-FFF2-40B4-BE49-F238E27FC236}">
-                  <a16:creationId xmlns:a16="http://schemas.microsoft.com/office/drawing/2014/main" id="{CF18B202-AC42-42BE-8797-49E756D4A85A}"/>
-                </a:ext>
-              </a:extLst>
-            </p:cNvPr>
-            <p:cNvSpPr txBox="1"/>
-            <p:nvPr/>
-          </p:nvSpPr>
-          <p:spPr>
-            <a:xfrm>
-              <a:off x="9528481" y="5295527"/>
-              <a:ext cx="914033" cy="276999"/>
-            </a:xfrm>
-            <a:prstGeom prst="rect">
-              <a:avLst/>
-            </a:prstGeom>
-            <a:noFill/>
-          </p:spPr>
-          <p:txBody>
-            <a:bodyPr wrap="none" rtlCol="0">
-              <a:spAutoFit/>
-            </a:bodyPr>
-            <a:lstStyle/>
-            <a:p>
-              <a:r>
-                <a:rPr lang="en-US" altLang="zh-CN" sz="1200">
-                  <a:latin typeface="Arial" panose="020B0604020202020204" pitchFamily="34" charset="0"/>
-                  <a:cs typeface="Arial" panose="020B0604020202020204" pitchFamily="34" charset="0"/>
-                </a:rPr>
-                <a:t>(N, 64+16)</a:t>
-              </a:r>
-              <a:endParaRPr lang="zh-CN" altLang="en-US" sz="1200">
-                <a:latin typeface="Arial" panose="020B0604020202020204" pitchFamily="34" charset="0"/>
-                <a:cs typeface="Arial" panose="020B0604020202020204" pitchFamily="34" charset="0"/>
-              </a:endParaRPr>
-            </a:p>
-          </p:txBody>
-        </p:sp>
-        <p:sp>
-          <p:nvSpPr>
-            <p:cNvPr id="26" name="文本框 25">
-              <a:extLst>
-                <a:ext uri="{FF2B5EF4-FFF2-40B4-BE49-F238E27FC236}">
-                  <a16:creationId xmlns:a16="http://schemas.microsoft.com/office/drawing/2014/main" id="{42800B3A-071D-47A4-B05E-6C7764473345}"/>
-                </a:ext>
-              </a:extLst>
-            </p:cNvPr>
-            <p:cNvSpPr txBox="1"/>
-            <p:nvPr/>
-          </p:nvSpPr>
-          <p:spPr>
-            <a:xfrm>
-              <a:off x="8050388" y="6093427"/>
-              <a:ext cx="2545762" cy="338554"/>
-            </a:xfrm>
-            <a:prstGeom prst="rect">
-              <a:avLst/>
-            </a:prstGeom>
-            <a:noFill/>
-          </p:spPr>
-          <p:txBody>
-            <a:bodyPr wrap="none" rtlCol="0">
-              <a:spAutoFit/>
-            </a:bodyPr>
-            <a:lstStyle/>
-            <a:p>
-              <a:r>
-                <a:rPr lang="en-US" altLang="zh-CN" sz="1600" b="1">
-                  <a:latin typeface="Arial" panose="020B0604020202020204" pitchFamily="34" charset="0"/>
-                  <a:cs typeface="Arial" panose="020B0604020202020204" pitchFamily="34" charset="0"/>
-                </a:rPr>
-                <a:t>Vanilla Fusion(Baseline)</a:t>
-              </a:r>
-              <a:endParaRPr lang="zh-CN" altLang="en-US" sz="1600" b="1">
-                <a:latin typeface="Arial" panose="020B0604020202020204" pitchFamily="34" charset="0"/>
-                <a:cs typeface="Arial" panose="020B0604020202020204" pitchFamily="34" charset="0"/>
-              </a:endParaRPr>
-            </a:p>
-          </p:txBody>
-        </p:sp>
-      </p:grpSp>
+          <a:prstGeom prst="rect">
+            <a:avLst/>
+          </a:prstGeom>
+        </p:spPr>
+      </p:pic>
       <p:pic>
         <p:nvPicPr>
-          <p:cNvPr id="33" name="图片 32">
+          <p:cNvPr id="5" name="图片 4">
             <a:extLst>
               <a:ext uri="{FF2B5EF4-FFF2-40B4-BE49-F238E27FC236}">
-                <a16:creationId xmlns:a16="http://schemas.microsoft.com/office/drawing/2014/main" id="{8666F1A5-62EB-4DB9-97B5-62C83396D7EE}"/>
+                <a16:creationId xmlns:a16="http://schemas.microsoft.com/office/drawing/2014/main" id="{5AB08FB1-D0ED-4F75-8D1E-13D889E05762}"/>
               </a:ext>
             </a:extLst>
           </p:cNvPr>
@@ -11935,52 +11132,22 @@
         </p:blipFill>
         <p:spPr>
           <a:xfrm>
-            <a:off x="-13045" y="3239848"/>
-            <a:ext cx="6075572" cy="3189093"/>
+            <a:off x="69662" y="350805"/>
+            <a:ext cx="6026338" cy="3147857"/>
           </a:xfrm>
           <a:prstGeom prst="rect">
             <a:avLst/>
           </a:prstGeom>
         </p:spPr>
       </p:pic>
-      <p:pic>
-        <p:nvPicPr>
-          <p:cNvPr id="35" name="图片 34">
-            <a:extLst>
-              <a:ext uri="{FF2B5EF4-FFF2-40B4-BE49-F238E27FC236}">
-                <a16:creationId xmlns:a16="http://schemas.microsoft.com/office/drawing/2014/main" id="{68E3F081-3CDD-449D-B505-F1A9F81C4B54}"/>
-              </a:ext>
-            </a:extLst>
-          </p:cNvPr>
-          <p:cNvPicPr>
-            <a:picLocks noChangeAspect="1"/>
-          </p:cNvPicPr>
-          <p:nvPr/>
-        </p:nvPicPr>
-        <p:blipFill>
-          <a:blip r:embed="rId4"/>
-          <a:stretch>
-            <a:fillRect/>
-          </a:stretch>
-        </p:blipFill>
-        <p:spPr>
-          <a:xfrm>
-            <a:off x="-13045" y="62245"/>
-            <a:ext cx="6068189" cy="3189093"/>
-          </a:xfrm>
-          <a:prstGeom prst="rect">
-            <a:avLst/>
-          </a:prstGeom>
-        </p:spPr>
-      </p:pic>
-      <mc:AlternateContent xmlns:mc="http://schemas.openxmlformats.org/markup-compatibility/2006" xmlns:a14="http://schemas.microsoft.com/office/drawing/2010/main">
-        <mc:Choice Requires="a14">
+      <mc:AlternateContent xmlns:mc="http://schemas.openxmlformats.org/markup-compatibility/2006">
+        <mc:Choice xmlns:a14="http://schemas.microsoft.com/office/drawing/2010/main" Requires="a14">
           <p:sp>
             <p:nvSpPr>
-              <p:cNvPr id="12" name="文本框 11">
+              <p:cNvPr id="43" name="文本框 42">
                 <a:extLst>
                   <a:ext uri="{FF2B5EF4-FFF2-40B4-BE49-F238E27FC236}">
-                    <a16:creationId xmlns:a16="http://schemas.microsoft.com/office/drawing/2014/main" id="{78E6D1BA-0394-4D01-8E20-56FD96EDB55A}"/>
+                    <a16:creationId xmlns:a16="http://schemas.microsoft.com/office/drawing/2014/main" id="{B7D0212F-7796-4B62-8196-2CD409D48115}"/>
                   </a:ext>
                 </a:extLst>
               </p:cNvPr>
@@ -11989,8 +11156,8 @@
             </p:nvSpPr>
             <p:spPr>
               <a:xfrm>
-                <a:off x="6988462" y="3620919"/>
-                <a:ext cx="1802096" cy="945900"/>
+                <a:off x="6639716" y="3740147"/>
+                <a:ext cx="4972580" cy="1222899"/>
               </a:xfrm>
               <a:prstGeom prst="rect">
                 <a:avLst/>
@@ -12008,8 +11175,59 @@
                     <a:latin typeface="Calibri" panose="020F0502020204030204" pitchFamily="34" charset="0"/>
                     <a:cs typeface="Calibri" panose="020F0502020204030204" pitchFamily="34" charset="0"/>
                   </a:rPr>
-                  <a:t>baseline_usa_v0:</a:t>
+                  <a:t>contrast_usa_v1:</a:t>
                 </a:r>
+              </a:p>
+              <a:p>
+                <a:pPr marL="285750" indent="-285750">
+                  <a:buFont typeface="Arial" panose="020B0604020202020204" pitchFamily="34" charset="0"/>
+                  <a:buChar char="•"/>
+                </a:pPr>
+                <a14:m>
+                  <m:oMath xmlns:m="http://schemas.openxmlformats.org/officeDocument/2006/math">
+                    <m:r>
+                      <a:rPr lang="zh-CN" altLang="el-GR" b="1" i="1">
+                        <a:latin typeface="Cambria Math" panose="02040503050406030204" pitchFamily="18" charset="0"/>
+                        <a:cs typeface="Calibri" panose="020F0502020204030204" pitchFamily="34" charset="0"/>
+                      </a:rPr>
+                      <m:t>𝝀</m:t>
+                    </m:r>
+                    <m:r>
+                      <m:rPr>
+                        <m:nor/>
+                      </m:rPr>
+                      <a:rPr lang="en-US" altLang="zh-CN" b="1">
+                        <a:latin typeface="Times New Roman" panose="02020603050405020304" pitchFamily="18" charset="0"/>
+                        <a:cs typeface="Times New Roman" panose="02020603050405020304" pitchFamily="18" charset="0"/>
+                      </a:rPr>
+                      <m:t> = 0.</m:t>
+                    </m:r>
+                    <m:r>
+                      <m:rPr>
+                        <m:nor/>
+                      </m:rPr>
+                      <a:rPr lang="en-US" altLang="zh-CN" b="1" i="0" smtClean="0">
+                        <a:latin typeface="Times New Roman" panose="02020603050405020304" pitchFamily="18" charset="0"/>
+                        <a:cs typeface="Times New Roman" panose="02020603050405020304" pitchFamily="18" charset="0"/>
+                      </a:rPr>
+                      <m:t>0</m:t>
+                    </m:r>
+                    <m:r>
+                      <m:rPr>
+                        <m:nor/>
+                      </m:rPr>
+                      <a:rPr lang="en-US" altLang="zh-CN" b="1">
+                        <a:latin typeface="Times New Roman" panose="02020603050405020304" pitchFamily="18" charset="0"/>
+                        <a:cs typeface="Times New Roman" panose="02020603050405020304" pitchFamily="18" charset="0"/>
+                      </a:rPr>
+                      <m:t>1</m:t>
+                    </m:r>
+                  </m:oMath>
+                </a14:m>
+                <a:endParaRPr lang="en-US" altLang="zh-CN" b="1">
+                  <a:latin typeface="Times New Roman" panose="02020603050405020304" pitchFamily="18" charset="0"/>
+                  <a:cs typeface="Times New Roman" panose="02020603050405020304" pitchFamily="18" charset="0"/>
+                </a:endParaRPr>
               </a:p>
               <a:p>
                 <a:pPr marL="285750" indent="-285750">
@@ -12021,7 +11239,7 @@
                     <a:latin typeface="Calibri" panose="020F0502020204030204" pitchFamily="34" charset="0"/>
                     <a:cs typeface="Calibri" panose="020F0502020204030204" pitchFamily="34" charset="0"/>
                   </a:rPr>
-                  <a:t>batch_size=4</a:t>
+                  <a:t>batch_size=8</a:t>
                 </a:r>
               </a:p>
               <a:p>
@@ -12073,23 +11291,173 @@
                         </m:r>
                       </m:sub>
                     </m:sSub>
+                    <m:r>
+                      <a:rPr lang="en-US" altLang="zh-CN" i="1">
+                        <a:latin typeface="Cambria Math" panose="02040503050406030204" pitchFamily="18" charset="0"/>
+                        <a:cs typeface="Calibri" panose="020F0502020204030204" pitchFamily="34" charset="0"/>
+                      </a:rPr>
+                      <m:t>+</m:t>
+                    </m:r>
+                    <m:r>
+                      <a:rPr lang="en-US" altLang="zh-CN" b="0" i="1" smtClean="0">
+                        <a:latin typeface="Cambria Math" panose="02040503050406030204" pitchFamily="18" charset="0"/>
+                        <a:cs typeface="Calibri" panose="020F0502020204030204" pitchFamily="34" charset="0"/>
+                      </a:rPr>
+                      <m:t> </m:t>
+                    </m:r>
+                    <m:r>
+                      <a:rPr lang="zh-CN" altLang="en-US" b="0" i="1" smtClean="0">
+                        <a:latin typeface="Cambria Math" panose="02040503050406030204" pitchFamily="18" charset="0"/>
+                        <a:cs typeface="Calibri" panose="020F0502020204030204" pitchFamily="34" charset="0"/>
+                      </a:rPr>
+                      <m:t>𝜆</m:t>
+                    </m:r>
+                    <m:r>
+                      <a:rPr lang="en-US" altLang="zh-CN" b="0" i="1" smtClean="0">
+                        <a:latin typeface="Cambria Math" panose="02040503050406030204" pitchFamily="18" charset="0"/>
+                        <a:cs typeface="Calibri" panose="020F0502020204030204" pitchFamily="34" charset="0"/>
+                      </a:rPr>
+                      <m:t> </m:t>
+                    </m:r>
+                    <m:r>
+                      <a:rPr lang="zh-CN" altLang="en-US" i="1">
+                        <a:latin typeface="Cambria Math" panose="02040503050406030204" pitchFamily="18" charset="0"/>
+                        <a:cs typeface="Calibri" panose="020F0502020204030204" pitchFamily="34" charset="0"/>
+                      </a:rPr>
+                      <m:t>∗</m:t>
+                    </m:r>
+                    <m:r>
+                      <a:rPr lang="en-US" altLang="zh-CN" b="0" i="1" smtClean="0">
+                        <a:latin typeface="Cambria Math" panose="02040503050406030204" pitchFamily="18" charset="0"/>
+                        <a:cs typeface="Calibri" panose="020F0502020204030204" pitchFamily="34" charset="0"/>
+                      </a:rPr>
+                      <m:t> (</m:t>
+                    </m:r>
+                    <m:sSub>
+                      <m:sSubPr>
+                        <m:ctrlPr>
+                          <a:rPr lang="en-US" altLang="zh-CN" i="1">
+                            <a:latin typeface="Cambria Math" panose="02040503050406030204" pitchFamily="18" charset="0"/>
+                            <a:cs typeface="Calibri" panose="020F0502020204030204" pitchFamily="34" charset="0"/>
+                          </a:rPr>
+                        </m:ctrlPr>
+                      </m:sSubPr>
+                      <m:e>
+                        <m:r>
+                          <a:rPr lang="en-US" altLang="zh-CN" i="1">
+                            <a:latin typeface="Cambria Math" panose="02040503050406030204" pitchFamily="18" charset="0"/>
+                            <a:cs typeface="Calibri" panose="020F0502020204030204" pitchFamily="34" charset="0"/>
+                          </a:rPr>
+                          <m:t>𝐿</m:t>
+                        </m:r>
+                      </m:e>
+                      <m:sub>
+                        <m:r>
+                          <a:rPr lang="en-US" altLang="zh-CN" i="1">
+                            <a:latin typeface="Cambria Math" panose="02040503050406030204" pitchFamily="18" charset="0"/>
+                            <a:cs typeface="Calibri" panose="020F0502020204030204" pitchFamily="34" charset="0"/>
+                          </a:rPr>
+                          <m:t>𝑠</m:t>
+                        </m:r>
+                        <m:r>
+                          <a:rPr lang="en-US" altLang="zh-CN" b="0" i="1" smtClean="0">
+                            <a:latin typeface="Cambria Math" panose="02040503050406030204" pitchFamily="18" charset="0"/>
+                            <a:cs typeface="Calibri" panose="020F0502020204030204" pitchFamily="34" charset="0"/>
+                          </a:rPr>
+                          <m:t>𝑟𝑐</m:t>
+                        </m:r>
+                        <m:r>
+                          <a:rPr lang="en-US" altLang="zh-CN" b="0" i="1" smtClean="0">
+                            <a:latin typeface="Cambria Math" panose="02040503050406030204" pitchFamily="18" charset="0"/>
+                            <a:cs typeface="Calibri" panose="020F0502020204030204" pitchFamily="34" charset="0"/>
+                          </a:rPr>
+                          <m:t>_</m:t>
+                        </m:r>
+                        <m:r>
+                          <a:rPr lang="en-US" altLang="zh-CN" b="0" i="1" smtClean="0">
+                            <a:latin typeface="Cambria Math" panose="02040503050406030204" pitchFamily="18" charset="0"/>
+                            <a:cs typeface="Calibri" panose="020F0502020204030204" pitchFamily="34" charset="0"/>
+                          </a:rPr>
+                          <m:t>𝑐𝑜𝑛𝑡𝑟𝑎𝑠𝑡</m:t>
+                        </m:r>
+                      </m:sub>
+                    </m:sSub>
+                    <m:r>
+                      <a:rPr lang="en-US" altLang="zh-CN" b="0" i="1" smtClean="0">
+                        <a:latin typeface="Cambria Math" panose="02040503050406030204" pitchFamily="18" charset="0"/>
+                        <a:cs typeface="Calibri" panose="020F0502020204030204" pitchFamily="34" charset="0"/>
+                      </a:rPr>
+                      <m:t>+</m:t>
+                    </m:r>
+                    <m:sSub>
+                      <m:sSubPr>
+                        <m:ctrlPr>
+                          <a:rPr lang="en-US" altLang="zh-CN" i="1">
+                            <a:latin typeface="Cambria Math" panose="02040503050406030204" pitchFamily="18" charset="0"/>
+                            <a:cs typeface="Calibri" panose="020F0502020204030204" pitchFamily="34" charset="0"/>
+                          </a:rPr>
+                        </m:ctrlPr>
+                      </m:sSubPr>
+                      <m:e>
+                        <m:r>
+                          <a:rPr lang="en-US" altLang="zh-CN" i="1">
+                            <a:latin typeface="Cambria Math" panose="02040503050406030204" pitchFamily="18" charset="0"/>
+                            <a:cs typeface="Calibri" panose="020F0502020204030204" pitchFamily="34" charset="0"/>
+                          </a:rPr>
+                          <m:t>𝐿</m:t>
+                        </m:r>
+                      </m:e>
+                      <m:sub>
+                        <m:r>
+                          <a:rPr lang="en-US" altLang="zh-CN" b="0" i="1" smtClean="0">
+                            <a:latin typeface="Cambria Math" panose="02040503050406030204" pitchFamily="18" charset="0"/>
+                            <a:cs typeface="Calibri" panose="020F0502020204030204" pitchFamily="34" charset="0"/>
+                          </a:rPr>
+                          <m:t>𝑡𝑔𝑡</m:t>
+                        </m:r>
+                        <m:r>
+                          <a:rPr lang="en-US" altLang="zh-CN" b="0" i="1" smtClean="0">
+                            <a:latin typeface="Cambria Math" panose="02040503050406030204" pitchFamily="18" charset="0"/>
+                            <a:cs typeface="Calibri" panose="020F0502020204030204" pitchFamily="34" charset="0"/>
+                          </a:rPr>
+                          <m:t>_</m:t>
+                        </m:r>
+                        <m:r>
+                          <a:rPr lang="en-US" altLang="zh-CN" b="0" i="1" smtClean="0">
+                            <a:latin typeface="Cambria Math" panose="02040503050406030204" pitchFamily="18" charset="0"/>
+                            <a:cs typeface="Calibri" panose="020F0502020204030204" pitchFamily="34" charset="0"/>
+                          </a:rPr>
+                          <m:t>𝑐𝑜𝑛𝑡𝑟𝑎𝑠𝑡</m:t>
+                        </m:r>
+                      </m:sub>
+                    </m:sSub>
+                    <m:r>
+                      <a:rPr lang="en-US" altLang="zh-CN" b="0" i="1" smtClean="0">
+                        <a:latin typeface="Cambria Math" panose="02040503050406030204" pitchFamily="18" charset="0"/>
+                        <a:cs typeface="Calibri" panose="020F0502020204030204" pitchFamily="34" charset="0"/>
+                      </a:rPr>
+                      <m:t>)</m:t>
+                    </m:r>
                   </m:oMath>
                 </a14:m>
-                <a:endParaRPr lang="en-US" altLang="zh-CN">
-                  <a:latin typeface="Calibri" panose="020F0502020204030204" pitchFamily="34" charset="0"/>
-                  <a:cs typeface="Calibri" panose="020F0502020204030204" pitchFamily="34" charset="0"/>
-                </a:endParaRPr>
+                <a:r>
+                  <a:rPr lang="en-US" altLang="zh-CN">
+                    <a:latin typeface="Calibri" panose="020F0502020204030204" pitchFamily="34" charset="0"/>
+                    <a:cs typeface="Calibri" panose="020F0502020204030204" pitchFamily="34" charset="0"/>
+                  </a:rPr>
+                  <a:t> </a:t>
+                </a:r>
               </a:p>
             </p:txBody>
           </p:sp>
         </mc:Choice>
-        <mc:Fallback xmlns="">
+        <mc:Fallback>
           <p:sp>
             <p:nvSpPr>
-              <p:cNvPr id="12" name="文本框 11">
+              <p:cNvPr id="43" name="文本框 42">
                 <a:extLst>
                   <a:ext uri="{FF2B5EF4-FFF2-40B4-BE49-F238E27FC236}">
-                    <a16:creationId xmlns:a16="http://schemas.microsoft.com/office/drawing/2014/main" id="{78E6D1BA-0394-4D01-8E20-56FD96EDB55A}"/>
+                    <a16:creationId xmlns:a16="http://schemas.microsoft.com/office/drawing/2014/main" id="{B7D0212F-7796-4B62-8196-2CD409D48115}"/>
                   </a:ext>
                 </a:extLst>
               </p:cNvPr>
@@ -12100,16 +11468,16 @@
             </p:nvSpPr>
             <p:spPr>
               <a:xfrm>
-                <a:off x="6988462" y="3620919"/>
-                <a:ext cx="1802096" cy="945900"/>
+                <a:off x="6639716" y="3740147"/>
+                <a:ext cx="4972580" cy="1222899"/>
               </a:xfrm>
               <a:prstGeom prst="rect">
                 <a:avLst/>
               </a:prstGeom>
               <a:blipFill>
-                <a:blip r:embed="rId5"/>
+                <a:blip r:embed="rId4"/>
                 <a:stretch>
-                  <a:fillRect l="-2703" t="-3871" r="-3041" b="-5161"/>
+                  <a:fillRect l="-980" t="-3000" b="-4000"/>
                 </a:stretch>
               </a:blipFill>
             </p:spPr>
@@ -12128,10 +11496,93 @@
           </p:sp>
         </mc:Fallback>
       </mc:AlternateContent>
+      <p:sp>
+        <p:nvSpPr>
+          <p:cNvPr id="44" name="文本框 43">
+            <a:extLst>
+              <a:ext uri="{FF2B5EF4-FFF2-40B4-BE49-F238E27FC236}">
+                <a16:creationId xmlns:a16="http://schemas.microsoft.com/office/drawing/2014/main" id="{7FBE6211-C4C9-421E-AD13-8186A1519ED7}"/>
+              </a:ext>
+            </a:extLst>
+          </p:cNvPr>
+          <p:cNvSpPr txBox="1"/>
+          <p:nvPr/>
+        </p:nvSpPr>
+        <p:spPr>
+          <a:xfrm>
+            <a:off x="3678700" y="2548275"/>
+            <a:ext cx="3793026" cy="276999"/>
+          </a:xfrm>
+          <a:prstGeom prst="rect">
+            <a:avLst/>
+          </a:prstGeom>
+          <a:noFill/>
+        </p:spPr>
+        <p:txBody>
+          <a:bodyPr wrap="none" rtlCol="0">
+            <a:spAutoFit/>
+          </a:bodyPr>
+          <a:lstStyle/>
+          <a:p>
+            <a:r>
+              <a:rPr lang="en-US" altLang="zh-CN" sz="1200">
+                <a:latin typeface="Arial" panose="020B0604020202020204" pitchFamily="34" charset="0"/>
+                <a:cs typeface="Arial" panose="020B0604020202020204" pitchFamily="34" charset="0"/>
+              </a:rPr>
+              <a:t>tgt_contrast_loss &amp; src_contrast_loss nearly coincide</a:t>
+            </a:r>
+            <a:endParaRPr lang="zh-CN" altLang="en-US" sz="1200">
+              <a:latin typeface="Arial" panose="020B0604020202020204" pitchFamily="34" charset="0"/>
+              <a:cs typeface="Arial" panose="020B0604020202020204" pitchFamily="34" charset="0"/>
+            </a:endParaRPr>
+          </a:p>
+        </p:txBody>
+      </p:sp>
+      <p:cxnSp>
+        <p:nvCxnSpPr>
+          <p:cNvPr id="45" name="直接箭头连接符 44">
+            <a:extLst>
+              <a:ext uri="{FF2B5EF4-FFF2-40B4-BE49-F238E27FC236}">
+                <a16:creationId xmlns:a16="http://schemas.microsoft.com/office/drawing/2014/main" id="{BDFD214F-1CF0-4647-A133-FD1F8DE4F853}"/>
+              </a:ext>
+            </a:extLst>
+          </p:cNvPr>
+          <p:cNvCxnSpPr>
+            <a:cxnSpLocks/>
+          </p:cNvCxnSpPr>
+          <p:nvPr/>
+        </p:nvCxnSpPr>
+        <p:spPr>
+          <a:xfrm flipH="1">
+            <a:off x="4713461" y="2825274"/>
+            <a:ext cx="417251" cy="273417"/>
+          </a:xfrm>
+          <a:prstGeom prst="straightConnector1">
+            <a:avLst/>
+          </a:prstGeom>
+          <a:ln>
+            <a:tailEnd type="triangle"/>
+          </a:ln>
+        </p:spPr>
+        <p:style>
+          <a:lnRef idx="1">
+            <a:schemeClr val="accent1"/>
+          </a:lnRef>
+          <a:fillRef idx="0">
+            <a:schemeClr val="accent1"/>
+          </a:fillRef>
+          <a:effectRef idx="0">
+            <a:schemeClr val="accent1"/>
+          </a:effectRef>
+          <a:fontRef idx="minor">
+            <a:schemeClr val="tx1"/>
+          </a:fontRef>
+        </p:style>
+      </p:cxnSp>
     </p:spTree>
     <p:extLst>
       <p:ext uri="{BB962C8B-B14F-4D97-AF65-F5344CB8AC3E}">
-        <p14:creationId xmlns:p14="http://schemas.microsoft.com/office/powerpoint/2010/main" val="208617671"/>
+        <p14:creationId xmlns:p14="http://schemas.microsoft.com/office/powerpoint/2010/main" val="1030276036"/>
       </p:ext>
     </p:extLst>
   </p:cSld>
@@ -12300,13 +11751,13 @@
           <p:nvPr>
             <p:extLst>
               <p:ext uri="{D42A27DB-BD31-4B8C-83A1-F6EECF244321}">
-                <p14:modId xmlns:p14="http://schemas.microsoft.com/office/powerpoint/2010/main" val="3261387424"/>
+                <p14:modId xmlns:p14="http://schemas.microsoft.com/office/powerpoint/2010/main" val="77602218"/>
               </p:ext>
             </p:extLst>
           </p:nvPr>
         </p:nvGraphicFramePr>
         <p:xfrm>
-          <a:off x="204185" y="683824"/>
+          <a:off x="204185" y="168919"/>
           <a:ext cx="8087239" cy="2532338"/>
         </p:xfrm>
         <a:graphic>
@@ -12381,7 +11832,7 @@
                           <a:latin typeface="Arial" panose="020B0604020202020204" pitchFamily="34" charset="0"/>
                           <a:cs typeface="Arial" panose="020B0604020202020204" pitchFamily="34" charset="0"/>
                         </a:rPr>
-                        <a:t>Xmuda, reproduce results using new seg labels</a:t>
+                        <a:t>xMuda, reproduce results with new seg labels</a:t>
                       </a:r>
                       <a:endParaRPr lang="zh-CN" altLang="en-US" sz="1600" b="0">
                         <a:solidFill>
@@ -12758,7 +12209,7 @@
                           <a:latin typeface="Arial" panose="020B0604020202020204" pitchFamily="34" charset="0"/>
                           <a:cs typeface="Arial" panose="020B0604020202020204" pitchFamily="34" charset="0"/>
                         </a:rPr>
-                        <a:t>Usa/Sng</a:t>
+                        <a:t>USA/Singapore</a:t>
                       </a:r>
                       <a:endParaRPr lang="zh-CN" altLang="en-US" sz="1600" b="0">
                         <a:solidFill>
@@ -15035,7 +14486,7 @@
         </p:blipFill>
         <p:spPr>
           <a:xfrm>
-            <a:off x="204185" y="3414908"/>
+            <a:off x="204185" y="4009714"/>
             <a:ext cx="8102502" cy="2759267"/>
           </a:xfrm>
           <a:prstGeom prst="rect">
@@ -15043,6 +14494,79 @@
           </a:prstGeom>
         </p:spPr>
       </p:pic>
+      <p:sp>
+        <p:nvSpPr>
+          <p:cNvPr id="6" name="文本框 5">
+            <a:extLst>
+              <a:ext uri="{FF2B5EF4-FFF2-40B4-BE49-F238E27FC236}">
+                <a16:creationId xmlns:a16="http://schemas.microsoft.com/office/drawing/2014/main" id="{0C0A7A3C-317B-4185-8EB8-CC28F506F2FE}"/>
+              </a:ext>
+            </a:extLst>
+          </p:cNvPr>
+          <p:cNvSpPr txBox="1"/>
+          <p:nvPr/>
+        </p:nvSpPr>
+        <p:spPr>
+          <a:xfrm>
+            <a:off x="1208176" y="3567248"/>
+            <a:ext cx="6094520" cy="646331"/>
+          </a:xfrm>
+          <a:prstGeom prst="rect">
+            <a:avLst/>
+          </a:prstGeom>
+          <a:noFill/>
+        </p:spPr>
+        <p:txBody>
+          <a:bodyPr wrap="square">
+            <a:spAutoFit/>
+          </a:bodyPr>
+          <a:lstStyle/>
+          <a:p>
+            <a:pPr algn="ctr"/>
+            <a:r>
+              <a:rPr lang="en-US" altLang="zh-CN">
+                <a:latin typeface="Arial" panose="020B0604020202020204" pitchFamily="34" charset="0"/>
+                <a:cs typeface="Arial" panose="020B0604020202020204" pitchFamily="34" charset="0"/>
+              </a:rPr>
+              <a:t>xM</a:t>
+            </a:r>
+            <a:r>
+              <a:rPr lang="en-US" altLang="zh-CN" sz="1800" b="0">
+                <a:solidFill>
+                  <a:schemeClr val="tx1"/>
+                </a:solidFill>
+                <a:latin typeface="Arial" panose="020B0604020202020204" pitchFamily="34" charset="0"/>
+                <a:cs typeface="Arial" panose="020B0604020202020204" pitchFamily="34" charset="0"/>
+              </a:rPr>
+              <a:t>uda, old results </a:t>
+            </a:r>
+            <a:r>
+              <a:rPr lang="en-US" altLang="zh-CN">
+                <a:latin typeface="Arial" panose="020B0604020202020204" pitchFamily="34" charset="0"/>
+                <a:cs typeface="Arial" panose="020B0604020202020204" pitchFamily="34" charset="0"/>
+              </a:rPr>
+              <a:t>showed in paper</a:t>
+            </a:r>
+          </a:p>
+          <a:p>
+            <a:pPr algn="ctr"/>
+            <a:r>
+              <a:rPr lang="en-US" altLang="zh-CN">
+                <a:latin typeface="Arial" panose="020B0604020202020204" pitchFamily="34" charset="0"/>
+                <a:cs typeface="Arial" panose="020B0604020202020204" pitchFamily="34" charset="0"/>
+              </a:rPr>
+              <a:t>(seg label obtained by marking points in bounding boxes)</a:t>
+            </a:r>
+            <a:endParaRPr lang="zh-CN" altLang="en-US" sz="1800" b="0">
+              <a:solidFill>
+                <a:schemeClr val="tx1"/>
+              </a:solidFill>
+              <a:latin typeface="Arial" panose="020B0604020202020204" pitchFamily="34" charset="0"/>
+              <a:cs typeface="Arial" panose="020B0604020202020204" pitchFamily="34" charset="0"/>
+            </a:endParaRPr>
+          </a:p>
+        </p:txBody>
+      </p:sp>
     </p:spTree>
     <p:extLst>
       <p:ext uri="{BB962C8B-B14F-4D97-AF65-F5344CB8AC3E}">
@@ -18567,6 +18091,605 @@
 </file>
 
 <file path=ppt/slides/slide3.xml><?xml version="1.0" encoding="utf-8"?>
+<p:sld xmlns:a="http://schemas.openxmlformats.org/drawingml/2006/main" xmlns:r="http://schemas.openxmlformats.org/officeDocument/2006/relationships" xmlns:p="http://schemas.openxmlformats.org/presentationml/2006/main">
+  <p:cSld>
+    <p:spTree>
+      <p:nvGrpSpPr>
+        <p:cNvPr id="1" name=""/>
+        <p:cNvGrpSpPr/>
+        <p:nvPr/>
+      </p:nvGrpSpPr>
+      <p:grpSpPr>
+        <a:xfrm>
+          <a:off x="0" y="0"/>
+          <a:ext cx="0" cy="0"/>
+          <a:chOff x="0" y="0"/>
+          <a:chExt cx="0" cy="0"/>
+        </a:xfrm>
+      </p:grpSpPr>
+      <p:pic>
+        <p:nvPicPr>
+          <p:cNvPr id="4" name="图片 3">
+            <a:extLst>
+              <a:ext uri="{FF2B5EF4-FFF2-40B4-BE49-F238E27FC236}">
+                <a16:creationId xmlns:a16="http://schemas.microsoft.com/office/drawing/2014/main" id="{423A3080-5106-4B97-A7D1-DD6B0AC9E149}"/>
+              </a:ext>
+            </a:extLst>
+          </p:cNvPr>
+          <p:cNvPicPr>
+            <a:picLocks noChangeAspect="1"/>
+          </p:cNvPicPr>
+          <p:nvPr/>
+        </p:nvPicPr>
+        <p:blipFill>
+          <a:blip r:embed="rId2"/>
+          <a:stretch>
+            <a:fillRect/>
+          </a:stretch>
+        </p:blipFill>
+        <p:spPr>
+          <a:xfrm>
+            <a:off x="479044" y="4648539"/>
+            <a:ext cx="5122765" cy="1783820"/>
+          </a:xfrm>
+          <a:prstGeom prst="rect">
+            <a:avLst/>
+          </a:prstGeom>
+        </p:spPr>
+      </p:pic>
+      <p:grpSp>
+        <p:nvGrpSpPr>
+          <p:cNvPr id="5" name="组合 4">
+            <a:extLst>
+              <a:ext uri="{FF2B5EF4-FFF2-40B4-BE49-F238E27FC236}">
+                <a16:creationId xmlns:a16="http://schemas.microsoft.com/office/drawing/2014/main" id="{C3457D04-60D5-412F-B224-843E0474AFEE}"/>
+              </a:ext>
+            </a:extLst>
+          </p:cNvPr>
+          <p:cNvGrpSpPr/>
+          <p:nvPr/>
+        </p:nvGrpSpPr>
+        <p:grpSpPr>
+          <a:xfrm>
+            <a:off x="719091" y="3695331"/>
+            <a:ext cx="4882718" cy="858344"/>
+            <a:chOff x="861134" y="4598633"/>
+            <a:chExt cx="4882718" cy="858344"/>
+          </a:xfrm>
+        </p:grpSpPr>
+        <p:sp>
+          <p:nvSpPr>
+            <p:cNvPr id="6" name="矩形 5">
+              <a:extLst>
+                <a:ext uri="{FF2B5EF4-FFF2-40B4-BE49-F238E27FC236}">
+                  <a16:creationId xmlns:a16="http://schemas.microsoft.com/office/drawing/2014/main" id="{42D14DEE-CC74-48FD-9E8D-B6D1912F6E6A}"/>
+                </a:ext>
+              </a:extLst>
+            </p:cNvPr>
+            <p:cNvSpPr/>
+            <p:nvPr/>
+          </p:nvSpPr>
+          <p:spPr>
+            <a:xfrm>
+              <a:off x="861134" y="4598633"/>
+              <a:ext cx="2095130" cy="381740"/>
+            </a:xfrm>
+            <a:prstGeom prst="rect">
+              <a:avLst/>
+            </a:prstGeom>
+            <a:solidFill>
+              <a:schemeClr val="accent5">
+                <a:lumMod val="60000"/>
+                <a:lumOff val="40000"/>
+              </a:schemeClr>
+            </a:solidFill>
+            <a:ln w="19050">
+              <a:solidFill>
+                <a:schemeClr val="tx1"/>
+              </a:solidFill>
+            </a:ln>
+          </p:spPr>
+          <p:style>
+            <a:lnRef idx="2">
+              <a:schemeClr val="accent1">
+                <a:shade val="50000"/>
+              </a:schemeClr>
+            </a:lnRef>
+            <a:fillRef idx="1">
+              <a:schemeClr val="accent1"/>
+            </a:fillRef>
+            <a:effectRef idx="0">
+              <a:schemeClr val="accent1"/>
+            </a:effectRef>
+            <a:fontRef idx="minor">
+              <a:schemeClr val="lt1"/>
+            </a:fontRef>
+          </p:style>
+          <p:txBody>
+            <a:bodyPr rtlCol="0" anchor="ctr"/>
+            <a:lstStyle/>
+            <a:p>
+              <a:pPr algn="ctr"/>
+              <a:r>
+                <a:rPr lang="en-US" altLang="zh-CN">
+                  <a:solidFill>
+                    <a:schemeClr val="tx1"/>
+                  </a:solidFill>
+                  <a:latin typeface="Times New Roman" panose="02020603050405020304" pitchFamily="18" charset="0"/>
+                  <a:cs typeface="Times New Roman" panose="02020603050405020304" pitchFamily="18" charset="0"/>
+                </a:rPr>
+                <a:t>Source_train</a:t>
+              </a:r>
+              <a:endParaRPr lang="zh-CN" altLang="en-US">
+                <a:solidFill>
+                  <a:schemeClr val="tx1"/>
+                </a:solidFill>
+                <a:latin typeface="Times New Roman" panose="02020603050405020304" pitchFamily="18" charset="0"/>
+                <a:cs typeface="Times New Roman" panose="02020603050405020304" pitchFamily="18" charset="0"/>
+              </a:endParaRPr>
+            </a:p>
+          </p:txBody>
+        </p:sp>
+        <p:sp>
+          <p:nvSpPr>
+            <p:cNvPr id="7" name="矩形 6">
+              <a:extLst>
+                <a:ext uri="{FF2B5EF4-FFF2-40B4-BE49-F238E27FC236}">
+                  <a16:creationId xmlns:a16="http://schemas.microsoft.com/office/drawing/2014/main" id="{DF4EB53A-1E0C-4BCE-A7F6-0F5515CA55FF}"/>
+                </a:ext>
+              </a:extLst>
+            </p:cNvPr>
+            <p:cNvSpPr/>
+            <p:nvPr/>
+          </p:nvSpPr>
+          <p:spPr>
+            <a:xfrm>
+              <a:off x="861134" y="5075237"/>
+              <a:ext cx="2095130" cy="381740"/>
+            </a:xfrm>
+            <a:prstGeom prst="rect">
+              <a:avLst/>
+            </a:prstGeom>
+            <a:solidFill>
+              <a:schemeClr val="accent6">
+                <a:lumMod val="60000"/>
+                <a:lumOff val="40000"/>
+              </a:schemeClr>
+            </a:solidFill>
+            <a:ln w="19050">
+              <a:solidFill>
+                <a:schemeClr val="tx1"/>
+              </a:solidFill>
+            </a:ln>
+          </p:spPr>
+          <p:style>
+            <a:lnRef idx="2">
+              <a:schemeClr val="accent1">
+                <a:shade val="50000"/>
+              </a:schemeClr>
+            </a:lnRef>
+            <a:fillRef idx="1">
+              <a:schemeClr val="accent1"/>
+            </a:fillRef>
+            <a:effectRef idx="0">
+              <a:schemeClr val="accent1"/>
+            </a:effectRef>
+            <a:fontRef idx="minor">
+              <a:schemeClr val="lt1"/>
+            </a:fontRef>
+          </p:style>
+          <p:txBody>
+            <a:bodyPr rtlCol="0" anchor="ctr"/>
+            <a:lstStyle/>
+            <a:p>
+              <a:pPr algn="ctr"/>
+              <a:r>
+                <a:rPr lang="en-US" altLang="zh-CN">
+                  <a:solidFill>
+                    <a:schemeClr val="tx1"/>
+                  </a:solidFill>
+                  <a:latin typeface="Times New Roman" panose="02020603050405020304" pitchFamily="18" charset="0"/>
+                  <a:cs typeface="Times New Roman" panose="02020603050405020304" pitchFamily="18" charset="0"/>
+                </a:rPr>
+                <a:t>Target_train</a:t>
+              </a:r>
+              <a:endParaRPr lang="zh-CN" altLang="en-US">
+                <a:solidFill>
+                  <a:schemeClr val="tx1"/>
+                </a:solidFill>
+                <a:latin typeface="Times New Roman" panose="02020603050405020304" pitchFamily="18" charset="0"/>
+                <a:cs typeface="Times New Roman" panose="02020603050405020304" pitchFamily="18" charset="0"/>
+              </a:endParaRPr>
+            </a:p>
+          </p:txBody>
+        </p:sp>
+        <p:sp>
+          <p:nvSpPr>
+            <p:cNvPr id="8" name="矩形 7">
+              <a:extLst>
+                <a:ext uri="{FF2B5EF4-FFF2-40B4-BE49-F238E27FC236}">
+                  <a16:creationId xmlns:a16="http://schemas.microsoft.com/office/drawing/2014/main" id="{BE6EFC1C-7834-40BC-AB5A-6FD305D6B00E}"/>
+                </a:ext>
+              </a:extLst>
+            </p:cNvPr>
+            <p:cNvSpPr/>
+            <p:nvPr/>
+          </p:nvSpPr>
+          <p:spPr>
+            <a:xfrm>
+              <a:off x="3028765" y="4598633"/>
+              <a:ext cx="1321293" cy="381740"/>
+            </a:xfrm>
+            <a:prstGeom prst="rect">
+              <a:avLst/>
+            </a:prstGeom>
+            <a:solidFill>
+              <a:schemeClr val="accent5">
+                <a:lumMod val="60000"/>
+                <a:lumOff val="40000"/>
+              </a:schemeClr>
+            </a:solidFill>
+            <a:ln w="19050">
+              <a:solidFill>
+                <a:schemeClr val="tx1"/>
+              </a:solidFill>
+            </a:ln>
+          </p:spPr>
+          <p:style>
+            <a:lnRef idx="2">
+              <a:schemeClr val="accent1">
+                <a:shade val="50000"/>
+              </a:schemeClr>
+            </a:lnRef>
+            <a:fillRef idx="1">
+              <a:schemeClr val="accent1"/>
+            </a:fillRef>
+            <a:effectRef idx="0">
+              <a:schemeClr val="accent1"/>
+            </a:effectRef>
+            <a:fontRef idx="minor">
+              <a:schemeClr val="lt1"/>
+            </a:fontRef>
+          </p:style>
+          <p:txBody>
+            <a:bodyPr rtlCol="0" anchor="ctr"/>
+            <a:lstStyle/>
+            <a:p>
+              <a:pPr algn="ctr"/>
+              <a:r>
+                <a:rPr lang="en-US" altLang="zh-CN">
+                  <a:solidFill>
+                    <a:schemeClr val="tx1"/>
+                  </a:solidFill>
+                  <a:latin typeface="Times New Roman" panose="02020603050405020304" pitchFamily="18" charset="0"/>
+                  <a:cs typeface="Times New Roman" panose="02020603050405020304" pitchFamily="18" charset="0"/>
+                </a:rPr>
+                <a:t>Source_test</a:t>
+              </a:r>
+              <a:endParaRPr lang="zh-CN" altLang="en-US">
+                <a:solidFill>
+                  <a:schemeClr val="tx1"/>
+                </a:solidFill>
+                <a:latin typeface="Times New Roman" panose="02020603050405020304" pitchFamily="18" charset="0"/>
+                <a:cs typeface="Times New Roman" panose="02020603050405020304" pitchFamily="18" charset="0"/>
+              </a:endParaRPr>
+            </a:p>
+          </p:txBody>
+        </p:sp>
+        <p:sp>
+          <p:nvSpPr>
+            <p:cNvPr id="9" name="矩形 8">
+              <a:extLst>
+                <a:ext uri="{FF2B5EF4-FFF2-40B4-BE49-F238E27FC236}">
+                  <a16:creationId xmlns:a16="http://schemas.microsoft.com/office/drawing/2014/main" id="{FBFF66E9-DD32-4BAD-B1FC-9818A6345D02}"/>
+                </a:ext>
+              </a:extLst>
+            </p:cNvPr>
+            <p:cNvSpPr/>
+            <p:nvPr/>
+          </p:nvSpPr>
+          <p:spPr>
+            <a:xfrm>
+              <a:off x="3028765" y="5075237"/>
+              <a:ext cx="1321293" cy="381740"/>
+            </a:xfrm>
+            <a:prstGeom prst="rect">
+              <a:avLst/>
+            </a:prstGeom>
+            <a:solidFill>
+              <a:schemeClr val="accent6">
+                <a:lumMod val="60000"/>
+                <a:lumOff val="40000"/>
+              </a:schemeClr>
+            </a:solidFill>
+            <a:ln w="19050">
+              <a:solidFill>
+                <a:schemeClr val="tx1"/>
+              </a:solidFill>
+            </a:ln>
+          </p:spPr>
+          <p:style>
+            <a:lnRef idx="2">
+              <a:schemeClr val="accent1">
+                <a:shade val="50000"/>
+              </a:schemeClr>
+            </a:lnRef>
+            <a:fillRef idx="1">
+              <a:schemeClr val="accent1"/>
+            </a:fillRef>
+            <a:effectRef idx="0">
+              <a:schemeClr val="accent1"/>
+            </a:effectRef>
+            <a:fontRef idx="minor">
+              <a:schemeClr val="lt1"/>
+            </a:fontRef>
+          </p:style>
+          <p:txBody>
+            <a:bodyPr rtlCol="0" anchor="ctr"/>
+            <a:lstStyle/>
+            <a:p>
+              <a:pPr algn="ctr"/>
+              <a:r>
+                <a:rPr lang="en-US" altLang="zh-CN">
+                  <a:solidFill>
+                    <a:schemeClr val="tx1"/>
+                  </a:solidFill>
+                  <a:latin typeface="Times New Roman" panose="02020603050405020304" pitchFamily="18" charset="0"/>
+                  <a:cs typeface="Times New Roman" panose="02020603050405020304" pitchFamily="18" charset="0"/>
+                </a:rPr>
+                <a:t>Target_test</a:t>
+              </a:r>
+              <a:endParaRPr lang="zh-CN" altLang="en-US">
+                <a:solidFill>
+                  <a:schemeClr val="tx1"/>
+                </a:solidFill>
+                <a:latin typeface="Times New Roman" panose="02020603050405020304" pitchFamily="18" charset="0"/>
+                <a:cs typeface="Times New Roman" panose="02020603050405020304" pitchFamily="18" charset="0"/>
+              </a:endParaRPr>
+            </a:p>
+          </p:txBody>
+        </p:sp>
+        <p:sp>
+          <p:nvSpPr>
+            <p:cNvPr id="10" name="矩形 9">
+              <a:extLst>
+                <a:ext uri="{FF2B5EF4-FFF2-40B4-BE49-F238E27FC236}">
+                  <a16:creationId xmlns:a16="http://schemas.microsoft.com/office/drawing/2014/main" id="{83920BAE-9DB9-4F77-8D3B-4E7FB9D47D39}"/>
+                </a:ext>
+              </a:extLst>
+            </p:cNvPr>
+            <p:cNvSpPr/>
+            <p:nvPr/>
+          </p:nvSpPr>
+          <p:spPr>
+            <a:xfrm>
+              <a:off x="4422559" y="5075237"/>
+              <a:ext cx="1321293" cy="381740"/>
+            </a:xfrm>
+            <a:prstGeom prst="rect">
+              <a:avLst/>
+            </a:prstGeom>
+            <a:solidFill>
+              <a:schemeClr val="accent6">
+                <a:lumMod val="60000"/>
+                <a:lumOff val="40000"/>
+              </a:schemeClr>
+            </a:solidFill>
+            <a:ln w="19050">
+              <a:solidFill>
+                <a:schemeClr val="tx1"/>
+              </a:solidFill>
+            </a:ln>
+          </p:spPr>
+          <p:style>
+            <a:lnRef idx="2">
+              <a:schemeClr val="accent1">
+                <a:shade val="50000"/>
+              </a:schemeClr>
+            </a:lnRef>
+            <a:fillRef idx="1">
+              <a:schemeClr val="accent1"/>
+            </a:fillRef>
+            <a:effectRef idx="0">
+              <a:schemeClr val="accent1"/>
+            </a:effectRef>
+            <a:fontRef idx="minor">
+              <a:schemeClr val="lt1"/>
+            </a:fontRef>
+          </p:style>
+          <p:txBody>
+            <a:bodyPr rtlCol="0" anchor="ctr"/>
+            <a:lstStyle/>
+            <a:p>
+              <a:pPr algn="ctr"/>
+              <a:r>
+                <a:rPr lang="en-US" altLang="zh-CN">
+                  <a:solidFill>
+                    <a:schemeClr val="tx1"/>
+                  </a:solidFill>
+                  <a:latin typeface="Times New Roman" panose="02020603050405020304" pitchFamily="18" charset="0"/>
+                  <a:cs typeface="Times New Roman" panose="02020603050405020304" pitchFamily="18" charset="0"/>
+                </a:rPr>
+                <a:t>Target_val</a:t>
+              </a:r>
+              <a:endParaRPr lang="zh-CN" altLang="en-US">
+                <a:solidFill>
+                  <a:schemeClr val="tx1"/>
+                </a:solidFill>
+                <a:latin typeface="Times New Roman" panose="02020603050405020304" pitchFamily="18" charset="0"/>
+                <a:cs typeface="Times New Roman" panose="02020603050405020304" pitchFamily="18" charset="0"/>
+              </a:endParaRPr>
+            </a:p>
+          </p:txBody>
+        </p:sp>
+      </p:grpSp>
+      <p:sp>
+        <p:nvSpPr>
+          <p:cNvPr id="11" name="文本框 10">
+            <a:extLst>
+              <a:ext uri="{FF2B5EF4-FFF2-40B4-BE49-F238E27FC236}">
+                <a16:creationId xmlns:a16="http://schemas.microsoft.com/office/drawing/2014/main" id="{503FFE9E-B8D1-4EF8-92CE-C6438BFB3FCE}"/>
+              </a:ext>
+            </a:extLst>
+          </p:cNvPr>
+          <p:cNvSpPr txBox="1"/>
+          <p:nvPr/>
+        </p:nvSpPr>
+        <p:spPr>
+          <a:xfrm>
+            <a:off x="279851" y="347393"/>
+            <a:ext cx="8315097" cy="3170099"/>
+          </a:xfrm>
+          <a:prstGeom prst="rect">
+            <a:avLst/>
+          </a:prstGeom>
+          <a:noFill/>
+        </p:spPr>
+        <p:txBody>
+          <a:bodyPr wrap="none" rtlCol="0">
+            <a:spAutoFit/>
+          </a:bodyPr>
+          <a:lstStyle/>
+          <a:p>
+            <a:r>
+              <a:rPr lang="en-US" altLang="zh-CN" sz="2000" b="1">
+                <a:latin typeface="Times New Roman" panose="02020603050405020304" pitchFamily="18" charset="0"/>
+                <a:cs typeface="Times New Roman" panose="02020603050405020304" pitchFamily="18" charset="0"/>
+              </a:rPr>
+              <a:t>Nuscenes Dataset Domain Splits</a:t>
+            </a:r>
+          </a:p>
+          <a:p>
+            <a:pPr marL="342900" indent="-342900">
+              <a:buFont typeface="Arial" panose="020B0604020202020204" pitchFamily="34" charset="0"/>
+              <a:buChar char="•"/>
+            </a:pPr>
+            <a:r>
+              <a:rPr lang="en-US" altLang="zh-CN">
+                <a:latin typeface="Times New Roman" panose="02020603050405020304" pitchFamily="18" charset="0"/>
+                <a:cs typeface="Times New Roman" panose="02020603050405020304" pitchFamily="18" charset="0"/>
+              </a:rPr>
+              <a:t>Two Source-Target pairs</a:t>
+            </a:r>
+          </a:p>
+          <a:p>
+            <a:pPr marL="800100" lvl="1" indent="-342900">
+              <a:buFont typeface="Arial" panose="020B0604020202020204" pitchFamily="34" charset="0"/>
+              <a:buChar char="•"/>
+            </a:pPr>
+            <a:r>
+              <a:rPr lang="en-US" altLang="zh-CN">
+                <a:latin typeface="Times New Roman" panose="02020603050405020304" pitchFamily="18" charset="0"/>
+                <a:cs typeface="Times New Roman" panose="02020603050405020304" pitchFamily="18" charset="0"/>
+              </a:rPr>
+              <a:t>(USA, Singapore) &amp; (Day, Night)</a:t>
+            </a:r>
+          </a:p>
+          <a:p>
+            <a:pPr marL="342900" indent="-342900">
+              <a:buFont typeface="Arial" panose="020B0604020202020204" pitchFamily="34" charset="0"/>
+              <a:buChar char="•"/>
+            </a:pPr>
+            <a:r>
+              <a:rPr lang="en-US" altLang="zh-CN">
+                <a:latin typeface="Times New Roman" panose="02020603050405020304" pitchFamily="18" charset="0"/>
+                <a:cs typeface="Times New Roman" panose="02020603050405020304" pitchFamily="18" charset="0"/>
+              </a:rPr>
+              <a:t>Two splits on source</a:t>
+            </a:r>
+          </a:p>
+          <a:p>
+            <a:pPr marL="800100" lvl="1" indent="-342900">
+              <a:buFont typeface="Arial" panose="020B0604020202020204" pitchFamily="34" charset="0"/>
+              <a:buChar char="•"/>
+            </a:pPr>
+            <a:r>
+              <a:rPr lang="en-US" altLang="zh-CN">
+                <a:latin typeface="Times New Roman" panose="02020603050405020304" pitchFamily="18" charset="0"/>
+                <a:cs typeface="Times New Roman" panose="02020603050405020304" pitchFamily="18" charset="0"/>
+              </a:rPr>
+              <a:t>Source_train &amp; Source_test</a:t>
+            </a:r>
+          </a:p>
+          <a:p>
+            <a:pPr marL="342900" indent="-342900">
+              <a:buFont typeface="Arial" panose="020B0604020202020204" pitchFamily="34" charset="0"/>
+              <a:buChar char="•"/>
+            </a:pPr>
+            <a:r>
+              <a:rPr lang="en-US" altLang="zh-CN">
+                <a:latin typeface="Times New Roman" panose="02020603050405020304" pitchFamily="18" charset="0"/>
+                <a:cs typeface="Times New Roman" panose="02020603050405020304" pitchFamily="18" charset="0"/>
+              </a:rPr>
+              <a:t>Three splits on target</a:t>
+            </a:r>
+          </a:p>
+          <a:p>
+            <a:pPr marL="800100" lvl="1" indent="-342900">
+              <a:buFont typeface="Arial" panose="020B0604020202020204" pitchFamily="34" charset="0"/>
+              <a:buChar char="•"/>
+            </a:pPr>
+            <a:r>
+              <a:rPr lang="en-US" altLang="zh-CN">
+                <a:latin typeface="Times New Roman" panose="02020603050405020304" pitchFamily="18" charset="0"/>
+                <a:cs typeface="Times New Roman" panose="02020603050405020304" pitchFamily="18" charset="0"/>
+              </a:rPr>
+              <a:t>Target_train, Target_test &amp; Target_val</a:t>
+            </a:r>
+          </a:p>
+          <a:p>
+            <a:pPr marL="342900" indent="-342900">
+              <a:buFont typeface="Arial" panose="020B0604020202020204" pitchFamily="34" charset="0"/>
+              <a:buChar char="•"/>
+            </a:pPr>
+            <a:r>
+              <a:rPr lang="en-US" altLang="zh-CN">
+                <a:latin typeface="Times New Roman" panose="02020603050405020304" pitchFamily="18" charset="0"/>
+                <a:cs typeface="Times New Roman" panose="02020603050405020304" pitchFamily="18" charset="0"/>
+              </a:rPr>
+              <a:t>All of the experiments (results shown in tables) up to now are carried on these splits!</a:t>
+            </a:r>
+          </a:p>
+          <a:p>
+            <a:pPr marL="342900" indent="-342900">
+              <a:buFont typeface="Arial" panose="020B0604020202020204" pitchFamily="34" charset="0"/>
+              <a:buChar char="•"/>
+            </a:pPr>
+            <a:endParaRPr lang="en-US" altLang="zh-CN">
+              <a:latin typeface="Times New Roman" panose="02020603050405020304" pitchFamily="18" charset="0"/>
+              <a:cs typeface="Times New Roman" panose="02020603050405020304" pitchFamily="18" charset="0"/>
+            </a:endParaRPr>
+          </a:p>
+          <a:p>
+            <a:pPr lvl="1"/>
+            <a:endParaRPr lang="en-US" altLang="zh-CN">
+              <a:latin typeface="Times New Roman" panose="02020603050405020304" pitchFamily="18" charset="0"/>
+              <a:cs typeface="Times New Roman" panose="02020603050405020304" pitchFamily="18" charset="0"/>
+            </a:endParaRPr>
+          </a:p>
+          <a:p>
+            <a:pPr lvl="1"/>
+            <a:endParaRPr lang="en-US" altLang="zh-CN">
+              <a:latin typeface="Times New Roman" panose="02020603050405020304" pitchFamily="18" charset="0"/>
+              <a:cs typeface="Times New Roman" panose="02020603050405020304" pitchFamily="18" charset="0"/>
+            </a:endParaRPr>
+          </a:p>
+        </p:txBody>
+      </p:sp>
+    </p:spTree>
+    <p:extLst>
+      <p:ext uri="{BB962C8B-B14F-4D97-AF65-F5344CB8AC3E}">
+        <p14:creationId xmlns:p14="http://schemas.microsoft.com/office/powerpoint/2010/main" val="171116346"/>
+      </p:ext>
+    </p:extLst>
+  </p:cSld>
+  <p:clrMapOvr>
+    <a:masterClrMapping/>
+  </p:clrMapOvr>
+</p:sld>
+</file>
+
+<file path=ppt/slides/slide4.xml><?xml version="1.0" encoding="utf-8"?>
 <p:sld xmlns:a="http://schemas.openxmlformats.org/drawingml/2006/main" xmlns:r="http://schemas.openxmlformats.org/officeDocument/2006/relationships" xmlns:p="http://schemas.openxmlformats.org/presentationml/2006/main">
   <p:cSld>
     <p:spTree>
@@ -19343,7 +19466,1806 @@
 </p:sld>
 </file>
 
-<file path=ppt/slides/slide4.xml><?xml version="1.0" encoding="utf-8"?>
+<file path=ppt/slides/slide5.xml><?xml version="1.0" encoding="utf-8"?>
+<p:sld xmlns:a="http://schemas.openxmlformats.org/drawingml/2006/main" xmlns:r="http://schemas.openxmlformats.org/officeDocument/2006/relationships" xmlns:p="http://schemas.openxmlformats.org/presentationml/2006/main">
+  <p:cSld>
+    <p:spTree>
+      <p:nvGrpSpPr>
+        <p:cNvPr id="1" name=""/>
+        <p:cNvGrpSpPr/>
+        <p:nvPr/>
+      </p:nvGrpSpPr>
+      <p:grpSpPr>
+        <a:xfrm>
+          <a:off x="0" y="0"/>
+          <a:ext cx="0" cy="0"/>
+          <a:chOff x="0" y="0"/>
+          <a:chExt cx="0" cy="0"/>
+        </a:xfrm>
+      </p:grpSpPr>
+      <p:sp>
+        <p:nvSpPr>
+          <p:cNvPr id="4" name="文本框 3">
+            <a:extLst>
+              <a:ext uri="{FF2B5EF4-FFF2-40B4-BE49-F238E27FC236}">
+                <a16:creationId xmlns:a16="http://schemas.microsoft.com/office/drawing/2014/main" id="{AB889F65-71A6-4823-B4B9-5EE5C5F64650}"/>
+              </a:ext>
+            </a:extLst>
+          </p:cNvPr>
+          <p:cNvSpPr txBox="1"/>
+          <p:nvPr/>
+        </p:nvSpPr>
+        <p:spPr>
+          <a:xfrm>
+            <a:off x="294433" y="380666"/>
+            <a:ext cx="2754344" cy="461665"/>
+          </a:xfrm>
+          <a:prstGeom prst="rect">
+            <a:avLst/>
+          </a:prstGeom>
+          <a:noFill/>
+        </p:spPr>
+        <p:txBody>
+          <a:bodyPr wrap="none" rtlCol="0">
+            <a:spAutoFit/>
+          </a:bodyPr>
+          <a:lstStyle/>
+          <a:p>
+            <a:r>
+              <a:rPr lang="en-US" altLang="zh-CN" sz="2400" b="1">
+                <a:latin typeface="Times New Roman" panose="02020603050405020304" pitchFamily="18" charset="0"/>
+                <a:cs typeface="Times New Roman" panose="02020603050405020304" pitchFamily="18" charset="0"/>
+              </a:rPr>
+              <a:t>Architectures(ours)</a:t>
+            </a:r>
+            <a:endParaRPr lang="zh-CN" altLang="en-US" sz="2400" b="1">
+              <a:latin typeface="Times New Roman" panose="02020603050405020304" pitchFamily="18" charset="0"/>
+              <a:cs typeface="Times New Roman" panose="02020603050405020304" pitchFamily="18" charset="0"/>
+            </a:endParaRPr>
+          </a:p>
+        </p:txBody>
+      </p:sp>
+      <p:grpSp>
+        <p:nvGrpSpPr>
+          <p:cNvPr id="5" name="组合 4">
+            <a:extLst>
+              <a:ext uri="{FF2B5EF4-FFF2-40B4-BE49-F238E27FC236}">
+                <a16:creationId xmlns:a16="http://schemas.microsoft.com/office/drawing/2014/main" id="{BB237E7B-B8F7-4BF7-9A37-11F3ECAC0195}"/>
+              </a:ext>
+            </a:extLst>
+          </p:cNvPr>
+          <p:cNvGrpSpPr/>
+          <p:nvPr/>
+        </p:nvGrpSpPr>
+        <p:grpSpPr>
+          <a:xfrm>
+            <a:off x="914992" y="1971653"/>
+            <a:ext cx="3811866" cy="2594346"/>
+            <a:chOff x="7458014" y="4048217"/>
+            <a:chExt cx="3811866" cy="2594346"/>
+          </a:xfrm>
+        </p:grpSpPr>
+        <p:pic>
+          <p:nvPicPr>
+            <p:cNvPr id="6" name="图片 5">
+              <a:extLst>
+                <a:ext uri="{FF2B5EF4-FFF2-40B4-BE49-F238E27FC236}">
+                  <a16:creationId xmlns:a16="http://schemas.microsoft.com/office/drawing/2014/main" id="{7A94E9ED-5EC5-426F-8662-2863CA25DEA0}"/>
+                </a:ext>
+              </a:extLst>
+            </p:cNvPr>
+            <p:cNvPicPr>
+              <a:picLocks noChangeAspect="1"/>
+            </p:cNvPicPr>
+            <p:nvPr/>
+          </p:nvPicPr>
+          <p:blipFill rotWithShape="1">
+            <a:blip r:embed="rId2"/>
+            <a:srcRect t="15762" b="26851"/>
+            <a:stretch/>
+          </p:blipFill>
+          <p:spPr>
+            <a:xfrm>
+              <a:off x="8283220" y="4048217"/>
+              <a:ext cx="2986660" cy="1908700"/>
+            </a:xfrm>
+            <a:prstGeom prst="rect">
+              <a:avLst/>
+            </a:prstGeom>
+            <a:ln>
+              <a:noFill/>
+            </a:ln>
+          </p:spPr>
+        </p:pic>
+        <p:sp>
+          <p:nvSpPr>
+            <p:cNvPr id="7" name="文本框 6">
+              <a:extLst>
+                <a:ext uri="{FF2B5EF4-FFF2-40B4-BE49-F238E27FC236}">
+                  <a16:creationId xmlns:a16="http://schemas.microsoft.com/office/drawing/2014/main" id="{B319BB8C-8AFD-4169-84C3-2EF3A2B2AE59}"/>
+                </a:ext>
+              </a:extLst>
+            </p:cNvPr>
+            <p:cNvSpPr txBox="1"/>
+            <p:nvPr/>
+          </p:nvSpPr>
+          <p:spPr>
+            <a:xfrm>
+              <a:off x="7458014" y="4259662"/>
+              <a:ext cx="1135247" cy="261610"/>
+            </a:xfrm>
+            <a:prstGeom prst="rect">
+              <a:avLst/>
+            </a:prstGeom>
+            <a:noFill/>
+          </p:spPr>
+          <p:txBody>
+            <a:bodyPr wrap="none" rtlCol="0">
+              <a:spAutoFit/>
+            </a:bodyPr>
+            <a:lstStyle/>
+            <a:p>
+              <a:r>
+                <a:rPr lang="en-US" altLang="zh-CN" sz="1100">
+                  <a:latin typeface="Arial" panose="020B0604020202020204" pitchFamily="34" charset="0"/>
+                  <a:cs typeface="Arial" panose="020B0604020202020204" pitchFamily="34" charset="0"/>
+                </a:rPr>
+                <a:t>UNetResNet34</a:t>
+              </a:r>
+              <a:endParaRPr lang="zh-CN" altLang="en-US" sz="1100">
+                <a:latin typeface="Arial" panose="020B0604020202020204" pitchFamily="34" charset="0"/>
+                <a:cs typeface="Arial" panose="020B0604020202020204" pitchFamily="34" charset="0"/>
+              </a:endParaRPr>
+            </a:p>
+          </p:txBody>
+        </p:sp>
+        <p:sp>
+          <p:nvSpPr>
+            <p:cNvPr id="8" name="文本框 7">
+              <a:extLst>
+                <a:ext uri="{FF2B5EF4-FFF2-40B4-BE49-F238E27FC236}">
+                  <a16:creationId xmlns:a16="http://schemas.microsoft.com/office/drawing/2014/main" id="{AA29559E-27B5-4B1C-991C-2CBC8EC0FA7A}"/>
+                </a:ext>
+              </a:extLst>
+            </p:cNvPr>
+            <p:cNvSpPr txBox="1"/>
+            <p:nvPr/>
+          </p:nvSpPr>
+          <p:spPr>
+            <a:xfrm>
+              <a:off x="7759996" y="5469539"/>
+              <a:ext cx="806631" cy="261610"/>
+            </a:xfrm>
+            <a:prstGeom prst="rect">
+              <a:avLst/>
+            </a:prstGeom>
+            <a:noFill/>
+          </p:spPr>
+          <p:txBody>
+            <a:bodyPr wrap="none" rtlCol="0">
+              <a:spAutoFit/>
+            </a:bodyPr>
+            <a:lstStyle/>
+            <a:p>
+              <a:r>
+                <a:rPr lang="en-US" altLang="zh-CN" sz="1100">
+                  <a:latin typeface="Arial" panose="020B0604020202020204" pitchFamily="34" charset="0"/>
+                  <a:cs typeface="Arial" panose="020B0604020202020204" pitchFamily="34" charset="0"/>
+                </a:rPr>
+                <a:t>UNetSCN</a:t>
+              </a:r>
+              <a:endParaRPr lang="zh-CN" altLang="en-US" sz="1100">
+                <a:latin typeface="Arial" panose="020B0604020202020204" pitchFamily="34" charset="0"/>
+                <a:cs typeface="Arial" panose="020B0604020202020204" pitchFamily="34" charset="0"/>
+              </a:endParaRPr>
+            </a:p>
+          </p:txBody>
+        </p:sp>
+        <p:sp>
+          <p:nvSpPr>
+            <p:cNvPr id="9" name="文本框 8">
+              <a:extLst>
+                <a:ext uri="{FF2B5EF4-FFF2-40B4-BE49-F238E27FC236}">
+                  <a16:creationId xmlns:a16="http://schemas.microsoft.com/office/drawing/2014/main" id="{91750412-F079-417B-95F6-219482ABE292}"/>
+                </a:ext>
+              </a:extLst>
+            </p:cNvPr>
+            <p:cNvSpPr txBox="1"/>
+            <p:nvPr/>
+          </p:nvSpPr>
+          <p:spPr>
+            <a:xfrm>
+              <a:off x="8736082" y="4657657"/>
+              <a:ext cx="654346" cy="276999"/>
+            </a:xfrm>
+            <a:prstGeom prst="rect">
+              <a:avLst/>
+            </a:prstGeom>
+            <a:noFill/>
+          </p:spPr>
+          <p:txBody>
+            <a:bodyPr wrap="none" rtlCol="0">
+              <a:spAutoFit/>
+            </a:bodyPr>
+            <a:lstStyle/>
+            <a:p>
+              <a:r>
+                <a:rPr lang="en-US" altLang="zh-CN" sz="1200">
+                  <a:latin typeface="Arial" panose="020B0604020202020204" pitchFamily="34" charset="0"/>
+                  <a:cs typeface="Arial" panose="020B0604020202020204" pitchFamily="34" charset="0"/>
+                </a:rPr>
+                <a:t>(N, 64)</a:t>
+              </a:r>
+              <a:endParaRPr lang="zh-CN" altLang="en-US" sz="1200">
+                <a:latin typeface="Arial" panose="020B0604020202020204" pitchFamily="34" charset="0"/>
+                <a:cs typeface="Arial" panose="020B0604020202020204" pitchFamily="34" charset="0"/>
+              </a:endParaRPr>
+            </a:p>
+          </p:txBody>
+        </p:sp>
+        <p:sp>
+          <p:nvSpPr>
+            <p:cNvPr id="10" name="文本框 9">
+              <a:extLst>
+                <a:ext uri="{FF2B5EF4-FFF2-40B4-BE49-F238E27FC236}">
+                  <a16:creationId xmlns:a16="http://schemas.microsoft.com/office/drawing/2014/main" id="{2A1EC747-9664-435F-8BA4-7DE18AFF0C5A}"/>
+                </a:ext>
+              </a:extLst>
+            </p:cNvPr>
+            <p:cNvSpPr txBox="1"/>
+            <p:nvPr/>
+          </p:nvSpPr>
+          <p:spPr>
+            <a:xfrm>
+              <a:off x="8736082" y="5874364"/>
+              <a:ext cx="654346" cy="276999"/>
+            </a:xfrm>
+            <a:prstGeom prst="rect">
+              <a:avLst/>
+            </a:prstGeom>
+            <a:noFill/>
+          </p:spPr>
+          <p:txBody>
+            <a:bodyPr wrap="none" rtlCol="0">
+              <a:spAutoFit/>
+            </a:bodyPr>
+            <a:lstStyle/>
+            <a:p>
+              <a:r>
+                <a:rPr lang="en-US" altLang="zh-CN" sz="1200">
+                  <a:latin typeface="Arial" panose="020B0604020202020204" pitchFamily="34" charset="0"/>
+                  <a:cs typeface="Arial" panose="020B0604020202020204" pitchFamily="34" charset="0"/>
+                </a:rPr>
+                <a:t>(N, 16)</a:t>
+              </a:r>
+              <a:endParaRPr lang="zh-CN" altLang="en-US" sz="1200">
+                <a:latin typeface="Arial" panose="020B0604020202020204" pitchFamily="34" charset="0"/>
+                <a:cs typeface="Arial" panose="020B0604020202020204" pitchFamily="34" charset="0"/>
+              </a:endParaRPr>
+            </a:p>
+          </p:txBody>
+        </p:sp>
+        <p:sp>
+          <p:nvSpPr>
+            <p:cNvPr id="11" name="文本框 10">
+              <a:extLst>
+                <a:ext uri="{FF2B5EF4-FFF2-40B4-BE49-F238E27FC236}">
+                  <a16:creationId xmlns:a16="http://schemas.microsoft.com/office/drawing/2014/main" id="{5D87E0DB-E37B-4E41-80BE-D8139D26CE8D}"/>
+                </a:ext>
+              </a:extLst>
+            </p:cNvPr>
+            <p:cNvSpPr txBox="1"/>
+            <p:nvPr/>
+          </p:nvSpPr>
+          <p:spPr>
+            <a:xfrm>
+              <a:off x="9528481" y="5295527"/>
+              <a:ext cx="914033" cy="276999"/>
+            </a:xfrm>
+            <a:prstGeom prst="rect">
+              <a:avLst/>
+            </a:prstGeom>
+            <a:noFill/>
+          </p:spPr>
+          <p:txBody>
+            <a:bodyPr wrap="none" rtlCol="0">
+              <a:spAutoFit/>
+            </a:bodyPr>
+            <a:lstStyle/>
+            <a:p>
+              <a:r>
+                <a:rPr lang="en-US" altLang="zh-CN" sz="1200">
+                  <a:latin typeface="Arial" panose="020B0604020202020204" pitchFamily="34" charset="0"/>
+                  <a:cs typeface="Arial" panose="020B0604020202020204" pitchFamily="34" charset="0"/>
+                </a:rPr>
+                <a:t>(N, 64+16)</a:t>
+              </a:r>
+              <a:endParaRPr lang="zh-CN" altLang="en-US" sz="1200">
+                <a:latin typeface="Arial" panose="020B0604020202020204" pitchFamily="34" charset="0"/>
+                <a:cs typeface="Arial" panose="020B0604020202020204" pitchFamily="34" charset="0"/>
+              </a:endParaRPr>
+            </a:p>
+          </p:txBody>
+        </p:sp>
+        <p:sp>
+          <p:nvSpPr>
+            <p:cNvPr id="12" name="文本框 11">
+              <a:extLst>
+                <a:ext uri="{FF2B5EF4-FFF2-40B4-BE49-F238E27FC236}">
+                  <a16:creationId xmlns:a16="http://schemas.microsoft.com/office/drawing/2014/main" id="{49F368F0-2FA9-4DB0-83D0-78BA586BE8CF}"/>
+                </a:ext>
+              </a:extLst>
+            </p:cNvPr>
+            <p:cNvSpPr txBox="1"/>
+            <p:nvPr/>
+          </p:nvSpPr>
+          <p:spPr>
+            <a:xfrm>
+              <a:off x="7962435" y="6304009"/>
+              <a:ext cx="2545762" cy="338554"/>
+            </a:xfrm>
+            <a:prstGeom prst="rect">
+              <a:avLst/>
+            </a:prstGeom>
+            <a:noFill/>
+          </p:spPr>
+          <p:txBody>
+            <a:bodyPr wrap="none" rtlCol="0">
+              <a:spAutoFit/>
+            </a:bodyPr>
+            <a:lstStyle/>
+            <a:p>
+              <a:r>
+                <a:rPr lang="en-US" altLang="zh-CN" sz="1600" b="1">
+                  <a:latin typeface="Arial" panose="020B0604020202020204" pitchFamily="34" charset="0"/>
+                  <a:cs typeface="Arial" panose="020B0604020202020204" pitchFamily="34" charset="0"/>
+                </a:rPr>
+                <a:t>Vanilla Fusion(Baseline)</a:t>
+              </a:r>
+              <a:endParaRPr lang="zh-CN" altLang="en-US" sz="1600" b="1">
+                <a:latin typeface="Arial" panose="020B0604020202020204" pitchFamily="34" charset="0"/>
+                <a:cs typeface="Arial" panose="020B0604020202020204" pitchFamily="34" charset="0"/>
+              </a:endParaRPr>
+            </a:p>
+          </p:txBody>
+        </p:sp>
+      </p:grpSp>
+      <p:grpSp>
+        <p:nvGrpSpPr>
+          <p:cNvPr id="32" name="组合 31">
+            <a:extLst>
+              <a:ext uri="{FF2B5EF4-FFF2-40B4-BE49-F238E27FC236}">
+                <a16:creationId xmlns:a16="http://schemas.microsoft.com/office/drawing/2014/main" id="{6CEB406E-3058-4AE2-B0C5-35629D9CBD4D}"/>
+              </a:ext>
+            </a:extLst>
+          </p:cNvPr>
+          <p:cNvGrpSpPr/>
+          <p:nvPr/>
+        </p:nvGrpSpPr>
+        <p:grpSpPr>
+          <a:xfrm>
+            <a:off x="6821638" y="1701954"/>
+            <a:ext cx="4507597" cy="3524288"/>
+            <a:chOff x="4602623" y="645262"/>
+            <a:chExt cx="4507597" cy="3524288"/>
+          </a:xfrm>
+        </p:grpSpPr>
+        <p:grpSp>
+          <p:nvGrpSpPr>
+            <p:cNvPr id="13" name="组合 12">
+              <a:extLst>
+                <a:ext uri="{FF2B5EF4-FFF2-40B4-BE49-F238E27FC236}">
+                  <a16:creationId xmlns:a16="http://schemas.microsoft.com/office/drawing/2014/main" id="{E2AE7DBA-05F0-47A1-9A48-262283E91B84}"/>
+                </a:ext>
+              </a:extLst>
+            </p:cNvPr>
+            <p:cNvGrpSpPr/>
+            <p:nvPr/>
+          </p:nvGrpSpPr>
+          <p:grpSpPr>
+            <a:xfrm>
+              <a:off x="4602623" y="645262"/>
+              <a:ext cx="4507597" cy="3084691"/>
+              <a:chOff x="7395871" y="1158579"/>
+              <a:chExt cx="4880212" cy="3267050"/>
+            </a:xfrm>
+          </p:grpSpPr>
+          <p:pic>
+            <p:nvPicPr>
+              <p:cNvPr id="14" name="图片 13">
+                <a:extLst>
+                  <a:ext uri="{FF2B5EF4-FFF2-40B4-BE49-F238E27FC236}">
+                    <a16:creationId xmlns:a16="http://schemas.microsoft.com/office/drawing/2014/main" id="{000FF266-3D6C-4606-AB49-DFA3F36BEEA6}"/>
+                  </a:ext>
+                </a:extLst>
+              </p:cNvPr>
+              <p:cNvPicPr>
+                <a:picLocks noChangeAspect="1"/>
+              </p:cNvPicPr>
+              <p:nvPr/>
+            </p:nvPicPr>
+            <p:blipFill rotWithShape="1">
+              <a:blip r:embed="rId2"/>
+              <a:srcRect t="15762" b="26851"/>
+              <a:stretch/>
+            </p:blipFill>
+            <p:spPr>
+              <a:xfrm>
+                <a:off x="8221077" y="2322406"/>
+                <a:ext cx="2986660" cy="1908700"/>
+              </a:xfrm>
+              <a:prstGeom prst="rect">
+                <a:avLst/>
+              </a:prstGeom>
+              <a:ln>
+                <a:noFill/>
+              </a:ln>
+            </p:spPr>
+          </p:pic>
+          <p:sp>
+            <p:nvSpPr>
+              <p:cNvPr id="15" name="文本框 14">
+                <a:extLst>
+                  <a:ext uri="{FF2B5EF4-FFF2-40B4-BE49-F238E27FC236}">
+                    <a16:creationId xmlns:a16="http://schemas.microsoft.com/office/drawing/2014/main" id="{F6D14F36-2E5D-4AB8-B47D-4D805186389F}"/>
+                  </a:ext>
+                </a:extLst>
+              </p:cNvPr>
+              <p:cNvSpPr txBox="1"/>
+              <p:nvPr/>
+            </p:nvSpPr>
+            <p:spPr>
+              <a:xfrm>
+                <a:off x="7395871" y="2533851"/>
+                <a:ext cx="1183968" cy="268927"/>
+              </a:xfrm>
+              <a:prstGeom prst="rect">
+                <a:avLst/>
+              </a:prstGeom>
+              <a:noFill/>
+            </p:spPr>
+            <p:txBody>
+              <a:bodyPr wrap="none" rtlCol="0">
+                <a:spAutoFit/>
+              </a:bodyPr>
+              <a:lstStyle/>
+              <a:p>
+                <a:r>
+                  <a:rPr lang="en-US" altLang="zh-CN" sz="1050">
+                    <a:latin typeface="Arial" panose="020B0604020202020204" pitchFamily="34" charset="0"/>
+                    <a:cs typeface="Arial" panose="020B0604020202020204" pitchFamily="34" charset="0"/>
+                  </a:rPr>
+                  <a:t>UNetResNet34</a:t>
+                </a:r>
+                <a:endParaRPr lang="zh-CN" altLang="en-US" sz="1050">
+                  <a:latin typeface="Arial" panose="020B0604020202020204" pitchFamily="34" charset="0"/>
+                  <a:cs typeface="Arial" panose="020B0604020202020204" pitchFamily="34" charset="0"/>
+                </a:endParaRPr>
+              </a:p>
+            </p:txBody>
+          </p:sp>
+          <p:sp>
+            <p:nvSpPr>
+              <p:cNvPr id="16" name="文本框 15">
+                <a:extLst>
+                  <a:ext uri="{FF2B5EF4-FFF2-40B4-BE49-F238E27FC236}">
+                    <a16:creationId xmlns:a16="http://schemas.microsoft.com/office/drawing/2014/main" id="{CE20498B-826A-4D7C-8C93-2BE0AA2A5E20}"/>
+                  </a:ext>
+                </a:extLst>
+              </p:cNvPr>
+              <p:cNvSpPr txBox="1"/>
+              <p:nvPr/>
+            </p:nvSpPr>
+            <p:spPr>
+              <a:xfrm>
+                <a:off x="7697853" y="3743728"/>
+                <a:ext cx="842071" cy="268927"/>
+              </a:xfrm>
+              <a:prstGeom prst="rect">
+                <a:avLst/>
+              </a:prstGeom>
+              <a:noFill/>
+            </p:spPr>
+            <p:txBody>
+              <a:bodyPr wrap="none" rtlCol="0">
+                <a:spAutoFit/>
+              </a:bodyPr>
+              <a:lstStyle/>
+              <a:p>
+                <a:r>
+                  <a:rPr lang="en-US" altLang="zh-CN" sz="1050">
+                    <a:latin typeface="Arial" panose="020B0604020202020204" pitchFamily="34" charset="0"/>
+                    <a:cs typeface="Arial" panose="020B0604020202020204" pitchFamily="34" charset="0"/>
+                  </a:rPr>
+                  <a:t>UNetSCN</a:t>
+                </a:r>
+                <a:endParaRPr lang="zh-CN" altLang="en-US" sz="1050">
+                  <a:latin typeface="Arial" panose="020B0604020202020204" pitchFamily="34" charset="0"/>
+                  <a:cs typeface="Arial" panose="020B0604020202020204" pitchFamily="34" charset="0"/>
+                </a:endParaRPr>
+              </a:p>
+            </p:txBody>
+          </p:sp>
+          <p:sp>
+            <p:nvSpPr>
+              <p:cNvPr id="17" name="文本框 16">
+                <a:extLst>
+                  <a:ext uri="{FF2B5EF4-FFF2-40B4-BE49-F238E27FC236}">
+                    <a16:creationId xmlns:a16="http://schemas.microsoft.com/office/drawing/2014/main" id="{127EB3AF-E555-463A-B745-830B20C4FD2D}"/>
+                  </a:ext>
+                </a:extLst>
+              </p:cNvPr>
+              <p:cNvSpPr txBox="1"/>
+              <p:nvPr/>
+            </p:nvSpPr>
+            <p:spPr>
+              <a:xfrm>
+                <a:off x="8673939" y="2931846"/>
+                <a:ext cx="665049" cy="277076"/>
+              </a:xfrm>
+              <a:prstGeom prst="rect">
+                <a:avLst/>
+              </a:prstGeom>
+              <a:noFill/>
+            </p:spPr>
+            <p:txBody>
+              <a:bodyPr wrap="none" rtlCol="0">
+                <a:spAutoFit/>
+              </a:bodyPr>
+              <a:lstStyle/>
+              <a:p>
+                <a:r>
+                  <a:rPr lang="en-US" altLang="zh-CN" sz="1100">
+                    <a:latin typeface="Arial" panose="020B0604020202020204" pitchFamily="34" charset="0"/>
+                    <a:cs typeface="Arial" panose="020B0604020202020204" pitchFamily="34" charset="0"/>
+                  </a:rPr>
+                  <a:t>(N, 64)</a:t>
+                </a:r>
+                <a:endParaRPr lang="zh-CN" altLang="en-US" sz="1100">
+                  <a:latin typeface="Arial" panose="020B0604020202020204" pitchFamily="34" charset="0"/>
+                  <a:cs typeface="Arial" panose="020B0604020202020204" pitchFamily="34" charset="0"/>
+                </a:endParaRPr>
+              </a:p>
+            </p:txBody>
+          </p:sp>
+          <p:sp>
+            <p:nvSpPr>
+              <p:cNvPr id="18" name="文本框 17">
+                <a:extLst>
+                  <a:ext uri="{FF2B5EF4-FFF2-40B4-BE49-F238E27FC236}">
+                    <a16:creationId xmlns:a16="http://schemas.microsoft.com/office/drawing/2014/main" id="{F4F2E079-BF8F-4569-966B-AF15FFB0E293}"/>
+                  </a:ext>
+                </a:extLst>
+              </p:cNvPr>
+              <p:cNvSpPr txBox="1"/>
+              <p:nvPr/>
+            </p:nvSpPr>
+            <p:spPr>
+              <a:xfrm>
+                <a:off x="8673939" y="4148553"/>
+                <a:ext cx="665049" cy="277076"/>
+              </a:xfrm>
+              <a:prstGeom prst="rect">
+                <a:avLst/>
+              </a:prstGeom>
+              <a:noFill/>
+            </p:spPr>
+            <p:txBody>
+              <a:bodyPr wrap="none" rtlCol="0">
+                <a:spAutoFit/>
+              </a:bodyPr>
+              <a:lstStyle/>
+              <a:p>
+                <a:r>
+                  <a:rPr lang="en-US" altLang="zh-CN" sz="1100">
+                    <a:latin typeface="Arial" panose="020B0604020202020204" pitchFamily="34" charset="0"/>
+                    <a:cs typeface="Arial" panose="020B0604020202020204" pitchFamily="34" charset="0"/>
+                  </a:rPr>
+                  <a:t>(N, 16)</a:t>
+                </a:r>
+                <a:endParaRPr lang="zh-CN" altLang="en-US" sz="1100">
+                  <a:latin typeface="Arial" panose="020B0604020202020204" pitchFamily="34" charset="0"/>
+                  <a:cs typeface="Arial" panose="020B0604020202020204" pitchFamily="34" charset="0"/>
+                </a:endParaRPr>
+              </a:p>
+            </p:txBody>
+          </p:sp>
+          <p:sp>
+            <p:nvSpPr>
+              <p:cNvPr id="19" name="文本框 18">
+                <a:extLst>
+                  <a:ext uri="{FF2B5EF4-FFF2-40B4-BE49-F238E27FC236}">
+                    <a16:creationId xmlns:a16="http://schemas.microsoft.com/office/drawing/2014/main" id="{38ED3D80-C6E9-4462-A8BE-A94315104B04}"/>
+                  </a:ext>
+                </a:extLst>
+              </p:cNvPr>
+              <p:cNvSpPr txBox="1"/>
+              <p:nvPr/>
+            </p:nvSpPr>
+            <p:spPr>
+              <a:xfrm>
+                <a:off x="9427415" y="2720855"/>
+                <a:ext cx="923641" cy="277076"/>
+              </a:xfrm>
+              <a:prstGeom prst="rect">
+                <a:avLst/>
+              </a:prstGeom>
+              <a:noFill/>
+            </p:spPr>
+            <p:txBody>
+              <a:bodyPr wrap="none" rtlCol="0">
+                <a:spAutoFit/>
+              </a:bodyPr>
+              <a:lstStyle/>
+              <a:p>
+                <a:r>
+                  <a:rPr lang="en-US" altLang="zh-CN" sz="1100">
+                    <a:latin typeface="Arial" panose="020B0604020202020204" pitchFamily="34" charset="0"/>
+                    <a:cs typeface="Arial" panose="020B0604020202020204" pitchFamily="34" charset="0"/>
+                  </a:rPr>
+                  <a:t>(N, 64+16)</a:t>
+                </a:r>
+                <a:endParaRPr lang="zh-CN" altLang="en-US" sz="1100">
+                  <a:latin typeface="Arial" panose="020B0604020202020204" pitchFamily="34" charset="0"/>
+                  <a:cs typeface="Arial" panose="020B0604020202020204" pitchFamily="34" charset="0"/>
+                </a:endParaRPr>
+              </a:p>
+            </p:txBody>
+          </p:sp>
+          <p:cxnSp>
+            <p:nvCxnSpPr>
+              <p:cNvPr id="20" name="连接符: 肘形 19">
+                <a:extLst>
+                  <a:ext uri="{FF2B5EF4-FFF2-40B4-BE49-F238E27FC236}">
+                    <a16:creationId xmlns:a16="http://schemas.microsoft.com/office/drawing/2014/main" id="{8ADC600B-749B-4D35-BD8F-E722562F8249}"/>
+                  </a:ext>
+                </a:extLst>
+              </p:cNvPr>
+              <p:cNvCxnSpPr>
+                <a:cxnSpLocks/>
+              </p:cNvCxnSpPr>
+              <p:nvPr/>
+            </p:nvCxnSpPr>
+            <p:spPr>
+              <a:xfrm flipV="1">
+                <a:off x="9056780" y="1521197"/>
+                <a:ext cx="1099274" cy="827847"/>
+              </a:xfrm>
+              <a:prstGeom prst="bentConnector3">
+                <a:avLst>
+                  <a:gd name="adj1" fmla="val -71"/>
+                </a:avLst>
+              </a:prstGeom>
+              <a:ln w="12700">
+                <a:solidFill>
+                  <a:srgbClr val="FF0000"/>
+                </a:solidFill>
+                <a:tailEnd type="triangle"/>
+              </a:ln>
+            </p:spPr>
+            <p:style>
+              <a:lnRef idx="1">
+                <a:schemeClr val="accent1"/>
+              </a:lnRef>
+              <a:fillRef idx="0">
+                <a:schemeClr val="accent1"/>
+              </a:fillRef>
+              <a:effectRef idx="0">
+                <a:schemeClr val="accent1"/>
+              </a:effectRef>
+              <a:fontRef idx="minor">
+                <a:schemeClr val="tx1"/>
+              </a:fontRef>
+            </p:style>
+          </p:cxnSp>
+          <p:sp>
+            <p:nvSpPr>
+              <p:cNvPr id="21" name="文本框 20">
+                <a:extLst>
+                  <a:ext uri="{FF2B5EF4-FFF2-40B4-BE49-F238E27FC236}">
+                    <a16:creationId xmlns:a16="http://schemas.microsoft.com/office/drawing/2014/main" id="{B3CE7EF1-201F-4BE5-A888-6DFF241489AE}"/>
+                  </a:ext>
+                </a:extLst>
+              </p:cNvPr>
+              <p:cNvSpPr txBox="1"/>
+              <p:nvPr/>
+            </p:nvSpPr>
+            <p:spPr>
+              <a:xfrm>
+                <a:off x="9046710" y="1244198"/>
+                <a:ext cx="1029449" cy="276999"/>
+              </a:xfrm>
+              <a:prstGeom prst="rect">
+                <a:avLst/>
+              </a:prstGeom>
+              <a:noFill/>
+            </p:spPr>
+            <p:txBody>
+              <a:bodyPr wrap="none" rtlCol="0">
+                <a:spAutoFit/>
+              </a:bodyPr>
+              <a:lstStyle/>
+              <a:p>
+                <a:r>
+                  <a:rPr lang="en-US" altLang="zh-CN" sz="1100">
+                    <a:latin typeface="Arial" panose="020B0604020202020204" pitchFamily="34" charset="0"/>
+                    <a:cs typeface="Arial" panose="020B0604020202020204" pitchFamily="34" charset="0"/>
+                  </a:rPr>
+                  <a:t>MLP(64, 16)</a:t>
+                </a:r>
+                <a:endParaRPr lang="zh-CN" altLang="en-US" sz="1100">
+                  <a:latin typeface="Arial" panose="020B0604020202020204" pitchFamily="34" charset="0"/>
+                  <a:cs typeface="Arial" panose="020B0604020202020204" pitchFamily="34" charset="0"/>
+                </a:endParaRPr>
+              </a:p>
+            </p:txBody>
+          </p:sp>
+          <p:cxnSp>
+            <p:nvCxnSpPr>
+              <p:cNvPr id="22" name="连接符: 肘形 21">
+                <a:extLst>
+                  <a:ext uri="{FF2B5EF4-FFF2-40B4-BE49-F238E27FC236}">
+                    <a16:creationId xmlns:a16="http://schemas.microsoft.com/office/drawing/2014/main" id="{9A2CBFC8-41BD-498D-8AB6-5C2989F7153E}"/>
+                  </a:ext>
+                </a:extLst>
+              </p:cNvPr>
+              <p:cNvCxnSpPr>
+                <a:cxnSpLocks/>
+              </p:cNvCxnSpPr>
+              <p:nvPr/>
+            </p:nvCxnSpPr>
+            <p:spPr>
+              <a:xfrm rot="5400000" flipH="1" flipV="1">
+                <a:off x="9017430" y="2642396"/>
+                <a:ext cx="1471761" cy="1254124"/>
+              </a:xfrm>
+              <a:prstGeom prst="bentConnector3">
+                <a:avLst>
+                  <a:gd name="adj1" fmla="val -66"/>
+                </a:avLst>
+              </a:prstGeom>
+              <a:ln>
+                <a:tailEnd type="triangle"/>
+              </a:ln>
+            </p:spPr>
+            <p:style>
+              <a:lnRef idx="1">
+                <a:schemeClr val="accent1"/>
+              </a:lnRef>
+              <a:fillRef idx="0">
+                <a:schemeClr val="accent1"/>
+              </a:fillRef>
+              <a:effectRef idx="0">
+                <a:schemeClr val="accent1"/>
+              </a:effectRef>
+              <a:fontRef idx="minor">
+                <a:schemeClr val="tx1"/>
+              </a:fontRef>
+            </p:style>
+          </p:cxnSp>
+          <p:sp>
+            <p:nvSpPr>
+              <p:cNvPr id="23" name="矩形 22">
+                <a:extLst>
+                  <a:ext uri="{FF2B5EF4-FFF2-40B4-BE49-F238E27FC236}">
+                    <a16:creationId xmlns:a16="http://schemas.microsoft.com/office/drawing/2014/main" id="{0B1B9BB9-3688-41C8-910C-A49EAEA02554}"/>
+                  </a:ext>
+                </a:extLst>
+              </p:cNvPr>
+              <p:cNvSpPr/>
+              <p:nvPr/>
+            </p:nvSpPr>
+            <p:spPr>
+              <a:xfrm>
+                <a:off x="10237824" y="1158579"/>
+                <a:ext cx="242784" cy="571286"/>
+              </a:xfrm>
+              <a:prstGeom prst="rect">
+                <a:avLst/>
+              </a:prstGeom>
+              <a:noFill/>
+              <a:ln w="19050">
+                <a:solidFill>
+                  <a:srgbClr val="FF0000"/>
+                </a:solidFill>
+              </a:ln>
+            </p:spPr>
+            <p:style>
+              <a:lnRef idx="2">
+                <a:schemeClr val="accent1">
+                  <a:shade val="50000"/>
+                </a:schemeClr>
+              </a:lnRef>
+              <a:fillRef idx="1">
+                <a:schemeClr val="accent1"/>
+              </a:fillRef>
+              <a:effectRef idx="0">
+                <a:schemeClr val="accent1"/>
+              </a:effectRef>
+              <a:fontRef idx="minor">
+                <a:schemeClr val="lt1"/>
+              </a:fontRef>
+            </p:style>
+            <p:txBody>
+              <a:bodyPr rtlCol="0" anchor="ctr"/>
+              <a:lstStyle/>
+              <a:p>
+                <a:pPr algn="ctr"/>
+                <a:endParaRPr lang="zh-CN" altLang="en-US" sz="1600"/>
+              </a:p>
+            </p:txBody>
+          </p:sp>
+          <p:sp>
+            <p:nvSpPr>
+              <p:cNvPr id="24" name="矩形 23">
+                <a:extLst>
+                  <a:ext uri="{FF2B5EF4-FFF2-40B4-BE49-F238E27FC236}">
+                    <a16:creationId xmlns:a16="http://schemas.microsoft.com/office/drawing/2014/main" id="{A4FF97D4-CD50-4298-942C-0086A86237FF}"/>
+                  </a:ext>
+                </a:extLst>
+              </p:cNvPr>
+              <p:cNvSpPr/>
+              <p:nvPr/>
+            </p:nvSpPr>
+            <p:spPr>
+              <a:xfrm>
+                <a:off x="10237824" y="1887829"/>
+                <a:ext cx="242784" cy="571286"/>
+              </a:xfrm>
+              <a:prstGeom prst="rect">
+                <a:avLst/>
+              </a:prstGeom>
+              <a:noFill/>
+              <a:ln w="19050">
+                <a:solidFill>
+                  <a:srgbClr val="00B0F0"/>
+                </a:solidFill>
+              </a:ln>
+            </p:spPr>
+            <p:style>
+              <a:lnRef idx="2">
+                <a:schemeClr val="accent1">
+                  <a:shade val="50000"/>
+                </a:schemeClr>
+              </a:lnRef>
+              <a:fillRef idx="1">
+                <a:schemeClr val="accent1"/>
+              </a:fillRef>
+              <a:effectRef idx="0">
+                <a:schemeClr val="accent1"/>
+              </a:effectRef>
+              <a:fontRef idx="minor">
+                <a:schemeClr val="lt1"/>
+              </a:fontRef>
+            </p:style>
+            <p:txBody>
+              <a:bodyPr rtlCol="0" anchor="ctr"/>
+              <a:lstStyle/>
+              <a:p>
+                <a:pPr algn="ctr"/>
+                <a:endParaRPr lang="zh-CN" altLang="en-US" sz="1600"/>
+              </a:p>
+            </p:txBody>
+          </p:sp>
+          <p:sp>
+            <p:nvSpPr>
+              <p:cNvPr id="25" name="文本框 24">
+                <a:extLst>
+                  <a:ext uri="{FF2B5EF4-FFF2-40B4-BE49-F238E27FC236}">
+                    <a16:creationId xmlns:a16="http://schemas.microsoft.com/office/drawing/2014/main" id="{B64F5E7E-1B1F-462A-A9E7-B8EB319C85EF}"/>
+                  </a:ext>
+                </a:extLst>
+              </p:cNvPr>
+              <p:cNvSpPr txBox="1"/>
+              <p:nvPr/>
+            </p:nvSpPr>
+            <p:spPr>
+              <a:xfrm>
+                <a:off x="9265869" y="3979723"/>
+                <a:ext cx="1029449" cy="276999"/>
+              </a:xfrm>
+              <a:prstGeom prst="rect">
+                <a:avLst/>
+              </a:prstGeom>
+              <a:noFill/>
+            </p:spPr>
+            <p:txBody>
+              <a:bodyPr wrap="none" rtlCol="0">
+                <a:spAutoFit/>
+              </a:bodyPr>
+              <a:lstStyle/>
+              <a:p>
+                <a:r>
+                  <a:rPr lang="en-US" altLang="zh-CN" sz="1100">
+                    <a:latin typeface="Arial" panose="020B0604020202020204" pitchFamily="34" charset="0"/>
+                    <a:cs typeface="Arial" panose="020B0604020202020204" pitchFamily="34" charset="0"/>
+                  </a:rPr>
+                  <a:t>MLP(16, 16)</a:t>
+                </a:r>
+                <a:endParaRPr lang="zh-CN" altLang="en-US" sz="1100">
+                  <a:latin typeface="Arial" panose="020B0604020202020204" pitchFamily="34" charset="0"/>
+                  <a:cs typeface="Arial" panose="020B0604020202020204" pitchFamily="34" charset="0"/>
+                </a:endParaRPr>
+              </a:p>
+            </p:txBody>
+          </p:sp>
+          <p:cxnSp>
+            <p:nvCxnSpPr>
+              <p:cNvPr id="26" name="连接符: 肘形 25">
+                <a:extLst>
+                  <a:ext uri="{FF2B5EF4-FFF2-40B4-BE49-F238E27FC236}">
+                    <a16:creationId xmlns:a16="http://schemas.microsoft.com/office/drawing/2014/main" id="{0801F525-8968-4EC1-81B7-521FEB41DD3F}"/>
+                  </a:ext>
+                </a:extLst>
+              </p:cNvPr>
+              <p:cNvCxnSpPr>
+                <a:stCxn id="23" idx="3"/>
+              </p:cNvCxnSpPr>
+              <p:nvPr/>
+            </p:nvCxnSpPr>
+            <p:spPr>
+              <a:xfrm>
+                <a:off x="10480608" y="1444222"/>
+                <a:ext cx="541057" cy="350628"/>
+              </a:xfrm>
+              <a:prstGeom prst="bentConnector3">
+                <a:avLst/>
+              </a:prstGeom>
+              <a:ln>
+                <a:solidFill>
+                  <a:srgbClr val="FF0000"/>
+                </a:solidFill>
+                <a:tailEnd type="triangle"/>
+              </a:ln>
+            </p:spPr>
+            <p:style>
+              <a:lnRef idx="1">
+                <a:schemeClr val="accent1"/>
+              </a:lnRef>
+              <a:fillRef idx="0">
+                <a:schemeClr val="accent1"/>
+              </a:fillRef>
+              <a:effectRef idx="0">
+                <a:schemeClr val="accent1"/>
+              </a:effectRef>
+              <a:fontRef idx="minor">
+                <a:schemeClr val="tx1"/>
+              </a:fontRef>
+            </p:style>
+          </p:cxnSp>
+          <p:cxnSp>
+            <p:nvCxnSpPr>
+              <p:cNvPr id="27" name="连接符: 肘形 26">
+                <a:extLst>
+                  <a:ext uri="{FF2B5EF4-FFF2-40B4-BE49-F238E27FC236}">
+                    <a16:creationId xmlns:a16="http://schemas.microsoft.com/office/drawing/2014/main" id="{8560D1DF-59A0-48B0-A645-57A669D7CDE9}"/>
+                  </a:ext>
+                </a:extLst>
+              </p:cNvPr>
+              <p:cNvCxnSpPr>
+                <a:cxnSpLocks/>
+              </p:cNvCxnSpPr>
+              <p:nvPr/>
+            </p:nvCxnSpPr>
+            <p:spPr>
+              <a:xfrm flipV="1">
+                <a:off x="10480608" y="1806281"/>
+                <a:ext cx="531792" cy="349540"/>
+              </a:xfrm>
+              <a:prstGeom prst="bentConnector3">
+                <a:avLst/>
+              </a:prstGeom>
+              <a:ln>
+                <a:tailEnd type="triangle"/>
+              </a:ln>
+            </p:spPr>
+            <p:style>
+              <a:lnRef idx="1">
+                <a:schemeClr val="accent1"/>
+              </a:lnRef>
+              <a:fillRef idx="0">
+                <a:schemeClr val="accent1"/>
+              </a:fillRef>
+              <a:effectRef idx="0">
+                <a:schemeClr val="accent1"/>
+              </a:effectRef>
+              <a:fontRef idx="minor">
+                <a:schemeClr val="tx1"/>
+              </a:fontRef>
+            </p:style>
+          </p:cxnSp>
+          <p:cxnSp>
+            <p:nvCxnSpPr>
+              <p:cNvPr id="28" name="直接箭头连接符 27">
+                <a:extLst>
+                  <a:ext uri="{FF2B5EF4-FFF2-40B4-BE49-F238E27FC236}">
+                    <a16:creationId xmlns:a16="http://schemas.microsoft.com/office/drawing/2014/main" id="{8E8564DB-E45B-4594-970F-8791FC6B496E}"/>
+                  </a:ext>
+                </a:extLst>
+              </p:cNvPr>
+              <p:cNvCxnSpPr>
+                <a:cxnSpLocks/>
+              </p:cNvCxnSpPr>
+              <p:nvPr/>
+            </p:nvCxnSpPr>
+            <p:spPr>
+              <a:xfrm>
+                <a:off x="10746504" y="3269458"/>
+                <a:ext cx="275161" cy="0"/>
+              </a:xfrm>
+              <a:prstGeom prst="straightConnector1">
+                <a:avLst/>
+              </a:prstGeom>
+              <a:ln>
+                <a:tailEnd type="triangle"/>
+              </a:ln>
+            </p:spPr>
+            <p:style>
+              <a:lnRef idx="1">
+                <a:schemeClr val="accent1"/>
+              </a:lnRef>
+              <a:fillRef idx="0">
+                <a:schemeClr val="accent1"/>
+              </a:fillRef>
+              <a:effectRef idx="0">
+                <a:schemeClr val="accent1"/>
+              </a:effectRef>
+              <a:fontRef idx="minor">
+                <a:schemeClr val="tx1"/>
+              </a:fontRef>
+            </p:style>
+          </p:cxnSp>
+          <p:sp>
+            <p:nvSpPr>
+              <p:cNvPr id="29" name="文本框 28">
+                <a:extLst>
+                  <a:ext uri="{FF2B5EF4-FFF2-40B4-BE49-F238E27FC236}">
+                    <a16:creationId xmlns:a16="http://schemas.microsoft.com/office/drawing/2014/main" id="{DAF43778-0309-434E-8F58-E05859F98F05}"/>
+                  </a:ext>
+                </a:extLst>
+              </p:cNvPr>
+              <p:cNvSpPr txBox="1"/>
+              <p:nvPr/>
+            </p:nvSpPr>
+            <p:spPr>
+              <a:xfrm>
+                <a:off x="11003522" y="3122080"/>
+                <a:ext cx="803890" cy="277076"/>
+              </a:xfrm>
+              <a:prstGeom prst="rect">
+                <a:avLst/>
+              </a:prstGeom>
+              <a:noFill/>
+            </p:spPr>
+            <p:txBody>
+              <a:bodyPr wrap="none" rtlCol="0">
+                <a:spAutoFit/>
+              </a:bodyPr>
+              <a:lstStyle/>
+              <a:p>
+                <a:r>
+                  <a:rPr lang="en-US" altLang="zh-CN" sz="1100">
+                    <a:latin typeface="Arial" panose="020B0604020202020204" pitchFamily="34" charset="0"/>
+                    <a:cs typeface="Arial" panose="020B0604020202020204" pitchFamily="34" charset="0"/>
+                  </a:rPr>
+                  <a:t>seg_loss</a:t>
+                </a:r>
+                <a:endParaRPr lang="zh-CN" altLang="en-US" sz="1100">
+                  <a:latin typeface="Arial" panose="020B0604020202020204" pitchFamily="34" charset="0"/>
+                  <a:cs typeface="Arial" panose="020B0604020202020204" pitchFamily="34" charset="0"/>
+                </a:endParaRPr>
+              </a:p>
+            </p:txBody>
+          </p:sp>
+          <p:sp>
+            <p:nvSpPr>
+              <p:cNvPr id="30" name="文本框 29">
+                <a:extLst>
+                  <a:ext uri="{FF2B5EF4-FFF2-40B4-BE49-F238E27FC236}">
+                    <a16:creationId xmlns:a16="http://schemas.microsoft.com/office/drawing/2014/main" id="{E1AFFF83-6DCA-4547-A431-3E2821BCB6AA}"/>
+                  </a:ext>
+                </a:extLst>
+              </p:cNvPr>
+              <p:cNvSpPr txBox="1"/>
+              <p:nvPr/>
+            </p:nvSpPr>
+            <p:spPr>
+              <a:xfrm>
+                <a:off x="10991757" y="1647426"/>
+                <a:ext cx="1284326" cy="276999"/>
+              </a:xfrm>
+              <a:prstGeom prst="rect">
+                <a:avLst/>
+              </a:prstGeom>
+              <a:noFill/>
+            </p:spPr>
+            <p:txBody>
+              <a:bodyPr wrap="none" rtlCol="0">
+                <a:spAutoFit/>
+              </a:bodyPr>
+              <a:lstStyle/>
+              <a:p>
+                <a:r>
+                  <a:rPr lang="en-US" altLang="zh-CN" sz="1100">
+                    <a:latin typeface="Arial" panose="020B0604020202020204" pitchFamily="34" charset="0"/>
+                    <a:cs typeface="Arial" panose="020B0604020202020204" pitchFamily="34" charset="0"/>
+                  </a:rPr>
+                  <a:t>contrastive_loss</a:t>
+                </a:r>
+                <a:endParaRPr lang="zh-CN" altLang="en-US" sz="1100">
+                  <a:latin typeface="Arial" panose="020B0604020202020204" pitchFamily="34" charset="0"/>
+                  <a:cs typeface="Arial" panose="020B0604020202020204" pitchFamily="34" charset="0"/>
+                </a:endParaRPr>
+              </a:p>
+            </p:txBody>
+          </p:sp>
+        </p:grpSp>
+        <p:sp>
+          <p:nvSpPr>
+            <p:cNvPr id="31" name="文本框 30">
+              <a:extLst>
+                <a:ext uri="{FF2B5EF4-FFF2-40B4-BE49-F238E27FC236}">
+                  <a16:creationId xmlns:a16="http://schemas.microsoft.com/office/drawing/2014/main" id="{A7D55CF9-0D32-4857-80AA-6B4DBB239F83}"/>
+                </a:ext>
+              </a:extLst>
+            </p:cNvPr>
+            <p:cNvSpPr txBox="1"/>
+            <p:nvPr/>
+          </p:nvSpPr>
+          <p:spPr>
+            <a:xfrm>
+              <a:off x="5149407" y="3830996"/>
+              <a:ext cx="3655040" cy="338554"/>
+            </a:xfrm>
+            <a:prstGeom prst="rect">
+              <a:avLst/>
+            </a:prstGeom>
+            <a:noFill/>
+          </p:spPr>
+          <p:txBody>
+            <a:bodyPr wrap="none" rtlCol="0">
+              <a:spAutoFit/>
+            </a:bodyPr>
+            <a:lstStyle/>
+            <a:p>
+              <a:r>
+                <a:rPr lang="en-US" altLang="zh-CN" sz="1600" b="1">
+                  <a:latin typeface="Arial" panose="020B0604020202020204" pitchFamily="34" charset="0"/>
+                  <a:cs typeface="Arial" panose="020B0604020202020204" pitchFamily="34" charset="0"/>
+                </a:rPr>
+                <a:t>Vanilla Fusion with contrastive loss</a:t>
+              </a:r>
+              <a:endParaRPr lang="zh-CN" altLang="en-US" sz="1600" b="1">
+                <a:latin typeface="Arial" panose="020B0604020202020204" pitchFamily="34" charset="0"/>
+                <a:cs typeface="Arial" panose="020B0604020202020204" pitchFamily="34" charset="0"/>
+              </a:endParaRPr>
+            </a:p>
+          </p:txBody>
+        </p:sp>
+      </p:grpSp>
+      <p:cxnSp>
+        <p:nvCxnSpPr>
+          <p:cNvPr id="34" name="直接连接符 33">
+            <a:extLst>
+              <a:ext uri="{FF2B5EF4-FFF2-40B4-BE49-F238E27FC236}">
+                <a16:creationId xmlns:a16="http://schemas.microsoft.com/office/drawing/2014/main" id="{0E60C13E-5AB2-44FA-B8AA-8F2BD188B0C4}"/>
+              </a:ext>
+            </a:extLst>
+          </p:cNvPr>
+          <p:cNvCxnSpPr/>
+          <p:nvPr/>
+        </p:nvCxnSpPr>
+        <p:spPr>
+          <a:xfrm>
+            <a:off x="5844853" y="1563906"/>
+            <a:ext cx="0" cy="3983901"/>
+          </a:xfrm>
+          <a:prstGeom prst="line">
+            <a:avLst/>
+          </a:prstGeom>
+        </p:spPr>
+        <p:style>
+          <a:lnRef idx="1">
+            <a:schemeClr val="dk1"/>
+          </a:lnRef>
+          <a:fillRef idx="0">
+            <a:schemeClr val="dk1"/>
+          </a:fillRef>
+          <a:effectRef idx="0">
+            <a:schemeClr val="dk1"/>
+          </a:effectRef>
+          <a:fontRef idx="minor">
+            <a:schemeClr val="tx1"/>
+          </a:fontRef>
+        </p:style>
+      </p:cxnSp>
+    </p:spTree>
+    <p:extLst>
+      <p:ext uri="{BB962C8B-B14F-4D97-AF65-F5344CB8AC3E}">
+        <p14:creationId xmlns:p14="http://schemas.microsoft.com/office/powerpoint/2010/main" val="2528427138"/>
+      </p:ext>
+    </p:extLst>
+  </p:cSld>
+  <p:clrMapOvr>
+    <a:masterClrMapping/>
+  </p:clrMapOvr>
+</p:sld>
+</file>
+
+<file path=ppt/slides/slide6.xml><?xml version="1.0" encoding="utf-8"?>
+<p:sld xmlns:a="http://schemas.openxmlformats.org/drawingml/2006/main" xmlns:r="http://schemas.openxmlformats.org/officeDocument/2006/relationships" xmlns:p="http://schemas.openxmlformats.org/presentationml/2006/main">
+  <p:cSld>
+    <p:spTree>
+      <p:nvGrpSpPr>
+        <p:cNvPr id="1" name=""/>
+        <p:cNvGrpSpPr/>
+        <p:nvPr/>
+      </p:nvGrpSpPr>
+      <p:grpSpPr>
+        <a:xfrm>
+          <a:off x="0" y="0"/>
+          <a:ext cx="0" cy="0"/>
+          <a:chOff x="0" y="0"/>
+          <a:chExt cx="0" cy="0"/>
+        </a:xfrm>
+      </p:grpSpPr>
+      <p:grpSp>
+        <p:nvGrpSpPr>
+          <p:cNvPr id="23" name="组合 22">
+            <a:extLst>
+              <a:ext uri="{FF2B5EF4-FFF2-40B4-BE49-F238E27FC236}">
+                <a16:creationId xmlns:a16="http://schemas.microsoft.com/office/drawing/2014/main" id="{E2AE0B70-335C-4925-9944-CEA01F0AD269}"/>
+              </a:ext>
+            </a:extLst>
+          </p:cNvPr>
+          <p:cNvGrpSpPr/>
+          <p:nvPr/>
+        </p:nvGrpSpPr>
+        <p:grpSpPr>
+          <a:xfrm>
+            <a:off x="977168" y="1607905"/>
+            <a:ext cx="3816990" cy="3572800"/>
+            <a:chOff x="902508" y="1553545"/>
+            <a:chExt cx="3816990" cy="3572800"/>
+          </a:xfrm>
+        </p:grpSpPr>
+        <p:grpSp>
+          <p:nvGrpSpPr>
+            <p:cNvPr id="22" name="组合 21">
+              <a:extLst>
+                <a:ext uri="{FF2B5EF4-FFF2-40B4-BE49-F238E27FC236}">
+                  <a16:creationId xmlns:a16="http://schemas.microsoft.com/office/drawing/2014/main" id="{67B9A099-7E7C-4EBC-A7AB-A054E03A9035}"/>
+                </a:ext>
+              </a:extLst>
+            </p:cNvPr>
+            <p:cNvGrpSpPr/>
+            <p:nvPr/>
+          </p:nvGrpSpPr>
+          <p:grpSpPr>
+            <a:xfrm>
+              <a:off x="902508" y="1553545"/>
+              <a:ext cx="3816990" cy="3082818"/>
+              <a:chOff x="902508" y="1553545"/>
+              <a:chExt cx="3816990" cy="3082818"/>
+            </a:xfrm>
+          </p:grpSpPr>
+          <p:pic>
+            <p:nvPicPr>
+              <p:cNvPr id="5" name="图片 4">
+                <a:extLst>
+                  <a:ext uri="{FF2B5EF4-FFF2-40B4-BE49-F238E27FC236}">
+                    <a16:creationId xmlns:a16="http://schemas.microsoft.com/office/drawing/2014/main" id="{23F1C9E3-C984-40EE-8EA1-CC101FA72E69}"/>
+                  </a:ext>
+                </a:extLst>
+              </p:cNvPr>
+              <p:cNvPicPr>
+                <a:picLocks noChangeAspect="1"/>
+              </p:cNvPicPr>
+              <p:nvPr/>
+            </p:nvPicPr>
+            <p:blipFill>
+              <a:blip r:embed="rId2"/>
+              <a:stretch>
+                <a:fillRect/>
+              </a:stretch>
+            </p:blipFill>
+            <p:spPr>
+              <a:xfrm>
+                <a:off x="1966731" y="1553545"/>
+                <a:ext cx="2752767" cy="3082818"/>
+              </a:xfrm>
+              <a:prstGeom prst="rect">
+                <a:avLst/>
+              </a:prstGeom>
+            </p:spPr>
+          </p:pic>
+          <p:sp>
+            <p:nvSpPr>
+              <p:cNvPr id="6" name="文本框 5">
+                <a:extLst>
+                  <a:ext uri="{FF2B5EF4-FFF2-40B4-BE49-F238E27FC236}">
+                    <a16:creationId xmlns:a16="http://schemas.microsoft.com/office/drawing/2014/main" id="{2EC5DBE5-4289-4EAD-9E18-1A5302CECB4D}"/>
+                  </a:ext>
+                </a:extLst>
+              </p:cNvPr>
+              <p:cNvSpPr txBox="1"/>
+              <p:nvPr/>
+            </p:nvSpPr>
+            <p:spPr>
+              <a:xfrm>
+                <a:off x="902508" y="2342923"/>
+                <a:ext cx="1135247" cy="261610"/>
+              </a:xfrm>
+              <a:prstGeom prst="rect">
+                <a:avLst/>
+              </a:prstGeom>
+              <a:noFill/>
+            </p:spPr>
+            <p:txBody>
+              <a:bodyPr wrap="none" rtlCol="0">
+                <a:spAutoFit/>
+              </a:bodyPr>
+              <a:lstStyle/>
+              <a:p>
+                <a:r>
+                  <a:rPr lang="en-US" altLang="zh-CN" sz="1100">
+                    <a:latin typeface="Arial" panose="020B0604020202020204" pitchFamily="34" charset="0"/>
+                    <a:cs typeface="Arial" panose="020B0604020202020204" pitchFamily="34" charset="0"/>
+                  </a:rPr>
+                  <a:t>UNetResNet34</a:t>
+                </a:r>
+                <a:endParaRPr lang="zh-CN" altLang="en-US" sz="1100">
+                  <a:latin typeface="Arial" panose="020B0604020202020204" pitchFamily="34" charset="0"/>
+                  <a:cs typeface="Arial" panose="020B0604020202020204" pitchFamily="34" charset="0"/>
+                </a:endParaRPr>
+              </a:p>
+            </p:txBody>
+          </p:sp>
+          <p:sp>
+            <p:nvSpPr>
+              <p:cNvPr id="7" name="文本框 6">
+                <a:extLst>
+                  <a:ext uri="{FF2B5EF4-FFF2-40B4-BE49-F238E27FC236}">
+                    <a16:creationId xmlns:a16="http://schemas.microsoft.com/office/drawing/2014/main" id="{65FA5EB4-1012-4B5D-B8AE-939E2B198A77}"/>
+                  </a:ext>
+                </a:extLst>
+              </p:cNvPr>
+              <p:cNvSpPr txBox="1"/>
+              <p:nvPr/>
+            </p:nvSpPr>
+            <p:spPr>
+              <a:xfrm>
+                <a:off x="1203922" y="3584498"/>
+                <a:ext cx="878223" cy="261610"/>
+              </a:xfrm>
+              <a:prstGeom prst="rect">
+                <a:avLst/>
+              </a:prstGeom>
+              <a:noFill/>
+            </p:spPr>
+            <p:txBody>
+              <a:bodyPr wrap="square" rtlCol="0">
+                <a:spAutoFit/>
+              </a:bodyPr>
+              <a:lstStyle/>
+              <a:p>
+                <a:r>
+                  <a:rPr lang="en-US" altLang="zh-CN" sz="1100">
+                    <a:latin typeface="Arial" panose="020B0604020202020204" pitchFamily="34" charset="0"/>
+                    <a:cs typeface="Arial" panose="020B0604020202020204" pitchFamily="34" charset="0"/>
+                  </a:rPr>
+                  <a:t>UNetSCN</a:t>
+                </a:r>
+                <a:endParaRPr lang="zh-CN" altLang="en-US" sz="1100">
+                  <a:latin typeface="Arial" panose="020B0604020202020204" pitchFamily="34" charset="0"/>
+                  <a:cs typeface="Arial" panose="020B0604020202020204" pitchFamily="34" charset="0"/>
+                </a:endParaRPr>
+              </a:p>
+            </p:txBody>
+          </p:sp>
+        </p:grpSp>
+        <p:sp>
+          <p:nvSpPr>
+            <p:cNvPr id="9" name="文本框 8">
+              <a:extLst>
+                <a:ext uri="{FF2B5EF4-FFF2-40B4-BE49-F238E27FC236}">
+                  <a16:creationId xmlns:a16="http://schemas.microsoft.com/office/drawing/2014/main" id="{D83A38A8-4E72-45F6-9684-D1CBE74AA718}"/>
+                </a:ext>
+              </a:extLst>
+            </p:cNvPr>
+            <p:cNvSpPr txBox="1"/>
+            <p:nvPr/>
+          </p:nvSpPr>
+          <p:spPr>
+            <a:xfrm>
+              <a:off x="1505669" y="4787791"/>
+              <a:ext cx="3213829" cy="338554"/>
+            </a:xfrm>
+            <a:prstGeom prst="rect">
+              <a:avLst/>
+            </a:prstGeom>
+            <a:noFill/>
+          </p:spPr>
+          <p:txBody>
+            <a:bodyPr wrap="none" rtlCol="0">
+              <a:spAutoFit/>
+            </a:bodyPr>
+            <a:lstStyle/>
+            <a:p>
+              <a:r>
+                <a:rPr lang="en-US" altLang="zh-CN" sz="1600" b="1">
+                  <a:latin typeface="Arial" panose="020B0604020202020204" pitchFamily="34" charset="0"/>
+                  <a:cs typeface="Arial" panose="020B0604020202020204" pitchFamily="34" charset="0"/>
+                </a:rPr>
+                <a:t>Dual Head with KL Divergence</a:t>
+              </a:r>
+              <a:endParaRPr lang="zh-CN" altLang="en-US" sz="1600" b="1">
+                <a:latin typeface="Arial" panose="020B0604020202020204" pitchFamily="34" charset="0"/>
+                <a:cs typeface="Arial" panose="020B0604020202020204" pitchFamily="34" charset="0"/>
+              </a:endParaRPr>
+            </a:p>
+          </p:txBody>
+        </p:sp>
+      </p:grpSp>
+      <p:sp>
+        <p:nvSpPr>
+          <p:cNvPr id="10" name="文本框 9">
+            <a:extLst>
+              <a:ext uri="{FF2B5EF4-FFF2-40B4-BE49-F238E27FC236}">
+                <a16:creationId xmlns:a16="http://schemas.microsoft.com/office/drawing/2014/main" id="{D415D88C-5DB9-4C15-886B-B6F7618D91C9}"/>
+              </a:ext>
+            </a:extLst>
+          </p:cNvPr>
+          <p:cNvSpPr txBox="1"/>
+          <p:nvPr/>
+        </p:nvSpPr>
+        <p:spPr>
+          <a:xfrm>
+            <a:off x="294433" y="380666"/>
+            <a:ext cx="3113416" cy="461665"/>
+          </a:xfrm>
+          <a:prstGeom prst="rect">
+            <a:avLst/>
+          </a:prstGeom>
+          <a:noFill/>
+        </p:spPr>
+        <p:txBody>
+          <a:bodyPr wrap="none" rtlCol="0">
+            <a:spAutoFit/>
+          </a:bodyPr>
+          <a:lstStyle/>
+          <a:p>
+            <a:r>
+              <a:rPr lang="en-US" altLang="zh-CN" sz="2400" b="1">
+                <a:latin typeface="Times New Roman" panose="02020603050405020304" pitchFamily="18" charset="0"/>
+                <a:cs typeface="Times New Roman" panose="02020603050405020304" pitchFamily="18" charset="0"/>
+              </a:rPr>
+              <a:t>Architectures(xMuda)</a:t>
+            </a:r>
+            <a:endParaRPr lang="zh-CN" altLang="en-US" sz="2400" b="1">
+              <a:latin typeface="Times New Roman" panose="02020603050405020304" pitchFamily="18" charset="0"/>
+              <a:cs typeface="Times New Roman" panose="02020603050405020304" pitchFamily="18" charset="0"/>
+            </a:endParaRPr>
+          </a:p>
+        </p:txBody>
+      </p:sp>
+      <p:grpSp>
+        <p:nvGrpSpPr>
+          <p:cNvPr id="21" name="组合 20">
+            <a:extLst>
+              <a:ext uri="{FF2B5EF4-FFF2-40B4-BE49-F238E27FC236}">
+                <a16:creationId xmlns:a16="http://schemas.microsoft.com/office/drawing/2014/main" id="{68657A44-0434-463A-8DA0-C30CC66E086B}"/>
+              </a:ext>
+            </a:extLst>
+          </p:cNvPr>
+          <p:cNvGrpSpPr/>
+          <p:nvPr/>
+        </p:nvGrpSpPr>
+        <p:grpSpPr>
+          <a:xfrm>
+            <a:off x="7161881" y="2145667"/>
+            <a:ext cx="3949893" cy="2522976"/>
+            <a:chOff x="6678842" y="2141340"/>
+            <a:chExt cx="3949893" cy="2522976"/>
+          </a:xfrm>
+        </p:grpSpPr>
+        <p:sp>
+          <p:nvSpPr>
+            <p:cNvPr id="14" name="文本框 13">
+              <a:extLst>
+                <a:ext uri="{FF2B5EF4-FFF2-40B4-BE49-F238E27FC236}">
+                  <a16:creationId xmlns:a16="http://schemas.microsoft.com/office/drawing/2014/main" id="{35CC8CB4-0680-40A8-97E0-7DC9DA928368}"/>
+                </a:ext>
+              </a:extLst>
+            </p:cNvPr>
+            <p:cNvSpPr txBox="1"/>
+            <p:nvPr/>
+          </p:nvSpPr>
+          <p:spPr>
+            <a:xfrm>
+              <a:off x="6803556" y="2535872"/>
+              <a:ext cx="1135247" cy="261610"/>
+            </a:xfrm>
+            <a:prstGeom prst="rect">
+              <a:avLst/>
+            </a:prstGeom>
+            <a:noFill/>
+          </p:spPr>
+          <p:txBody>
+            <a:bodyPr wrap="none" rtlCol="0">
+              <a:spAutoFit/>
+            </a:bodyPr>
+            <a:lstStyle/>
+            <a:p>
+              <a:r>
+                <a:rPr lang="en-US" altLang="zh-CN" sz="1100">
+                  <a:latin typeface="Arial" panose="020B0604020202020204" pitchFamily="34" charset="0"/>
+                  <a:cs typeface="Arial" panose="020B0604020202020204" pitchFamily="34" charset="0"/>
+                </a:rPr>
+                <a:t>UNetResNet34</a:t>
+              </a:r>
+              <a:endParaRPr lang="zh-CN" altLang="en-US" sz="1100">
+                <a:latin typeface="Arial" panose="020B0604020202020204" pitchFamily="34" charset="0"/>
+                <a:cs typeface="Arial" panose="020B0604020202020204" pitchFamily="34" charset="0"/>
+              </a:endParaRPr>
+            </a:p>
+          </p:txBody>
+        </p:sp>
+        <p:sp>
+          <p:nvSpPr>
+            <p:cNvPr id="15" name="文本框 14">
+              <a:extLst>
+                <a:ext uri="{FF2B5EF4-FFF2-40B4-BE49-F238E27FC236}">
+                  <a16:creationId xmlns:a16="http://schemas.microsoft.com/office/drawing/2014/main" id="{722F609E-2DA7-4674-B499-DC2965257756}"/>
+                </a:ext>
+              </a:extLst>
+            </p:cNvPr>
+            <p:cNvSpPr txBox="1"/>
+            <p:nvPr/>
+          </p:nvSpPr>
+          <p:spPr>
+            <a:xfrm>
+              <a:off x="7131604" y="3637766"/>
+              <a:ext cx="878223" cy="261610"/>
+            </a:xfrm>
+            <a:prstGeom prst="rect">
+              <a:avLst/>
+            </a:prstGeom>
+            <a:noFill/>
+          </p:spPr>
+          <p:txBody>
+            <a:bodyPr wrap="square" rtlCol="0">
+              <a:spAutoFit/>
+            </a:bodyPr>
+            <a:lstStyle/>
+            <a:p>
+              <a:r>
+                <a:rPr lang="en-US" altLang="zh-CN" sz="1100">
+                  <a:latin typeface="Arial" panose="020B0604020202020204" pitchFamily="34" charset="0"/>
+                  <a:cs typeface="Arial" panose="020B0604020202020204" pitchFamily="34" charset="0"/>
+                </a:rPr>
+                <a:t>UNetSCN</a:t>
+              </a:r>
+              <a:endParaRPr lang="zh-CN" altLang="en-US" sz="1100">
+                <a:latin typeface="Arial" panose="020B0604020202020204" pitchFamily="34" charset="0"/>
+                <a:cs typeface="Arial" panose="020B0604020202020204" pitchFamily="34" charset="0"/>
+              </a:endParaRPr>
+            </a:p>
+          </p:txBody>
+        </p:sp>
+        <p:sp>
+          <p:nvSpPr>
+            <p:cNvPr id="16" name="文本框 15">
+              <a:extLst>
+                <a:ext uri="{FF2B5EF4-FFF2-40B4-BE49-F238E27FC236}">
+                  <a16:creationId xmlns:a16="http://schemas.microsoft.com/office/drawing/2014/main" id="{7F82E544-5423-4D7B-8E3C-7C82F5902F9B}"/>
+                </a:ext>
+              </a:extLst>
+            </p:cNvPr>
+            <p:cNvSpPr txBox="1"/>
+            <p:nvPr/>
+          </p:nvSpPr>
+          <p:spPr>
+            <a:xfrm>
+              <a:off x="6678842" y="4325762"/>
+              <a:ext cx="3635419" cy="338554"/>
+            </a:xfrm>
+            <a:prstGeom prst="rect">
+              <a:avLst/>
+            </a:prstGeom>
+            <a:noFill/>
+          </p:spPr>
+          <p:txBody>
+            <a:bodyPr wrap="none" rtlCol="0">
+              <a:spAutoFit/>
+            </a:bodyPr>
+            <a:lstStyle/>
+            <a:p>
+              <a:r>
+                <a:rPr lang="en-US" altLang="zh-CN" sz="1600" b="1">
+                  <a:latin typeface="Arial" panose="020B0604020202020204" pitchFamily="34" charset="0"/>
+                  <a:cs typeface="Arial" panose="020B0604020202020204" pitchFamily="34" charset="0"/>
+                </a:rPr>
+                <a:t>Single Head without KL Divergence</a:t>
+              </a:r>
+              <a:endParaRPr lang="zh-CN" altLang="en-US" sz="1600" b="1">
+                <a:latin typeface="Arial" panose="020B0604020202020204" pitchFamily="34" charset="0"/>
+                <a:cs typeface="Arial" panose="020B0604020202020204" pitchFamily="34" charset="0"/>
+              </a:endParaRPr>
+            </a:p>
+          </p:txBody>
+        </p:sp>
+        <p:pic>
+          <p:nvPicPr>
+            <p:cNvPr id="18" name="图片 17">
+              <a:extLst>
+                <a:ext uri="{FF2B5EF4-FFF2-40B4-BE49-F238E27FC236}">
+                  <a16:creationId xmlns:a16="http://schemas.microsoft.com/office/drawing/2014/main" id="{BFC78D28-3C8A-45ED-B28B-2CF5D342575D}"/>
+                </a:ext>
+              </a:extLst>
+            </p:cNvPr>
+            <p:cNvPicPr>
+              <a:picLocks noChangeAspect="1"/>
+            </p:cNvPicPr>
+            <p:nvPr/>
+          </p:nvPicPr>
+          <p:blipFill>
+            <a:blip r:embed="rId3">
+              <a:extLst>
+                <a:ext uri="{28A0092B-C50C-407E-A947-70E740481C1C}">
+                  <a14:useLocalDpi xmlns:a14="http://schemas.microsoft.com/office/drawing/2010/main" val="0"/>
+                </a:ext>
+              </a:extLst>
+            </a:blip>
+            <a:stretch>
+              <a:fillRect/>
+            </a:stretch>
+          </p:blipFill>
+          <p:spPr>
+            <a:xfrm>
+              <a:off x="7885535" y="2352812"/>
+              <a:ext cx="2743200" cy="1752600"/>
+            </a:xfrm>
+            <a:prstGeom prst="rect">
+              <a:avLst/>
+            </a:prstGeom>
+          </p:spPr>
+        </p:pic>
+        <p:sp>
+          <p:nvSpPr>
+            <p:cNvPr id="19" name="文本框 18">
+              <a:extLst>
+                <a:ext uri="{FF2B5EF4-FFF2-40B4-BE49-F238E27FC236}">
+                  <a16:creationId xmlns:a16="http://schemas.microsoft.com/office/drawing/2014/main" id="{512F4169-19DC-4EC2-9EF0-6536278FE10B}"/>
+                </a:ext>
+              </a:extLst>
+            </p:cNvPr>
+            <p:cNvSpPr txBox="1"/>
+            <p:nvPr/>
+          </p:nvSpPr>
+          <p:spPr>
+            <a:xfrm>
+              <a:off x="8087341" y="2141340"/>
+              <a:ext cx="614271" cy="261610"/>
+            </a:xfrm>
+            <a:prstGeom prst="rect">
+              <a:avLst/>
+            </a:prstGeom>
+            <a:noFill/>
+          </p:spPr>
+          <p:txBody>
+            <a:bodyPr wrap="none" rtlCol="0">
+              <a:spAutoFit/>
+            </a:bodyPr>
+            <a:lstStyle/>
+            <a:p>
+              <a:r>
+                <a:rPr lang="en-US" altLang="zh-CN" sz="1100">
+                  <a:latin typeface="Arial" panose="020B0604020202020204" pitchFamily="34" charset="0"/>
+                  <a:cs typeface="Arial" panose="020B0604020202020204" pitchFamily="34" charset="0"/>
+                </a:rPr>
+                <a:t>(N, 64)</a:t>
+              </a:r>
+              <a:endParaRPr lang="zh-CN" altLang="en-US" sz="1100">
+                <a:latin typeface="Arial" panose="020B0604020202020204" pitchFamily="34" charset="0"/>
+                <a:cs typeface="Arial" panose="020B0604020202020204" pitchFamily="34" charset="0"/>
+              </a:endParaRPr>
+            </a:p>
+          </p:txBody>
+        </p:sp>
+        <p:sp>
+          <p:nvSpPr>
+            <p:cNvPr id="20" name="文本框 19">
+              <a:extLst>
+                <a:ext uri="{FF2B5EF4-FFF2-40B4-BE49-F238E27FC236}">
+                  <a16:creationId xmlns:a16="http://schemas.microsoft.com/office/drawing/2014/main" id="{53D4D292-396E-4D62-AF06-7E73819E312D}"/>
+                </a:ext>
+              </a:extLst>
+            </p:cNvPr>
+            <p:cNvSpPr txBox="1"/>
+            <p:nvPr/>
+          </p:nvSpPr>
+          <p:spPr>
+            <a:xfrm>
+              <a:off x="8078463" y="3263500"/>
+              <a:ext cx="614271" cy="261610"/>
+            </a:xfrm>
+            <a:prstGeom prst="rect">
+              <a:avLst/>
+            </a:prstGeom>
+            <a:noFill/>
+          </p:spPr>
+          <p:txBody>
+            <a:bodyPr wrap="none" rtlCol="0">
+              <a:spAutoFit/>
+            </a:bodyPr>
+            <a:lstStyle/>
+            <a:p>
+              <a:r>
+                <a:rPr lang="en-US" altLang="zh-CN" sz="1100">
+                  <a:latin typeface="Arial" panose="020B0604020202020204" pitchFamily="34" charset="0"/>
+                  <a:cs typeface="Arial" panose="020B0604020202020204" pitchFamily="34" charset="0"/>
+                </a:rPr>
+                <a:t>(N, 16)</a:t>
+              </a:r>
+              <a:endParaRPr lang="zh-CN" altLang="en-US" sz="1100">
+                <a:latin typeface="Arial" panose="020B0604020202020204" pitchFamily="34" charset="0"/>
+                <a:cs typeface="Arial" panose="020B0604020202020204" pitchFamily="34" charset="0"/>
+              </a:endParaRPr>
+            </a:p>
+          </p:txBody>
+        </p:sp>
+      </p:grpSp>
+      <p:cxnSp>
+        <p:nvCxnSpPr>
+          <p:cNvPr id="24" name="直接连接符 23">
+            <a:extLst>
+              <a:ext uri="{FF2B5EF4-FFF2-40B4-BE49-F238E27FC236}">
+                <a16:creationId xmlns:a16="http://schemas.microsoft.com/office/drawing/2014/main" id="{D205E944-A169-43B1-97FE-3CC53FE1359D}"/>
+              </a:ext>
+            </a:extLst>
+          </p:cNvPr>
+          <p:cNvCxnSpPr/>
+          <p:nvPr/>
+        </p:nvCxnSpPr>
+        <p:spPr>
+          <a:xfrm>
+            <a:off x="5978019" y="1415205"/>
+            <a:ext cx="0" cy="3983901"/>
+          </a:xfrm>
+          <a:prstGeom prst="line">
+            <a:avLst/>
+          </a:prstGeom>
+        </p:spPr>
+        <p:style>
+          <a:lnRef idx="1">
+            <a:schemeClr val="dk1"/>
+          </a:lnRef>
+          <a:fillRef idx="0">
+            <a:schemeClr val="dk1"/>
+          </a:fillRef>
+          <a:effectRef idx="0">
+            <a:schemeClr val="dk1"/>
+          </a:effectRef>
+          <a:fontRef idx="minor">
+            <a:schemeClr val="tx1"/>
+          </a:fontRef>
+        </p:style>
+      </p:cxnSp>
+    </p:spTree>
+    <p:extLst>
+      <p:ext uri="{BB962C8B-B14F-4D97-AF65-F5344CB8AC3E}">
+        <p14:creationId xmlns:p14="http://schemas.microsoft.com/office/powerpoint/2010/main" val="382700699"/>
+      </p:ext>
+    </p:extLst>
+  </p:cSld>
+  <p:clrMapOvr>
+    <a:masterClrMapping/>
+  </p:clrMapOvr>
+</p:sld>
+</file>
+
+<file path=ppt/slides/slide7.xml><?xml version="1.0" encoding="utf-8"?>
 <p:sld xmlns:a="http://schemas.openxmlformats.org/drawingml/2006/main" xmlns:r="http://schemas.openxmlformats.org/officeDocument/2006/relationships" xmlns:p="http://schemas.openxmlformats.org/presentationml/2006/main">
   <p:cSld>
     <p:spTree>
@@ -19421,42 +21343,12 @@
           </a:p>
         </p:txBody>
       </p:sp>
-    </p:spTree>
-    <p:extLst>
-      <p:ext uri="{BB962C8B-B14F-4D97-AF65-F5344CB8AC3E}">
-        <p14:creationId xmlns:p14="http://schemas.microsoft.com/office/powerpoint/2010/main" val="2841077441"/>
-      </p:ext>
-    </p:extLst>
-  </p:cSld>
-  <p:clrMapOvr>
-    <a:masterClrMapping/>
-  </p:clrMapOvr>
-</p:sld>
-</file>
-
-<file path=ppt/slides/slide5.xml><?xml version="1.0" encoding="utf-8"?>
-<p:sld xmlns:a="http://schemas.openxmlformats.org/drawingml/2006/main" xmlns:r="http://schemas.openxmlformats.org/officeDocument/2006/relationships" xmlns:p="http://schemas.openxmlformats.org/presentationml/2006/main">
-  <p:cSld>
-    <p:spTree>
-      <p:nvGrpSpPr>
-        <p:cNvPr id="1" name=""/>
-        <p:cNvGrpSpPr/>
-        <p:nvPr/>
-      </p:nvGrpSpPr>
-      <p:grpSpPr>
-        <a:xfrm>
-          <a:off x="0" y="0"/>
-          <a:ext cx="0" cy="0"/>
-          <a:chOff x="0" y="0"/>
-          <a:chExt cx="0" cy="0"/>
-        </a:xfrm>
-      </p:grpSpPr>
       <p:sp>
         <p:nvSpPr>
-          <p:cNvPr id="2" name="文本框 1">
+          <p:cNvPr id="3" name="文本框 2">
             <a:extLst>
               <a:ext uri="{FF2B5EF4-FFF2-40B4-BE49-F238E27FC236}">
-                <a16:creationId xmlns:a16="http://schemas.microsoft.com/office/drawing/2014/main" id="{6FE2EDB8-F1A8-4963-B475-1939129D1C70}"/>
+                <a16:creationId xmlns:a16="http://schemas.microsoft.com/office/drawing/2014/main" id="{05289523-1493-4D4B-9B26-610CC96A4D5F}"/>
               </a:ext>
             </a:extLst>
           </p:cNvPr>
@@ -19465,8 +21357,8 @@
         </p:nvSpPr>
         <p:spPr>
           <a:xfrm>
-            <a:off x="417251" y="346229"/>
-            <a:ext cx="4169731" cy="1323439"/>
+            <a:off x="417251" y="1361892"/>
+            <a:ext cx="2565126" cy="1015663"/>
           </a:xfrm>
           <a:prstGeom prst="rect">
             <a:avLst/>
@@ -19510,14 +21402,8 @@
                 <a:latin typeface="Times New Roman" panose="02020603050405020304" pitchFamily="18" charset="0"/>
                 <a:cs typeface="Times New Roman" panose="02020603050405020304" pitchFamily="18" charset="0"/>
               </a:rPr>
-              <a:t>only_ctr_usa_v0/v1 (still running)</a:t>
+              <a:t>only_ctr_usa_v0/v1</a:t>
             </a:r>
-          </a:p>
-          <a:p>
-            <a:pPr marL="342900" indent="-342900">
-              <a:buFont typeface="Arial" panose="020B0604020202020204" pitchFamily="34" charset="0"/>
-              <a:buChar char="•"/>
-            </a:pPr>
             <a:endParaRPr lang="zh-CN" altLang="en-US" sz="2000">
               <a:latin typeface="Times New Roman" panose="02020603050405020304" pitchFamily="18" charset="0"/>
               <a:cs typeface="Times New Roman" panose="02020603050405020304" pitchFamily="18" charset="0"/>
@@ -19528,7 +21414,7 @@
     </p:spTree>
     <p:extLst>
       <p:ext uri="{BB962C8B-B14F-4D97-AF65-F5344CB8AC3E}">
-        <p14:creationId xmlns:p14="http://schemas.microsoft.com/office/powerpoint/2010/main" val="2572736303"/>
+        <p14:creationId xmlns:p14="http://schemas.microsoft.com/office/powerpoint/2010/main" val="2841077441"/>
       </p:ext>
     </p:extLst>
   </p:cSld>
@@ -19538,7 +21424,7 @@
 </p:sld>
 </file>
 
-<file path=ppt/slides/slide6.xml><?xml version="1.0" encoding="utf-8"?>
+<file path=ppt/slides/slide8.xml><?xml version="1.0" encoding="utf-8"?>
 <p:sld xmlns:a="http://schemas.openxmlformats.org/drawingml/2006/main" xmlns:r="http://schemas.openxmlformats.org/officeDocument/2006/relationships" xmlns:p="http://schemas.openxmlformats.org/presentationml/2006/main">
   <p:cSld>
     <p:spTree>
@@ -21687,7 +23573,7 @@
 </p:sld>
 </file>
 
-<file path=ppt/slides/slide7.xml><?xml version="1.0" encoding="utf-8"?>
+<file path=ppt/slides/slide9.xml><?xml version="1.0" encoding="utf-8"?>
 <p:sld xmlns:a="http://schemas.openxmlformats.org/drawingml/2006/main" xmlns:r="http://schemas.openxmlformats.org/officeDocument/2006/relationships" xmlns:p="http://schemas.openxmlformats.org/presentationml/2006/main">
   <p:cSld>
     <p:spTree>
@@ -22053,790 +23939,6 @@
 </p:sld>
 </file>
 
-<file path=ppt/slides/slide8.xml><?xml version="1.0" encoding="utf-8"?>
-<p:sld xmlns:a="http://schemas.openxmlformats.org/drawingml/2006/main" xmlns:r="http://schemas.openxmlformats.org/officeDocument/2006/relationships" xmlns:p="http://schemas.openxmlformats.org/presentationml/2006/main">
-  <p:cSld>
-    <p:spTree>
-      <p:nvGrpSpPr>
-        <p:cNvPr id="1" name=""/>
-        <p:cNvGrpSpPr/>
-        <p:nvPr/>
-      </p:nvGrpSpPr>
-      <p:grpSpPr>
-        <a:xfrm>
-          <a:off x="0" y="0"/>
-          <a:ext cx="0" cy="0"/>
-          <a:chOff x="0" y="0"/>
-          <a:chExt cx="0" cy="0"/>
-        </a:xfrm>
-      </p:grpSpPr>
-      <p:pic>
-        <p:nvPicPr>
-          <p:cNvPr id="3" name="图片 2">
-            <a:extLst>
-              <a:ext uri="{FF2B5EF4-FFF2-40B4-BE49-F238E27FC236}">
-                <a16:creationId xmlns:a16="http://schemas.microsoft.com/office/drawing/2014/main" id="{60B9B7CA-1098-4CEE-BF62-96FCBB5D9680}"/>
-              </a:ext>
-            </a:extLst>
-          </p:cNvPr>
-          <p:cNvPicPr>
-            <a:picLocks noChangeAspect="1"/>
-          </p:cNvPicPr>
-          <p:nvPr/>
-        </p:nvPicPr>
-        <p:blipFill>
-          <a:blip r:embed="rId2"/>
-          <a:stretch>
-            <a:fillRect/>
-          </a:stretch>
-        </p:blipFill>
-        <p:spPr>
-          <a:xfrm>
-            <a:off x="235789" y="1"/>
-            <a:ext cx="4371033" cy="3429000"/>
-          </a:xfrm>
-          <a:prstGeom prst="rect">
-            <a:avLst/>
-          </a:prstGeom>
-        </p:spPr>
-      </p:pic>
-      <p:pic>
-        <p:nvPicPr>
-          <p:cNvPr id="5" name="图片 4">
-            <a:extLst>
-              <a:ext uri="{FF2B5EF4-FFF2-40B4-BE49-F238E27FC236}">
-                <a16:creationId xmlns:a16="http://schemas.microsoft.com/office/drawing/2014/main" id="{6E753EAC-A521-42DD-8E47-80DD6F95CE7D}"/>
-              </a:ext>
-            </a:extLst>
-          </p:cNvPr>
-          <p:cNvPicPr>
-            <a:picLocks noChangeAspect="1"/>
-          </p:cNvPicPr>
-          <p:nvPr/>
-        </p:nvPicPr>
-        <p:blipFill>
-          <a:blip r:embed="rId3"/>
-          <a:stretch>
-            <a:fillRect/>
-          </a:stretch>
-        </p:blipFill>
-        <p:spPr>
-          <a:xfrm>
-            <a:off x="235789" y="3429000"/>
-            <a:ext cx="4371033" cy="3255350"/>
-          </a:xfrm>
-          <a:prstGeom prst="rect">
-            <a:avLst/>
-          </a:prstGeom>
-        </p:spPr>
-      </p:pic>
-      <mc:AlternateContent xmlns:mc="http://schemas.openxmlformats.org/markup-compatibility/2006" xmlns:a14="http://schemas.microsoft.com/office/drawing/2010/main">
-        <mc:Choice Requires="a14">
-          <p:sp>
-            <p:nvSpPr>
-              <p:cNvPr id="7" name="文本框 6">
-                <a:extLst>
-                  <a:ext uri="{FF2B5EF4-FFF2-40B4-BE49-F238E27FC236}">
-                    <a16:creationId xmlns:a16="http://schemas.microsoft.com/office/drawing/2014/main" id="{F83C6866-76D1-4E96-901D-9786CECD3908}"/>
-                  </a:ext>
-                </a:extLst>
-              </p:cNvPr>
-              <p:cNvSpPr txBox="1"/>
-              <p:nvPr/>
-            </p:nvSpPr>
-            <p:spPr>
-              <a:xfrm>
-                <a:off x="6096000" y="3558154"/>
-                <a:ext cx="3270895" cy="1499898"/>
-              </a:xfrm>
-              <a:prstGeom prst="rect">
-                <a:avLst/>
-              </a:prstGeom>
-              <a:noFill/>
-            </p:spPr>
-            <p:txBody>
-              <a:bodyPr wrap="none" rtlCol="0">
-                <a:spAutoFit/>
-              </a:bodyPr>
-              <a:lstStyle/>
-              <a:p>
-                <a:r>
-                  <a:rPr lang="en-US" altLang="zh-CN">
-                    <a:latin typeface="Times New Roman" panose="02020603050405020304" pitchFamily="18" charset="0"/>
-                    <a:cs typeface="Times New Roman" panose="02020603050405020304" pitchFamily="18" charset="0"/>
-                  </a:rPr>
-                  <a:t>src_ctr_usa_v1:</a:t>
-                </a:r>
-              </a:p>
-              <a:p>
-                <a:pPr marL="285750" indent="-285750">
-                  <a:buFont typeface="Arial" panose="020B0604020202020204" pitchFamily="34" charset="0"/>
-                  <a:buChar char="•"/>
-                </a:pPr>
-                <a14:m>
-                  <m:oMath xmlns:m="http://schemas.openxmlformats.org/officeDocument/2006/math">
-                    <m:r>
-                      <a:rPr lang="zh-CN" altLang="en-US" b="1">
-                        <a:latin typeface="Cambria Math" panose="02040503050406030204" pitchFamily="18" charset="0"/>
-                        <a:cs typeface="Calibri" panose="020F0502020204030204" pitchFamily="34" charset="0"/>
-                      </a:rPr>
-                      <m:t>𝛌</m:t>
-                    </m:r>
-                    <m:r>
-                      <a:rPr lang="en-US" altLang="zh-CN" b="1">
-                        <a:latin typeface="Cambria Math" panose="02040503050406030204" pitchFamily="18" charset="0"/>
-                        <a:cs typeface="Calibri" panose="020F0502020204030204" pitchFamily="34" charset="0"/>
-                      </a:rPr>
-                      <m:t> </m:t>
-                    </m:r>
-                    <m:r>
-                      <m:rPr>
-                        <m:nor/>
-                      </m:rPr>
-                      <a:rPr lang="en-US" altLang="zh-CN" b="1">
-                        <a:latin typeface="Times New Roman" panose="02020603050405020304" pitchFamily="18" charset="0"/>
-                        <a:cs typeface="Times New Roman" panose="02020603050405020304" pitchFamily="18" charset="0"/>
-                      </a:rPr>
-                      <m:t>= 0.1</m:t>
-                    </m:r>
-                  </m:oMath>
-                </a14:m>
-                <a:endParaRPr lang="en-US" altLang="zh-CN" b="1">
-                  <a:latin typeface="Times New Roman" panose="02020603050405020304" pitchFamily="18" charset="0"/>
-                  <a:cs typeface="Times New Roman" panose="02020603050405020304" pitchFamily="18" charset="0"/>
-                </a:endParaRPr>
-              </a:p>
-              <a:p>
-                <a:pPr marL="285750" indent="-285750">
-                  <a:buFont typeface="Arial" panose="020B0604020202020204" pitchFamily="34" charset="0"/>
-                  <a:buChar char="•"/>
-                </a:pPr>
-                <a:r>
-                  <a:rPr lang="en-US" altLang="zh-CN">
-                    <a:latin typeface="Times New Roman" panose="02020603050405020304" pitchFamily="18" charset="0"/>
-                    <a:cs typeface="Times New Roman" panose="02020603050405020304" pitchFamily="18" charset="0"/>
-                  </a:rPr>
-                  <a:t>#pts = 1024, # groups = 1</a:t>
-                </a:r>
-              </a:p>
-              <a:p>
-                <a:pPr marL="285750" indent="-285750">
-                  <a:buFont typeface="Arial" panose="020B0604020202020204" pitchFamily="34" charset="0"/>
-                  <a:buChar char="•"/>
-                </a:pPr>
-                <a:r>
-                  <a:rPr lang="en-US" altLang="zh-CN">
-                    <a:latin typeface="Times New Roman" panose="02020603050405020304" pitchFamily="18" charset="0"/>
-                    <a:cs typeface="Times New Roman" panose="02020603050405020304" pitchFamily="18" charset="0"/>
-                  </a:rPr>
-                  <a:t>batch_size=8</a:t>
-                </a:r>
-              </a:p>
-              <a:p>
-                <a:pPr marL="285750" indent="-285750">
-                  <a:buFont typeface="Arial" panose="020B0604020202020204" pitchFamily="34" charset="0"/>
-                  <a:buChar char="•"/>
-                </a:pPr>
-                <a14:m>
-                  <m:oMath xmlns:m="http://schemas.openxmlformats.org/officeDocument/2006/math">
-                    <m:r>
-                      <a:rPr lang="en-US" altLang="zh-CN" b="0" i="1" smtClean="0">
-                        <a:latin typeface="Cambria Math" panose="02040503050406030204" pitchFamily="18" charset="0"/>
-                        <a:cs typeface="Calibri" panose="020F0502020204030204" pitchFamily="34" charset="0"/>
-                      </a:rPr>
-                      <m:t>𝐿</m:t>
-                    </m:r>
-                    <m:r>
-                      <a:rPr lang="en-US" altLang="zh-CN" b="0" i="1" smtClean="0">
-                        <a:latin typeface="Cambria Math" panose="02040503050406030204" pitchFamily="18" charset="0"/>
-                        <a:cs typeface="Calibri" panose="020F0502020204030204" pitchFamily="34" charset="0"/>
-                      </a:rPr>
-                      <m:t>=</m:t>
-                    </m:r>
-                    <m:sSub>
-                      <m:sSubPr>
-                        <m:ctrlPr>
-                          <a:rPr lang="en-US" altLang="zh-CN" b="0" i="1" smtClean="0">
-                            <a:latin typeface="Cambria Math" panose="02040503050406030204" pitchFamily="18" charset="0"/>
-                            <a:cs typeface="Calibri" panose="020F0502020204030204" pitchFamily="34" charset="0"/>
-                          </a:rPr>
-                        </m:ctrlPr>
-                      </m:sSubPr>
-                      <m:e>
-                        <m:r>
-                          <a:rPr lang="en-US" altLang="zh-CN" b="0" i="1" smtClean="0">
-                            <a:latin typeface="Cambria Math" panose="02040503050406030204" pitchFamily="18" charset="0"/>
-                            <a:cs typeface="Calibri" panose="020F0502020204030204" pitchFamily="34" charset="0"/>
-                          </a:rPr>
-                          <m:t>𝐿</m:t>
-                        </m:r>
-                      </m:e>
-                      <m:sub>
-                        <m:r>
-                          <a:rPr lang="en-US" altLang="zh-CN" b="0" i="1" smtClean="0">
-                            <a:latin typeface="Cambria Math" panose="02040503050406030204" pitchFamily="18" charset="0"/>
-                            <a:cs typeface="Calibri" panose="020F0502020204030204" pitchFamily="34" charset="0"/>
-                          </a:rPr>
-                          <m:t>𝑠𝑒𝑔</m:t>
-                        </m:r>
-                      </m:sub>
-                    </m:sSub>
-                    <m:r>
-                      <a:rPr lang="en-US" altLang="zh-CN" i="1">
-                        <a:latin typeface="Cambria Math" panose="02040503050406030204" pitchFamily="18" charset="0"/>
-                        <a:cs typeface="Calibri" panose="020F0502020204030204" pitchFamily="34" charset="0"/>
-                      </a:rPr>
-                      <m:t>+</m:t>
-                    </m:r>
-                    <m:r>
-                      <a:rPr lang="en-US" altLang="zh-CN" b="0" i="1" smtClean="0">
-                        <a:latin typeface="Cambria Math" panose="02040503050406030204" pitchFamily="18" charset="0"/>
-                        <a:cs typeface="Calibri" panose="020F0502020204030204" pitchFamily="34" charset="0"/>
-                      </a:rPr>
-                      <m:t> </m:t>
-                    </m:r>
-                    <m:r>
-                      <a:rPr lang="zh-CN" altLang="en-US" b="0" i="1" smtClean="0">
-                        <a:latin typeface="Cambria Math" panose="02040503050406030204" pitchFamily="18" charset="0"/>
-                        <a:cs typeface="Calibri" panose="020F0502020204030204" pitchFamily="34" charset="0"/>
-                      </a:rPr>
-                      <m:t>𝜆</m:t>
-                    </m:r>
-                    <m:r>
-                      <a:rPr lang="en-US" altLang="zh-CN" b="0" i="1" smtClean="0">
-                        <a:latin typeface="Cambria Math" panose="02040503050406030204" pitchFamily="18" charset="0"/>
-                        <a:cs typeface="Calibri" panose="020F0502020204030204" pitchFamily="34" charset="0"/>
-                      </a:rPr>
-                      <m:t> </m:t>
-                    </m:r>
-                    <m:r>
-                      <a:rPr lang="zh-CN" altLang="en-US" i="1">
-                        <a:latin typeface="Cambria Math" panose="02040503050406030204" pitchFamily="18" charset="0"/>
-                        <a:cs typeface="Calibri" panose="020F0502020204030204" pitchFamily="34" charset="0"/>
-                      </a:rPr>
-                      <m:t>∗</m:t>
-                    </m:r>
-                    <m:r>
-                      <a:rPr lang="en-US" altLang="zh-CN" b="0" i="1" smtClean="0">
-                        <a:latin typeface="Cambria Math" panose="02040503050406030204" pitchFamily="18" charset="0"/>
-                        <a:cs typeface="Calibri" panose="020F0502020204030204" pitchFamily="34" charset="0"/>
-                      </a:rPr>
-                      <m:t> </m:t>
-                    </m:r>
-                    <m:sSub>
-                      <m:sSubPr>
-                        <m:ctrlPr>
-                          <a:rPr lang="en-US" altLang="zh-CN" i="1">
-                            <a:latin typeface="Cambria Math" panose="02040503050406030204" pitchFamily="18" charset="0"/>
-                            <a:cs typeface="Calibri" panose="020F0502020204030204" pitchFamily="34" charset="0"/>
-                          </a:rPr>
-                        </m:ctrlPr>
-                      </m:sSubPr>
-                      <m:e>
-                        <m:r>
-                          <a:rPr lang="en-US" altLang="zh-CN" i="1">
-                            <a:latin typeface="Cambria Math" panose="02040503050406030204" pitchFamily="18" charset="0"/>
-                            <a:cs typeface="Calibri" panose="020F0502020204030204" pitchFamily="34" charset="0"/>
-                          </a:rPr>
-                          <m:t>𝐿</m:t>
-                        </m:r>
-                      </m:e>
-                      <m:sub>
-                        <m:r>
-                          <a:rPr lang="en-US" altLang="zh-CN" i="1">
-                            <a:latin typeface="Cambria Math" panose="02040503050406030204" pitchFamily="18" charset="0"/>
-                            <a:cs typeface="Calibri" panose="020F0502020204030204" pitchFamily="34" charset="0"/>
-                          </a:rPr>
-                          <m:t>𝑠</m:t>
-                        </m:r>
-                        <m:r>
-                          <a:rPr lang="en-US" altLang="zh-CN" b="0" i="1" smtClean="0">
-                            <a:latin typeface="Cambria Math" panose="02040503050406030204" pitchFamily="18" charset="0"/>
-                            <a:cs typeface="Calibri" panose="020F0502020204030204" pitchFamily="34" charset="0"/>
-                          </a:rPr>
-                          <m:t>𝑟𝑐</m:t>
-                        </m:r>
-                        <m:r>
-                          <a:rPr lang="en-US" altLang="zh-CN" b="0" i="1" smtClean="0">
-                            <a:latin typeface="Cambria Math" panose="02040503050406030204" pitchFamily="18" charset="0"/>
-                            <a:cs typeface="Calibri" panose="020F0502020204030204" pitchFamily="34" charset="0"/>
-                          </a:rPr>
-                          <m:t>_</m:t>
-                        </m:r>
-                        <m:r>
-                          <a:rPr lang="en-US" altLang="zh-CN" b="0" i="1" smtClean="0">
-                            <a:latin typeface="Cambria Math" panose="02040503050406030204" pitchFamily="18" charset="0"/>
-                            <a:cs typeface="Calibri" panose="020F0502020204030204" pitchFamily="34" charset="0"/>
-                          </a:rPr>
-                          <m:t>𝑐𝑜𝑛𝑡𝑟𝑎𝑠𝑡</m:t>
-                        </m:r>
-                      </m:sub>
-                    </m:sSub>
-                  </m:oMath>
-                </a14:m>
-                <a:endParaRPr lang="en-US" altLang="zh-CN">
-                  <a:latin typeface="Times New Roman" panose="02020603050405020304" pitchFamily="18" charset="0"/>
-                  <a:cs typeface="Times New Roman" panose="02020603050405020304" pitchFamily="18" charset="0"/>
-                </a:endParaRPr>
-              </a:p>
-            </p:txBody>
-          </p:sp>
-        </mc:Choice>
-        <mc:Fallback xmlns="">
-          <p:sp>
-            <p:nvSpPr>
-              <p:cNvPr id="7" name="文本框 6">
-                <a:extLst>
-                  <a:ext uri="{FF2B5EF4-FFF2-40B4-BE49-F238E27FC236}">
-                    <a16:creationId xmlns:a16="http://schemas.microsoft.com/office/drawing/2014/main" id="{F83C6866-76D1-4E96-901D-9786CECD3908}"/>
-                  </a:ext>
-                </a:extLst>
-              </p:cNvPr>
-              <p:cNvSpPr txBox="1">
-                <a:spLocks noRot="1" noChangeAspect="1" noMove="1" noResize="1" noEditPoints="1" noAdjustHandles="1" noChangeArrowheads="1" noChangeShapeType="1" noTextEdit="1"/>
-              </p:cNvSpPr>
-              <p:nvPr/>
-            </p:nvSpPr>
-            <p:spPr>
-              <a:xfrm>
-                <a:off x="6096000" y="3558154"/>
-                <a:ext cx="3270895" cy="1499898"/>
-              </a:xfrm>
-              <a:prstGeom prst="rect">
-                <a:avLst/>
-              </a:prstGeom>
-              <a:blipFill>
-                <a:blip r:embed="rId4"/>
-                <a:stretch>
-                  <a:fillRect l="-1490" t="-2439" b="-2846"/>
-                </a:stretch>
-              </a:blipFill>
-            </p:spPr>
-            <p:txBody>
-              <a:bodyPr/>
-              <a:lstStyle/>
-              <a:p>
-                <a:r>
-                  <a:rPr lang="zh-CN" altLang="en-US">
-                    <a:noFill/>
-                  </a:rPr>
-                  <a:t> </a:t>
-                </a:r>
-              </a:p>
-            </p:txBody>
-          </p:sp>
-        </mc:Fallback>
-      </mc:AlternateContent>
-    </p:spTree>
-    <p:extLst>
-      <p:ext uri="{BB962C8B-B14F-4D97-AF65-F5344CB8AC3E}">
-        <p14:creationId xmlns:p14="http://schemas.microsoft.com/office/powerpoint/2010/main" val="3307720903"/>
-      </p:ext>
-    </p:extLst>
-  </p:cSld>
-  <p:clrMapOvr>
-    <a:masterClrMapping/>
-  </p:clrMapOvr>
-</p:sld>
-</file>
-
-<file path=ppt/slides/slide9.xml><?xml version="1.0" encoding="utf-8"?>
-<p:sld xmlns:a="http://schemas.openxmlformats.org/drawingml/2006/main" xmlns:r="http://schemas.openxmlformats.org/officeDocument/2006/relationships" xmlns:p="http://schemas.openxmlformats.org/presentationml/2006/main">
-  <p:cSld>
-    <p:spTree>
-      <p:nvGrpSpPr>
-        <p:cNvPr id="1" name=""/>
-        <p:cNvGrpSpPr/>
-        <p:nvPr/>
-      </p:nvGrpSpPr>
-      <p:grpSpPr>
-        <a:xfrm>
-          <a:off x="0" y="0"/>
-          <a:ext cx="0" cy="0"/>
-          <a:chOff x="0" y="0"/>
-          <a:chExt cx="0" cy="0"/>
-        </a:xfrm>
-      </p:grpSpPr>
-      <p:pic>
-        <p:nvPicPr>
-          <p:cNvPr id="3" name="图片 2">
-            <a:extLst>
-              <a:ext uri="{FF2B5EF4-FFF2-40B4-BE49-F238E27FC236}">
-                <a16:creationId xmlns:a16="http://schemas.microsoft.com/office/drawing/2014/main" id="{EE74A232-F4D6-47D9-B748-8332545CFEA4}"/>
-              </a:ext>
-            </a:extLst>
-          </p:cNvPr>
-          <p:cNvPicPr>
-            <a:picLocks noChangeAspect="1"/>
-          </p:cNvPicPr>
-          <p:nvPr/>
-        </p:nvPicPr>
-        <p:blipFill>
-          <a:blip r:embed="rId2"/>
-          <a:stretch>
-            <a:fillRect/>
-          </a:stretch>
-        </p:blipFill>
-        <p:spPr>
-          <a:xfrm>
-            <a:off x="266330" y="1"/>
-            <a:ext cx="4333352" cy="3429000"/>
-          </a:xfrm>
-          <a:prstGeom prst="rect">
-            <a:avLst/>
-          </a:prstGeom>
-        </p:spPr>
-      </p:pic>
-      <p:pic>
-        <p:nvPicPr>
-          <p:cNvPr id="5" name="图片 4">
-            <a:extLst>
-              <a:ext uri="{FF2B5EF4-FFF2-40B4-BE49-F238E27FC236}">
-                <a16:creationId xmlns:a16="http://schemas.microsoft.com/office/drawing/2014/main" id="{8CB36B11-06F8-4ECF-A33A-C9447BA1225D}"/>
-              </a:ext>
-            </a:extLst>
-          </p:cNvPr>
-          <p:cNvPicPr>
-            <a:picLocks noChangeAspect="1"/>
-          </p:cNvPicPr>
-          <p:nvPr/>
-        </p:nvPicPr>
-        <p:blipFill>
-          <a:blip r:embed="rId3"/>
-          <a:stretch>
-            <a:fillRect/>
-          </a:stretch>
-        </p:blipFill>
-        <p:spPr>
-          <a:xfrm>
-            <a:off x="266330" y="3429000"/>
-            <a:ext cx="4333352" cy="3316886"/>
-          </a:xfrm>
-          <a:prstGeom prst="rect">
-            <a:avLst/>
-          </a:prstGeom>
-        </p:spPr>
-      </p:pic>
-      <mc:AlternateContent xmlns:mc="http://schemas.openxmlformats.org/markup-compatibility/2006" xmlns:a14="http://schemas.microsoft.com/office/drawing/2010/main">
-        <mc:Choice Requires="a14">
-          <p:sp>
-            <p:nvSpPr>
-              <p:cNvPr id="6" name="文本框 5">
-                <a:extLst>
-                  <a:ext uri="{FF2B5EF4-FFF2-40B4-BE49-F238E27FC236}">
-                    <a16:creationId xmlns:a16="http://schemas.microsoft.com/office/drawing/2014/main" id="{B6E0430E-D951-4963-8891-7A201E88E95E}"/>
-                  </a:ext>
-                </a:extLst>
-              </p:cNvPr>
-              <p:cNvSpPr txBox="1"/>
-              <p:nvPr/>
-            </p:nvSpPr>
-            <p:spPr>
-              <a:xfrm>
-                <a:off x="6096000" y="3558154"/>
-                <a:ext cx="3270895" cy="1499898"/>
-              </a:xfrm>
-              <a:prstGeom prst="rect">
-                <a:avLst/>
-              </a:prstGeom>
-              <a:noFill/>
-            </p:spPr>
-            <p:txBody>
-              <a:bodyPr wrap="none" rtlCol="0">
-                <a:spAutoFit/>
-              </a:bodyPr>
-              <a:lstStyle/>
-              <a:p>
-                <a:r>
-                  <a:rPr lang="en-US" altLang="zh-CN">
-                    <a:latin typeface="Times New Roman" panose="02020603050405020304" pitchFamily="18" charset="0"/>
-                    <a:cs typeface="Times New Roman" panose="02020603050405020304" pitchFamily="18" charset="0"/>
-                  </a:rPr>
-                  <a:t>src_ctr_usa_v2:</a:t>
-                </a:r>
-              </a:p>
-              <a:p>
-                <a:pPr marL="285750" indent="-285750">
-                  <a:buFont typeface="Arial" panose="020B0604020202020204" pitchFamily="34" charset="0"/>
-                  <a:buChar char="•"/>
-                </a:pPr>
-                <a14:m>
-                  <m:oMath xmlns:m="http://schemas.openxmlformats.org/officeDocument/2006/math">
-                    <m:r>
-                      <a:rPr lang="zh-CN" altLang="en-US" b="1">
-                        <a:latin typeface="Cambria Math" panose="02040503050406030204" pitchFamily="18" charset="0"/>
-                        <a:cs typeface="Calibri" panose="020F0502020204030204" pitchFamily="34" charset="0"/>
-                      </a:rPr>
-                      <m:t>𝛌</m:t>
-                    </m:r>
-                    <m:r>
-                      <a:rPr lang="en-US" altLang="zh-CN" b="1">
-                        <a:latin typeface="Cambria Math" panose="02040503050406030204" pitchFamily="18" charset="0"/>
-                        <a:cs typeface="Calibri" panose="020F0502020204030204" pitchFamily="34" charset="0"/>
-                      </a:rPr>
-                      <m:t> </m:t>
-                    </m:r>
-                    <m:r>
-                      <m:rPr>
-                        <m:nor/>
-                      </m:rPr>
-                      <a:rPr lang="en-US" altLang="zh-CN" b="1">
-                        <a:latin typeface="Times New Roman" panose="02020603050405020304" pitchFamily="18" charset="0"/>
-                        <a:cs typeface="Times New Roman" panose="02020603050405020304" pitchFamily="18" charset="0"/>
-                      </a:rPr>
-                      <m:t>= 0.</m:t>
-                    </m:r>
-                    <m:r>
-                      <m:rPr>
-                        <m:nor/>
-                      </m:rPr>
-                      <a:rPr lang="en-US" altLang="zh-CN" b="1" i="0" smtClean="0">
-                        <a:latin typeface="Times New Roman" panose="02020603050405020304" pitchFamily="18" charset="0"/>
-                        <a:cs typeface="Times New Roman" panose="02020603050405020304" pitchFamily="18" charset="0"/>
-                      </a:rPr>
-                      <m:t>5</m:t>
-                    </m:r>
-                  </m:oMath>
-                </a14:m>
-                <a:endParaRPr lang="en-US" altLang="zh-CN" b="1">
-                  <a:latin typeface="Times New Roman" panose="02020603050405020304" pitchFamily="18" charset="0"/>
-                  <a:cs typeface="Times New Roman" panose="02020603050405020304" pitchFamily="18" charset="0"/>
-                </a:endParaRPr>
-              </a:p>
-              <a:p>
-                <a:pPr marL="285750" indent="-285750">
-                  <a:buFont typeface="Arial" panose="020B0604020202020204" pitchFamily="34" charset="0"/>
-                  <a:buChar char="•"/>
-                </a:pPr>
-                <a:r>
-                  <a:rPr lang="en-US" altLang="zh-CN">
-                    <a:latin typeface="Times New Roman" panose="02020603050405020304" pitchFamily="18" charset="0"/>
-                    <a:cs typeface="Times New Roman" panose="02020603050405020304" pitchFamily="18" charset="0"/>
-                  </a:rPr>
-                  <a:t>#pts = 1024, # groups = 1</a:t>
-                </a:r>
-              </a:p>
-              <a:p>
-                <a:pPr marL="285750" indent="-285750">
-                  <a:buFont typeface="Arial" panose="020B0604020202020204" pitchFamily="34" charset="0"/>
-                  <a:buChar char="•"/>
-                </a:pPr>
-                <a:r>
-                  <a:rPr lang="en-US" altLang="zh-CN">
-                    <a:latin typeface="Times New Roman" panose="02020603050405020304" pitchFamily="18" charset="0"/>
-                    <a:cs typeface="Times New Roman" panose="02020603050405020304" pitchFamily="18" charset="0"/>
-                  </a:rPr>
-                  <a:t>batch_size=8</a:t>
-                </a:r>
-              </a:p>
-              <a:p>
-                <a:pPr marL="285750" indent="-285750">
-                  <a:buFont typeface="Arial" panose="020B0604020202020204" pitchFamily="34" charset="0"/>
-                  <a:buChar char="•"/>
-                </a:pPr>
-                <a14:m>
-                  <m:oMath xmlns:m="http://schemas.openxmlformats.org/officeDocument/2006/math">
-                    <m:r>
-                      <a:rPr lang="en-US" altLang="zh-CN" b="0" i="1" smtClean="0">
-                        <a:latin typeface="Cambria Math" panose="02040503050406030204" pitchFamily="18" charset="0"/>
-                        <a:cs typeface="Calibri" panose="020F0502020204030204" pitchFamily="34" charset="0"/>
-                      </a:rPr>
-                      <m:t>𝐿</m:t>
-                    </m:r>
-                    <m:r>
-                      <a:rPr lang="en-US" altLang="zh-CN" b="0" i="1" smtClean="0">
-                        <a:latin typeface="Cambria Math" panose="02040503050406030204" pitchFamily="18" charset="0"/>
-                        <a:cs typeface="Calibri" panose="020F0502020204030204" pitchFamily="34" charset="0"/>
-                      </a:rPr>
-                      <m:t>=</m:t>
-                    </m:r>
-                    <m:sSub>
-                      <m:sSubPr>
-                        <m:ctrlPr>
-                          <a:rPr lang="en-US" altLang="zh-CN" b="0" i="1" smtClean="0">
-                            <a:latin typeface="Cambria Math" panose="02040503050406030204" pitchFamily="18" charset="0"/>
-                            <a:cs typeface="Calibri" panose="020F0502020204030204" pitchFamily="34" charset="0"/>
-                          </a:rPr>
-                        </m:ctrlPr>
-                      </m:sSubPr>
-                      <m:e>
-                        <m:r>
-                          <a:rPr lang="en-US" altLang="zh-CN" b="0" i="1" smtClean="0">
-                            <a:latin typeface="Cambria Math" panose="02040503050406030204" pitchFamily="18" charset="0"/>
-                            <a:cs typeface="Calibri" panose="020F0502020204030204" pitchFamily="34" charset="0"/>
-                          </a:rPr>
-                          <m:t>𝐿</m:t>
-                        </m:r>
-                      </m:e>
-                      <m:sub>
-                        <m:r>
-                          <a:rPr lang="en-US" altLang="zh-CN" b="0" i="1" smtClean="0">
-                            <a:latin typeface="Cambria Math" panose="02040503050406030204" pitchFamily="18" charset="0"/>
-                            <a:cs typeface="Calibri" panose="020F0502020204030204" pitchFamily="34" charset="0"/>
-                          </a:rPr>
-                          <m:t>𝑠𝑒𝑔</m:t>
-                        </m:r>
-                      </m:sub>
-                    </m:sSub>
-                    <m:r>
-                      <a:rPr lang="en-US" altLang="zh-CN" i="1">
-                        <a:latin typeface="Cambria Math" panose="02040503050406030204" pitchFamily="18" charset="0"/>
-                        <a:cs typeface="Calibri" panose="020F0502020204030204" pitchFamily="34" charset="0"/>
-                      </a:rPr>
-                      <m:t>+</m:t>
-                    </m:r>
-                    <m:r>
-                      <a:rPr lang="en-US" altLang="zh-CN" b="0" i="1" smtClean="0">
-                        <a:latin typeface="Cambria Math" panose="02040503050406030204" pitchFamily="18" charset="0"/>
-                        <a:cs typeface="Calibri" panose="020F0502020204030204" pitchFamily="34" charset="0"/>
-                      </a:rPr>
-                      <m:t> </m:t>
-                    </m:r>
-                    <m:r>
-                      <a:rPr lang="zh-CN" altLang="en-US" b="0" i="1" smtClean="0">
-                        <a:latin typeface="Cambria Math" panose="02040503050406030204" pitchFamily="18" charset="0"/>
-                        <a:cs typeface="Calibri" panose="020F0502020204030204" pitchFamily="34" charset="0"/>
-                      </a:rPr>
-                      <m:t>𝜆</m:t>
-                    </m:r>
-                    <m:r>
-                      <a:rPr lang="en-US" altLang="zh-CN" b="0" i="1" smtClean="0">
-                        <a:latin typeface="Cambria Math" panose="02040503050406030204" pitchFamily="18" charset="0"/>
-                        <a:cs typeface="Calibri" panose="020F0502020204030204" pitchFamily="34" charset="0"/>
-                      </a:rPr>
-                      <m:t> </m:t>
-                    </m:r>
-                    <m:r>
-                      <a:rPr lang="zh-CN" altLang="en-US" i="1">
-                        <a:latin typeface="Cambria Math" panose="02040503050406030204" pitchFamily="18" charset="0"/>
-                        <a:cs typeface="Calibri" panose="020F0502020204030204" pitchFamily="34" charset="0"/>
-                      </a:rPr>
-                      <m:t>∗</m:t>
-                    </m:r>
-                    <m:r>
-                      <a:rPr lang="en-US" altLang="zh-CN" b="0" i="1" smtClean="0">
-                        <a:latin typeface="Cambria Math" panose="02040503050406030204" pitchFamily="18" charset="0"/>
-                        <a:cs typeface="Calibri" panose="020F0502020204030204" pitchFamily="34" charset="0"/>
-                      </a:rPr>
-                      <m:t> </m:t>
-                    </m:r>
-                    <m:sSub>
-                      <m:sSubPr>
-                        <m:ctrlPr>
-                          <a:rPr lang="en-US" altLang="zh-CN" i="1">
-                            <a:latin typeface="Cambria Math" panose="02040503050406030204" pitchFamily="18" charset="0"/>
-                            <a:cs typeface="Calibri" panose="020F0502020204030204" pitchFamily="34" charset="0"/>
-                          </a:rPr>
-                        </m:ctrlPr>
-                      </m:sSubPr>
-                      <m:e>
-                        <m:r>
-                          <a:rPr lang="en-US" altLang="zh-CN" i="1">
-                            <a:latin typeface="Cambria Math" panose="02040503050406030204" pitchFamily="18" charset="0"/>
-                            <a:cs typeface="Calibri" panose="020F0502020204030204" pitchFamily="34" charset="0"/>
-                          </a:rPr>
-                          <m:t>𝐿</m:t>
-                        </m:r>
-                      </m:e>
-                      <m:sub>
-                        <m:r>
-                          <a:rPr lang="en-US" altLang="zh-CN" i="1">
-                            <a:latin typeface="Cambria Math" panose="02040503050406030204" pitchFamily="18" charset="0"/>
-                            <a:cs typeface="Calibri" panose="020F0502020204030204" pitchFamily="34" charset="0"/>
-                          </a:rPr>
-                          <m:t>𝑠</m:t>
-                        </m:r>
-                        <m:r>
-                          <a:rPr lang="en-US" altLang="zh-CN" b="0" i="1" smtClean="0">
-                            <a:latin typeface="Cambria Math" panose="02040503050406030204" pitchFamily="18" charset="0"/>
-                            <a:cs typeface="Calibri" panose="020F0502020204030204" pitchFamily="34" charset="0"/>
-                          </a:rPr>
-                          <m:t>𝑟𝑐</m:t>
-                        </m:r>
-                        <m:r>
-                          <a:rPr lang="en-US" altLang="zh-CN" b="0" i="1" smtClean="0">
-                            <a:latin typeface="Cambria Math" panose="02040503050406030204" pitchFamily="18" charset="0"/>
-                            <a:cs typeface="Calibri" panose="020F0502020204030204" pitchFamily="34" charset="0"/>
-                          </a:rPr>
-                          <m:t>_</m:t>
-                        </m:r>
-                        <m:r>
-                          <a:rPr lang="en-US" altLang="zh-CN" b="0" i="1" smtClean="0">
-                            <a:latin typeface="Cambria Math" panose="02040503050406030204" pitchFamily="18" charset="0"/>
-                            <a:cs typeface="Calibri" panose="020F0502020204030204" pitchFamily="34" charset="0"/>
-                          </a:rPr>
-                          <m:t>𝑐𝑜𝑛𝑡𝑟𝑎𝑠𝑡</m:t>
-                        </m:r>
-                      </m:sub>
-                    </m:sSub>
-                  </m:oMath>
-                </a14:m>
-                <a:endParaRPr lang="en-US" altLang="zh-CN">
-                  <a:latin typeface="Times New Roman" panose="02020603050405020304" pitchFamily="18" charset="0"/>
-                  <a:cs typeface="Times New Roman" panose="02020603050405020304" pitchFamily="18" charset="0"/>
-                </a:endParaRPr>
-              </a:p>
-            </p:txBody>
-          </p:sp>
-        </mc:Choice>
-        <mc:Fallback xmlns="">
-          <p:sp>
-            <p:nvSpPr>
-              <p:cNvPr id="6" name="文本框 5">
-                <a:extLst>
-                  <a:ext uri="{FF2B5EF4-FFF2-40B4-BE49-F238E27FC236}">
-                    <a16:creationId xmlns:a16="http://schemas.microsoft.com/office/drawing/2014/main" id="{B6E0430E-D951-4963-8891-7A201E88E95E}"/>
-                  </a:ext>
-                </a:extLst>
-              </p:cNvPr>
-              <p:cNvSpPr txBox="1">
-                <a:spLocks noRot="1" noChangeAspect="1" noMove="1" noResize="1" noEditPoints="1" noAdjustHandles="1" noChangeArrowheads="1" noChangeShapeType="1" noTextEdit="1"/>
-              </p:cNvSpPr>
-              <p:nvPr/>
-            </p:nvSpPr>
-            <p:spPr>
-              <a:xfrm>
-                <a:off x="6096000" y="3558154"/>
-                <a:ext cx="3270895" cy="1499898"/>
-              </a:xfrm>
-              <a:prstGeom prst="rect">
-                <a:avLst/>
-              </a:prstGeom>
-              <a:blipFill>
-                <a:blip r:embed="rId4"/>
-                <a:stretch>
-                  <a:fillRect l="-1490" t="-2439" b="-2846"/>
-                </a:stretch>
-              </a:blipFill>
-            </p:spPr>
-            <p:txBody>
-              <a:bodyPr/>
-              <a:lstStyle/>
-              <a:p>
-                <a:r>
-                  <a:rPr lang="zh-CN" altLang="en-US">
-                    <a:noFill/>
-                  </a:rPr>
-                  <a:t> </a:t>
-                </a:r>
-              </a:p>
-            </p:txBody>
-          </p:sp>
-        </mc:Fallback>
-      </mc:AlternateContent>
-    </p:spTree>
-    <p:extLst>
-      <p:ext uri="{BB962C8B-B14F-4D97-AF65-F5344CB8AC3E}">
-        <p14:creationId xmlns:p14="http://schemas.microsoft.com/office/powerpoint/2010/main" val="572692805"/>
-      </p:ext>
-    </p:extLst>
-  </p:cSld>
-  <p:clrMapOvr>
-    <a:masterClrMapping/>
-  </p:clrMapOvr>
-</p:sld>
-</file>
-
 <file path=ppt/theme/theme1.xml><?xml version="1.0" encoding="utf-8"?>
 <a:theme xmlns:a="http://schemas.openxmlformats.org/drawingml/2006/main" name="Office 主题​​">
   <a:themeElements>

--- a/demo/latest.pptx
+++ b/demo/latest.pptx
@@ -3436,21 +3436,28 @@
               <a:buChar char="•"/>
             </a:pPr>
             <a:r>
-              <a:rPr lang="en-US" altLang="zh-CN" sz="2000">
+              <a:rPr lang="en-US" altLang="zh-CN" sz="2000" dirty="0">
                 <a:latin typeface="Times New Roman" panose="02020603050405020304" pitchFamily="18" charset="0"/>
                 <a:cs typeface="Times New Roman" panose="02020603050405020304" pitchFamily="18" charset="0"/>
               </a:rPr>
-              <a:t>So far we have discarded 3D object detection and only remain </a:t>
+              <a:t>So far, we have discarded 3D object detection and only remain </a:t>
             </a:r>
             <a:r>
-              <a:rPr lang="en-US" altLang="zh-CN" sz="2000" b="1">
+              <a:rPr lang="en-US" altLang="zh-CN" sz="2000" b="1" dirty="0">
                 <a:latin typeface="Times New Roman" panose="02020603050405020304" pitchFamily="18" charset="0"/>
                 <a:cs typeface="Times New Roman" panose="02020603050405020304" pitchFamily="18" charset="0"/>
               </a:rPr>
               <a:t>3D Semantic Segmentation</a:t>
             </a:r>
             <a:r>
-              <a:rPr lang="en-US" altLang="zh-CN" sz="2000">
+              <a:rPr lang="zh-CN" altLang="en-US" sz="2000" b="1" dirty="0">
+                <a:latin typeface="Times New Roman" panose="02020603050405020304" pitchFamily="18" charset="0"/>
+                <a:cs typeface="Times New Roman" panose="02020603050405020304" pitchFamily="18" charset="0"/>
+              </a:rPr>
+              <a:t> </a:t>
+            </a:r>
+            <a:r>
+              <a:rPr lang="en-US" altLang="zh-CN" sz="2000" dirty="0">
                 <a:latin typeface="Times New Roman" panose="02020603050405020304" pitchFamily="18" charset="0"/>
                 <a:cs typeface="Times New Roman" panose="02020603050405020304" pitchFamily="18" charset="0"/>
               </a:rPr>
@@ -3462,7 +3469,7 @@
               <a:buFont typeface="Arial" panose="020B0604020202020204" pitchFamily="34" charset="0"/>
               <a:buChar char="•"/>
             </a:pPr>
-            <a:endParaRPr lang="en-US" altLang="zh-CN" sz="2000">
+            <a:endParaRPr lang="en-US" altLang="zh-CN" sz="2000" dirty="0">
               <a:latin typeface="Times New Roman" panose="02020603050405020304" pitchFamily="18" charset="0"/>
               <a:cs typeface="Times New Roman" panose="02020603050405020304" pitchFamily="18" charset="0"/>
             </a:endParaRPr>
@@ -3473,11 +3480,25 @@
               <a:buChar char="•"/>
             </a:pPr>
             <a:r>
-              <a:rPr lang="en-US" altLang="zh-CN" sz="2000">
+              <a:rPr lang="en-US" altLang="zh-CN" sz="2000" dirty="0">
                 <a:latin typeface="Times New Roman" panose="02020603050405020304" pitchFamily="18" charset="0"/>
                 <a:cs typeface="Times New Roman" panose="02020603050405020304" pitchFamily="18" charset="0"/>
               </a:rPr>
-              <a:t>Domain adaptation is still preserved; We train our model with both labeled source data and unlabeled target data and test our model on target_test.</a:t>
+              <a:t>Domain adaptation is still preserved; We train our model with both labeled source data and unlabeled target data and test our model on </a:t>
+            </a:r>
+            <a:r>
+              <a:rPr lang="en-US" altLang="zh-CN" sz="2000" dirty="0" err="1">
+                <a:latin typeface="Times New Roman" panose="02020603050405020304" pitchFamily="18" charset="0"/>
+                <a:cs typeface="Times New Roman" panose="02020603050405020304" pitchFamily="18" charset="0"/>
+              </a:rPr>
+              <a:t>target_test</a:t>
+            </a:r>
+            <a:r>
+              <a:rPr lang="en-US" altLang="zh-CN" sz="2000" dirty="0">
+                <a:latin typeface="Times New Roman" panose="02020603050405020304" pitchFamily="18" charset="0"/>
+                <a:cs typeface="Times New Roman" panose="02020603050405020304" pitchFamily="18" charset="0"/>
+              </a:rPr>
+              <a:t>.</a:t>
             </a:r>
           </a:p>
           <a:p>
@@ -3485,7 +3506,7 @@
               <a:buFont typeface="Arial" panose="020B0604020202020204" pitchFamily="34" charset="0"/>
               <a:buChar char="•"/>
             </a:pPr>
-            <a:endParaRPr lang="en-US" altLang="zh-CN" sz="2000">
+            <a:endParaRPr lang="en-US" altLang="zh-CN" sz="2000" dirty="0">
               <a:latin typeface="Times New Roman" panose="02020603050405020304" pitchFamily="18" charset="0"/>
               <a:cs typeface="Times New Roman" panose="02020603050405020304" pitchFamily="18" charset="0"/>
             </a:endParaRPr>
@@ -3496,14 +3517,42 @@
               <a:buChar char="•"/>
             </a:pPr>
             <a:r>
-              <a:rPr lang="en-US" altLang="zh-CN" sz="2000">
+              <a:rPr lang="en-US" altLang="zh-CN" sz="2000" dirty="0">
                 <a:latin typeface="Times New Roman" panose="02020603050405020304" pitchFamily="18" charset="0"/>
                 <a:cs typeface="Times New Roman" panose="02020603050405020304" pitchFamily="18" charset="0"/>
               </a:rPr>
-              <a:t>We adopt nearly the same architecture as xMUDA, except for the head part, where xMUDA introduces “</a:t>
+              <a:t>We adopt nearly the same architecture as </a:t>
             </a:r>
             <a:r>
-              <a:rPr lang="en-US" altLang="zh-CN" sz="2000">
+              <a:rPr lang="en-US" altLang="zh-CN" sz="2000" dirty="0" err="1">
+                <a:latin typeface="Times New Roman" panose="02020603050405020304" pitchFamily="18" charset="0"/>
+                <a:cs typeface="Times New Roman" panose="02020603050405020304" pitchFamily="18" charset="0"/>
+              </a:rPr>
+              <a:t>xMUDA</a:t>
+            </a:r>
+            <a:r>
+              <a:rPr lang="en-US" altLang="zh-CN" sz="2000" dirty="0">
+                <a:latin typeface="Times New Roman" panose="02020603050405020304" pitchFamily="18" charset="0"/>
+                <a:cs typeface="Times New Roman" panose="02020603050405020304" pitchFamily="18" charset="0"/>
+              </a:rPr>
+              <a:t>, except for the head part, where </a:t>
+            </a:r>
+            <a:r>
+              <a:rPr lang="en-US" altLang="zh-CN" sz="2000" dirty="0" err="1">
+                <a:latin typeface="Times New Roman" panose="02020603050405020304" pitchFamily="18" charset="0"/>
+                <a:cs typeface="Times New Roman" panose="02020603050405020304" pitchFamily="18" charset="0"/>
+              </a:rPr>
+              <a:t>xMUDA</a:t>
+            </a:r>
+            <a:r>
+              <a:rPr lang="en-US" altLang="zh-CN" sz="2000" dirty="0">
+                <a:latin typeface="Times New Roman" panose="02020603050405020304" pitchFamily="18" charset="0"/>
+                <a:cs typeface="Times New Roman" panose="02020603050405020304" pitchFamily="18" charset="0"/>
+              </a:rPr>
+              <a:t> introduces “</a:t>
+            </a:r>
+            <a:r>
+              <a:rPr lang="en-US" altLang="zh-CN" sz="2000" dirty="0">
                 <a:latin typeface="Times New Roman" panose="02020603050405020304" pitchFamily="18" charset="0"/>
                 <a:cs typeface="Times New Roman" panose="02020603050405020304" pitchFamily="18" charset="0"/>
                 <a:hlinkClick r:id="rId2" action="ppaction://hlinksldjump"/>
@@ -3511,14 +3560,14 @@
               <a:t>Dual Head</a:t>
             </a:r>
             <a:r>
-              <a:rPr lang="en-US" altLang="zh-CN" sz="2000">
+              <a:rPr lang="en-US" altLang="zh-CN" sz="2000" dirty="0">
                 <a:latin typeface="Times New Roman" panose="02020603050405020304" pitchFamily="18" charset="0"/>
                 <a:cs typeface="Times New Roman" panose="02020603050405020304" pitchFamily="18" charset="0"/>
               </a:rPr>
               <a:t>” but we only use “</a:t>
             </a:r>
             <a:r>
-              <a:rPr lang="en-US" altLang="zh-CN" sz="2000">
+              <a:rPr lang="en-US" altLang="zh-CN" sz="2000" dirty="0">
                 <a:latin typeface="Times New Roman" panose="02020603050405020304" pitchFamily="18" charset="0"/>
                 <a:cs typeface="Times New Roman" panose="02020603050405020304" pitchFamily="18" charset="0"/>
                 <a:hlinkClick r:id="rId3" action="ppaction://hlinksldjump"/>
@@ -3526,11 +3575,39 @@
               <a:t>Vinilla Fusion</a:t>
             </a:r>
             <a:r>
-              <a:rPr lang="en-US" altLang="zh-CN" sz="2000">
+              <a:rPr lang="en-US" altLang="zh-CN" sz="2000" dirty="0">
                 <a:latin typeface="Times New Roman" panose="02020603050405020304" pitchFamily="18" charset="0"/>
                 <a:cs typeface="Times New Roman" panose="02020603050405020304" pitchFamily="18" charset="0"/>
               </a:rPr>
-              <a:t>”. The backbones are the same: UNet for 2D images and SparseConvNet for 3D lidar points.</a:t>
+              <a:t>”. The backbones are the same: </a:t>
+            </a:r>
+            <a:r>
+              <a:rPr lang="en-US" altLang="zh-CN" sz="2000" dirty="0" err="1">
+                <a:latin typeface="Times New Roman" panose="02020603050405020304" pitchFamily="18" charset="0"/>
+                <a:cs typeface="Times New Roman" panose="02020603050405020304" pitchFamily="18" charset="0"/>
+              </a:rPr>
+              <a:t>UNet</a:t>
+            </a:r>
+            <a:r>
+              <a:rPr lang="en-US" altLang="zh-CN" sz="2000" dirty="0">
+                <a:latin typeface="Times New Roman" panose="02020603050405020304" pitchFamily="18" charset="0"/>
+                <a:cs typeface="Times New Roman" panose="02020603050405020304" pitchFamily="18" charset="0"/>
+              </a:rPr>
+              <a:t> for 2D images and </a:t>
+            </a:r>
+            <a:r>
+              <a:rPr lang="en-US" altLang="zh-CN" sz="2000" dirty="0" err="1">
+                <a:latin typeface="Times New Roman" panose="02020603050405020304" pitchFamily="18" charset="0"/>
+                <a:cs typeface="Times New Roman" panose="02020603050405020304" pitchFamily="18" charset="0"/>
+              </a:rPr>
+              <a:t>SparseConvNet</a:t>
+            </a:r>
+            <a:r>
+              <a:rPr lang="en-US" altLang="zh-CN" sz="2000" dirty="0">
+                <a:latin typeface="Times New Roman" panose="02020603050405020304" pitchFamily="18" charset="0"/>
+                <a:cs typeface="Times New Roman" panose="02020603050405020304" pitchFamily="18" charset="0"/>
+              </a:rPr>
+              <a:t> for 3D lidar points.</a:t>
             </a:r>
           </a:p>
           <a:p>
@@ -3538,7 +3615,7 @@
               <a:buFont typeface="Arial" panose="020B0604020202020204" pitchFamily="34" charset="0"/>
               <a:buChar char="•"/>
             </a:pPr>
-            <a:endParaRPr lang="en-US" altLang="zh-CN" sz="2000">
+            <a:endParaRPr lang="en-US" altLang="zh-CN" sz="2000" dirty="0">
               <a:latin typeface="Times New Roman" panose="02020603050405020304" pitchFamily="18" charset="0"/>
               <a:cs typeface="Times New Roman" panose="02020603050405020304" pitchFamily="18" charset="0"/>
             </a:endParaRPr>
@@ -3549,21 +3626,49 @@
               <a:buChar char="•"/>
             </a:pPr>
             <a:r>
-              <a:rPr lang="en-US" altLang="zh-CN" sz="2000">
+              <a:rPr lang="en-US" altLang="zh-CN" sz="2000" dirty="0">
                 <a:latin typeface="Times New Roman" panose="02020603050405020304" pitchFamily="18" charset="0"/>
                 <a:cs typeface="Times New Roman" panose="02020603050405020304" pitchFamily="18" charset="0"/>
               </a:rPr>
-              <a:t>The segmentation labels we use are released after xMuda. So we have rerun xMUDA with the new labels. </a:t>
+              <a:t>The segmentation labels we use are released after </a:t>
             </a:r>
             <a:r>
-              <a:rPr lang="en-US" altLang="zh-CN" sz="2000">
+              <a:rPr lang="en-US" altLang="zh-CN" sz="2000" dirty="0" err="1">
+                <a:latin typeface="Times New Roman" panose="02020603050405020304" pitchFamily="18" charset="0"/>
+                <a:cs typeface="Times New Roman" panose="02020603050405020304" pitchFamily="18" charset="0"/>
+              </a:rPr>
+              <a:t>xMuda</a:t>
+            </a:r>
+            <a:r>
+              <a:rPr lang="en-US" altLang="zh-CN" sz="2000" dirty="0">
+                <a:latin typeface="Times New Roman" panose="02020603050405020304" pitchFamily="18" charset="0"/>
+                <a:cs typeface="Times New Roman" panose="02020603050405020304" pitchFamily="18" charset="0"/>
+              </a:rPr>
+              <a:t>. So we have rerun </a:t>
+            </a:r>
+            <a:r>
+              <a:rPr lang="en-US" altLang="zh-CN" sz="2000" dirty="0" err="1">
+                <a:latin typeface="Times New Roman" panose="02020603050405020304" pitchFamily="18" charset="0"/>
+                <a:cs typeface="Times New Roman" panose="02020603050405020304" pitchFamily="18" charset="0"/>
+              </a:rPr>
+              <a:t>xMUDA</a:t>
+            </a:r>
+            <a:r>
+              <a:rPr lang="en-US" altLang="zh-CN" sz="2000" dirty="0">
+                <a:latin typeface="Times New Roman" panose="02020603050405020304" pitchFamily="18" charset="0"/>
+                <a:cs typeface="Times New Roman" panose="02020603050405020304" pitchFamily="18" charset="0"/>
+              </a:rPr>
+              <a:t> with the new labels. </a:t>
+            </a:r>
+            <a:r>
+              <a:rPr lang="en-US" altLang="zh-CN" sz="2000" dirty="0">
                 <a:latin typeface="Times New Roman" panose="02020603050405020304" pitchFamily="18" charset="0"/>
                 <a:cs typeface="Times New Roman" panose="02020603050405020304" pitchFamily="18" charset="0"/>
                 <a:hlinkClick r:id="rId4" action="ppaction://hlinksldjump"/>
               </a:rPr>
               <a:t>See the results.</a:t>
             </a:r>
-            <a:endParaRPr lang="en-US" altLang="zh-CN" sz="2000">
+            <a:endParaRPr lang="en-US" altLang="zh-CN" sz="2000" dirty="0">
               <a:latin typeface="Times New Roman" panose="02020603050405020304" pitchFamily="18" charset="0"/>
               <a:cs typeface="Times New Roman" panose="02020603050405020304" pitchFamily="18" charset="0"/>
             </a:endParaRPr>
@@ -3573,7 +3678,7 @@
               <a:buFont typeface="Arial" panose="020B0604020202020204" pitchFamily="34" charset="0"/>
               <a:buChar char="•"/>
             </a:pPr>
-            <a:endParaRPr lang="en-US" altLang="zh-CN" sz="2000">
+            <a:endParaRPr lang="en-US" altLang="zh-CN" sz="2000" dirty="0">
               <a:latin typeface="Times New Roman" panose="02020603050405020304" pitchFamily="18" charset="0"/>
               <a:cs typeface="Times New Roman" panose="02020603050405020304" pitchFamily="18" charset="0"/>
             </a:endParaRPr>
@@ -3584,21 +3689,35 @@
               <a:buChar char="•"/>
             </a:pPr>
             <a:r>
-              <a:rPr lang="en-US" altLang="zh-CN" sz="2000">
+              <a:rPr lang="en-US" altLang="zh-CN" sz="2000" dirty="0">
                 <a:latin typeface="Times New Roman" panose="02020603050405020304" pitchFamily="18" charset="0"/>
                 <a:cs typeface="Times New Roman" panose="02020603050405020304" pitchFamily="18" charset="0"/>
               </a:rPr>
-              <a:t>We have run baseline for our “Vanilla Fusion”. Though seemingly strange, but it has outperformed xMUDA. </a:t>
+              <a:t>We have run baseline for our “Vanilla Fusion”. Though seemingly strange, but it has outperformed </a:t>
             </a:r>
             <a:r>
-              <a:rPr lang="en-US" altLang="zh-CN" sz="2000">
+              <a:rPr lang="en-US" altLang="zh-CN" sz="2000" dirty="0" err="1">
+                <a:latin typeface="Times New Roman" panose="02020603050405020304" pitchFamily="18" charset="0"/>
+                <a:cs typeface="Times New Roman" panose="02020603050405020304" pitchFamily="18" charset="0"/>
+              </a:rPr>
+              <a:t>xMUDA</a:t>
+            </a:r>
+            <a:r>
+              <a:rPr lang="en-US" altLang="zh-CN" sz="2000" dirty="0">
+                <a:latin typeface="Times New Roman" panose="02020603050405020304" pitchFamily="18" charset="0"/>
+                <a:cs typeface="Times New Roman" panose="02020603050405020304" pitchFamily="18" charset="0"/>
+              </a:rPr>
+              <a:t>. </a:t>
+            </a:r>
+            <a:r>
+              <a:rPr lang="en-US" altLang="zh-CN" sz="2000" dirty="0">
                 <a:latin typeface="Times New Roman" panose="02020603050405020304" pitchFamily="18" charset="0"/>
                 <a:cs typeface="Times New Roman" panose="02020603050405020304" pitchFamily="18" charset="0"/>
                 <a:hlinkClick r:id="rId5" action="ppaction://hlinksldjump"/>
               </a:rPr>
               <a:t>See the results.</a:t>
             </a:r>
-            <a:endParaRPr lang="en-US" altLang="zh-CN" sz="2000">
+            <a:endParaRPr lang="en-US" altLang="zh-CN" sz="2000" dirty="0">
               <a:latin typeface="Times New Roman" panose="02020603050405020304" pitchFamily="18" charset="0"/>
               <a:cs typeface="Times New Roman" panose="02020603050405020304" pitchFamily="18" charset="0"/>
             </a:endParaRPr>
@@ -10721,8 +10840,8 @@
           </a:prstGeom>
         </p:spPr>
       </p:pic>
-      <mc:AlternateContent xmlns:mc="http://schemas.openxmlformats.org/markup-compatibility/2006">
-        <mc:Choice xmlns:a14="http://schemas.microsoft.com/office/drawing/2010/main" Requires="a14">
+      <mc:AlternateContent xmlns:mc="http://schemas.openxmlformats.org/markup-compatibility/2006" xmlns:a14="http://schemas.microsoft.com/office/drawing/2010/main">
+        <mc:Choice Requires="a14">
           <p:sp>
             <p:nvSpPr>
               <p:cNvPr id="24" name="文本框 23">
@@ -11005,7 +11124,7 @@
             </p:txBody>
           </p:sp>
         </mc:Choice>
-        <mc:Fallback>
+        <mc:Fallback xmlns="">
           <p:sp>
             <p:nvSpPr>
               <p:cNvPr id="24" name="文本框 23">
@@ -11140,8 +11259,8 @@
           </a:prstGeom>
         </p:spPr>
       </p:pic>
-      <mc:AlternateContent xmlns:mc="http://schemas.openxmlformats.org/markup-compatibility/2006">
-        <mc:Choice xmlns:a14="http://schemas.microsoft.com/office/drawing/2010/main" Requires="a14">
+      <mc:AlternateContent xmlns:mc="http://schemas.openxmlformats.org/markup-compatibility/2006" xmlns:a14="http://schemas.microsoft.com/office/drawing/2010/main">
+        <mc:Choice Requires="a14">
           <p:sp>
             <p:nvSpPr>
               <p:cNvPr id="43" name="文本框 42">
@@ -11451,7 +11570,7 @@
             </p:txBody>
           </p:sp>
         </mc:Choice>
-        <mc:Fallback>
+        <mc:Fallback xmlns="">
           <p:sp>
             <p:nvSpPr>
               <p:cNvPr id="43" name="文本框 42">

--- a/demo/latest.pptx
+++ b/demo/latest.pptx
@@ -336,7 +336,7 @@
           <a:p>
             <a:fld id="{F66AF9F7-1E16-4864-A104-0B9CCBB64DB7}" type="datetimeFigureOut">
               <a:rPr lang="zh-CN" altLang="en-US" smtClean="0"/>
-              <a:t>2021/3/30</a:t>
+              <a:t>2021/3/31</a:t>
             </a:fld>
             <a:endParaRPr lang="zh-CN" altLang="en-US"/>
           </a:p>
@@ -534,7 +534,7 @@
           <a:p>
             <a:fld id="{F66AF9F7-1E16-4864-A104-0B9CCBB64DB7}" type="datetimeFigureOut">
               <a:rPr lang="zh-CN" altLang="en-US" smtClean="0"/>
-              <a:t>2021/3/30</a:t>
+              <a:t>2021/3/31</a:t>
             </a:fld>
             <a:endParaRPr lang="zh-CN" altLang="en-US"/>
           </a:p>
@@ -742,7 +742,7 @@
           <a:p>
             <a:fld id="{F66AF9F7-1E16-4864-A104-0B9CCBB64DB7}" type="datetimeFigureOut">
               <a:rPr lang="zh-CN" altLang="en-US" smtClean="0"/>
-              <a:t>2021/3/30</a:t>
+              <a:t>2021/3/31</a:t>
             </a:fld>
             <a:endParaRPr lang="zh-CN" altLang="en-US"/>
           </a:p>
@@ -940,7 +940,7 @@
           <a:p>
             <a:fld id="{F66AF9F7-1E16-4864-A104-0B9CCBB64DB7}" type="datetimeFigureOut">
               <a:rPr lang="zh-CN" altLang="en-US" smtClean="0"/>
-              <a:t>2021/3/30</a:t>
+              <a:t>2021/3/31</a:t>
             </a:fld>
             <a:endParaRPr lang="zh-CN" altLang="en-US"/>
           </a:p>
@@ -1215,7 +1215,7 @@
           <a:p>
             <a:fld id="{F66AF9F7-1E16-4864-A104-0B9CCBB64DB7}" type="datetimeFigureOut">
               <a:rPr lang="zh-CN" altLang="en-US" smtClean="0"/>
-              <a:t>2021/3/30</a:t>
+              <a:t>2021/3/31</a:t>
             </a:fld>
             <a:endParaRPr lang="zh-CN" altLang="en-US"/>
           </a:p>
@@ -1480,7 +1480,7 @@
           <a:p>
             <a:fld id="{F66AF9F7-1E16-4864-A104-0B9CCBB64DB7}" type="datetimeFigureOut">
               <a:rPr lang="zh-CN" altLang="en-US" smtClean="0"/>
-              <a:t>2021/3/30</a:t>
+              <a:t>2021/3/31</a:t>
             </a:fld>
             <a:endParaRPr lang="zh-CN" altLang="en-US"/>
           </a:p>
@@ -1892,7 +1892,7 @@
           <a:p>
             <a:fld id="{F66AF9F7-1E16-4864-A104-0B9CCBB64DB7}" type="datetimeFigureOut">
               <a:rPr lang="zh-CN" altLang="en-US" smtClean="0"/>
-              <a:t>2021/3/30</a:t>
+              <a:t>2021/3/31</a:t>
             </a:fld>
             <a:endParaRPr lang="zh-CN" altLang="en-US"/>
           </a:p>
@@ -2033,7 +2033,7 @@
           <a:p>
             <a:fld id="{F66AF9F7-1E16-4864-A104-0B9CCBB64DB7}" type="datetimeFigureOut">
               <a:rPr lang="zh-CN" altLang="en-US" smtClean="0"/>
-              <a:t>2021/3/30</a:t>
+              <a:t>2021/3/31</a:t>
             </a:fld>
             <a:endParaRPr lang="zh-CN" altLang="en-US"/>
           </a:p>
@@ -2146,7 +2146,7 @@
           <a:p>
             <a:fld id="{F66AF9F7-1E16-4864-A104-0B9CCBB64DB7}" type="datetimeFigureOut">
               <a:rPr lang="zh-CN" altLang="en-US" smtClean="0"/>
-              <a:t>2021/3/30</a:t>
+              <a:t>2021/3/31</a:t>
             </a:fld>
             <a:endParaRPr lang="zh-CN" altLang="en-US"/>
           </a:p>
@@ -2457,7 +2457,7 @@
           <a:p>
             <a:fld id="{F66AF9F7-1E16-4864-A104-0B9CCBB64DB7}" type="datetimeFigureOut">
               <a:rPr lang="zh-CN" altLang="en-US" smtClean="0"/>
-              <a:t>2021/3/30</a:t>
+              <a:t>2021/3/31</a:t>
             </a:fld>
             <a:endParaRPr lang="zh-CN" altLang="en-US"/>
           </a:p>
@@ -2745,7 +2745,7 @@
           <a:p>
             <a:fld id="{F66AF9F7-1E16-4864-A104-0B9CCBB64DB7}" type="datetimeFigureOut">
               <a:rPr lang="zh-CN" altLang="en-US" smtClean="0"/>
-              <a:t>2021/3/30</a:t>
+              <a:t>2021/3/31</a:t>
             </a:fld>
             <a:endParaRPr lang="zh-CN" altLang="en-US"/>
           </a:p>
@@ -2986,7 +2986,7 @@
           <a:p>
             <a:fld id="{F66AF9F7-1E16-4864-A104-0B9CCBB64DB7}" type="datetimeFigureOut">
               <a:rPr lang="zh-CN" altLang="en-US" smtClean="0"/>
-              <a:t>2021/3/30</a:t>
+              <a:t>2021/3/31</a:t>
             </a:fld>
             <a:endParaRPr lang="zh-CN" altLang="en-US"/>
           </a:p>
@@ -21575,7 +21575,7 @@
           <p:nvPr>
             <p:extLst>
               <p:ext uri="{D42A27DB-BD31-4B8C-83A1-F6EECF244321}">
-                <p14:modId xmlns:p14="http://schemas.microsoft.com/office/powerpoint/2010/main" val="2024699369"/>
+                <p14:modId xmlns:p14="http://schemas.microsoft.com/office/powerpoint/2010/main" val="182172178"/>
               </p:ext>
             </p:extLst>
           </p:nvPr>
@@ -21591,14 +21591,14 @@
                 <a:tableStyleId>{5940675A-B579-460E-94D1-54222C63F5DA}</a:tableStyleId>
               </a:tblPr>
               <a:tblGrid>
-                <a:gridCol w="2055015">
+                <a:gridCol w="2325948">
                   <a:extLst>
                     <a:ext uri="{9D8B030D-6E8A-4147-A177-3AD203B41FA5}">
                       <a16:colId xmlns:a16="http://schemas.microsoft.com/office/drawing/2014/main" val="3158983323"/>
                     </a:ext>
                   </a:extLst>
                 </a:gridCol>
-                <a:gridCol w="1611461">
+                <a:gridCol w="1340528">
                   <a:extLst>
                     <a:ext uri="{9D8B030D-6E8A-4147-A177-3AD203B41FA5}">
                       <a16:colId xmlns:a16="http://schemas.microsoft.com/office/drawing/2014/main" val="3981907334"/>
@@ -22070,6 +22070,13 @@
                         </a:rPr>
                         <a:t>src_ctr_usa_v0</a:t>
                       </a:r>
+                      <a:r>
+                        <a:rPr lang="en-US" altLang="zh-CN">
+                          <a:latin typeface="Times New Roman" panose="02020603050405020304" pitchFamily="18" charset="0"/>
+                          <a:cs typeface="Times New Roman" panose="02020603050405020304" pitchFamily="18" charset="0"/>
+                        </a:rPr>
+                        <a:t> (0.01)</a:t>
+                      </a:r>
                       <a:endParaRPr lang="zh-CN" altLang="en-US">
                         <a:latin typeface="Times New Roman" panose="02020603050405020304" pitchFamily="18" charset="0"/>
                         <a:cs typeface="Times New Roman" panose="02020603050405020304" pitchFamily="18" charset="0"/>
@@ -22292,6 +22299,13 @@
                         </a:rPr>
                         <a:t>src_ctr_usa_v1</a:t>
                       </a:r>
+                      <a:r>
+                        <a:rPr lang="en-US" altLang="zh-CN">
+                          <a:latin typeface="Times New Roman" panose="02020603050405020304" pitchFamily="18" charset="0"/>
+                          <a:cs typeface="Times New Roman" panose="02020603050405020304" pitchFamily="18" charset="0"/>
+                        </a:rPr>
+                        <a:t>  (0.1)</a:t>
+                      </a:r>
                       <a:endParaRPr lang="zh-CN" altLang="en-US">
                         <a:latin typeface="Times New Roman" panose="02020603050405020304" pitchFamily="18" charset="0"/>
                         <a:cs typeface="Times New Roman" panose="02020603050405020304" pitchFamily="18" charset="0"/>
@@ -22498,6 +22512,13 @@
                         </a:rPr>
                         <a:t>src_ctr_usa_v2</a:t>
                       </a:r>
+                      <a:r>
+                        <a:rPr lang="en-US" altLang="zh-CN">
+                          <a:latin typeface="Times New Roman" panose="02020603050405020304" pitchFamily="18" charset="0"/>
+                          <a:cs typeface="Times New Roman" panose="02020603050405020304" pitchFamily="18" charset="0"/>
+                        </a:rPr>
+                        <a:t> (0.5) </a:t>
+                      </a:r>
                       <a:endParaRPr lang="zh-CN" altLang="en-US">
                         <a:latin typeface="Times New Roman" panose="02020603050405020304" pitchFamily="18" charset="0"/>
                         <a:cs typeface="Times New Roman" panose="02020603050405020304" pitchFamily="18" charset="0"/>
@@ -22704,6 +22725,13 @@
                         </a:rPr>
                         <a:t>src_ctr_usa_v3</a:t>
                       </a:r>
+                      <a:r>
+                        <a:rPr lang="en-US" altLang="zh-CN">
+                          <a:latin typeface="Times New Roman" panose="02020603050405020304" pitchFamily="18" charset="0"/>
+                          <a:cs typeface="Times New Roman" panose="02020603050405020304" pitchFamily="18" charset="0"/>
+                        </a:rPr>
+                        <a:t> (0.3)</a:t>
+                      </a:r>
                       <a:endParaRPr lang="zh-CN" altLang="en-US">
                         <a:latin typeface="Times New Roman" panose="02020603050405020304" pitchFamily="18" charset="0"/>
                         <a:cs typeface="Times New Roman" panose="02020603050405020304" pitchFamily="18" charset="0"/>
@@ -22909,6 +22937,13 @@
                           <a:hlinkClick r:id="rId6" action="ppaction://hlinksldjump"/>
                         </a:rPr>
                         <a:t>src_ctr_usa_v4</a:t>
+                      </a:r>
+                      <a:r>
+                        <a:rPr lang="en-US" altLang="zh-CN">
+                          <a:latin typeface="Times New Roman" panose="02020603050405020304" pitchFamily="18" charset="0"/>
+                          <a:cs typeface="Times New Roman" panose="02020603050405020304" pitchFamily="18" charset="0"/>
+                        </a:rPr>
+                        <a:t> (1.0)</a:t>
                       </a:r>
                       <a:endParaRPr lang="zh-CN" altLang="en-US">
                         <a:latin typeface="Times New Roman" panose="02020603050405020304" pitchFamily="18" charset="0"/>
@@ -23769,8 +23804,8 @@
           </a:prstGeom>
         </p:spPr>
       </p:pic>
-      <mc:AlternateContent xmlns:mc="http://schemas.openxmlformats.org/markup-compatibility/2006" xmlns:a14="http://schemas.microsoft.com/office/drawing/2010/main">
-        <mc:Choice Requires="a14">
+      <mc:AlternateContent xmlns:mc="http://schemas.openxmlformats.org/markup-compatibility/2006">
+        <mc:Choice xmlns:a14="http://schemas.microsoft.com/office/drawing/2010/main" Requires="a14">
           <p:sp>
             <p:nvSpPr>
               <p:cNvPr id="12" name="文本框 11">
@@ -24000,7 +24035,7 @@
             </p:txBody>
           </p:sp>
         </mc:Choice>
-        <mc:Fallback xmlns="">
+        <mc:Fallback>
           <p:sp>
             <p:nvSpPr>
               <p:cNvPr id="12" name="文本框 11">

--- a/demo/latest.pptx
+++ b/demo/latest.pptx
@@ -336,7 +336,7 @@
           <a:p>
             <a:fld id="{F66AF9F7-1E16-4864-A104-0B9CCBB64DB7}" type="datetimeFigureOut">
               <a:rPr lang="zh-CN" altLang="en-US" smtClean="0"/>
-              <a:t>2021/3/31</a:t>
+              <a:t>2021/4/1</a:t>
             </a:fld>
             <a:endParaRPr lang="zh-CN" altLang="en-US"/>
           </a:p>
@@ -534,7 +534,7 @@
           <a:p>
             <a:fld id="{F66AF9F7-1E16-4864-A104-0B9CCBB64DB7}" type="datetimeFigureOut">
               <a:rPr lang="zh-CN" altLang="en-US" smtClean="0"/>
-              <a:t>2021/3/31</a:t>
+              <a:t>2021/4/1</a:t>
             </a:fld>
             <a:endParaRPr lang="zh-CN" altLang="en-US"/>
           </a:p>
@@ -742,7 +742,7 @@
           <a:p>
             <a:fld id="{F66AF9F7-1E16-4864-A104-0B9CCBB64DB7}" type="datetimeFigureOut">
               <a:rPr lang="zh-CN" altLang="en-US" smtClean="0"/>
-              <a:t>2021/3/31</a:t>
+              <a:t>2021/4/1</a:t>
             </a:fld>
             <a:endParaRPr lang="zh-CN" altLang="en-US"/>
           </a:p>
@@ -940,7 +940,7 @@
           <a:p>
             <a:fld id="{F66AF9F7-1E16-4864-A104-0B9CCBB64DB7}" type="datetimeFigureOut">
               <a:rPr lang="zh-CN" altLang="en-US" smtClean="0"/>
-              <a:t>2021/3/31</a:t>
+              <a:t>2021/4/1</a:t>
             </a:fld>
             <a:endParaRPr lang="zh-CN" altLang="en-US"/>
           </a:p>
@@ -1215,7 +1215,7 @@
           <a:p>
             <a:fld id="{F66AF9F7-1E16-4864-A104-0B9CCBB64DB7}" type="datetimeFigureOut">
               <a:rPr lang="zh-CN" altLang="en-US" smtClean="0"/>
-              <a:t>2021/3/31</a:t>
+              <a:t>2021/4/1</a:t>
             </a:fld>
             <a:endParaRPr lang="zh-CN" altLang="en-US"/>
           </a:p>
@@ -1480,7 +1480,7 @@
           <a:p>
             <a:fld id="{F66AF9F7-1E16-4864-A104-0B9CCBB64DB7}" type="datetimeFigureOut">
               <a:rPr lang="zh-CN" altLang="en-US" smtClean="0"/>
-              <a:t>2021/3/31</a:t>
+              <a:t>2021/4/1</a:t>
             </a:fld>
             <a:endParaRPr lang="zh-CN" altLang="en-US"/>
           </a:p>
@@ -1892,7 +1892,7 @@
           <a:p>
             <a:fld id="{F66AF9F7-1E16-4864-A104-0B9CCBB64DB7}" type="datetimeFigureOut">
               <a:rPr lang="zh-CN" altLang="en-US" smtClean="0"/>
-              <a:t>2021/3/31</a:t>
+              <a:t>2021/4/1</a:t>
             </a:fld>
             <a:endParaRPr lang="zh-CN" altLang="en-US"/>
           </a:p>
@@ -2033,7 +2033,7 @@
           <a:p>
             <a:fld id="{F66AF9F7-1E16-4864-A104-0B9CCBB64DB7}" type="datetimeFigureOut">
               <a:rPr lang="zh-CN" altLang="en-US" smtClean="0"/>
-              <a:t>2021/3/31</a:t>
+              <a:t>2021/4/1</a:t>
             </a:fld>
             <a:endParaRPr lang="zh-CN" altLang="en-US"/>
           </a:p>
@@ -2146,7 +2146,7 @@
           <a:p>
             <a:fld id="{F66AF9F7-1E16-4864-A104-0B9CCBB64DB7}" type="datetimeFigureOut">
               <a:rPr lang="zh-CN" altLang="en-US" smtClean="0"/>
-              <a:t>2021/3/31</a:t>
+              <a:t>2021/4/1</a:t>
             </a:fld>
             <a:endParaRPr lang="zh-CN" altLang="en-US"/>
           </a:p>
@@ -2457,7 +2457,7 @@
           <a:p>
             <a:fld id="{F66AF9F7-1E16-4864-A104-0B9CCBB64DB7}" type="datetimeFigureOut">
               <a:rPr lang="zh-CN" altLang="en-US" smtClean="0"/>
-              <a:t>2021/3/31</a:t>
+              <a:t>2021/4/1</a:t>
             </a:fld>
             <a:endParaRPr lang="zh-CN" altLang="en-US"/>
           </a:p>
@@ -2745,7 +2745,7 @@
           <a:p>
             <a:fld id="{F66AF9F7-1E16-4864-A104-0B9CCBB64DB7}" type="datetimeFigureOut">
               <a:rPr lang="zh-CN" altLang="en-US" smtClean="0"/>
-              <a:t>2021/3/31</a:t>
+              <a:t>2021/4/1</a:t>
             </a:fld>
             <a:endParaRPr lang="zh-CN" altLang="en-US"/>
           </a:p>
@@ -2986,7 +2986,7 @@
           <a:p>
             <a:fld id="{F66AF9F7-1E16-4864-A104-0B9CCBB64DB7}" type="datetimeFigureOut">
               <a:rPr lang="zh-CN" altLang="en-US" smtClean="0"/>
-              <a:t>2021/3/31</a:t>
+              <a:t>2021/4/1</a:t>
             </a:fld>
             <a:endParaRPr lang="zh-CN" altLang="en-US"/>
           </a:p>
@@ -18226,36 +18226,6 @@
           <a:chExt cx="0" cy="0"/>
         </a:xfrm>
       </p:grpSpPr>
-      <p:pic>
-        <p:nvPicPr>
-          <p:cNvPr id="4" name="图片 3">
-            <a:extLst>
-              <a:ext uri="{FF2B5EF4-FFF2-40B4-BE49-F238E27FC236}">
-                <a16:creationId xmlns:a16="http://schemas.microsoft.com/office/drawing/2014/main" id="{423A3080-5106-4B97-A7D1-DD6B0AC9E149}"/>
-              </a:ext>
-            </a:extLst>
-          </p:cNvPr>
-          <p:cNvPicPr>
-            <a:picLocks noChangeAspect="1"/>
-          </p:cNvPicPr>
-          <p:nvPr/>
-        </p:nvPicPr>
-        <p:blipFill>
-          <a:blip r:embed="rId2"/>
-          <a:stretch>
-            <a:fillRect/>
-          </a:stretch>
-        </p:blipFill>
-        <p:spPr>
-          <a:xfrm>
-            <a:off x="479044" y="4648539"/>
-            <a:ext cx="5122765" cy="1783820"/>
-          </a:xfrm>
-          <a:prstGeom prst="rect">
-            <a:avLst/>
-          </a:prstGeom>
-        </p:spPr>
-      </p:pic>
       <p:grpSp>
         <p:nvGrpSpPr>
           <p:cNvPr id="5" name="组合 4">
@@ -18795,6 +18765,36 @@
           </a:p>
         </p:txBody>
       </p:sp>
+      <p:pic>
+        <p:nvPicPr>
+          <p:cNvPr id="4" name="图片 3">
+            <a:extLst>
+              <a:ext uri="{FF2B5EF4-FFF2-40B4-BE49-F238E27FC236}">
+                <a16:creationId xmlns:a16="http://schemas.microsoft.com/office/drawing/2014/main" id="{423A3080-5106-4B97-A7D1-DD6B0AC9E149}"/>
+              </a:ext>
+            </a:extLst>
+          </p:cNvPr>
+          <p:cNvPicPr>
+            <a:picLocks noChangeAspect="1"/>
+          </p:cNvPicPr>
+          <p:nvPr/>
+        </p:nvPicPr>
+        <p:blipFill>
+          <a:blip r:embed="rId2"/>
+          <a:stretch>
+            <a:fillRect/>
+          </a:stretch>
+        </p:blipFill>
+        <p:spPr>
+          <a:xfrm>
+            <a:off x="479044" y="3262260"/>
+            <a:ext cx="9103874" cy="3170099"/>
+          </a:xfrm>
+          <a:prstGeom prst="rect">
+            <a:avLst/>
+          </a:prstGeom>
+        </p:spPr>
+      </p:pic>
     </p:spTree>
     <p:extLst>
       <p:ext uri="{BB962C8B-B14F-4D97-AF65-F5344CB8AC3E}">
@@ -19658,10 +19658,10 @@
         </p:nvGrpSpPr>
         <p:grpSpPr>
           <a:xfrm>
-            <a:off x="914992" y="1971653"/>
-            <a:ext cx="3811866" cy="2594346"/>
-            <a:chOff x="7458014" y="4048217"/>
-            <a:chExt cx="3811866" cy="2594346"/>
+            <a:off x="914992" y="1559765"/>
+            <a:ext cx="3811866" cy="3006234"/>
+            <a:chOff x="7458014" y="3636329"/>
+            <a:chExt cx="3811866" cy="3006234"/>
           </a:xfrm>
         </p:grpSpPr>
         <p:pic>
@@ -19794,8 +19794,8 @@
           </p:nvSpPr>
           <p:spPr>
             <a:xfrm>
-              <a:off x="8736082" y="4657657"/>
-              <a:ext cx="654346" cy="276999"/>
+              <a:off x="8345878" y="3636329"/>
+              <a:ext cx="1370888" cy="461665"/>
             </a:xfrm>
             <a:prstGeom prst="rect">
               <a:avLst/>
@@ -19808,6 +19808,17 @@
             </a:bodyPr>
             <a:lstStyle/>
             <a:p>
+              <a:pPr algn="ctr"/>
+              <a:r>
+                <a:rPr lang="en-US" altLang="zh-CN" sz="1200">
+                  <a:latin typeface="Arial" panose="020B0604020202020204" pitchFamily="34" charset="0"/>
+                  <a:cs typeface="Arial" panose="020B0604020202020204" pitchFamily="34" charset="0"/>
+                </a:rPr>
+                <a:t>Sample img feats</a:t>
+              </a:r>
+            </a:p>
+            <a:p>
+              <a:pPr algn="ctr"/>
               <a:r>
                 <a:rPr lang="en-US" altLang="zh-CN" sz="1200">
                   <a:latin typeface="Arial" panose="020B0604020202020204" pitchFamily="34" charset="0"/>
@@ -19836,8 +19847,8 @@
           </p:nvSpPr>
           <p:spPr>
             <a:xfrm>
-              <a:off x="8736082" y="5874364"/>
-              <a:ext cx="654346" cy="276999"/>
+              <a:off x="8612649" y="5836439"/>
+              <a:ext cx="901209" cy="461665"/>
             </a:xfrm>
             <a:prstGeom prst="rect">
               <a:avLst/>
@@ -19850,6 +19861,17 @@
             </a:bodyPr>
             <a:lstStyle/>
             <a:p>
+              <a:pPr algn="ctr"/>
+              <a:r>
+                <a:rPr lang="en-US" altLang="zh-CN" sz="1200">
+                  <a:latin typeface="Arial" panose="020B0604020202020204" pitchFamily="34" charset="0"/>
+                  <a:cs typeface="Arial" panose="020B0604020202020204" pitchFamily="34" charset="0"/>
+                </a:rPr>
+                <a:t>Lidar feats</a:t>
+              </a:r>
+            </a:p>
+            <a:p>
+              <a:pPr algn="ctr"/>
               <a:r>
                 <a:rPr lang="en-US" altLang="zh-CN" sz="1200">
                   <a:latin typeface="Arial" panose="020B0604020202020204" pitchFamily="34" charset="0"/>
@@ -21575,14 +21597,14 @@
           <p:nvPr>
             <p:extLst>
               <p:ext uri="{D42A27DB-BD31-4B8C-83A1-F6EECF244321}">
-                <p14:modId xmlns:p14="http://schemas.microsoft.com/office/powerpoint/2010/main" val="182172178"/>
+                <p14:modId xmlns:p14="http://schemas.microsoft.com/office/powerpoint/2010/main" val="1831923524"/>
               </p:ext>
             </p:extLst>
           </p:nvPr>
         </p:nvGraphicFramePr>
         <p:xfrm>
           <a:off x="461640" y="566337"/>
-          <a:ext cx="5255579" cy="4244423"/>
+          <a:ext cx="5255579" cy="3502743"/>
         </p:xfrm>
         <a:graphic>
           <a:graphicData uri="http://schemas.openxmlformats.org/drawingml/2006/table">
@@ -22304,7 +22326,7 @@
                           <a:latin typeface="Times New Roman" panose="02020603050405020304" pitchFamily="18" charset="0"/>
                           <a:cs typeface="Times New Roman" panose="02020603050405020304" pitchFamily="18" charset="0"/>
                         </a:rPr>
-                        <a:t>  (0.1)</a:t>
+                        <a:t> (0.1)</a:t>
                       </a:r>
                       <a:endParaRPr lang="zh-CN" altLang="en-US">
                         <a:latin typeface="Times New Roman" panose="02020603050405020304" pitchFamily="18" charset="0"/>
@@ -23339,374 +23361,6 @@
                 <a:extLst>
                   <a:ext uri="{0D108BD9-81ED-4DB2-BD59-A6C34878D82A}">
                     <a16:rowId xmlns:a16="http://schemas.microsoft.com/office/drawing/2014/main" val="1545515436"/>
-                  </a:ext>
-                </a:extLst>
-              </a:tr>
-              <a:tr h="370840">
-                <a:tc>
-                  <a:txBody>
-                    <a:bodyPr/>
-                    <a:lstStyle/>
-                    <a:p>
-                      <a:pPr algn="ctr"/>
-                      <a:endParaRPr lang="zh-CN" altLang="en-US">
-                        <a:latin typeface="Times New Roman" panose="02020603050405020304" pitchFamily="18" charset="0"/>
-                        <a:cs typeface="Times New Roman" panose="02020603050405020304" pitchFamily="18" charset="0"/>
-                      </a:endParaRPr>
-                    </a:p>
-                  </a:txBody>
-                  <a:tcPr>
-                    <a:lnL w="12700" cap="flat" cmpd="sng" algn="ctr">
-                      <a:solidFill>
-                        <a:schemeClr val="tx1"/>
-                      </a:solidFill>
-                      <a:prstDash val="solid"/>
-                      <a:round/>
-                      <a:headEnd type="none" w="med" len="med"/>
-                      <a:tailEnd type="none" w="med" len="med"/>
-                    </a:lnL>
-                    <a:lnR w="12700" cap="flat" cmpd="sng" algn="ctr">
-                      <a:solidFill>
-                        <a:schemeClr val="tx1"/>
-                      </a:solidFill>
-                      <a:prstDash val="solid"/>
-                      <a:round/>
-                      <a:headEnd type="none" w="med" len="med"/>
-                      <a:tailEnd type="none" w="med" len="med"/>
-                    </a:lnR>
-                    <a:lnT w="12700" cap="flat" cmpd="sng" algn="ctr">
-                      <a:solidFill>
-                        <a:schemeClr val="tx1"/>
-                      </a:solidFill>
-                      <a:prstDash val="solid"/>
-                      <a:round/>
-                      <a:headEnd type="none" w="med" len="med"/>
-                      <a:tailEnd type="none" w="med" len="med"/>
-                    </a:lnT>
-                    <a:lnB w="12700" cap="flat" cmpd="sng" algn="ctr">
-                      <a:solidFill>
-                        <a:schemeClr val="tx1"/>
-                      </a:solidFill>
-                      <a:prstDash val="solid"/>
-                      <a:round/>
-                      <a:headEnd type="none" w="med" len="med"/>
-                      <a:tailEnd type="none" w="med" len="med"/>
-                    </a:lnB>
-                    <a:lnTlToBr w="12700" cmpd="sng">
-                      <a:noFill/>
-                      <a:prstDash val="solid"/>
-                    </a:lnTlToBr>
-                    <a:lnBlToTr w="12700" cmpd="sng">
-                      <a:noFill/>
-                      <a:prstDash val="solid"/>
-                    </a:lnBlToTr>
-                  </a:tcPr>
-                </a:tc>
-                <a:tc>
-                  <a:txBody>
-                    <a:bodyPr/>
-                    <a:lstStyle/>
-                    <a:p>
-                      <a:pPr algn="ctr"/>
-                      <a:endParaRPr lang="zh-CN" altLang="en-US">
-                        <a:latin typeface="Times New Roman" panose="02020603050405020304" pitchFamily="18" charset="0"/>
-                        <a:cs typeface="Times New Roman" panose="02020603050405020304" pitchFamily="18" charset="0"/>
-                      </a:endParaRPr>
-                    </a:p>
-                  </a:txBody>
-                  <a:tcPr>
-                    <a:lnL w="12700" cap="flat" cmpd="sng" algn="ctr">
-                      <a:solidFill>
-                        <a:schemeClr val="tx1"/>
-                      </a:solidFill>
-                      <a:prstDash val="solid"/>
-                      <a:round/>
-                      <a:headEnd type="none" w="med" len="med"/>
-                      <a:tailEnd type="none" w="med" len="med"/>
-                    </a:lnL>
-                    <a:lnR w="12700" cap="flat" cmpd="sng" algn="ctr">
-                      <a:solidFill>
-                        <a:schemeClr val="tx1"/>
-                      </a:solidFill>
-                      <a:prstDash val="solid"/>
-                      <a:round/>
-                      <a:headEnd type="none" w="med" len="med"/>
-                      <a:tailEnd type="none" w="med" len="med"/>
-                    </a:lnR>
-                    <a:lnT w="12700" cap="flat" cmpd="sng" algn="ctr">
-                      <a:solidFill>
-                        <a:schemeClr val="tx1"/>
-                      </a:solidFill>
-                      <a:prstDash val="solid"/>
-                      <a:round/>
-                      <a:headEnd type="none" w="med" len="med"/>
-                      <a:tailEnd type="none" w="med" len="med"/>
-                    </a:lnT>
-                    <a:lnB w="12700" cap="flat" cmpd="sng" algn="ctr">
-                      <a:solidFill>
-                        <a:schemeClr val="tx1"/>
-                      </a:solidFill>
-                      <a:prstDash val="solid"/>
-                      <a:round/>
-                      <a:headEnd type="none" w="med" len="med"/>
-                      <a:tailEnd type="none" w="med" len="med"/>
-                    </a:lnB>
-                    <a:lnTlToBr w="12700" cmpd="sng">
-                      <a:noFill/>
-                      <a:prstDash val="solid"/>
-                    </a:lnTlToBr>
-                    <a:lnBlToTr w="12700" cmpd="sng">
-                      <a:noFill/>
-                      <a:prstDash val="solid"/>
-                    </a:lnBlToTr>
-                  </a:tcPr>
-                </a:tc>
-                <a:tc>
-                  <a:txBody>
-                    <a:bodyPr/>
-                    <a:lstStyle/>
-                    <a:p>
-                      <a:pPr algn="ctr"/>
-                      <a:endParaRPr lang="zh-CN" altLang="en-US">
-                        <a:latin typeface="Times New Roman" panose="02020603050405020304" pitchFamily="18" charset="0"/>
-                        <a:cs typeface="Times New Roman" panose="02020603050405020304" pitchFamily="18" charset="0"/>
-                      </a:endParaRPr>
-                    </a:p>
-                  </a:txBody>
-                  <a:tcPr>
-                    <a:lnL w="12700" cap="flat" cmpd="sng" algn="ctr">
-                      <a:solidFill>
-                        <a:schemeClr val="tx1"/>
-                      </a:solidFill>
-                      <a:prstDash val="solid"/>
-                      <a:round/>
-                      <a:headEnd type="none" w="med" len="med"/>
-                      <a:tailEnd type="none" w="med" len="med"/>
-                    </a:lnL>
-                    <a:lnR w="12700" cap="flat" cmpd="sng" algn="ctr">
-                      <a:solidFill>
-                        <a:schemeClr val="tx1"/>
-                      </a:solidFill>
-                      <a:prstDash val="solid"/>
-                      <a:round/>
-                      <a:headEnd type="none" w="med" len="med"/>
-                      <a:tailEnd type="none" w="med" len="med"/>
-                    </a:lnR>
-                    <a:lnT w="12700" cap="flat" cmpd="sng" algn="ctr">
-                      <a:solidFill>
-                        <a:schemeClr val="tx1"/>
-                      </a:solidFill>
-                      <a:prstDash val="solid"/>
-                      <a:round/>
-                      <a:headEnd type="none" w="med" len="med"/>
-                      <a:tailEnd type="none" w="med" len="med"/>
-                    </a:lnT>
-                    <a:lnB w="12700" cap="flat" cmpd="sng" algn="ctr">
-                      <a:solidFill>
-                        <a:schemeClr val="tx1"/>
-                      </a:solidFill>
-                      <a:prstDash val="solid"/>
-                      <a:round/>
-                      <a:headEnd type="none" w="med" len="med"/>
-                      <a:tailEnd type="none" w="med" len="med"/>
-                    </a:lnB>
-                    <a:lnTlToBr w="12700" cmpd="sng">
-                      <a:noFill/>
-                      <a:prstDash val="solid"/>
-                    </a:lnTlToBr>
-                    <a:lnBlToTr w="12700" cmpd="sng">
-                      <a:noFill/>
-                      <a:prstDash val="solid"/>
-                    </a:lnBlToTr>
-                  </a:tcPr>
-                </a:tc>
-                <a:extLst>
-                  <a:ext uri="{0D108BD9-81ED-4DB2-BD59-A6C34878D82A}">
-                    <a16:rowId xmlns:a16="http://schemas.microsoft.com/office/drawing/2014/main" val="1625827981"/>
-                  </a:ext>
-                </a:extLst>
-              </a:tr>
-              <a:tr h="370840">
-                <a:tc>
-                  <a:txBody>
-                    <a:bodyPr/>
-                    <a:lstStyle/>
-                    <a:p>
-                      <a:pPr algn="ctr"/>
-                      <a:endParaRPr lang="zh-CN" altLang="en-US">
-                        <a:latin typeface="Times New Roman" panose="02020603050405020304" pitchFamily="18" charset="0"/>
-                        <a:cs typeface="Times New Roman" panose="02020603050405020304" pitchFamily="18" charset="0"/>
-                      </a:endParaRPr>
-                    </a:p>
-                  </a:txBody>
-                  <a:tcPr>
-                    <a:lnL w="12700" cap="flat" cmpd="sng" algn="ctr">
-                      <a:solidFill>
-                        <a:schemeClr val="tx1"/>
-                      </a:solidFill>
-                      <a:prstDash val="solid"/>
-                      <a:round/>
-                      <a:headEnd type="none" w="med" len="med"/>
-                      <a:tailEnd type="none" w="med" len="med"/>
-                    </a:lnL>
-                    <a:lnR w="12700" cap="flat" cmpd="sng" algn="ctr">
-                      <a:solidFill>
-                        <a:schemeClr val="tx1"/>
-                      </a:solidFill>
-                      <a:prstDash val="solid"/>
-                      <a:round/>
-                      <a:headEnd type="none" w="med" len="med"/>
-                      <a:tailEnd type="none" w="med" len="med"/>
-                    </a:lnR>
-                    <a:lnT w="12700" cap="flat" cmpd="sng" algn="ctr">
-                      <a:solidFill>
-                        <a:schemeClr val="tx1"/>
-                      </a:solidFill>
-                      <a:prstDash val="solid"/>
-                      <a:round/>
-                      <a:headEnd type="none" w="med" len="med"/>
-                      <a:tailEnd type="none" w="med" len="med"/>
-                    </a:lnT>
-                    <a:lnB w="12700" cap="flat" cmpd="sng" algn="ctr">
-                      <a:solidFill>
-                        <a:schemeClr val="tx1"/>
-                      </a:solidFill>
-                      <a:prstDash val="solid"/>
-                      <a:round/>
-                      <a:headEnd type="none" w="med" len="med"/>
-                      <a:tailEnd type="none" w="med" len="med"/>
-                    </a:lnB>
-                    <a:lnTlToBr w="12700" cmpd="sng">
-                      <a:noFill/>
-                      <a:prstDash val="solid"/>
-                    </a:lnTlToBr>
-                    <a:lnBlToTr w="12700" cmpd="sng">
-                      <a:noFill/>
-                      <a:prstDash val="solid"/>
-                    </a:lnBlToTr>
-                  </a:tcPr>
-                </a:tc>
-                <a:tc>
-                  <a:txBody>
-                    <a:bodyPr/>
-                    <a:lstStyle/>
-                    <a:p>
-                      <a:pPr algn="ctr"/>
-                      <a:endParaRPr lang="zh-CN" altLang="en-US">
-                        <a:latin typeface="Times New Roman" panose="02020603050405020304" pitchFamily="18" charset="0"/>
-                        <a:cs typeface="Times New Roman" panose="02020603050405020304" pitchFamily="18" charset="0"/>
-                      </a:endParaRPr>
-                    </a:p>
-                  </a:txBody>
-                  <a:tcPr>
-                    <a:lnL w="12700" cap="flat" cmpd="sng" algn="ctr">
-                      <a:solidFill>
-                        <a:schemeClr val="tx1"/>
-                      </a:solidFill>
-                      <a:prstDash val="solid"/>
-                      <a:round/>
-                      <a:headEnd type="none" w="med" len="med"/>
-                      <a:tailEnd type="none" w="med" len="med"/>
-                    </a:lnL>
-                    <a:lnR w="12700" cap="flat" cmpd="sng" algn="ctr">
-                      <a:solidFill>
-                        <a:schemeClr val="tx1"/>
-                      </a:solidFill>
-                      <a:prstDash val="solid"/>
-                      <a:round/>
-                      <a:headEnd type="none" w="med" len="med"/>
-                      <a:tailEnd type="none" w="med" len="med"/>
-                    </a:lnR>
-                    <a:lnT w="12700" cap="flat" cmpd="sng" algn="ctr">
-                      <a:solidFill>
-                        <a:schemeClr val="tx1"/>
-                      </a:solidFill>
-                      <a:prstDash val="solid"/>
-                      <a:round/>
-                      <a:headEnd type="none" w="med" len="med"/>
-                      <a:tailEnd type="none" w="med" len="med"/>
-                    </a:lnT>
-                    <a:lnB w="12700" cap="flat" cmpd="sng" algn="ctr">
-                      <a:solidFill>
-                        <a:schemeClr val="tx1"/>
-                      </a:solidFill>
-                      <a:prstDash val="solid"/>
-                      <a:round/>
-                      <a:headEnd type="none" w="med" len="med"/>
-                      <a:tailEnd type="none" w="med" len="med"/>
-                    </a:lnB>
-                    <a:lnTlToBr w="12700" cmpd="sng">
-                      <a:noFill/>
-                      <a:prstDash val="solid"/>
-                    </a:lnTlToBr>
-                    <a:lnBlToTr w="12700" cmpd="sng">
-                      <a:noFill/>
-                      <a:prstDash val="solid"/>
-                    </a:lnBlToTr>
-                  </a:tcPr>
-                </a:tc>
-                <a:tc>
-                  <a:txBody>
-                    <a:bodyPr/>
-                    <a:lstStyle/>
-                    <a:p>
-                      <a:pPr algn="ctr"/>
-                      <a:endParaRPr lang="zh-CN" altLang="en-US">
-                        <a:latin typeface="Times New Roman" panose="02020603050405020304" pitchFamily="18" charset="0"/>
-                        <a:cs typeface="Times New Roman" panose="02020603050405020304" pitchFamily="18" charset="0"/>
-                      </a:endParaRPr>
-                    </a:p>
-                  </a:txBody>
-                  <a:tcPr>
-                    <a:lnL w="12700" cap="flat" cmpd="sng" algn="ctr">
-                      <a:solidFill>
-                        <a:schemeClr val="tx1"/>
-                      </a:solidFill>
-                      <a:prstDash val="solid"/>
-                      <a:round/>
-                      <a:headEnd type="none" w="med" len="med"/>
-                      <a:tailEnd type="none" w="med" len="med"/>
-                    </a:lnL>
-                    <a:lnR w="12700" cap="flat" cmpd="sng" algn="ctr">
-                      <a:solidFill>
-                        <a:schemeClr val="tx1"/>
-                      </a:solidFill>
-                      <a:prstDash val="solid"/>
-                      <a:round/>
-                      <a:headEnd type="none" w="med" len="med"/>
-                      <a:tailEnd type="none" w="med" len="med"/>
-                    </a:lnR>
-                    <a:lnT w="12700" cap="flat" cmpd="sng" algn="ctr">
-                      <a:solidFill>
-                        <a:schemeClr val="tx1"/>
-                      </a:solidFill>
-                      <a:prstDash val="solid"/>
-                      <a:round/>
-                      <a:headEnd type="none" w="med" len="med"/>
-                      <a:tailEnd type="none" w="med" len="med"/>
-                    </a:lnT>
-                    <a:lnB w="12700" cap="flat" cmpd="sng" algn="ctr">
-                      <a:solidFill>
-                        <a:schemeClr val="tx1"/>
-                      </a:solidFill>
-                      <a:prstDash val="solid"/>
-                      <a:round/>
-                      <a:headEnd type="none" w="med" len="med"/>
-                      <a:tailEnd type="none" w="med" len="med"/>
-                    </a:lnB>
-                    <a:lnTlToBr w="12700" cmpd="sng">
-                      <a:noFill/>
-                      <a:prstDash val="solid"/>
-                    </a:lnTlToBr>
-                    <a:lnBlToTr w="12700" cmpd="sng">
-                      <a:noFill/>
-                      <a:prstDash val="solid"/>
-                    </a:lnBlToTr>
-                  </a:tcPr>
-                </a:tc>
-                <a:extLst>
-                  <a:ext uri="{0D108BD9-81ED-4DB2-BD59-A6C34878D82A}">
-                    <a16:rowId xmlns:a16="http://schemas.microsoft.com/office/drawing/2014/main" val="1539910588"/>
                   </a:ext>
                 </a:extLst>
               </a:tr>
@@ -23804,8 +23458,8 @@
           </a:prstGeom>
         </p:spPr>
       </p:pic>
-      <mc:AlternateContent xmlns:mc="http://schemas.openxmlformats.org/markup-compatibility/2006">
-        <mc:Choice xmlns:a14="http://schemas.microsoft.com/office/drawing/2010/main" Requires="a14">
+      <mc:AlternateContent xmlns:mc="http://schemas.openxmlformats.org/markup-compatibility/2006" xmlns:a14="http://schemas.microsoft.com/office/drawing/2010/main">
+        <mc:Choice Requires="a14">
           <p:sp>
             <p:nvSpPr>
               <p:cNvPr id="12" name="文本框 11">
@@ -24035,7 +23689,7 @@
             </p:txBody>
           </p:sp>
         </mc:Choice>
-        <mc:Fallback>
+        <mc:Fallback xmlns="">
           <p:sp>
             <p:nvSpPr>
               <p:cNvPr id="12" name="文本框 11">
